--- a/slides/Day3.pptx
+++ b/slides/Day3.pptx
@@ -6,16 +6,22 @@
   </p:sldMasterIdLst>
   <p:sldIdLst>
     <p:sldId id="260" r:id="rId2"/>
-    <p:sldId id="261" r:id="rId3"/>
-    <p:sldId id="262" r:id="rId4"/>
-    <p:sldId id="263" r:id="rId5"/>
-    <p:sldId id="265" r:id="rId6"/>
-    <p:sldId id="264" r:id="rId7"/>
-    <p:sldId id="266" r:id="rId8"/>
-    <p:sldId id="267" r:id="rId9"/>
-    <p:sldId id="268" r:id="rId10"/>
-    <p:sldId id="269" r:id="rId11"/>
-    <p:sldId id="270" r:id="rId12"/>
+    <p:sldId id="262" r:id="rId3"/>
+    <p:sldId id="263" r:id="rId4"/>
+    <p:sldId id="265" r:id="rId5"/>
+    <p:sldId id="264" r:id="rId6"/>
+    <p:sldId id="266" r:id="rId7"/>
+    <p:sldId id="267" r:id="rId8"/>
+    <p:sldId id="268" r:id="rId9"/>
+    <p:sldId id="272" r:id="rId10"/>
+    <p:sldId id="271" r:id="rId11"/>
+    <p:sldId id="269" r:id="rId12"/>
+    <p:sldId id="270" r:id="rId13"/>
+    <p:sldId id="276" r:id="rId14"/>
+    <p:sldId id="277" r:id="rId15"/>
+    <p:sldId id="274" r:id="rId16"/>
+    <p:sldId id="273" r:id="rId17"/>
+    <p:sldId id="275" r:id="rId18"/>
   </p:sldIdLst>
   <p:sldSz cx="12192000" cy="6858000"/>
   <p:notesSz cx="6858000" cy="9144000"/>
@@ -114,6 +120,11 @@
       </a:defRPr>
     </a:lvl9pPr>
   </p:defaultTextStyle>
+  <p:extLst>
+    <p:ext uri="{EFAFB233-063F-42B5-8137-9DF3F51BA10A}">
+      <p15:sldGuideLst xmlns:p15="http://schemas.microsoft.com/office/powerpoint/2012/main"/>
+    </p:ext>
+  </p:extLst>
 </p:presentation>
 </file>
 
@@ -212,7 +223,7 @@
           <a:effectLst/>
           <a:extLst>
             <a:ext uri="{91240B29-F687-4f45-9708-019B960494DF}">
-              <a14:hiddenLine xmlns:a14="http://schemas.microsoft.com/office/drawing/2010/main" xmlns="" w="9525">
+              <a14:hiddenLine xmlns="" xmlns:a14="http://schemas.microsoft.com/office/drawing/2010/main" w="9525">
                 <a:solidFill>
                   <a:srgbClr val="000000"/>
                 </a:solidFill>
@@ -404,7 +415,7 @@
           <a:p>
             <a:fld id="{6D62041A-534C-485A-9850-09A0E2BEF2BD}" type="datetime1">
               <a:rPr lang="en-US" smtClean="0"/>
-              <a:t>10/23/2023</a:t>
+              <a:t>10/24/2023</a:t>
             </a:fld>
             <a:endParaRPr lang="en-US"/>
           </a:p>
@@ -722,7 +733,7 @@
           <a:p>
             <a:fld id="{6FDD0EC2-F252-4D4B-8078-CCDA5726674C}" type="datetime1">
               <a:rPr lang="en-US" smtClean="0"/>
-              <a:t>10/23/2023</a:t>
+              <a:t>10/24/2023</a:t>
             </a:fld>
             <a:endParaRPr lang="en-US"/>
           </a:p>
@@ -1210,7 +1221,7 @@
           <a:p>
             <a:fld id="{5A9B0CAF-E46C-4B7D-8C22-2C2A4385A930}" type="datetime1">
               <a:rPr lang="en-US" smtClean="0"/>
-              <a:t>10/23/2023</a:t>
+              <a:t>10/24/2023</a:t>
             </a:fld>
             <a:endParaRPr lang="en-US"/>
           </a:p>
@@ -1579,7 +1590,7 @@
           <a:p>
             <a:fld id="{5C0B5EED-4565-4A89-BD52-7A5AEA49D550}" type="datetime1">
               <a:rPr lang="en-US" smtClean="0"/>
-              <a:t>10/23/2023</a:t>
+              <a:t>10/24/2023</a:t>
             </a:fld>
             <a:endParaRPr lang="en-US"/>
           </a:p>
@@ -1734,7 +1745,7 @@
           <a:ln/>
           <a:extLst>
             <a:ext uri="{91240B29-F687-4f45-9708-019B960494DF}">
-              <a14:hiddenLine xmlns:a14="http://schemas.microsoft.com/office/drawing/2010/main" xmlns="" w="9525">
+              <a14:hiddenLine xmlns="" xmlns:a14="http://schemas.microsoft.com/office/drawing/2010/main" w="9525">
                 <a:solidFill>
                   <a:srgbClr val="000000"/>
                 </a:solidFill>
@@ -1852,7 +1863,7 @@
           <a:p>
             <a:fld id="{38F9C167-D8EB-437D-881E-68598FE49B77}" type="datetime1">
               <a:rPr lang="en-US" smtClean="0"/>
-              <a:t>10/23/2023</a:t>
+              <a:t>10/24/2023</a:t>
             </a:fld>
             <a:endParaRPr lang="en-US"/>
           </a:p>
@@ -2009,7 +2020,7 @@
           <a:ln/>
           <a:extLst>
             <a:ext uri="{91240B29-F687-4f45-9708-019B960494DF}">
-              <a14:hiddenLine xmlns:a14="http://schemas.microsoft.com/office/drawing/2010/main" xmlns="" w="9525">
+              <a14:hiddenLine xmlns="" xmlns:a14="http://schemas.microsoft.com/office/drawing/2010/main" w="9525">
                 <a:solidFill>
                   <a:srgbClr val="000000"/>
                 </a:solidFill>
@@ -2137,7 +2148,7 @@
           <a:p>
             <a:fld id="{4A477C06-9741-4689-A8BB-DA7418EBD938}" type="datetime1">
               <a:rPr lang="en-US" smtClean="0"/>
-              <a:t>10/23/2023</a:t>
+              <a:t>10/24/2023</a:t>
             </a:fld>
             <a:endParaRPr lang="en-US"/>
           </a:p>
@@ -2292,7 +2303,7 @@
           <a:ln/>
           <a:extLst>
             <a:ext uri="{91240B29-F687-4f45-9708-019B960494DF}">
-              <a14:hiddenLine xmlns:a14="http://schemas.microsoft.com/office/drawing/2010/main" xmlns="" w="9525">
+              <a14:hiddenLine xmlns="" xmlns:a14="http://schemas.microsoft.com/office/drawing/2010/main" w="9525">
                 <a:solidFill>
                   <a:srgbClr val="000000"/>
                 </a:solidFill>
@@ -2420,7 +2431,7 @@
           <a:p>
             <a:fld id="{0A5FAF4C-7E85-4433-91D4-C9176E376578}" type="datetime1">
               <a:rPr lang="en-US" smtClean="0"/>
-              <a:t>10/23/2023</a:t>
+              <a:t>10/24/2023</a:t>
             </a:fld>
             <a:endParaRPr lang="en-US"/>
           </a:p>
@@ -2763,7 +2774,7 @@
           <a:p>
             <a:fld id="{070ADB9D-0D7F-4B34-868C-8420B42CA120}" type="datetime1">
               <a:rPr lang="en-US" smtClean="0"/>
-              <a:t>10/23/2023</a:t>
+              <a:t>10/24/2023</a:t>
             </a:fld>
             <a:endParaRPr lang="en-US"/>
           </a:p>
@@ -2918,7 +2929,7 @@
           <a:ln/>
           <a:extLst>
             <a:ext uri="{91240B29-F687-4f45-9708-019B960494DF}">
-              <a14:hiddenLine xmlns:a14="http://schemas.microsoft.com/office/drawing/2010/main" xmlns="" w="9525">
+              <a14:hiddenLine xmlns="" xmlns:a14="http://schemas.microsoft.com/office/drawing/2010/main" w="9525">
                 <a:solidFill>
                   <a:srgbClr val="000000"/>
                 </a:solidFill>
@@ -3102,7 +3113,7 @@
           <a:p>
             <a:fld id="{EDC2B1AB-8665-4158-AB9E-16A21F056BC4}" type="datetime1">
               <a:rPr lang="en-US" smtClean="0"/>
-              <a:t>10/23/2023</a:t>
+              <a:t>10/24/2023</a:t>
             </a:fld>
             <a:endParaRPr lang="en-US"/>
           </a:p>
@@ -3257,7 +3268,7 @@
           <a:ln/>
           <a:extLst>
             <a:ext uri="{91240B29-F687-4f45-9708-019B960494DF}">
-              <a14:hiddenLine xmlns:a14="http://schemas.microsoft.com/office/drawing/2010/main" xmlns="" w="9525">
+              <a14:hiddenLine xmlns="" xmlns:a14="http://schemas.microsoft.com/office/drawing/2010/main" w="9525">
                 <a:solidFill>
                   <a:srgbClr val="000000"/>
                 </a:solidFill>
@@ -3579,7 +3590,7 @@
           <a:p>
             <a:fld id="{C2FF5B08-5D4B-4799-89D4-82BA3C0D1CB5}" type="datetime1">
               <a:rPr lang="en-US" smtClean="0"/>
-              <a:t>10/23/2023</a:t>
+              <a:t>10/24/2023</a:t>
             </a:fld>
             <a:endParaRPr lang="en-US"/>
           </a:p>
@@ -3734,7 +3745,7 @@
           <a:ln/>
           <a:extLst>
             <a:ext uri="{91240B29-F687-4f45-9708-019B960494DF}">
-              <a14:hiddenLine xmlns:a14="http://schemas.microsoft.com/office/drawing/2010/main" xmlns="" w="9525">
+              <a14:hiddenLine xmlns="" xmlns:a14="http://schemas.microsoft.com/office/drawing/2010/main" w="9525">
                 <a:solidFill>
                   <a:srgbClr val="000000"/>
                 </a:solidFill>
@@ -3800,7 +3811,7 @@
           <a:p>
             <a:fld id="{043BA31F-640D-4983-B742-87A8B362B37C}" type="datetime1">
               <a:rPr lang="en-US" smtClean="0"/>
-              <a:t>10/23/2023</a:t>
+              <a:t>10/24/2023</a:t>
             </a:fld>
             <a:endParaRPr lang="en-US"/>
           </a:p>
@@ -3895,7 +3906,7 @@
           <a:p>
             <a:fld id="{FD357E0F-6EF8-444F-96C1-43EAAE09AD36}" type="datetime1">
               <a:rPr lang="en-US" smtClean="0"/>
-              <a:t>10/23/2023</a:t>
+              <a:t>10/24/2023</a:t>
             </a:fld>
             <a:endParaRPr lang="en-US"/>
           </a:p>
@@ -4163,7 +4174,7 @@
           <a:ln/>
           <a:extLst>
             <a:ext uri="{91240B29-F687-4f45-9708-019B960494DF}">
-              <a14:hiddenLine xmlns:a14="http://schemas.microsoft.com/office/drawing/2010/main" xmlns="" w="9525">
+              <a14:hiddenLine xmlns="" xmlns:a14="http://schemas.microsoft.com/office/drawing/2010/main" w="9525">
                 <a:solidFill>
                   <a:srgbClr val="000000"/>
                 </a:solidFill>
@@ -4362,7 +4373,7 @@
           <a:p>
             <a:fld id="{AE8EF11D-0AA5-45E9-9641-3385DF52E93D}" type="datetime1">
               <a:rPr lang="en-US" smtClean="0"/>
-              <a:t>10/23/2023</a:t>
+              <a:t>10/24/2023</a:t>
             </a:fld>
             <a:endParaRPr lang="en-US"/>
           </a:p>
@@ -4675,7 +4686,7 @@
           <a:p>
             <a:fld id="{8C7B53B2-5972-44EE-87C6-BEDA34CCA02D}" type="datetime1">
               <a:rPr lang="en-US" smtClean="0"/>
-              <a:t>10/23/2023</a:t>
+              <a:t>10/24/2023</a:t>
             </a:fld>
             <a:endParaRPr lang="en-US"/>
           </a:p>
@@ -4945,7 +4956,7 @@
           <a:p>
             <a:fld id="{5CE8F2EE-BA63-42C0-9BA4-BA622DF20B3E}" type="datetime1">
               <a:rPr lang="en-US" smtClean="0"/>
-              <a:t>10/23/2023</a:t>
+              <a:t>10/24/2023</a:t>
             </a:fld>
             <a:endParaRPr lang="en-US"/>
           </a:p>
@@ -5566,7 +5577,7 @@
           <p:cNvPr id="2" name="Title 1">
             <a:extLst>
               <a:ext uri="{FF2B5EF4-FFF2-40B4-BE49-F238E27FC236}">
-                <a16:creationId xmlns:a16="http://schemas.microsoft.com/office/drawing/2014/main" id="{8E001DB7-B8BA-DF26-23CE-C45782458AAA}"/>
+                <a16:creationId xmlns:a16="http://schemas.microsoft.com/office/drawing/2014/main" id="{DE70E64C-003E-5AC6-BED0-BC1048A99A74}"/>
               </a:ext>
             </a:extLst>
           </p:cNvPr>
@@ -5583,8 +5594,8 @@
           <a:lstStyle/>
           <a:p>
             <a:r>
-              <a:rPr lang="en-US" sz="3600" dirty="0"/>
-              <a:t>VWP 101: Logic</a:t>
+              <a:rPr lang="en-US" dirty="0"/>
+              <a:t>VWP 101: Assumptions</a:t>
             </a:r>
           </a:p>
         </p:txBody>
@@ -5594,7 +5605,7 @@
           <p:cNvPr id="3" name="Content Placeholder 2">
             <a:extLst>
               <a:ext uri="{FF2B5EF4-FFF2-40B4-BE49-F238E27FC236}">
-                <a16:creationId xmlns:a16="http://schemas.microsoft.com/office/drawing/2014/main" id="{024014B2-C859-C4F4-3993-385F13F7FD37}"/>
+                <a16:creationId xmlns:a16="http://schemas.microsoft.com/office/drawing/2014/main" id="{F4BDC796-4639-B541-38D9-3BEEC587125F}"/>
               </a:ext>
             </a:extLst>
           </p:cNvPr>
@@ -5605,74 +5616,278 @@
             <p:ph idx="1"/>
           </p:nvPr>
         </p:nvSpPr>
-        <p:spPr/>
-        <p:txBody>
-          <a:bodyPr/>
-          <a:lstStyle/>
-          <a:p>
-            <a:r>
-              <a:rPr lang="en-US" dirty="0"/>
-              <a:t>All VW experiments use similar logic and design</a:t>
+        <p:spPr>
+          <a:xfrm>
+            <a:off x="818712" y="2222287"/>
+            <a:ext cx="10554574" cy="4188525"/>
+          </a:xfrm>
+        </p:spPr>
+        <p:txBody>
+          <a:bodyPr>
+            <a:normAutofit lnSpcReduction="10000"/>
+          </a:bodyPr>
+          <a:lstStyle/>
+          <a:p>
+            <a:r>
+              <a:rPr lang="en-US" sz="2400" dirty="0"/>
+              <a:t>Behavioral measures require a </a:t>
+            </a:r>
+            <a:r>
+              <a:rPr lang="en-US" sz="2400" i="1" dirty="0"/>
+              <a:t>linking hypothesis</a:t>
             </a:r>
           </a:p>
           <a:p>
             <a:pPr lvl="1"/>
             <a:r>
-              <a:rPr lang="en-US" dirty="0"/>
-              <a:t>A visual workspace (typically pictures on a screen)</a:t>
+              <a:rPr lang="en-US" sz="2000" dirty="0"/>
+              <a:t>Linking behavioral measures to what the brain is doing is generally quite difficult</a:t>
             </a:r>
           </a:p>
           <a:p>
             <a:pPr lvl="1"/>
             <a:r>
-              <a:rPr lang="en-US" dirty="0"/>
-              <a:t>Speech (typically spoken sentence comprehension)</a:t>
+              <a:rPr lang="en-US" sz="2000" dirty="0"/>
+              <a:t>What is the link between eye movements during VWP and what’s happening in the brain?</a:t>
+            </a:r>
+          </a:p>
+          <a:p>
+            <a:pPr lvl="1" algn="ctr"/>
+            <a:endParaRPr lang="en-US" sz="2000" dirty="0"/>
+          </a:p>
+          <a:p>
+            <a:pPr marL="0" indent="0" algn="ctr">
+              <a:buNone/>
+            </a:pPr>
+            <a:r>
+              <a:rPr lang="en-US" sz="2400" dirty="0"/>
+              <a:t>Visual attention shifts as a result of comprehending an utterance. This is followed by a higher probability of a saccadic eye movement to the area of visual attention. Therefore, where a participant is looking and when saccadic eye movements begin can provide insight into online language processing</a:t>
             </a:r>
           </a:p>
           <a:p>
             <a:pPr lvl="1"/>
-            <a:r>
-              <a:rPr lang="en-US" dirty="0"/>
-              <a:t>Eye tracking measurements (typically measures of eye looks at an object at a specified time)</a:t>
-            </a:r>
-          </a:p>
-        </p:txBody>
-      </p:sp>
-      <p:sp>
-        <p:nvSpPr>
-          <p:cNvPr id="4" name="Footer Placeholder 3">
-            <a:extLst>
-              <a:ext uri="{FF2B5EF4-FFF2-40B4-BE49-F238E27FC236}">
-                <a16:creationId xmlns:a16="http://schemas.microsoft.com/office/drawing/2014/main" id="{11752F25-C13E-8200-2309-DDB73DD3BF85}"/>
-              </a:ext>
-            </a:extLst>
-          </p:cNvPr>
-          <p:cNvSpPr>
-            <a:spLocks noGrp="1"/>
-          </p:cNvSpPr>
-          <p:nvPr>
-            <p:ph type="ftr" sz="quarter" idx="11"/>
-          </p:nvPr>
-        </p:nvSpPr>
-        <p:spPr/>
-        <p:txBody>
-          <a:bodyPr/>
-          <a:lstStyle/>
-          <a:p>
-            <a:endParaRPr lang="en-US"/>
+            <a:endParaRPr lang="en-US" dirty="0"/>
           </a:p>
         </p:txBody>
       </p:sp>
     </p:spTree>
     <p:extLst>
       <p:ext uri="{BB962C8B-B14F-4D97-AF65-F5344CB8AC3E}">
-        <p14:creationId xmlns:p14="http://schemas.microsoft.com/office/powerpoint/2010/main" val="1125073503"/>
+        <p14:creationId xmlns:p14="http://schemas.microsoft.com/office/powerpoint/2010/main" val="887860068"/>
       </p:ext>
     </p:extLst>
   </p:cSld>
   <p:clrMapOvr>
     <a:masterClrMapping/>
   </p:clrMapOvr>
+  <p:timing>
+    <p:tnLst>
+      <p:par>
+        <p:cTn id="1" dur="indefinite" restart="never" nodeType="tmRoot">
+          <p:childTnLst>
+            <p:seq concurrent="1" nextAc="seek">
+              <p:cTn id="2" dur="indefinite" nodeType="mainSeq">
+                <p:childTnLst>
+                  <p:par>
+                    <p:cTn id="3" fill="hold">
+                      <p:stCondLst>
+                        <p:cond delay="indefinite"/>
+                      </p:stCondLst>
+                      <p:childTnLst>
+                        <p:par>
+                          <p:cTn id="4" fill="hold">
+                            <p:stCondLst>
+                              <p:cond delay="0"/>
+                            </p:stCondLst>
+                            <p:childTnLst>
+                              <p:par>
+                                <p:cTn id="5" presetID="1" presetClass="entr" presetSubtype="0" fill="hold" nodeType="clickEffect">
+                                  <p:stCondLst>
+                                    <p:cond delay="0"/>
+                                  </p:stCondLst>
+                                  <p:childTnLst>
+                                    <p:set>
+                                      <p:cBhvr>
+                                        <p:cTn id="6" dur="1" fill="hold">
+                                          <p:stCondLst>
+                                            <p:cond delay="0"/>
+                                          </p:stCondLst>
+                                        </p:cTn>
+                                        <p:tgtEl>
+                                          <p:spTgt spid="3">
+                                            <p:txEl>
+                                              <p:pRg st="0" end="0"/>
+                                            </p:txEl>
+                                          </p:spTgt>
+                                        </p:tgtEl>
+                                        <p:attrNameLst>
+                                          <p:attrName>style.visibility</p:attrName>
+                                        </p:attrNameLst>
+                                      </p:cBhvr>
+                                      <p:to>
+                                        <p:strVal val="visible"/>
+                                      </p:to>
+                                    </p:set>
+                                  </p:childTnLst>
+                                </p:cTn>
+                              </p:par>
+                            </p:childTnLst>
+                          </p:cTn>
+                        </p:par>
+                      </p:childTnLst>
+                    </p:cTn>
+                  </p:par>
+                  <p:par>
+                    <p:cTn id="7" fill="hold">
+                      <p:stCondLst>
+                        <p:cond delay="indefinite"/>
+                      </p:stCondLst>
+                      <p:childTnLst>
+                        <p:par>
+                          <p:cTn id="8" fill="hold">
+                            <p:stCondLst>
+                              <p:cond delay="0"/>
+                            </p:stCondLst>
+                            <p:childTnLst>
+                              <p:par>
+                                <p:cTn id="9" presetID="1" presetClass="entr" presetSubtype="0" fill="hold" nodeType="clickEffect">
+                                  <p:stCondLst>
+                                    <p:cond delay="0"/>
+                                  </p:stCondLst>
+                                  <p:childTnLst>
+                                    <p:set>
+                                      <p:cBhvr>
+                                        <p:cTn id="10" dur="1" fill="hold">
+                                          <p:stCondLst>
+                                            <p:cond delay="0"/>
+                                          </p:stCondLst>
+                                        </p:cTn>
+                                        <p:tgtEl>
+                                          <p:spTgt spid="3">
+                                            <p:txEl>
+                                              <p:pRg st="1" end="1"/>
+                                            </p:txEl>
+                                          </p:spTgt>
+                                        </p:tgtEl>
+                                        <p:attrNameLst>
+                                          <p:attrName>style.visibility</p:attrName>
+                                        </p:attrNameLst>
+                                      </p:cBhvr>
+                                      <p:to>
+                                        <p:strVal val="visible"/>
+                                      </p:to>
+                                    </p:set>
+                                  </p:childTnLst>
+                                </p:cTn>
+                              </p:par>
+                              <p:par>
+                                <p:cTn id="11" presetID="1" presetClass="entr" presetSubtype="0" fill="hold" nodeType="withEffect">
+                                  <p:stCondLst>
+                                    <p:cond delay="0"/>
+                                  </p:stCondLst>
+                                  <p:childTnLst>
+                                    <p:set>
+                                      <p:cBhvr>
+                                        <p:cTn id="12" dur="1" fill="hold">
+                                          <p:stCondLst>
+                                            <p:cond delay="0"/>
+                                          </p:stCondLst>
+                                        </p:cTn>
+                                        <p:tgtEl>
+                                          <p:spTgt spid="3">
+                                            <p:txEl>
+                                              <p:pRg st="2" end="2"/>
+                                            </p:txEl>
+                                          </p:spTgt>
+                                        </p:tgtEl>
+                                        <p:attrNameLst>
+                                          <p:attrName>style.visibility</p:attrName>
+                                        </p:attrNameLst>
+                                      </p:cBhvr>
+                                      <p:to>
+                                        <p:strVal val="visible"/>
+                                      </p:to>
+                                    </p:set>
+                                  </p:childTnLst>
+                                </p:cTn>
+                              </p:par>
+                            </p:childTnLst>
+                          </p:cTn>
+                        </p:par>
+                      </p:childTnLst>
+                    </p:cTn>
+                  </p:par>
+                  <p:par>
+                    <p:cTn id="13" fill="hold">
+                      <p:stCondLst>
+                        <p:cond delay="indefinite"/>
+                      </p:stCondLst>
+                      <p:childTnLst>
+                        <p:par>
+                          <p:cTn id="14" fill="hold">
+                            <p:stCondLst>
+                              <p:cond delay="0"/>
+                            </p:stCondLst>
+                            <p:childTnLst>
+                              <p:par>
+                                <p:cTn id="15" presetID="1" presetClass="entr" presetSubtype="0" fill="hold" nodeType="clickEffect">
+                                  <p:stCondLst>
+                                    <p:cond delay="0"/>
+                                  </p:stCondLst>
+                                  <p:childTnLst>
+                                    <p:set>
+                                      <p:cBhvr>
+                                        <p:cTn id="16" dur="1" fill="hold">
+                                          <p:stCondLst>
+                                            <p:cond delay="0"/>
+                                          </p:stCondLst>
+                                        </p:cTn>
+                                        <p:tgtEl>
+                                          <p:spTgt spid="3">
+                                            <p:txEl>
+                                              <p:pRg st="4" end="4"/>
+                                            </p:txEl>
+                                          </p:spTgt>
+                                        </p:tgtEl>
+                                        <p:attrNameLst>
+                                          <p:attrName>style.visibility</p:attrName>
+                                        </p:attrNameLst>
+                                      </p:cBhvr>
+                                      <p:to>
+                                        <p:strVal val="visible"/>
+                                      </p:to>
+                                    </p:set>
+                                  </p:childTnLst>
+                                </p:cTn>
+                              </p:par>
+                            </p:childTnLst>
+                          </p:cTn>
+                        </p:par>
+                      </p:childTnLst>
+                    </p:cTn>
+                  </p:par>
+                </p:childTnLst>
+              </p:cTn>
+              <p:prevCondLst>
+                <p:cond evt="onPrev" delay="0">
+                  <p:tgtEl>
+                    <p:sldTgt/>
+                  </p:tgtEl>
+                </p:cond>
+              </p:prevCondLst>
+              <p:nextCondLst>
+                <p:cond evt="onNext" delay="0">
+                  <p:tgtEl>
+                    <p:sldTgt/>
+                  </p:tgtEl>
+                </p:cond>
+              </p:nextCondLst>
+            </p:seq>
+          </p:childTnLst>
+        </p:cTn>
+      </p:par>
+    </p:tnLst>
+  </p:timing>
 </p:sld>
 </file>
 
@@ -5698,6 +5913,140 @@
           <p:cNvPr id="2" name="Title 1">
             <a:extLst>
               <a:ext uri="{FF2B5EF4-FFF2-40B4-BE49-F238E27FC236}">
+                <a16:creationId xmlns:a16="http://schemas.microsoft.com/office/drawing/2014/main" id="{8E001DB7-B8BA-DF26-23CE-C45782458AAA}"/>
+              </a:ext>
+            </a:extLst>
+          </p:cNvPr>
+          <p:cNvSpPr>
+            <a:spLocks noGrp="1"/>
+          </p:cNvSpPr>
+          <p:nvPr>
+            <p:ph type="title"/>
+          </p:nvPr>
+        </p:nvSpPr>
+        <p:spPr/>
+        <p:txBody>
+          <a:bodyPr/>
+          <a:lstStyle/>
+          <a:p>
+            <a:r>
+              <a:rPr lang="en-US" sz="3600" dirty="0"/>
+              <a:t>VWP 101: Logic</a:t>
+            </a:r>
+          </a:p>
+        </p:txBody>
+      </p:sp>
+      <p:sp>
+        <p:nvSpPr>
+          <p:cNvPr id="3" name="Content Placeholder 2">
+            <a:extLst>
+              <a:ext uri="{FF2B5EF4-FFF2-40B4-BE49-F238E27FC236}">
+                <a16:creationId xmlns:a16="http://schemas.microsoft.com/office/drawing/2014/main" id="{024014B2-C859-C4F4-3993-385F13F7FD37}"/>
+              </a:ext>
+            </a:extLst>
+          </p:cNvPr>
+          <p:cNvSpPr>
+            <a:spLocks noGrp="1"/>
+          </p:cNvSpPr>
+          <p:nvPr>
+            <p:ph idx="1"/>
+          </p:nvPr>
+        </p:nvSpPr>
+        <p:spPr/>
+        <p:txBody>
+          <a:bodyPr>
+            <a:normAutofit/>
+          </a:bodyPr>
+          <a:lstStyle/>
+          <a:p>
+            <a:r>
+              <a:rPr lang="en-US" sz="2800" dirty="0"/>
+              <a:t>All VW experiments use similar logic and design</a:t>
+            </a:r>
+          </a:p>
+          <a:p>
+            <a:pPr lvl="1"/>
+            <a:r>
+              <a:rPr lang="en-US" sz="2400" dirty="0"/>
+              <a:t>A visual workspace (typically pictures on a screen)</a:t>
+            </a:r>
+          </a:p>
+          <a:p>
+            <a:pPr lvl="1"/>
+            <a:r>
+              <a:rPr lang="en-US" sz="2400" dirty="0"/>
+              <a:t>Speech (typically spoken sentence comprehension)</a:t>
+            </a:r>
+          </a:p>
+          <a:p>
+            <a:pPr lvl="1"/>
+            <a:r>
+              <a:rPr lang="en-US" sz="2400" dirty="0"/>
+              <a:t>Eye tracking measurements (typically measures of eye looks at an object at a specified time)</a:t>
+            </a:r>
+          </a:p>
+        </p:txBody>
+      </p:sp>
+      <p:sp>
+        <p:nvSpPr>
+          <p:cNvPr id="4" name="Footer Placeholder 3">
+            <a:extLst>
+              <a:ext uri="{FF2B5EF4-FFF2-40B4-BE49-F238E27FC236}">
+                <a16:creationId xmlns:a16="http://schemas.microsoft.com/office/drawing/2014/main" id="{11752F25-C13E-8200-2309-DDB73DD3BF85}"/>
+              </a:ext>
+            </a:extLst>
+          </p:cNvPr>
+          <p:cNvSpPr>
+            <a:spLocks noGrp="1"/>
+          </p:cNvSpPr>
+          <p:nvPr>
+            <p:ph type="ftr" sz="quarter" idx="11"/>
+          </p:nvPr>
+        </p:nvSpPr>
+        <p:spPr/>
+        <p:txBody>
+          <a:bodyPr/>
+          <a:lstStyle/>
+          <a:p>
+            <a:endParaRPr lang="en-US"/>
+          </a:p>
+        </p:txBody>
+      </p:sp>
+    </p:spTree>
+    <p:extLst>
+      <p:ext uri="{BB962C8B-B14F-4D97-AF65-F5344CB8AC3E}">
+        <p14:creationId xmlns:p14="http://schemas.microsoft.com/office/powerpoint/2010/main" val="1125073503"/>
+      </p:ext>
+    </p:extLst>
+  </p:cSld>
+  <p:clrMapOvr>
+    <a:masterClrMapping/>
+  </p:clrMapOvr>
+</p:sld>
+</file>
+
+<file path=ppt/slides/slide12.xml><?xml version="1.0" encoding="utf-8"?>
+<p:sld xmlns:a="http://schemas.openxmlformats.org/drawingml/2006/main" xmlns:r="http://schemas.openxmlformats.org/officeDocument/2006/relationships" xmlns:p="http://schemas.openxmlformats.org/presentationml/2006/main">
+  <p:cSld>
+    <p:spTree>
+      <p:nvGrpSpPr>
+        <p:cNvPr id="1" name=""/>
+        <p:cNvGrpSpPr/>
+        <p:nvPr/>
+      </p:nvGrpSpPr>
+      <p:grpSpPr>
+        <a:xfrm>
+          <a:off x="0" y="0"/>
+          <a:ext cx="0" cy="0"/>
+          <a:chOff x="0" y="0"/>
+          <a:chExt cx="0" cy="0"/>
+        </a:xfrm>
+      </p:grpSpPr>
+      <p:sp>
+        <p:nvSpPr>
+          <p:cNvPr id="2" name="Title 1">
+            <a:extLst>
+              <a:ext uri="{FF2B5EF4-FFF2-40B4-BE49-F238E27FC236}">
                 <a16:creationId xmlns:a16="http://schemas.microsoft.com/office/drawing/2014/main" id="{4186C6BC-C799-E2FD-68C7-7C3CE9A22CE3}"/>
               </a:ext>
             </a:extLst>
@@ -5716,7 +6065,7 @@
           <a:p>
             <a:r>
               <a:rPr lang="en-US" sz="4000" dirty="0"/>
-              <a:t>VWP 101: Logic</a:t>
+              <a:t>VWP 101: Terminology</a:t>
             </a:r>
             <a:endParaRPr lang="en-US" dirty="0"/>
           </a:p>
@@ -5740,68 +6089,70 @@
         </p:nvSpPr>
         <p:spPr/>
         <p:txBody>
-          <a:bodyPr/>
-          <a:lstStyle/>
-          <a:p>
-            <a:r>
-              <a:rPr lang="en-US" dirty="0"/>
+          <a:bodyPr>
+            <a:normAutofit fontScale="85000" lnSpcReduction="10000"/>
+          </a:bodyPr>
+          <a:lstStyle/>
+          <a:p>
+            <a:r>
+              <a:rPr lang="en-US" sz="2800" dirty="0"/>
               <a:t>Each picture may be referenced one or more time as language is spoken</a:t>
             </a:r>
           </a:p>
           <a:p>
             <a:r>
-              <a:rPr lang="en-US" dirty="0"/>
+              <a:rPr lang="en-US" sz="2800" dirty="0"/>
               <a:t>The picture of interest at a given point in time is called the </a:t>
             </a:r>
             <a:r>
-              <a:rPr lang="en-US" i="1" dirty="0"/>
+              <a:rPr lang="en-US" sz="2800" i="1" dirty="0"/>
               <a:t>target</a:t>
             </a:r>
           </a:p>
           <a:p>
             <a:r>
-              <a:rPr lang="en-US" dirty="0"/>
+              <a:rPr lang="en-US" sz="2800" dirty="0"/>
               <a:t>Some pictures may be manipulated to be somehow similar to the target</a:t>
             </a:r>
           </a:p>
           <a:p>
             <a:pPr lvl="1"/>
             <a:r>
-              <a:rPr lang="en-US" dirty="0"/>
+              <a:rPr lang="en-US" sz="2400" dirty="0"/>
               <a:t>These are called </a:t>
             </a:r>
             <a:r>
-              <a:rPr lang="en-US" i="1" dirty="0"/>
+              <a:rPr lang="en-US" sz="2400" i="1" dirty="0"/>
               <a:t>competitors</a:t>
             </a:r>
-            <a:endParaRPr lang="en-US" dirty="0"/>
+            <a:endParaRPr lang="en-US" sz="2400" dirty="0"/>
           </a:p>
           <a:p>
             <a:pPr lvl="1"/>
             <a:r>
-              <a:rPr lang="en-US" dirty="0"/>
-              <a:t>Semantic, phonologic, shape, color, </a:t>
-            </a:r>
-            <a:r>
-              <a:rPr lang="en-US"/>
-              <a:t>features, etc</a:t>
-            </a:r>
-            <a:r>
-              <a:rPr lang="en-US" dirty="0"/>
+              <a:rPr lang="en-US" sz="2400" dirty="0"/>
+              <a:t>Semantic, phonologic, shape, color, features, </a:t>
+            </a:r>
+            <a:r>
+              <a:rPr lang="en-US" sz="2400" dirty="0" err="1"/>
+              <a:t>etc</a:t>
+            </a:r>
+            <a:r>
+              <a:rPr lang="en-US" sz="2400" dirty="0"/>
               <a:t>…</a:t>
             </a:r>
           </a:p>
           <a:p>
             <a:r>
-              <a:rPr lang="en-US" dirty="0"/>
+              <a:rPr lang="en-US" sz="2800" dirty="0"/>
               <a:t>Unrelated pictures are called </a:t>
             </a:r>
             <a:r>
-              <a:rPr lang="en-US" i="1" dirty="0"/>
+              <a:rPr lang="en-US" sz="2800" i="1" dirty="0"/>
               <a:t>distractors</a:t>
             </a:r>
             <a:r>
-              <a:rPr lang="en-US" dirty="0"/>
+              <a:rPr lang="en-US" sz="2800" dirty="0"/>
               <a:t> </a:t>
             </a:r>
           </a:p>
@@ -5839,6 +6190,680 @@
     <p:extLst>
       <p:ext uri="{BB962C8B-B14F-4D97-AF65-F5344CB8AC3E}">
         <p14:creationId xmlns:p14="http://schemas.microsoft.com/office/powerpoint/2010/main" val="1040888864"/>
+      </p:ext>
+    </p:extLst>
+  </p:cSld>
+  <p:clrMapOvr>
+    <a:masterClrMapping/>
+  </p:clrMapOvr>
+</p:sld>
+</file>
+
+<file path=ppt/slides/slide13.xml><?xml version="1.0" encoding="utf-8"?>
+<p:sld xmlns:a="http://schemas.openxmlformats.org/drawingml/2006/main" xmlns:r="http://schemas.openxmlformats.org/officeDocument/2006/relationships" xmlns:p="http://schemas.openxmlformats.org/presentationml/2006/main">
+  <p:cSld>
+    <p:spTree>
+      <p:nvGrpSpPr>
+        <p:cNvPr id="1" name=""/>
+        <p:cNvGrpSpPr/>
+        <p:nvPr/>
+      </p:nvGrpSpPr>
+      <p:grpSpPr>
+        <a:xfrm>
+          <a:off x="0" y="0"/>
+          <a:ext cx="0" cy="0"/>
+          <a:chOff x="0" y="0"/>
+          <a:chExt cx="0" cy="0"/>
+        </a:xfrm>
+      </p:grpSpPr>
+      <p:sp>
+        <p:nvSpPr>
+          <p:cNvPr id="2" name="Title 1">
+            <a:extLst>
+              <a:ext uri="{FF2B5EF4-FFF2-40B4-BE49-F238E27FC236}">
+                <a16:creationId xmlns:a16="http://schemas.microsoft.com/office/drawing/2014/main" id="{A6FB6C0E-0645-7ED2-03D5-558AA5316C5A}"/>
+              </a:ext>
+            </a:extLst>
+          </p:cNvPr>
+          <p:cNvSpPr>
+            <a:spLocks noGrp="1"/>
+          </p:cNvSpPr>
+          <p:nvPr>
+            <p:ph type="title"/>
+          </p:nvPr>
+        </p:nvSpPr>
+        <p:spPr/>
+        <p:txBody>
+          <a:bodyPr/>
+          <a:lstStyle/>
+          <a:p>
+            <a:r>
+              <a:rPr lang="en-US" dirty="0"/>
+              <a:t>VWP 101: What does a trial look like?</a:t>
+            </a:r>
+          </a:p>
+        </p:txBody>
+      </p:sp>
+      <p:sp>
+        <p:nvSpPr>
+          <p:cNvPr id="3" name="Content Placeholder 2">
+            <a:extLst>
+              <a:ext uri="{FF2B5EF4-FFF2-40B4-BE49-F238E27FC236}">
+                <a16:creationId xmlns:a16="http://schemas.microsoft.com/office/drawing/2014/main" id="{CEE67509-99EB-DA65-5F52-84825BE954D3}"/>
+              </a:ext>
+            </a:extLst>
+          </p:cNvPr>
+          <p:cNvSpPr>
+            <a:spLocks noGrp="1"/>
+          </p:cNvSpPr>
+          <p:nvPr>
+            <p:ph idx="1"/>
+          </p:nvPr>
+        </p:nvSpPr>
+        <p:spPr/>
+        <p:txBody>
+          <a:bodyPr>
+            <a:normAutofit/>
+          </a:bodyPr>
+          <a:lstStyle/>
+          <a:p>
+            <a:r>
+              <a:rPr lang="en-US" sz="2400" dirty="0"/>
+              <a:t>Display Types</a:t>
+            </a:r>
+          </a:p>
+          <a:p>
+            <a:pPr lvl="1"/>
+            <a:r>
+              <a:rPr lang="en-US" sz="2000" dirty="0"/>
+              <a:t>Realistic or semirealistic</a:t>
+            </a:r>
+          </a:p>
+          <a:p>
+            <a:pPr lvl="2"/>
+            <a:r>
+              <a:rPr lang="en-US" sz="1800" dirty="0"/>
+              <a:t>Allows us to assess how world knowledge or contextual information may affect understanding of spoken utterances</a:t>
+            </a:r>
+          </a:p>
+          <a:p>
+            <a:pPr lvl="1"/>
+            <a:r>
+              <a:rPr lang="en-US" sz="2000" dirty="0"/>
+              <a:t>Arrays</a:t>
+            </a:r>
+          </a:p>
+          <a:p>
+            <a:pPr lvl="2"/>
+            <a:r>
+              <a:rPr lang="en-US" sz="1800" dirty="0"/>
+              <a:t>Minimizes the impact of real world knowledge or context</a:t>
+            </a:r>
+          </a:p>
+          <a:p>
+            <a:pPr lvl="2"/>
+            <a:r>
+              <a:rPr lang="en-US" sz="1800" dirty="0"/>
+              <a:t>Well suited for studying the activation of conceptual and lexical knowledge</a:t>
+            </a:r>
+          </a:p>
+        </p:txBody>
+      </p:sp>
+      <p:sp>
+        <p:nvSpPr>
+          <p:cNvPr id="4" name="Footer Placeholder 3">
+            <a:extLst>
+              <a:ext uri="{FF2B5EF4-FFF2-40B4-BE49-F238E27FC236}">
+                <a16:creationId xmlns:a16="http://schemas.microsoft.com/office/drawing/2014/main" id="{06F94623-ECB9-0B95-F0EF-140D6BF6FE16}"/>
+              </a:ext>
+            </a:extLst>
+          </p:cNvPr>
+          <p:cNvSpPr>
+            <a:spLocks noGrp="1"/>
+          </p:cNvSpPr>
+          <p:nvPr>
+            <p:ph type="ftr" sz="quarter" idx="11"/>
+          </p:nvPr>
+        </p:nvSpPr>
+        <p:spPr/>
+        <p:txBody>
+          <a:bodyPr/>
+          <a:lstStyle/>
+          <a:p>
+            <a:endParaRPr lang="en-US"/>
+          </a:p>
+        </p:txBody>
+      </p:sp>
+    </p:spTree>
+    <p:extLst>
+      <p:ext uri="{BB962C8B-B14F-4D97-AF65-F5344CB8AC3E}">
+        <p14:creationId xmlns:p14="http://schemas.microsoft.com/office/powerpoint/2010/main" val="862407652"/>
+      </p:ext>
+    </p:extLst>
+  </p:cSld>
+  <p:clrMapOvr>
+    <a:masterClrMapping/>
+  </p:clrMapOvr>
+</p:sld>
+</file>
+
+<file path=ppt/slides/slide14.xml><?xml version="1.0" encoding="utf-8"?>
+<p:sld xmlns:a="http://schemas.openxmlformats.org/drawingml/2006/main" xmlns:r="http://schemas.openxmlformats.org/officeDocument/2006/relationships" xmlns:p="http://schemas.openxmlformats.org/presentationml/2006/main">
+  <p:cSld>
+    <p:spTree>
+      <p:nvGrpSpPr>
+        <p:cNvPr id="1" name=""/>
+        <p:cNvGrpSpPr/>
+        <p:nvPr/>
+      </p:nvGrpSpPr>
+      <p:grpSpPr>
+        <a:xfrm>
+          <a:off x="0" y="0"/>
+          <a:ext cx="0" cy="0"/>
+          <a:chOff x="0" y="0"/>
+          <a:chExt cx="0" cy="0"/>
+        </a:xfrm>
+      </p:grpSpPr>
+      <p:sp>
+        <p:nvSpPr>
+          <p:cNvPr id="2" name="Title 1">
+            <a:extLst>
+              <a:ext uri="{FF2B5EF4-FFF2-40B4-BE49-F238E27FC236}">
+                <a16:creationId xmlns:a16="http://schemas.microsoft.com/office/drawing/2014/main" id="{5421488D-5069-86AC-0F4B-264683D797C5}"/>
+              </a:ext>
+            </a:extLst>
+          </p:cNvPr>
+          <p:cNvSpPr>
+            <a:spLocks noGrp="1"/>
+          </p:cNvSpPr>
+          <p:nvPr>
+            <p:ph type="title"/>
+          </p:nvPr>
+        </p:nvSpPr>
+        <p:spPr/>
+        <p:txBody>
+          <a:bodyPr/>
+          <a:lstStyle/>
+          <a:p>
+            <a:r>
+              <a:rPr lang="en-US" dirty="0"/>
+              <a:t>VWP 101: What does a trial look like?</a:t>
+            </a:r>
+          </a:p>
+        </p:txBody>
+      </p:sp>
+      <p:sp>
+        <p:nvSpPr>
+          <p:cNvPr id="3" name="Content Placeholder 2">
+            <a:extLst>
+              <a:ext uri="{FF2B5EF4-FFF2-40B4-BE49-F238E27FC236}">
+                <a16:creationId xmlns:a16="http://schemas.microsoft.com/office/drawing/2014/main" id="{1AD0B9A9-6B96-49A7-6FBF-908C7BD706C4}"/>
+              </a:ext>
+            </a:extLst>
+          </p:cNvPr>
+          <p:cNvSpPr>
+            <a:spLocks noGrp="1"/>
+          </p:cNvSpPr>
+          <p:nvPr>
+            <p:ph idx="1"/>
+          </p:nvPr>
+        </p:nvSpPr>
+        <p:spPr/>
+        <p:txBody>
+          <a:bodyPr/>
+          <a:lstStyle/>
+          <a:p>
+            <a:r>
+              <a:rPr lang="en-US" dirty="0"/>
+              <a:t>Utterance types</a:t>
+            </a:r>
+          </a:p>
+        </p:txBody>
+      </p:sp>
+      <p:sp>
+        <p:nvSpPr>
+          <p:cNvPr id="4" name="Footer Placeholder 3">
+            <a:extLst>
+              <a:ext uri="{FF2B5EF4-FFF2-40B4-BE49-F238E27FC236}">
+                <a16:creationId xmlns:a16="http://schemas.microsoft.com/office/drawing/2014/main" id="{4A4DCF07-DE6B-4A7A-2623-03DE4060AC29}"/>
+              </a:ext>
+            </a:extLst>
+          </p:cNvPr>
+          <p:cNvSpPr>
+            <a:spLocks noGrp="1"/>
+          </p:cNvSpPr>
+          <p:nvPr>
+            <p:ph type="ftr" sz="quarter" idx="11"/>
+          </p:nvPr>
+        </p:nvSpPr>
+        <p:spPr/>
+        <p:txBody>
+          <a:bodyPr/>
+          <a:lstStyle/>
+          <a:p>
+            <a:endParaRPr lang="en-US"/>
+          </a:p>
+        </p:txBody>
+      </p:sp>
+    </p:spTree>
+    <p:extLst>
+      <p:ext uri="{BB962C8B-B14F-4D97-AF65-F5344CB8AC3E}">
+        <p14:creationId xmlns:p14="http://schemas.microsoft.com/office/powerpoint/2010/main" val="688936991"/>
+      </p:ext>
+    </p:extLst>
+  </p:cSld>
+  <p:clrMapOvr>
+    <a:masterClrMapping/>
+  </p:clrMapOvr>
+</p:sld>
+</file>
+
+<file path=ppt/slides/slide15.xml><?xml version="1.0" encoding="utf-8"?>
+<p:sld xmlns:a="http://schemas.openxmlformats.org/drawingml/2006/main" xmlns:r="http://schemas.openxmlformats.org/officeDocument/2006/relationships" xmlns:p="http://schemas.openxmlformats.org/presentationml/2006/main">
+  <p:cSld>
+    <p:spTree>
+      <p:nvGrpSpPr>
+        <p:cNvPr id="1" name=""/>
+        <p:cNvGrpSpPr/>
+        <p:nvPr/>
+      </p:nvGrpSpPr>
+      <p:grpSpPr>
+        <a:xfrm>
+          <a:off x="0" y="0"/>
+          <a:ext cx="0" cy="0"/>
+          <a:chOff x="0" y="0"/>
+          <a:chExt cx="0" cy="0"/>
+        </a:xfrm>
+      </p:grpSpPr>
+      <p:sp>
+        <p:nvSpPr>
+          <p:cNvPr id="2" name="Title 1">
+            <a:extLst>
+              <a:ext uri="{FF2B5EF4-FFF2-40B4-BE49-F238E27FC236}">
+                <a16:creationId xmlns:a16="http://schemas.microsoft.com/office/drawing/2014/main" id="{AAB34805-B305-4D30-1789-64B8A04A1A23}"/>
+              </a:ext>
+            </a:extLst>
+          </p:cNvPr>
+          <p:cNvSpPr>
+            <a:spLocks noGrp="1"/>
+          </p:cNvSpPr>
+          <p:nvPr>
+            <p:ph type="title"/>
+          </p:nvPr>
+        </p:nvSpPr>
+        <p:spPr/>
+        <p:txBody>
+          <a:bodyPr/>
+          <a:lstStyle/>
+          <a:p>
+            <a:r>
+              <a:rPr lang="en-US" dirty="0"/>
+              <a:t>VWP 101: Stimulus timing</a:t>
+            </a:r>
+          </a:p>
+        </p:txBody>
+      </p:sp>
+      <p:sp>
+        <p:nvSpPr>
+          <p:cNvPr id="4" name="Footer Placeholder 3">
+            <a:extLst>
+              <a:ext uri="{FF2B5EF4-FFF2-40B4-BE49-F238E27FC236}">
+                <a16:creationId xmlns:a16="http://schemas.microsoft.com/office/drawing/2014/main" id="{6F88BA00-B5D5-5545-A187-BEC6FCFA881C}"/>
+              </a:ext>
+            </a:extLst>
+          </p:cNvPr>
+          <p:cNvSpPr>
+            <a:spLocks noGrp="1"/>
+          </p:cNvSpPr>
+          <p:nvPr>
+            <p:ph type="ftr" sz="quarter" idx="11"/>
+          </p:nvPr>
+        </p:nvSpPr>
+        <p:spPr/>
+        <p:txBody>
+          <a:bodyPr/>
+          <a:lstStyle/>
+          <a:p>
+            <a:endParaRPr lang="en-US"/>
+          </a:p>
+        </p:txBody>
+      </p:sp>
+      <p:pic>
+        <p:nvPicPr>
+          <p:cNvPr id="6" name="Picture 5">
+            <a:extLst>
+              <a:ext uri="{FF2B5EF4-FFF2-40B4-BE49-F238E27FC236}">
+                <a16:creationId xmlns:a16="http://schemas.microsoft.com/office/drawing/2014/main" id="{E071028E-C0B2-30B7-DB4B-F2952473D830}"/>
+              </a:ext>
+            </a:extLst>
+          </p:cNvPr>
+          <p:cNvPicPr>
+            <a:picLocks noChangeAspect="1"/>
+          </p:cNvPicPr>
+          <p:nvPr/>
+        </p:nvPicPr>
+        <p:blipFill>
+          <a:blip r:embed="rId2"/>
+          <a:stretch>
+            <a:fillRect/>
+          </a:stretch>
+        </p:blipFill>
+        <p:spPr>
+          <a:xfrm>
+            <a:off x="3727158" y="2336378"/>
+            <a:ext cx="4559002" cy="3408328"/>
+          </a:xfrm>
+          <a:prstGeom prst="rect">
+            <a:avLst/>
+          </a:prstGeom>
+        </p:spPr>
+      </p:pic>
+      <p:sp>
+        <p:nvSpPr>
+          <p:cNvPr id="7" name="TextBox 6">
+            <a:extLst>
+              <a:ext uri="{FF2B5EF4-FFF2-40B4-BE49-F238E27FC236}">
+                <a16:creationId xmlns:a16="http://schemas.microsoft.com/office/drawing/2014/main" id="{9EA1F48E-EA99-618F-DE2D-B39B15F8F711}"/>
+              </a:ext>
+            </a:extLst>
+          </p:cNvPr>
+          <p:cNvSpPr txBox="1"/>
+          <p:nvPr/>
+        </p:nvSpPr>
+        <p:spPr>
+          <a:xfrm>
+            <a:off x="778777" y="2573701"/>
+            <a:ext cx="2303420" cy="1846659"/>
+          </a:xfrm>
+          <a:prstGeom prst="rect">
+            <a:avLst/>
+          </a:prstGeom>
+          <a:noFill/>
+        </p:spPr>
+        <p:txBody>
+          <a:bodyPr wrap="square" rtlCol="0">
+            <a:spAutoFit/>
+          </a:bodyPr>
+          <a:lstStyle/>
+          <a:p>
+            <a:pPr algn="ctr"/>
+            <a:r>
+              <a:rPr lang="en-US" sz="3200" dirty="0"/>
+              <a:t>The boy will eat the cake</a:t>
+            </a:r>
+          </a:p>
+          <a:p>
+            <a:endParaRPr lang="en-US" dirty="0"/>
+          </a:p>
+        </p:txBody>
+      </p:sp>
+      <p:sp>
+        <p:nvSpPr>
+          <p:cNvPr id="8" name="TextBox 7">
+            <a:extLst>
+              <a:ext uri="{FF2B5EF4-FFF2-40B4-BE49-F238E27FC236}">
+                <a16:creationId xmlns:a16="http://schemas.microsoft.com/office/drawing/2014/main" id="{252194A9-F76D-BEDA-CEE5-CCC9BDA315DC}"/>
+              </a:ext>
+            </a:extLst>
+          </p:cNvPr>
+          <p:cNvSpPr txBox="1"/>
+          <p:nvPr/>
+        </p:nvSpPr>
+        <p:spPr>
+          <a:xfrm>
+            <a:off x="8791621" y="2573701"/>
+            <a:ext cx="2141035" cy="1569660"/>
+          </a:xfrm>
+          <a:prstGeom prst="rect">
+            <a:avLst/>
+          </a:prstGeom>
+          <a:noFill/>
+        </p:spPr>
+        <p:txBody>
+          <a:bodyPr wrap="square" rtlCol="0">
+            <a:spAutoFit/>
+          </a:bodyPr>
+          <a:lstStyle/>
+          <a:p>
+            <a:pPr algn="ctr"/>
+            <a:r>
+              <a:rPr lang="en-US" sz="3200" dirty="0"/>
+              <a:t>The boy will move the cake</a:t>
+            </a:r>
+          </a:p>
+        </p:txBody>
+      </p:sp>
+    </p:spTree>
+    <p:extLst>
+      <p:ext uri="{BB962C8B-B14F-4D97-AF65-F5344CB8AC3E}">
+        <p14:creationId xmlns:p14="http://schemas.microsoft.com/office/powerpoint/2010/main" val="2672845863"/>
+      </p:ext>
+    </p:extLst>
+  </p:cSld>
+  <p:clrMapOvr>
+    <a:masterClrMapping/>
+  </p:clrMapOvr>
+</p:sld>
+</file>
+
+<file path=ppt/slides/slide16.xml><?xml version="1.0" encoding="utf-8"?>
+<p:sld xmlns:a="http://schemas.openxmlformats.org/drawingml/2006/main" xmlns:r="http://schemas.openxmlformats.org/officeDocument/2006/relationships" xmlns:p="http://schemas.openxmlformats.org/presentationml/2006/main">
+  <p:cSld>
+    <p:spTree>
+      <p:nvGrpSpPr>
+        <p:cNvPr id="1" name=""/>
+        <p:cNvGrpSpPr/>
+        <p:nvPr/>
+      </p:nvGrpSpPr>
+      <p:grpSpPr>
+        <a:xfrm>
+          <a:off x="0" y="0"/>
+          <a:ext cx="0" cy="0"/>
+          <a:chOff x="0" y="0"/>
+          <a:chExt cx="0" cy="0"/>
+        </a:xfrm>
+      </p:grpSpPr>
+      <p:sp>
+        <p:nvSpPr>
+          <p:cNvPr id="2" name="Title 1">
+            <a:extLst>
+              <a:ext uri="{FF2B5EF4-FFF2-40B4-BE49-F238E27FC236}">
+                <a16:creationId xmlns:a16="http://schemas.microsoft.com/office/drawing/2014/main" id="{56D2C071-87C1-5064-0817-1DF416253F56}"/>
+              </a:ext>
+            </a:extLst>
+          </p:cNvPr>
+          <p:cNvSpPr>
+            <a:spLocks noGrp="1"/>
+          </p:cNvSpPr>
+          <p:nvPr>
+            <p:ph type="title"/>
+          </p:nvPr>
+        </p:nvSpPr>
+        <p:spPr/>
+        <p:txBody>
+          <a:bodyPr/>
+          <a:lstStyle/>
+          <a:p>
+            <a:r>
+              <a:rPr lang="en-US" dirty="0"/>
+              <a:t>VWP 101: Stimulus timing</a:t>
+            </a:r>
+          </a:p>
+        </p:txBody>
+      </p:sp>
+      <p:sp>
+        <p:nvSpPr>
+          <p:cNvPr id="3" name="Content Placeholder 2">
+            <a:extLst>
+              <a:ext uri="{FF2B5EF4-FFF2-40B4-BE49-F238E27FC236}">
+                <a16:creationId xmlns:a16="http://schemas.microsoft.com/office/drawing/2014/main" id="{B43E93AD-FBEB-BFE8-E68F-E1784BE87EA4}"/>
+              </a:ext>
+            </a:extLst>
+          </p:cNvPr>
+          <p:cNvSpPr>
+            <a:spLocks noGrp="1"/>
+          </p:cNvSpPr>
+          <p:nvPr>
+            <p:ph idx="1"/>
+          </p:nvPr>
+        </p:nvSpPr>
+        <p:spPr/>
+        <p:txBody>
+          <a:bodyPr>
+            <a:normAutofit/>
+          </a:bodyPr>
+          <a:lstStyle/>
+          <a:p>
+            <a:r>
+              <a:rPr lang="en-US" sz="2800" dirty="0"/>
+              <a:t>The presentation of the visual display typically begins shortly before the onset of the spoken utterance</a:t>
+            </a:r>
+          </a:p>
+          <a:p>
+            <a:endParaRPr lang="en-US" sz="2800" dirty="0"/>
+          </a:p>
+          <a:p>
+            <a:r>
+              <a:rPr lang="en-US" sz="2800" dirty="0"/>
+              <a:t>Likelihood of fixating objects depends on the preview time of the stimuli</a:t>
+            </a:r>
+          </a:p>
+        </p:txBody>
+      </p:sp>
+      <p:sp>
+        <p:nvSpPr>
+          <p:cNvPr id="4" name="Footer Placeholder 3">
+            <a:extLst>
+              <a:ext uri="{FF2B5EF4-FFF2-40B4-BE49-F238E27FC236}">
+                <a16:creationId xmlns:a16="http://schemas.microsoft.com/office/drawing/2014/main" id="{F098B9AB-CCA3-C613-1D46-B5A002D911DF}"/>
+              </a:ext>
+            </a:extLst>
+          </p:cNvPr>
+          <p:cNvSpPr>
+            <a:spLocks noGrp="1"/>
+          </p:cNvSpPr>
+          <p:nvPr>
+            <p:ph type="ftr" sz="quarter" idx="11"/>
+          </p:nvPr>
+        </p:nvSpPr>
+        <p:spPr/>
+        <p:txBody>
+          <a:bodyPr/>
+          <a:lstStyle/>
+          <a:p>
+            <a:endParaRPr lang="en-US"/>
+          </a:p>
+        </p:txBody>
+      </p:sp>
+    </p:spTree>
+    <p:extLst>
+      <p:ext uri="{BB962C8B-B14F-4D97-AF65-F5344CB8AC3E}">
+        <p14:creationId xmlns:p14="http://schemas.microsoft.com/office/powerpoint/2010/main" val="3396872657"/>
+      </p:ext>
+    </p:extLst>
+  </p:cSld>
+  <p:clrMapOvr>
+    <a:masterClrMapping/>
+  </p:clrMapOvr>
+</p:sld>
+</file>
+
+<file path=ppt/slides/slide17.xml><?xml version="1.0" encoding="utf-8"?>
+<p:sld xmlns:a="http://schemas.openxmlformats.org/drawingml/2006/main" xmlns:r="http://schemas.openxmlformats.org/officeDocument/2006/relationships" xmlns:p="http://schemas.openxmlformats.org/presentationml/2006/main">
+  <p:cSld>
+    <p:spTree>
+      <p:nvGrpSpPr>
+        <p:cNvPr id="1" name=""/>
+        <p:cNvGrpSpPr/>
+        <p:nvPr/>
+      </p:nvGrpSpPr>
+      <p:grpSpPr>
+        <a:xfrm>
+          <a:off x="0" y="0"/>
+          <a:ext cx="0" cy="0"/>
+          <a:chOff x="0" y="0"/>
+          <a:chExt cx="0" cy="0"/>
+        </a:xfrm>
+      </p:grpSpPr>
+      <p:sp>
+        <p:nvSpPr>
+          <p:cNvPr id="2" name="Title 1">
+            <a:extLst>
+              <a:ext uri="{FF2B5EF4-FFF2-40B4-BE49-F238E27FC236}">
+                <a16:creationId xmlns:a16="http://schemas.microsoft.com/office/drawing/2014/main" id="{8F8AB73E-E883-6072-0489-EB537C9074F0}"/>
+              </a:ext>
+            </a:extLst>
+          </p:cNvPr>
+          <p:cNvSpPr>
+            <a:spLocks noGrp="1"/>
+          </p:cNvSpPr>
+          <p:nvPr>
+            <p:ph type="title"/>
+          </p:nvPr>
+        </p:nvSpPr>
+        <p:spPr/>
+        <p:txBody>
+          <a:bodyPr/>
+          <a:lstStyle/>
+          <a:p>
+            <a:endParaRPr lang="en-US"/>
+          </a:p>
+        </p:txBody>
+      </p:sp>
+      <p:sp>
+        <p:nvSpPr>
+          <p:cNvPr id="3" name="Content Placeholder 2">
+            <a:extLst>
+              <a:ext uri="{FF2B5EF4-FFF2-40B4-BE49-F238E27FC236}">
+                <a16:creationId xmlns:a16="http://schemas.microsoft.com/office/drawing/2014/main" id="{8CF40A4D-E5C7-2697-99AD-797C98ADCECC}"/>
+              </a:ext>
+            </a:extLst>
+          </p:cNvPr>
+          <p:cNvSpPr>
+            <a:spLocks noGrp="1"/>
+          </p:cNvSpPr>
+          <p:nvPr>
+            <p:ph idx="1"/>
+          </p:nvPr>
+        </p:nvSpPr>
+        <p:spPr/>
+        <p:txBody>
+          <a:bodyPr/>
+          <a:lstStyle/>
+          <a:p>
+            <a:endParaRPr lang="en-US"/>
+          </a:p>
+        </p:txBody>
+      </p:sp>
+      <p:sp>
+        <p:nvSpPr>
+          <p:cNvPr id="4" name="Footer Placeholder 3">
+            <a:extLst>
+              <a:ext uri="{FF2B5EF4-FFF2-40B4-BE49-F238E27FC236}">
+                <a16:creationId xmlns:a16="http://schemas.microsoft.com/office/drawing/2014/main" id="{F25CD62C-7C7D-B8FD-886C-BA508010FB79}"/>
+              </a:ext>
+            </a:extLst>
+          </p:cNvPr>
+          <p:cNvSpPr>
+            <a:spLocks noGrp="1"/>
+          </p:cNvSpPr>
+          <p:nvPr>
+            <p:ph type="ftr" sz="quarter" idx="11"/>
+          </p:nvPr>
+        </p:nvSpPr>
+        <p:spPr/>
+        <p:txBody>
+          <a:bodyPr/>
+          <a:lstStyle/>
+          <a:p>
+            <a:endParaRPr lang="en-US"/>
+          </a:p>
+        </p:txBody>
+      </p:sp>
+    </p:spTree>
+    <p:extLst>
+      <p:ext uri="{BB962C8B-B14F-4D97-AF65-F5344CB8AC3E}">
+        <p14:creationId xmlns:p14="http://schemas.microsoft.com/office/powerpoint/2010/main" val="1381400382"/>
       </p:ext>
     </p:extLst>
   </p:cSld>
@@ -5870,131 +6895,6 @@
           <p:cNvPr id="2" name="Title 1">
             <a:extLst>
               <a:ext uri="{FF2B5EF4-FFF2-40B4-BE49-F238E27FC236}">
-                <a16:creationId xmlns:a16="http://schemas.microsoft.com/office/drawing/2014/main" id="{E009E81A-AD86-3C68-F4F2-C971FD8E93DD}"/>
-              </a:ext>
-            </a:extLst>
-          </p:cNvPr>
-          <p:cNvSpPr>
-            <a:spLocks noGrp="1"/>
-          </p:cNvSpPr>
-          <p:nvPr>
-            <p:ph type="title"/>
-          </p:nvPr>
-        </p:nvSpPr>
-        <p:spPr/>
-        <p:txBody>
-          <a:bodyPr/>
-          <a:lstStyle/>
-          <a:p>
-            <a:r>
-              <a:rPr lang="en-US" dirty="0"/>
-              <a:t>VWP 101: History</a:t>
-            </a:r>
-          </a:p>
-        </p:txBody>
-      </p:sp>
-      <p:sp>
-        <p:nvSpPr>
-          <p:cNvPr id="3" name="Content Placeholder 2">
-            <a:extLst>
-              <a:ext uri="{FF2B5EF4-FFF2-40B4-BE49-F238E27FC236}">
-                <a16:creationId xmlns:a16="http://schemas.microsoft.com/office/drawing/2014/main" id="{2E42B8AD-D192-8E53-1E9C-3D3F30B4A3D2}"/>
-              </a:ext>
-            </a:extLst>
-          </p:cNvPr>
-          <p:cNvSpPr>
-            <a:spLocks noGrp="1"/>
-          </p:cNvSpPr>
-          <p:nvPr>
-            <p:ph idx="1"/>
-          </p:nvPr>
-        </p:nvSpPr>
-        <p:spPr/>
-        <p:txBody>
-          <a:bodyPr/>
-          <a:lstStyle/>
-          <a:p>
-            <a:r>
-              <a:rPr lang="en-US" dirty="0"/>
-              <a:t>The Visual World Paradigm has a long history</a:t>
-            </a:r>
-          </a:p>
-          <a:p>
-            <a:pPr lvl="1"/>
-            <a:r>
-              <a:rPr lang="en-US" dirty="0"/>
-              <a:t>Proto version used in 1974</a:t>
-            </a:r>
-          </a:p>
-          <a:p>
-            <a:pPr lvl="1"/>
-            <a:r>
-              <a:rPr lang="en-US" dirty="0"/>
-              <a:t>Found that listeners automatically look towards mentioned or relevant objects</a:t>
-            </a:r>
-          </a:p>
-        </p:txBody>
-      </p:sp>
-      <p:sp>
-        <p:nvSpPr>
-          <p:cNvPr id="4" name="Footer Placeholder 3">
-            <a:extLst>
-              <a:ext uri="{FF2B5EF4-FFF2-40B4-BE49-F238E27FC236}">
-                <a16:creationId xmlns:a16="http://schemas.microsoft.com/office/drawing/2014/main" id="{70770B14-F7B5-1944-AED9-899517B7A3C9}"/>
-              </a:ext>
-            </a:extLst>
-          </p:cNvPr>
-          <p:cNvSpPr>
-            <a:spLocks noGrp="1"/>
-          </p:cNvSpPr>
-          <p:nvPr>
-            <p:ph type="ftr" sz="quarter" idx="11"/>
-          </p:nvPr>
-        </p:nvSpPr>
-        <p:spPr/>
-        <p:txBody>
-          <a:bodyPr/>
-          <a:lstStyle/>
-          <a:p>
-            <a:endParaRPr lang="en-US"/>
-          </a:p>
-        </p:txBody>
-      </p:sp>
-    </p:spTree>
-    <p:extLst>
-      <p:ext uri="{BB962C8B-B14F-4D97-AF65-F5344CB8AC3E}">
-        <p14:creationId xmlns:p14="http://schemas.microsoft.com/office/powerpoint/2010/main" val="2328077307"/>
-      </p:ext>
-    </p:extLst>
-  </p:cSld>
-  <p:clrMapOvr>
-    <a:masterClrMapping/>
-  </p:clrMapOvr>
-</p:sld>
-</file>
-
-<file path=ppt/slides/slide3.xml><?xml version="1.0" encoding="utf-8"?>
-<p:sld xmlns:a="http://schemas.openxmlformats.org/drawingml/2006/main" xmlns:r="http://schemas.openxmlformats.org/officeDocument/2006/relationships" xmlns:p="http://schemas.openxmlformats.org/presentationml/2006/main">
-  <p:cSld>
-    <p:spTree>
-      <p:nvGrpSpPr>
-        <p:cNvPr id="1" name=""/>
-        <p:cNvGrpSpPr/>
-        <p:nvPr/>
-      </p:nvGrpSpPr>
-      <p:grpSpPr>
-        <a:xfrm>
-          <a:off x="0" y="0"/>
-          <a:ext cx="0" cy="0"/>
-          <a:chOff x="0" y="0"/>
-          <a:chExt cx="0" cy="0"/>
-        </a:xfrm>
-      </p:grpSpPr>
-      <p:sp>
-        <p:nvSpPr>
-          <p:cNvPr id="2" name="Title 1">
-            <a:extLst>
-              <a:ext uri="{FF2B5EF4-FFF2-40B4-BE49-F238E27FC236}">
                 <a16:creationId xmlns:a16="http://schemas.microsoft.com/office/drawing/2014/main" id="{4394AD19-C704-3337-E786-E53B65B5EF47}"/>
               </a:ext>
             </a:extLst>
@@ -6117,7 +7017,7 @@
 </p:sld>
 </file>
 
-<file path=ppt/slides/slide4.xml><?xml version="1.0" encoding="utf-8"?>
+<file path=ppt/slides/slide3.xml><?xml version="1.0" encoding="utf-8"?>
 <p:sld xmlns:a="http://schemas.openxmlformats.org/drawingml/2006/main" xmlns:r="http://schemas.openxmlformats.org/officeDocument/2006/relationships" xmlns:p="http://schemas.openxmlformats.org/presentationml/2006/main">
   <p:cSld>
     <p:spTree>
@@ -6331,7 +7231,7 @@
 </p:sld>
 </file>
 
-<file path=ppt/slides/slide5.xml><?xml version="1.0" encoding="utf-8"?>
+<file path=ppt/slides/slide4.xml><?xml version="1.0" encoding="utf-8"?>
 <p:sld xmlns:a="http://schemas.openxmlformats.org/drawingml/2006/main" xmlns:r="http://schemas.openxmlformats.org/officeDocument/2006/relationships" xmlns:p="http://schemas.openxmlformats.org/presentationml/2006/main">
   <p:cSld>
     <p:spTree>
@@ -6453,7 +7353,7 @@
 </p:sld>
 </file>
 
-<file path=ppt/slides/slide6.xml><?xml version="1.0" encoding="utf-8"?>
+<file path=ppt/slides/slide5.xml><?xml version="1.0" encoding="utf-8"?>
 <p:sld xmlns:a="http://schemas.openxmlformats.org/drawingml/2006/main" xmlns:r="http://schemas.openxmlformats.org/officeDocument/2006/relationships" xmlns:p="http://schemas.openxmlformats.org/presentationml/2006/main">
   <p:cSld>
     <p:spTree>
@@ -6638,7 +7538,7 @@
 </p:sld>
 </file>
 
-<file path=ppt/slides/slide7.xml><?xml version="1.0" encoding="utf-8"?>
+<file path=ppt/slides/slide6.xml><?xml version="1.0" encoding="utf-8"?>
 <p:sld xmlns:a="http://schemas.openxmlformats.org/drawingml/2006/main" xmlns:r="http://schemas.openxmlformats.org/officeDocument/2006/relationships" xmlns:p="http://schemas.openxmlformats.org/presentationml/2006/main">
   <p:cSld>
     <p:spTree>
@@ -6870,7 +7770,7 @@
 </p:sld>
 </file>
 
-<file path=ppt/slides/slide8.xml><?xml version="1.0" encoding="utf-8"?>
+<file path=ppt/slides/slide7.xml><?xml version="1.0" encoding="utf-8"?>
 <p:sld xmlns:a="http://schemas.openxmlformats.org/drawingml/2006/main" xmlns:r="http://schemas.openxmlformats.org/officeDocument/2006/relationships" xmlns:p="http://schemas.openxmlformats.org/presentationml/2006/main">
   <p:cSld>
     <p:spTree>
@@ -7102,7 +8002,7 @@
 </p:sld>
 </file>
 
-<file path=ppt/slides/slide9.xml><?xml version="1.0" encoding="utf-8"?>
+<file path=ppt/slides/slide8.xml><?xml version="1.0" encoding="utf-8"?>
 <p:sld xmlns:a="http://schemas.openxmlformats.org/drawingml/2006/main" xmlns:r="http://schemas.openxmlformats.org/officeDocument/2006/relationships" xmlns:p="http://schemas.openxmlformats.org/presentationml/2006/main">
   <p:cSld>
     <p:spTree>
@@ -7325,6 +8225,149 @@
     <p:extLst>
       <p:ext uri="{BB962C8B-B14F-4D97-AF65-F5344CB8AC3E}">
         <p14:creationId xmlns:p14="http://schemas.microsoft.com/office/powerpoint/2010/main" val="3545332463"/>
+      </p:ext>
+    </p:extLst>
+  </p:cSld>
+  <p:clrMapOvr>
+    <a:masterClrMapping/>
+  </p:clrMapOvr>
+</p:sld>
+</file>
+
+<file path=ppt/slides/slide9.xml><?xml version="1.0" encoding="utf-8"?>
+<p:sld xmlns:a="http://schemas.openxmlformats.org/drawingml/2006/main" xmlns:r="http://schemas.openxmlformats.org/officeDocument/2006/relationships" xmlns:p="http://schemas.openxmlformats.org/presentationml/2006/main">
+  <p:cSld>
+    <p:spTree>
+      <p:nvGrpSpPr>
+        <p:cNvPr id="1" name=""/>
+        <p:cNvGrpSpPr/>
+        <p:nvPr/>
+      </p:nvGrpSpPr>
+      <p:grpSpPr>
+        <a:xfrm>
+          <a:off x="0" y="0"/>
+          <a:ext cx="0" cy="0"/>
+          <a:chOff x="0" y="0"/>
+          <a:chExt cx="0" cy="0"/>
+        </a:xfrm>
+      </p:grpSpPr>
+      <p:sp>
+        <p:nvSpPr>
+          <p:cNvPr id="2" name="Title 1">
+            <a:extLst>
+              <a:ext uri="{FF2B5EF4-FFF2-40B4-BE49-F238E27FC236}">
+                <a16:creationId xmlns:a16="http://schemas.microsoft.com/office/drawing/2014/main" id="{45889DD1-1B07-DDB6-3993-98D221BE0520}"/>
+              </a:ext>
+            </a:extLst>
+          </p:cNvPr>
+          <p:cNvSpPr>
+            <a:spLocks noGrp="1"/>
+          </p:cNvSpPr>
+          <p:nvPr>
+            <p:ph type="title"/>
+          </p:nvPr>
+        </p:nvSpPr>
+        <p:spPr/>
+        <p:txBody>
+          <a:bodyPr/>
+          <a:lstStyle/>
+          <a:p>
+            <a:r>
+              <a:rPr lang="en-US" dirty="0"/>
+              <a:t>VWP 101: Assumptions</a:t>
+            </a:r>
+          </a:p>
+        </p:txBody>
+      </p:sp>
+      <p:sp>
+        <p:nvSpPr>
+          <p:cNvPr id="3" name="Content Placeholder 2">
+            <a:extLst>
+              <a:ext uri="{FF2B5EF4-FFF2-40B4-BE49-F238E27FC236}">
+                <a16:creationId xmlns:a16="http://schemas.microsoft.com/office/drawing/2014/main" id="{25057D2B-4B59-B823-8083-6013D25BB6CE}"/>
+              </a:ext>
+            </a:extLst>
+          </p:cNvPr>
+          <p:cNvSpPr>
+            <a:spLocks noGrp="1"/>
+          </p:cNvSpPr>
+          <p:nvPr>
+            <p:ph sz="half" idx="1"/>
+          </p:nvPr>
+        </p:nvSpPr>
+        <p:spPr/>
+        <p:txBody>
+          <a:bodyPr>
+            <a:normAutofit/>
+          </a:bodyPr>
+          <a:lstStyle/>
+          <a:p>
+            <a:r>
+              <a:rPr lang="en-US" sz="2800" dirty="0"/>
+              <a:t>What is the major assumption of the visual world paradigm?</a:t>
+            </a:r>
+          </a:p>
+        </p:txBody>
+      </p:sp>
+      <p:sp>
+        <p:nvSpPr>
+          <p:cNvPr id="4" name="Footer Placeholder 3">
+            <a:extLst>
+              <a:ext uri="{FF2B5EF4-FFF2-40B4-BE49-F238E27FC236}">
+                <a16:creationId xmlns:a16="http://schemas.microsoft.com/office/drawing/2014/main" id="{AD184A1C-C97E-2C53-A87F-D8F61838A66A}"/>
+              </a:ext>
+            </a:extLst>
+          </p:cNvPr>
+          <p:cNvSpPr>
+            <a:spLocks noGrp="1"/>
+          </p:cNvSpPr>
+          <p:nvPr>
+            <p:ph type="ftr" sz="quarter" idx="11"/>
+          </p:nvPr>
+        </p:nvSpPr>
+        <p:spPr/>
+        <p:txBody>
+          <a:bodyPr/>
+          <a:lstStyle/>
+          <a:p>
+            <a:endParaRPr lang="en-US"/>
+          </a:p>
+        </p:txBody>
+      </p:sp>
+      <p:pic>
+        <p:nvPicPr>
+          <p:cNvPr id="5" name="Picture 4">
+            <a:extLst>
+              <a:ext uri="{FF2B5EF4-FFF2-40B4-BE49-F238E27FC236}">
+                <a16:creationId xmlns:a16="http://schemas.microsoft.com/office/drawing/2014/main" id="{9CC0ADFE-7A34-2D63-9A2C-A7C5F4CAF748}"/>
+              </a:ext>
+            </a:extLst>
+          </p:cNvPr>
+          <p:cNvPicPr>
+            <a:picLocks noChangeAspect="1"/>
+          </p:cNvPicPr>
+          <p:nvPr/>
+        </p:nvPicPr>
+        <p:blipFill>
+          <a:blip r:embed="rId2"/>
+          <a:stretch>
+            <a:fillRect/>
+          </a:stretch>
+        </p:blipFill>
+        <p:spPr>
+          <a:xfrm>
+            <a:off x="6187414" y="2222287"/>
+            <a:ext cx="5194584" cy="3590925"/>
+          </a:xfrm>
+          <a:prstGeom prst="rect">
+            <a:avLst/>
+          </a:prstGeom>
+        </p:spPr>
+      </p:pic>
+    </p:spTree>
+    <p:extLst>
+      <p:ext uri="{BB962C8B-B14F-4D97-AF65-F5344CB8AC3E}">
+        <p14:creationId xmlns:p14="http://schemas.microsoft.com/office/powerpoint/2010/main" val="69315092"/>
       </p:ext>
     </p:extLst>
   </p:cSld>

--- a/slides/Day3.pptx
+++ b/slides/Day3.pptx
@@ -22,6 +22,21 @@
     <p:sldId id="274" r:id="rId16"/>
     <p:sldId id="273" r:id="rId17"/>
     <p:sldId id="275" r:id="rId18"/>
+    <p:sldId id="278" r:id="rId19"/>
+    <p:sldId id="279" r:id="rId20"/>
+    <p:sldId id="280" r:id="rId21"/>
+    <p:sldId id="282" r:id="rId22"/>
+    <p:sldId id="283" r:id="rId23"/>
+    <p:sldId id="284" r:id="rId24"/>
+    <p:sldId id="285" r:id="rId25"/>
+    <p:sldId id="281" r:id="rId26"/>
+    <p:sldId id="286" r:id="rId27"/>
+    <p:sldId id="287" r:id="rId28"/>
+    <p:sldId id="289" r:id="rId29"/>
+    <p:sldId id="290" r:id="rId30"/>
+    <p:sldId id="291" r:id="rId31"/>
+    <p:sldId id="292" r:id="rId32"/>
+    <p:sldId id="288" r:id="rId33"/>
   </p:sldIdLst>
   <p:sldSz cx="12192000" cy="6858000"/>
   <p:notesSz cx="6858000" cy="9144000"/>
@@ -415,7 +430,7 @@
           <a:p>
             <a:fld id="{6D62041A-534C-485A-9850-09A0E2BEF2BD}" type="datetime1">
               <a:rPr lang="en-US" smtClean="0"/>
-              <a:t>10/24/2023</a:t>
+              <a:t>10/26/2023</a:t>
             </a:fld>
             <a:endParaRPr lang="en-US"/>
           </a:p>
@@ -733,7 +748,7 @@
           <a:p>
             <a:fld id="{6FDD0EC2-F252-4D4B-8078-CCDA5726674C}" type="datetime1">
               <a:rPr lang="en-US" smtClean="0"/>
-              <a:t>10/24/2023</a:t>
+              <a:t>10/26/2023</a:t>
             </a:fld>
             <a:endParaRPr lang="en-US"/>
           </a:p>
@@ -1221,7 +1236,7 @@
           <a:p>
             <a:fld id="{5A9B0CAF-E46C-4B7D-8C22-2C2A4385A930}" type="datetime1">
               <a:rPr lang="en-US" smtClean="0"/>
-              <a:t>10/24/2023</a:t>
+              <a:t>10/26/2023</a:t>
             </a:fld>
             <a:endParaRPr lang="en-US"/>
           </a:p>
@@ -1590,7 +1605,7 @@
           <a:p>
             <a:fld id="{5C0B5EED-4565-4A89-BD52-7A5AEA49D550}" type="datetime1">
               <a:rPr lang="en-US" smtClean="0"/>
-              <a:t>10/24/2023</a:t>
+              <a:t>10/26/2023</a:t>
             </a:fld>
             <a:endParaRPr lang="en-US"/>
           </a:p>
@@ -1863,7 +1878,7 @@
           <a:p>
             <a:fld id="{38F9C167-D8EB-437D-881E-68598FE49B77}" type="datetime1">
               <a:rPr lang="en-US" smtClean="0"/>
-              <a:t>10/24/2023</a:t>
+              <a:t>10/26/2023</a:t>
             </a:fld>
             <a:endParaRPr lang="en-US"/>
           </a:p>
@@ -2148,7 +2163,7 @@
           <a:p>
             <a:fld id="{4A477C06-9741-4689-A8BB-DA7418EBD938}" type="datetime1">
               <a:rPr lang="en-US" smtClean="0"/>
-              <a:t>10/24/2023</a:t>
+              <a:t>10/26/2023</a:t>
             </a:fld>
             <a:endParaRPr lang="en-US"/>
           </a:p>
@@ -2431,7 +2446,7 @@
           <a:p>
             <a:fld id="{0A5FAF4C-7E85-4433-91D4-C9176E376578}" type="datetime1">
               <a:rPr lang="en-US" smtClean="0"/>
-              <a:t>10/24/2023</a:t>
+              <a:t>10/26/2023</a:t>
             </a:fld>
             <a:endParaRPr lang="en-US"/>
           </a:p>
@@ -2774,7 +2789,7 @@
           <a:p>
             <a:fld id="{070ADB9D-0D7F-4B34-868C-8420B42CA120}" type="datetime1">
               <a:rPr lang="en-US" smtClean="0"/>
-              <a:t>10/24/2023</a:t>
+              <a:t>10/26/2023</a:t>
             </a:fld>
             <a:endParaRPr lang="en-US"/>
           </a:p>
@@ -3113,7 +3128,7 @@
           <a:p>
             <a:fld id="{EDC2B1AB-8665-4158-AB9E-16A21F056BC4}" type="datetime1">
               <a:rPr lang="en-US" smtClean="0"/>
-              <a:t>10/24/2023</a:t>
+              <a:t>10/26/2023</a:t>
             </a:fld>
             <a:endParaRPr lang="en-US"/>
           </a:p>
@@ -3590,7 +3605,7 @@
           <a:p>
             <a:fld id="{C2FF5B08-5D4B-4799-89D4-82BA3C0D1CB5}" type="datetime1">
               <a:rPr lang="en-US" smtClean="0"/>
-              <a:t>10/24/2023</a:t>
+              <a:t>10/26/2023</a:t>
             </a:fld>
             <a:endParaRPr lang="en-US"/>
           </a:p>
@@ -3811,7 +3826,7 @@
           <a:p>
             <a:fld id="{043BA31F-640D-4983-B742-87A8B362B37C}" type="datetime1">
               <a:rPr lang="en-US" smtClean="0"/>
-              <a:t>10/24/2023</a:t>
+              <a:t>10/26/2023</a:t>
             </a:fld>
             <a:endParaRPr lang="en-US"/>
           </a:p>
@@ -3906,7 +3921,7 @@
           <a:p>
             <a:fld id="{FD357E0F-6EF8-444F-96C1-43EAAE09AD36}" type="datetime1">
               <a:rPr lang="en-US" smtClean="0"/>
-              <a:t>10/24/2023</a:t>
+              <a:t>10/26/2023</a:t>
             </a:fld>
             <a:endParaRPr lang="en-US"/>
           </a:p>
@@ -4373,7 +4388,7 @@
           <a:p>
             <a:fld id="{AE8EF11D-0AA5-45E9-9641-3385DF52E93D}" type="datetime1">
               <a:rPr lang="en-US" smtClean="0"/>
-              <a:t>10/24/2023</a:t>
+              <a:t>10/26/2023</a:t>
             </a:fld>
             <a:endParaRPr lang="en-US"/>
           </a:p>
@@ -4686,7 +4701,7 @@
           <a:p>
             <a:fld id="{8C7B53B2-5972-44EE-87C6-BEDA34CCA02D}" type="datetime1">
               <a:rPr lang="en-US" smtClean="0"/>
-              <a:t>10/24/2023</a:t>
+              <a:t>10/26/2023</a:t>
             </a:fld>
             <a:endParaRPr lang="en-US"/>
           </a:p>
@@ -4956,7 +4971,7 @@
           <a:p>
             <a:fld id="{5CE8F2EE-BA63-42C0-9BA4-BA622DF20B3E}" type="datetime1">
               <a:rPr lang="en-US" smtClean="0"/>
-              <a:t>10/24/2023</a:t>
+              <a:t>10/26/2023</a:t>
             </a:fld>
             <a:endParaRPr lang="en-US"/>
           </a:p>
@@ -6267,43 +6282,44 @@
           </a:bodyPr>
           <a:lstStyle/>
           <a:p>
+            <a:pPr marL="0" indent="0" algn="ctr">
+              <a:buNone/>
+            </a:pPr>
             <a:r>
               <a:rPr lang="en-US" sz="2400" dirty="0"/>
               <a:t>Display Types</a:t>
             </a:r>
           </a:p>
           <a:p>
+            <a:r>
+              <a:rPr lang="en-US" sz="2200" dirty="0"/>
+              <a:t>Realistic or semirealistic</a:t>
+            </a:r>
+          </a:p>
+          <a:p>
             <a:pPr lvl="1"/>
             <a:r>
               <a:rPr lang="en-US" sz="2000" dirty="0"/>
-              <a:t>Realistic or semirealistic</a:t>
-            </a:r>
-          </a:p>
-          <a:p>
-            <a:pPr lvl="2"/>
-            <a:r>
-              <a:rPr lang="en-US" sz="1800" dirty="0"/>
               <a:t>Allows us to assess how world knowledge or contextual information may affect understanding of spoken utterances</a:t>
             </a:r>
           </a:p>
           <a:p>
+            <a:r>
+              <a:rPr lang="en-US" sz="2200" dirty="0"/>
+              <a:t>Arrays</a:t>
+            </a:r>
+          </a:p>
+          <a:p>
             <a:pPr lvl="1"/>
             <a:r>
               <a:rPr lang="en-US" sz="2000" dirty="0"/>
-              <a:t>Arrays</a:t>
-            </a:r>
-          </a:p>
-          <a:p>
-            <a:pPr lvl="2"/>
-            <a:r>
-              <a:rPr lang="en-US" sz="1800" dirty="0"/>
               <a:t>Minimizes the impact of real world knowledge or context</a:t>
             </a:r>
           </a:p>
           <a:p>
-            <a:pPr lvl="2"/>
-            <a:r>
-              <a:rPr lang="en-US" sz="1800" dirty="0"/>
+            <a:pPr lvl="1"/>
+            <a:r>
+              <a:rPr lang="en-US" sz="2000" dirty="0"/>
               <a:t>Well suited for studying the activation of conceptual and lexical knowledge</a:t>
             </a:r>
           </a:p>
@@ -6413,10 +6429,57 @@
           <a:bodyPr/>
           <a:lstStyle/>
           <a:p>
-            <a:r>
-              <a:rPr lang="en-US" dirty="0"/>
+            <a:pPr marL="0" indent="0" algn="ctr">
+              <a:buNone/>
+            </a:pPr>
+            <a:r>
+              <a:rPr lang="en-US" sz="2800" dirty="0"/>
               <a:t>Utterance types</a:t>
             </a:r>
+          </a:p>
+          <a:p>
+            <a:r>
+              <a:rPr lang="en-US" sz="2200" dirty="0"/>
+              <a:t>Direct action</a:t>
+            </a:r>
+          </a:p>
+          <a:p>
+            <a:pPr lvl="1"/>
+            <a:r>
+              <a:rPr lang="en-US" sz="2000" dirty="0"/>
+              <a:t>“Put the apple that is on the towel in the box”</a:t>
+            </a:r>
+          </a:p>
+          <a:p>
+            <a:pPr lvl="1"/>
+            <a:r>
+              <a:rPr lang="en-US" sz="2000" dirty="0"/>
+              <a:t>Explicit tasks can change looking behavior</a:t>
+            </a:r>
+          </a:p>
+          <a:p>
+            <a:r>
+              <a:rPr lang="en-US" sz="2200" dirty="0"/>
+              <a:t>Look and listen	</a:t>
+            </a:r>
+          </a:p>
+          <a:p>
+            <a:pPr lvl="1"/>
+            <a:r>
+              <a:rPr lang="en-US" sz="2000" dirty="0"/>
+              <a:t> “The boy drinks from the cup”</a:t>
+            </a:r>
+            <a:endParaRPr lang="en-US" sz="2200" dirty="0"/>
+          </a:p>
+          <a:p>
+            <a:pPr lvl="1"/>
+            <a:r>
+              <a:rPr lang="en-US" sz="2000" dirty="0"/>
+              <a:t>Examines more general features of language-vision interactions</a:t>
+            </a:r>
+          </a:p>
+          <a:p>
+            <a:endParaRPr lang="en-US" sz="2200" dirty="0"/>
           </a:p>
         </p:txBody>
       </p:sp>
@@ -6806,7 +6869,10 @@
           <a:bodyPr/>
           <a:lstStyle/>
           <a:p>
-            <a:endParaRPr lang="en-US"/>
+            <a:r>
+              <a:rPr lang="en-US" dirty="0"/>
+              <a:t>VWP 101: The data</a:t>
+            </a:r>
           </a:p>
         </p:txBody>
       </p:sp>
@@ -6828,10 +6894,33 @@
         </p:nvSpPr>
         <p:spPr/>
         <p:txBody>
-          <a:bodyPr/>
-          <a:lstStyle/>
-          <a:p>
-            <a:endParaRPr lang="en-US"/>
+          <a:bodyPr>
+            <a:normAutofit/>
+          </a:bodyPr>
+          <a:lstStyle/>
+          <a:p>
+            <a:pPr marL="0" indent="0" algn="ctr">
+              <a:buNone/>
+            </a:pPr>
+            <a:r>
+              <a:rPr lang="en-US" sz="2800" dirty="0"/>
+              <a:t>What kind of data do we get from a VWP trial?</a:t>
+            </a:r>
+          </a:p>
+          <a:p>
+            <a:pPr marL="0" indent="0" algn="ctr">
+              <a:buNone/>
+            </a:pPr>
+            <a:endParaRPr lang="en-US" sz="2800" dirty="0"/>
+          </a:p>
+          <a:p>
+            <a:pPr marL="0" indent="0" algn="ctr">
+              <a:buNone/>
+            </a:pPr>
+            <a:r>
+              <a:rPr lang="en-US" sz="2800" dirty="0"/>
+              <a:t>What is the question we are interested in during a VWP trial?</a:t>
+            </a:r>
           </a:p>
         </p:txBody>
       </p:sp>
@@ -6870,6 +6959,617 @@
   <p:clrMapOvr>
     <a:masterClrMapping/>
   </p:clrMapOvr>
+</p:sld>
+</file>
+
+<file path=ppt/slides/slide18.xml><?xml version="1.0" encoding="utf-8"?>
+<p:sld xmlns:a="http://schemas.openxmlformats.org/drawingml/2006/main" xmlns:r="http://schemas.openxmlformats.org/officeDocument/2006/relationships" xmlns:p="http://schemas.openxmlformats.org/presentationml/2006/main">
+  <p:cSld>
+    <p:spTree>
+      <p:nvGrpSpPr>
+        <p:cNvPr id="1" name=""/>
+        <p:cNvGrpSpPr/>
+        <p:nvPr/>
+      </p:nvGrpSpPr>
+      <p:grpSpPr>
+        <a:xfrm>
+          <a:off x="0" y="0"/>
+          <a:ext cx="0" cy="0"/>
+          <a:chOff x="0" y="0"/>
+          <a:chExt cx="0" cy="0"/>
+        </a:xfrm>
+      </p:grpSpPr>
+      <p:sp>
+        <p:nvSpPr>
+          <p:cNvPr id="2" name="Title 1">
+            <a:extLst>
+              <a:ext uri="{FF2B5EF4-FFF2-40B4-BE49-F238E27FC236}">
+                <a16:creationId xmlns:a16="http://schemas.microsoft.com/office/drawing/2014/main" id="{CB7CA61E-EC3B-045E-1C2C-A88566FDD293}"/>
+              </a:ext>
+            </a:extLst>
+          </p:cNvPr>
+          <p:cNvSpPr>
+            <a:spLocks noGrp="1"/>
+          </p:cNvSpPr>
+          <p:nvPr>
+            <p:ph type="title"/>
+          </p:nvPr>
+        </p:nvSpPr>
+        <p:spPr/>
+        <p:txBody>
+          <a:bodyPr/>
+          <a:lstStyle/>
+          <a:p>
+            <a:r>
+              <a:rPr lang="en-US" dirty="0"/>
+              <a:t>VWP 101: The data</a:t>
+            </a:r>
+          </a:p>
+        </p:txBody>
+      </p:sp>
+      <p:sp>
+        <p:nvSpPr>
+          <p:cNvPr id="3" name="Content Placeholder 2">
+            <a:extLst>
+              <a:ext uri="{FF2B5EF4-FFF2-40B4-BE49-F238E27FC236}">
+                <a16:creationId xmlns:a16="http://schemas.microsoft.com/office/drawing/2014/main" id="{2CF20464-0AD1-9E4E-38CC-E6E1C2F2BE8F}"/>
+              </a:ext>
+            </a:extLst>
+          </p:cNvPr>
+          <p:cNvSpPr>
+            <a:spLocks noGrp="1"/>
+          </p:cNvSpPr>
+          <p:nvPr>
+            <p:ph idx="1"/>
+          </p:nvPr>
+        </p:nvSpPr>
+        <p:spPr/>
+        <p:txBody>
+          <a:bodyPr>
+            <a:normAutofit/>
+          </a:bodyPr>
+          <a:lstStyle/>
+          <a:p>
+            <a:r>
+              <a:rPr lang="en-US" sz="2400" i="1" dirty="0"/>
+              <a:t>Region(s) of interest</a:t>
+            </a:r>
+          </a:p>
+          <a:p>
+            <a:r>
+              <a:rPr lang="en-US" sz="2400" dirty="0"/>
+              <a:t>Time window</a:t>
+            </a:r>
+          </a:p>
+        </p:txBody>
+      </p:sp>
+      <p:sp>
+        <p:nvSpPr>
+          <p:cNvPr id="4" name="Footer Placeholder 3">
+            <a:extLst>
+              <a:ext uri="{FF2B5EF4-FFF2-40B4-BE49-F238E27FC236}">
+                <a16:creationId xmlns:a16="http://schemas.microsoft.com/office/drawing/2014/main" id="{922CACD1-C5B6-2B41-7DD8-319279D10E1E}"/>
+              </a:ext>
+            </a:extLst>
+          </p:cNvPr>
+          <p:cNvSpPr>
+            <a:spLocks noGrp="1"/>
+          </p:cNvSpPr>
+          <p:nvPr>
+            <p:ph type="ftr" sz="quarter" idx="11"/>
+          </p:nvPr>
+        </p:nvSpPr>
+        <p:spPr/>
+        <p:txBody>
+          <a:bodyPr/>
+          <a:lstStyle/>
+          <a:p>
+            <a:endParaRPr lang="en-US" dirty="0"/>
+          </a:p>
+        </p:txBody>
+      </p:sp>
+      <p:pic>
+        <p:nvPicPr>
+          <p:cNvPr id="6" name="Picture 5">
+            <a:extLst>
+              <a:ext uri="{FF2B5EF4-FFF2-40B4-BE49-F238E27FC236}">
+                <a16:creationId xmlns:a16="http://schemas.microsoft.com/office/drawing/2014/main" id="{0137E8A5-325A-A968-2B62-E034A6EBFABE}"/>
+              </a:ext>
+            </a:extLst>
+          </p:cNvPr>
+          <p:cNvPicPr>
+            <a:picLocks noChangeAspect="1"/>
+          </p:cNvPicPr>
+          <p:nvPr/>
+        </p:nvPicPr>
+        <p:blipFill>
+          <a:blip r:embed="rId2"/>
+          <a:stretch>
+            <a:fillRect/>
+          </a:stretch>
+        </p:blipFill>
+        <p:spPr>
+          <a:xfrm>
+            <a:off x="7261674" y="2599406"/>
+            <a:ext cx="3868599" cy="2882271"/>
+          </a:xfrm>
+          <a:prstGeom prst="rect">
+            <a:avLst/>
+          </a:prstGeom>
+        </p:spPr>
+      </p:pic>
+      <p:sp>
+        <p:nvSpPr>
+          <p:cNvPr id="7" name="Speech Bubble: Oval 6">
+            <a:extLst>
+              <a:ext uri="{FF2B5EF4-FFF2-40B4-BE49-F238E27FC236}">
+                <a16:creationId xmlns:a16="http://schemas.microsoft.com/office/drawing/2014/main" id="{7E565985-F962-5486-CBFE-A78B3E4C79C1}"/>
+              </a:ext>
+            </a:extLst>
+          </p:cNvPr>
+          <p:cNvSpPr/>
+          <p:nvPr/>
+        </p:nvSpPr>
+        <p:spPr>
+          <a:xfrm>
+            <a:off x="9852883" y="1143091"/>
+            <a:ext cx="1916442" cy="1793263"/>
+          </a:xfrm>
+          <a:prstGeom prst="wedgeEllipseCallout">
+            <a:avLst/>
+          </a:prstGeom>
+        </p:spPr>
+        <p:style>
+          <a:lnRef idx="2">
+            <a:schemeClr val="accent1">
+              <a:shade val="15000"/>
+            </a:schemeClr>
+          </a:lnRef>
+          <a:fillRef idx="1">
+            <a:schemeClr val="accent1"/>
+          </a:fillRef>
+          <a:effectRef idx="0">
+            <a:schemeClr val="accent1"/>
+          </a:effectRef>
+          <a:fontRef idx="minor">
+            <a:schemeClr val="lt1"/>
+          </a:fontRef>
+        </p:style>
+        <p:txBody>
+          <a:bodyPr rtlCol="0" anchor="ctr"/>
+          <a:lstStyle/>
+          <a:p>
+            <a:pPr algn="ctr"/>
+            <a:r>
+              <a:rPr lang="en-US" sz="2400" dirty="0"/>
+              <a:t>The boy will eat the cake</a:t>
+            </a:r>
+          </a:p>
+        </p:txBody>
+      </p:sp>
+    </p:spTree>
+    <p:extLst>
+      <p:ext uri="{BB962C8B-B14F-4D97-AF65-F5344CB8AC3E}">
+        <p14:creationId xmlns:p14="http://schemas.microsoft.com/office/powerpoint/2010/main" val="120810045"/>
+      </p:ext>
+    </p:extLst>
+  </p:cSld>
+  <p:clrMapOvr>
+    <a:masterClrMapping/>
+  </p:clrMapOvr>
+</p:sld>
+</file>
+
+<file path=ppt/slides/slide19.xml><?xml version="1.0" encoding="utf-8"?>
+<p:sld xmlns:a="http://schemas.openxmlformats.org/drawingml/2006/main" xmlns:r="http://schemas.openxmlformats.org/officeDocument/2006/relationships" xmlns:p="http://schemas.openxmlformats.org/presentationml/2006/main">
+  <p:cSld>
+    <p:spTree>
+      <p:nvGrpSpPr>
+        <p:cNvPr id="1" name=""/>
+        <p:cNvGrpSpPr/>
+        <p:nvPr/>
+      </p:nvGrpSpPr>
+      <p:grpSpPr>
+        <a:xfrm>
+          <a:off x="0" y="0"/>
+          <a:ext cx="0" cy="0"/>
+          <a:chOff x="0" y="0"/>
+          <a:chExt cx="0" cy="0"/>
+        </a:xfrm>
+      </p:grpSpPr>
+      <p:sp>
+        <p:nvSpPr>
+          <p:cNvPr id="2" name="Title 1">
+            <a:extLst>
+              <a:ext uri="{FF2B5EF4-FFF2-40B4-BE49-F238E27FC236}">
+                <a16:creationId xmlns:a16="http://schemas.microsoft.com/office/drawing/2014/main" id="{61F90BDF-AEB7-3D86-CB1C-C402E9FE4DB7}"/>
+              </a:ext>
+            </a:extLst>
+          </p:cNvPr>
+          <p:cNvSpPr>
+            <a:spLocks noGrp="1"/>
+          </p:cNvSpPr>
+          <p:nvPr>
+            <p:ph type="title"/>
+          </p:nvPr>
+        </p:nvSpPr>
+        <p:spPr/>
+        <p:txBody>
+          <a:bodyPr/>
+          <a:lstStyle/>
+          <a:p>
+            <a:r>
+              <a:rPr lang="en-US" dirty="0"/>
+              <a:t>VWP 101: The Data</a:t>
+            </a:r>
+          </a:p>
+        </p:txBody>
+      </p:sp>
+      <p:sp>
+        <p:nvSpPr>
+          <p:cNvPr id="4" name="Footer Placeholder 3">
+            <a:extLst>
+              <a:ext uri="{FF2B5EF4-FFF2-40B4-BE49-F238E27FC236}">
+                <a16:creationId xmlns:a16="http://schemas.microsoft.com/office/drawing/2014/main" id="{9758715E-6474-F621-51FB-91D6C0E715E2}"/>
+              </a:ext>
+            </a:extLst>
+          </p:cNvPr>
+          <p:cNvSpPr>
+            <a:spLocks noGrp="1"/>
+          </p:cNvSpPr>
+          <p:nvPr>
+            <p:ph type="ftr" sz="quarter" idx="11"/>
+          </p:nvPr>
+        </p:nvSpPr>
+        <p:spPr/>
+        <p:txBody>
+          <a:bodyPr/>
+          <a:lstStyle/>
+          <a:p>
+            <a:endParaRPr lang="en-US" dirty="0"/>
+          </a:p>
+        </p:txBody>
+      </p:sp>
+      <p:pic>
+        <p:nvPicPr>
+          <p:cNvPr id="8" name="Picture 7">
+            <a:extLst>
+              <a:ext uri="{FF2B5EF4-FFF2-40B4-BE49-F238E27FC236}">
+                <a16:creationId xmlns:a16="http://schemas.microsoft.com/office/drawing/2014/main" id="{DF02D509-E744-562B-4484-0A49BD9D1CC2}"/>
+              </a:ext>
+            </a:extLst>
+          </p:cNvPr>
+          <p:cNvPicPr>
+            <a:picLocks noChangeAspect="1"/>
+          </p:cNvPicPr>
+          <p:nvPr/>
+        </p:nvPicPr>
+        <p:blipFill>
+          <a:blip r:embed="rId2"/>
+          <a:stretch>
+            <a:fillRect/>
+          </a:stretch>
+        </p:blipFill>
+        <p:spPr>
+          <a:xfrm>
+            <a:off x="2813273" y="1822635"/>
+            <a:ext cx="752955" cy="4322710"/>
+          </a:xfrm>
+          <a:prstGeom prst="rect">
+            <a:avLst/>
+          </a:prstGeom>
+        </p:spPr>
+      </p:pic>
+      <p:pic>
+        <p:nvPicPr>
+          <p:cNvPr id="19" name="Picture 18">
+            <a:extLst>
+              <a:ext uri="{FF2B5EF4-FFF2-40B4-BE49-F238E27FC236}">
+                <a16:creationId xmlns:a16="http://schemas.microsoft.com/office/drawing/2014/main" id="{1E6800F1-23AE-B9F3-F040-E7B6340B1221}"/>
+              </a:ext>
+            </a:extLst>
+          </p:cNvPr>
+          <p:cNvPicPr>
+            <a:picLocks noChangeAspect="1"/>
+          </p:cNvPicPr>
+          <p:nvPr/>
+        </p:nvPicPr>
+        <p:blipFill>
+          <a:blip r:embed="rId3"/>
+          <a:stretch>
+            <a:fillRect/>
+          </a:stretch>
+        </p:blipFill>
+        <p:spPr>
+          <a:xfrm>
+            <a:off x="1103997" y="1843804"/>
+            <a:ext cx="752954" cy="4301541"/>
+          </a:xfrm>
+          <a:prstGeom prst="rect">
+            <a:avLst/>
+          </a:prstGeom>
+        </p:spPr>
+      </p:pic>
+      <p:pic>
+        <p:nvPicPr>
+          <p:cNvPr id="21" name="Picture 20">
+            <a:extLst>
+              <a:ext uri="{FF2B5EF4-FFF2-40B4-BE49-F238E27FC236}">
+                <a16:creationId xmlns:a16="http://schemas.microsoft.com/office/drawing/2014/main" id="{47057AB6-E8B3-75DB-464A-2A1DFD751AE2}"/>
+              </a:ext>
+            </a:extLst>
+          </p:cNvPr>
+          <p:cNvPicPr>
+            <a:picLocks noChangeAspect="1"/>
+          </p:cNvPicPr>
+          <p:nvPr/>
+        </p:nvPicPr>
+        <p:blipFill>
+          <a:blip r:embed="rId4"/>
+          <a:stretch>
+            <a:fillRect/>
+          </a:stretch>
+        </p:blipFill>
+        <p:spPr>
+          <a:xfrm>
+            <a:off x="4353808" y="1848038"/>
+            <a:ext cx="4271966" cy="4297307"/>
+          </a:xfrm>
+          <a:prstGeom prst="rect">
+            <a:avLst/>
+          </a:prstGeom>
+        </p:spPr>
+      </p:pic>
+      <p:pic>
+        <p:nvPicPr>
+          <p:cNvPr id="23" name="Picture 22">
+            <a:extLst>
+              <a:ext uri="{FF2B5EF4-FFF2-40B4-BE49-F238E27FC236}">
+                <a16:creationId xmlns:a16="http://schemas.microsoft.com/office/drawing/2014/main" id="{C4CFF690-38AC-FA0E-F76A-2F1982C5169C}"/>
+              </a:ext>
+            </a:extLst>
+          </p:cNvPr>
+          <p:cNvPicPr>
+            <a:picLocks noChangeAspect="1"/>
+          </p:cNvPicPr>
+          <p:nvPr/>
+        </p:nvPicPr>
+        <p:blipFill>
+          <a:blip r:embed="rId5"/>
+          <a:stretch>
+            <a:fillRect/>
+          </a:stretch>
+        </p:blipFill>
+        <p:spPr>
+          <a:xfrm>
+            <a:off x="9037135" y="1822635"/>
+            <a:ext cx="1120246" cy="4246501"/>
+          </a:xfrm>
+          <a:prstGeom prst="rect">
+            <a:avLst/>
+          </a:prstGeom>
+        </p:spPr>
+      </p:pic>
+    </p:spTree>
+    <p:extLst>
+      <p:ext uri="{BB962C8B-B14F-4D97-AF65-F5344CB8AC3E}">
+        <p14:creationId xmlns:p14="http://schemas.microsoft.com/office/powerpoint/2010/main" val="1358080891"/>
+      </p:ext>
+    </p:extLst>
+  </p:cSld>
+  <p:clrMapOvr>
+    <a:masterClrMapping/>
+  </p:clrMapOvr>
+  <p:timing>
+    <p:tnLst>
+      <p:par>
+        <p:cTn id="1" dur="indefinite" restart="never" nodeType="tmRoot">
+          <p:childTnLst>
+            <p:seq concurrent="1" nextAc="seek">
+              <p:cTn id="2" dur="indefinite" nodeType="mainSeq">
+                <p:childTnLst>
+                  <p:par>
+                    <p:cTn id="3" fill="hold">
+                      <p:stCondLst>
+                        <p:cond delay="indefinite"/>
+                      </p:stCondLst>
+                      <p:childTnLst>
+                        <p:par>
+                          <p:cTn id="4" fill="hold">
+                            <p:stCondLst>
+                              <p:cond delay="0"/>
+                            </p:stCondLst>
+                            <p:childTnLst>
+                              <p:par>
+                                <p:cTn id="5" presetID="1" presetClass="entr" presetSubtype="0" fill="hold" nodeType="clickEffect">
+                                  <p:stCondLst>
+                                    <p:cond delay="0"/>
+                                  </p:stCondLst>
+                                  <p:childTnLst>
+                                    <p:set>
+                                      <p:cBhvr>
+                                        <p:cTn id="6" dur="1" fill="hold">
+                                          <p:stCondLst>
+                                            <p:cond delay="0"/>
+                                          </p:stCondLst>
+                                        </p:cTn>
+                                        <p:tgtEl>
+                                          <p:spTgt spid="19"/>
+                                        </p:tgtEl>
+                                        <p:attrNameLst>
+                                          <p:attrName>style.visibility</p:attrName>
+                                        </p:attrNameLst>
+                                      </p:cBhvr>
+                                      <p:to>
+                                        <p:strVal val="visible"/>
+                                      </p:to>
+                                    </p:set>
+                                  </p:childTnLst>
+                                </p:cTn>
+                              </p:par>
+                            </p:childTnLst>
+                          </p:cTn>
+                        </p:par>
+                      </p:childTnLst>
+                    </p:cTn>
+                  </p:par>
+                  <p:par>
+                    <p:cTn id="7" fill="hold">
+                      <p:stCondLst>
+                        <p:cond delay="indefinite"/>
+                      </p:stCondLst>
+                      <p:childTnLst>
+                        <p:par>
+                          <p:cTn id="8" fill="hold">
+                            <p:stCondLst>
+                              <p:cond delay="0"/>
+                            </p:stCondLst>
+                            <p:childTnLst>
+                              <p:par>
+                                <p:cTn id="9" presetID="1" presetClass="entr" presetSubtype="0" fill="hold" nodeType="clickEffect">
+                                  <p:stCondLst>
+                                    <p:cond delay="0"/>
+                                  </p:stCondLst>
+                                  <p:childTnLst>
+                                    <p:set>
+                                      <p:cBhvr>
+                                        <p:cTn id="10" dur="1" fill="hold">
+                                          <p:stCondLst>
+                                            <p:cond delay="0"/>
+                                          </p:stCondLst>
+                                        </p:cTn>
+                                        <p:tgtEl>
+                                          <p:spTgt spid="8"/>
+                                        </p:tgtEl>
+                                        <p:attrNameLst>
+                                          <p:attrName>style.visibility</p:attrName>
+                                        </p:attrNameLst>
+                                      </p:cBhvr>
+                                      <p:to>
+                                        <p:strVal val="visible"/>
+                                      </p:to>
+                                    </p:set>
+                                  </p:childTnLst>
+                                </p:cTn>
+                              </p:par>
+                            </p:childTnLst>
+                          </p:cTn>
+                        </p:par>
+                      </p:childTnLst>
+                    </p:cTn>
+                  </p:par>
+                  <p:par>
+                    <p:cTn id="11" fill="hold">
+                      <p:stCondLst>
+                        <p:cond delay="indefinite"/>
+                      </p:stCondLst>
+                      <p:childTnLst>
+                        <p:par>
+                          <p:cTn id="12" fill="hold">
+                            <p:stCondLst>
+                              <p:cond delay="0"/>
+                            </p:stCondLst>
+                            <p:childTnLst>
+                              <p:par>
+                                <p:cTn id="13" presetID="1" presetClass="entr" presetSubtype="0" fill="hold" nodeType="clickEffect">
+                                  <p:stCondLst>
+                                    <p:cond delay="0"/>
+                                  </p:stCondLst>
+                                  <p:childTnLst>
+                                    <p:set>
+                                      <p:cBhvr>
+                                        <p:cTn id="14" dur="1" fill="hold">
+                                          <p:stCondLst>
+                                            <p:cond delay="0"/>
+                                          </p:stCondLst>
+                                        </p:cTn>
+                                        <p:tgtEl>
+                                          <p:spTgt spid="21"/>
+                                        </p:tgtEl>
+                                        <p:attrNameLst>
+                                          <p:attrName>style.visibility</p:attrName>
+                                        </p:attrNameLst>
+                                      </p:cBhvr>
+                                      <p:to>
+                                        <p:strVal val="visible"/>
+                                      </p:to>
+                                    </p:set>
+                                  </p:childTnLst>
+                                </p:cTn>
+                              </p:par>
+                            </p:childTnLst>
+                          </p:cTn>
+                        </p:par>
+                      </p:childTnLst>
+                    </p:cTn>
+                  </p:par>
+                  <p:par>
+                    <p:cTn id="15" fill="hold">
+                      <p:stCondLst>
+                        <p:cond delay="indefinite"/>
+                      </p:stCondLst>
+                      <p:childTnLst>
+                        <p:par>
+                          <p:cTn id="16" fill="hold">
+                            <p:stCondLst>
+                              <p:cond delay="0"/>
+                            </p:stCondLst>
+                            <p:childTnLst>
+                              <p:par>
+                                <p:cTn id="17" presetID="1" presetClass="entr" presetSubtype="0" fill="hold" nodeType="clickEffect">
+                                  <p:stCondLst>
+                                    <p:cond delay="0"/>
+                                  </p:stCondLst>
+                                  <p:childTnLst>
+                                    <p:set>
+                                      <p:cBhvr>
+                                        <p:cTn id="18" dur="1" fill="hold">
+                                          <p:stCondLst>
+                                            <p:cond delay="0"/>
+                                          </p:stCondLst>
+                                        </p:cTn>
+                                        <p:tgtEl>
+                                          <p:spTgt spid="23"/>
+                                        </p:tgtEl>
+                                        <p:attrNameLst>
+                                          <p:attrName>style.visibility</p:attrName>
+                                        </p:attrNameLst>
+                                      </p:cBhvr>
+                                      <p:to>
+                                        <p:strVal val="visible"/>
+                                      </p:to>
+                                    </p:set>
+                                  </p:childTnLst>
+                                </p:cTn>
+                              </p:par>
+                            </p:childTnLst>
+                          </p:cTn>
+                        </p:par>
+                      </p:childTnLst>
+                    </p:cTn>
+                  </p:par>
+                </p:childTnLst>
+              </p:cTn>
+              <p:prevCondLst>
+                <p:cond evt="onPrev" delay="0">
+                  <p:tgtEl>
+                    <p:sldTgt/>
+                  </p:tgtEl>
+                </p:cond>
+              </p:prevCondLst>
+              <p:nextCondLst>
+                <p:cond evt="onNext" delay="0">
+                  <p:tgtEl>
+                    <p:sldTgt/>
+                  </p:tgtEl>
+                </p:cond>
+              </p:nextCondLst>
+            </p:seq>
+          </p:childTnLst>
+        </p:cTn>
+      </p:par>
+    </p:tnLst>
+  </p:timing>
 </p:sld>
 </file>
 
@@ -7008,6 +7708,1761 @@
     <p:extLst>
       <p:ext uri="{BB962C8B-B14F-4D97-AF65-F5344CB8AC3E}">
         <p14:creationId xmlns:p14="http://schemas.microsoft.com/office/powerpoint/2010/main" val="2906309778"/>
+      </p:ext>
+    </p:extLst>
+  </p:cSld>
+  <p:clrMapOvr>
+    <a:masterClrMapping/>
+  </p:clrMapOvr>
+</p:sld>
+</file>
+
+<file path=ppt/slides/slide20.xml><?xml version="1.0" encoding="utf-8"?>
+<p:sld xmlns:a="http://schemas.openxmlformats.org/drawingml/2006/main" xmlns:r="http://schemas.openxmlformats.org/officeDocument/2006/relationships" xmlns:p="http://schemas.openxmlformats.org/presentationml/2006/main">
+  <p:cSld>
+    <p:spTree>
+      <p:nvGrpSpPr>
+        <p:cNvPr id="1" name=""/>
+        <p:cNvGrpSpPr/>
+        <p:nvPr/>
+      </p:nvGrpSpPr>
+      <p:grpSpPr>
+        <a:xfrm>
+          <a:off x="0" y="0"/>
+          <a:ext cx="0" cy="0"/>
+          <a:chOff x="0" y="0"/>
+          <a:chExt cx="0" cy="0"/>
+        </a:xfrm>
+      </p:grpSpPr>
+      <p:sp>
+        <p:nvSpPr>
+          <p:cNvPr id="2" name="Title 1">
+            <a:extLst>
+              <a:ext uri="{FF2B5EF4-FFF2-40B4-BE49-F238E27FC236}">
+                <a16:creationId xmlns:a16="http://schemas.microsoft.com/office/drawing/2014/main" id="{2B283BBA-9A5E-6CA0-7904-5F5D959AC640}"/>
+              </a:ext>
+            </a:extLst>
+          </p:cNvPr>
+          <p:cNvSpPr>
+            <a:spLocks noGrp="1"/>
+          </p:cNvSpPr>
+          <p:nvPr>
+            <p:ph type="title"/>
+          </p:nvPr>
+        </p:nvSpPr>
+        <p:spPr/>
+        <p:txBody>
+          <a:bodyPr/>
+          <a:lstStyle/>
+          <a:p>
+            <a:r>
+              <a:rPr lang="en-US" dirty="0"/>
+              <a:t>VWP 101: What can we study using VWP?</a:t>
+            </a:r>
+          </a:p>
+        </p:txBody>
+      </p:sp>
+      <p:sp>
+        <p:nvSpPr>
+          <p:cNvPr id="3" name="Content Placeholder 2">
+            <a:extLst>
+              <a:ext uri="{FF2B5EF4-FFF2-40B4-BE49-F238E27FC236}">
+                <a16:creationId xmlns:a16="http://schemas.microsoft.com/office/drawing/2014/main" id="{B246AEED-F825-F0B6-FDC6-878BD30003CF}"/>
+              </a:ext>
+            </a:extLst>
+          </p:cNvPr>
+          <p:cNvSpPr>
+            <a:spLocks noGrp="1"/>
+          </p:cNvSpPr>
+          <p:nvPr>
+            <p:ph idx="1"/>
+          </p:nvPr>
+        </p:nvSpPr>
+        <p:spPr/>
+        <p:txBody>
+          <a:bodyPr/>
+          <a:lstStyle/>
+          <a:p>
+            <a:r>
+              <a:rPr lang="en-US" sz="2800" dirty="0"/>
+              <a:t>Sentence processing</a:t>
+            </a:r>
+          </a:p>
+          <a:p>
+            <a:pPr lvl="1"/>
+            <a:r>
+              <a:rPr lang="en-US" sz="2400" dirty="0"/>
+              <a:t>How and when language users integrate different types of information</a:t>
+            </a:r>
+          </a:p>
+          <a:p>
+            <a:pPr lvl="1"/>
+            <a:r>
+              <a:rPr lang="en-US" sz="2400" dirty="0"/>
+              <a:t>How context modulates sentence processing</a:t>
+            </a:r>
+          </a:p>
+          <a:p>
+            <a:pPr lvl="1"/>
+            <a:endParaRPr lang="en-US" sz="2000" dirty="0"/>
+          </a:p>
+        </p:txBody>
+      </p:sp>
+      <p:sp>
+        <p:nvSpPr>
+          <p:cNvPr id="4" name="Footer Placeholder 3">
+            <a:extLst>
+              <a:ext uri="{FF2B5EF4-FFF2-40B4-BE49-F238E27FC236}">
+                <a16:creationId xmlns:a16="http://schemas.microsoft.com/office/drawing/2014/main" id="{0FD263E1-E692-2D4E-4A61-6443EDFBF90E}"/>
+              </a:ext>
+            </a:extLst>
+          </p:cNvPr>
+          <p:cNvSpPr>
+            <a:spLocks noGrp="1"/>
+          </p:cNvSpPr>
+          <p:nvPr>
+            <p:ph type="ftr" sz="quarter" idx="11"/>
+          </p:nvPr>
+        </p:nvSpPr>
+        <p:spPr/>
+        <p:txBody>
+          <a:bodyPr/>
+          <a:lstStyle/>
+          <a:p>
+            <a:endParaRPr lang="en-US"/>
+          </a:p>
+        </p:txBody>
+      </p:sp>
+    </p:spTree>
+    <p:extLst>
+      <p:ext uri="{BB962C8B-B14F-4D97-AF65-F5344CB8AC3E}">
+        <p14:creationId xmlns:p14="http://schemas.microsoft.com/office/powerpoint/2010/main" val="868547125"/>
+      </p:ext>
+    </p:extLst>
+  </p:cSld>
+  <p:clrMapOvr>
+    <a:masterClrMapping/>
+  </p:clrMapOvr>
+</p:sld>
+</file>
+
+<file path=ppt/slides/slide21.xml><?xml version="1.0" encoding="utf-8"?>
+<p:sld xmlns:a="http://schemas.openxmlformats.org/drawingml/2006/main" xmlns:r="http://schemas.openxmlformats.org/officeDocument/2006/relationships" xmlns:p="http://schemas.openxmlformats.org/presentationml/2006/main">
+  <p:cSld>
+    <p:spTree>
+      <p:nvGrpSpPr>
+        <p:cNvPr id="1" name=""/>
+        <p:cNvGrpSpPr/>
+        <p:nvPr/>
+      </p:nvGrpSpPr>
+      <p:grpSpPr>
+        <a:xfrm>
+          <a:off x="0" y="0"/>
+          <a:ext cx="0" cy="0"/>
+          <a:chOff x="0" y="0"/>
+          <a:chExt cx="0" cy="0"/>
+        </a:xfrm>
+      </p:grpSpPr>
+      <p:sp>
+        <p:nvSpPr>
+          <p:cNvPr id="2" name="Title 1">
+            <a:extLst>
+              <a:ext uri="{FF2B5EF4-FFF2-40B4-BE49-F238E27FC236}">
+                <a16:creationId xmlns:a16="http://schemas.microsoft.com/office/drawing/2014/main" id="{2B283BBA-9A5E-6CA0-7904-5F5D959AC640}"/>
+              </a:ext>
+            </a:extLst>
+          </p:cNvPr>
+          <p:cNvSpPr>
+            <a:spLocks noGrp="1"/>
+          </p:cNvSpPr>
+          <p:nvPr>
+            <p:ph type="title"/>
+          </p:nvPr>
+        </p:nvSpPr>
+        <p:spPr/>
+        <p:txBody>
+          <a:bodyPr/>
+          <a:lstStyle/>
+          <a:p>
+            <a:r>
+              <a:rPr lang="en-US" dirty="0"/>
+              <a:t>VWP 101: What can we study using VWP?</a:t>
+            </a:r>
+          </a:p>
+        </p:txBody>
+      </p:sp>
+      <p:sp>
+        <p:nvSpPr>
+          <p:cNvPr id="3" name="Content Placeholder 2">
+            <a:extLst>
+              <a:ext uri="{FF2B5EF4-FFF2-40B4-BE49-F238E27FC236}">
+                <a16:creationId xmlns:a16="http://schemas.microsoft.com/office/drawing/2014/main" id="{B246AEED-F825-F0B6-FDC6-878BD30003CF}"/>
+              </a:ext>
+            </a:extLst>
+          </p:cNvPr>
+          <p:cNvSpPr>
+            <a:spLocks noGrp="1"/>
+          </p:cNvSpPr>
+          <p:nvPr>
+            <p:ph idx="1"/>
+          </p:nvPr>
+        </p:nvSpPr>
+        <p:spPr/>
+        <p:txBody>
+          <a:bodyPr/>
+          <a:lstStyle/>
+          <a:p>
+            <a:pPr marL="0" indent="0" algn="ctr">
+              <a:buNone/>
+            </a:pPr>
+            <a:r>
+              <a:rPr lang="en-US" sz="2400" dirty="0"/>
+              <a:t>“Pour the egg in the bowl over the flour”</a:t>
+            </a:r>
+          </a:p>
+          <a:p>
+            <a:pPr marL="0" indent="0" algn="ctr">
+              <a:buNone/>
+            </a:pPr>
+            <a:endParaRPr lang="en-US" sz="2400" dirty="0"/>
+          </a:p>
+          <a:p>
+            <a:pPr marL="0" indent="0" algn="ctr">
+              <a:buNone/>
+            </a:pPr>
+            <a:endParaRPr lang="en-US" sz="2400" dirty="0"/>
+          </a:p>
+          <a:p>
+            <a:pPr marL="0" indent="0" algn="ctr">
+              <a:buNone/>
+            </a:pPr>
+            <a:endParaRPr lang="en-US" sz="2400" dirty="0"/>
+          </a:p>
+          <a:p>
+            <a:pPr marL="0" indent="0" algn="ctr">
+              <a:buNone/>
+            </a:pPr>
+            <a:endParaRPr lang="en-US" sz="2400" dirty="0"/>
+          </a:p>
+          <a:p>
+            <a:endParaRPr lang="en-US" dirty="0"/>
+          </a:p>
+        </p:txBody>
+      </p:sp>
+      <p:sp>
+        <p:nvSpPr>
+          <p:cNvPr id="4" name="Footer Placeholder 3">
+            <a:extLst>
+              <a:ext uri="{FF2B5EF4-FFF2-40B4-BE49-F238E27FC236}">
+                <a16:creationId xmlns:a16="http://schemas.microsoft.com/office/drawing/2014/main" id="{0FD263E1-E692-2D4E-4A61-6443EDFBF90E}"/>
+              </a:ext>
+            </a:extLst>
+          </p:cNvPr>
+          <p:cNvSpPr>
+            <a:spLocks noGrp="1"/>
+          </p:cNvSpPr>
+          <p:nvPr>
+            <p:ph type="ftr" sz="quarter" idx="11"/>
+          </p:nvPr>
+        </p:nvSpPr>
+        <p:spPr/>
+        <p:txBody>
+          <a:bodyPr/>
+          <a:lstStyle/>
+          <a:p>
+            <a:endParaRPr lang="en-US"/>
+          </a:p>
+        </p:txBody>
+      </p:sp>
+      <p:pic>
+        <p:nvPicPr>
+          <p:cNvPr id="6" name="Picture 5">
+            <a:extLst>
+              <a:ext uri="{FF2B5EF4-FFF2-40B4-BE49-F238E27FC236}">
+                <a16:creationId xmlns:a16="http://schemas.microsoft.com/office/drawing/2014/main" id="{72C2D8CA-8FC5-CA22-9889-87277D799CC1}"/>
+              </a:ext>
+            </a:extLst>
+          </p:cNvPr>
+          <p:cNvPicPr>
+            <a:picLocks noChangeAspect="1"/>
+          </p:cNvPicPr>
+          <p:nvPr/>
+        </p:nvPicPr>
+        <p:blipFill>
+          <a:blip r:embed="rId2"/>
+          <a:stretch>
+            <a:fillRect/>
+          </a:stretch>
+        </p:blipFill>
+        <p:spPr>
+          <a:xfrm>
+            <a:off x="3095580" y="3379935"/>
+            <a:ext cx="6000254" cy="2138637"/>
+          </a:xfrm>
+          <a:prstGeom prst="rect">
+            <a:avLst/>
+          </a:prstGeom>
+        </p:spPr>
+      </p:pic>
+    </p:spTree>
+    <p:extLst>
+      <p:ext uri="{BB962C8B-B14F-4D97-AF65-F5344CB8AC3E}">
+        <p14:creationId xmlns:p14="http://schemas.microsoft.com/office/powerpoint/2010/main" val="1010914432"/>
+      </p:ext>
+    </p:extLst>
+  </p:cSld>
+  <p:clrMapOvr>
+    <a:masterClrMapping/>
+  </p:clrMapOvr>
+</p:sld>
+</file>
+
+<file path=ppt/slides/slide22.xml><?xml version="1.0" encoding="utf-8"?>
+<p:sld xmlns:a="http://schemas.openxmlformats.org/drawingml/2006/main" xmlns:r="http://schemas.openxmlformats.org/officeDocument/2006/relationships" xmlns:p="http://schemas.openxmlformats.org/presentationml/2006/main">
+  <p:cSld>
+    <p:spTree>
+      <p:nvGrpSpPr>
+        <p:cNvPr id="1" name=""/>
+        <p:cNvGrpSpPr/>
+        <p:nvPr/>
+      </p:nvGrpSpPr>
+      <p:grpSpPr>
+        <a:xfrm>
+          <a:off x="0" y="0"/>
+          <a:ext cx="0" cy="0"/>
+          <a:chOff x="0" y="0"/>
+          <a:chExt cx="0" cy="0"/>
+        </a:xfrm>
+      </p:grpSpPr>
+      <p:sp>
+        <p:nvSpPr>
+          <p:cNvPr id="2" name="Title 1">
+            <a:extLst>
+              <a:ext uri="{FF2B5EF4-FFF2-40B4-BE49-F238E27FC236}">
+                <a16:creationId xmlns:a16="http://schemas.microsoft.com/office/drawing/2014/main" id="{6D11DF09-90A6-F50B-1FD9-65141DBA7B43}"/>
+              </a:ext>
+            </a:extLst>
+          </p:cNvPr>
+          <p:cNvSpPr>
+            <a:spLocks noGrp="1"/>
+          </p:cNvSpPr>
+          <p:nvPr>
+            <p:ph type="title"/>
+          </p:nvPr>
+        </p:nvSpPr>
+        <p:spPr/>
+        <p:txBody>
+          <a:bodyPr/>
+          <a:lstStyle/>
+          <a:p>
+            <a:r>
+              <a:rPr lang="en-US" dirty="0"/>
+              <a:t>VWP 101: What can we study using VWP?</a:t>
+            </a:r>
+          </a:p>
+        </p:txBody>
+      </p:sp>
+      <p:sp>
+        <p:nvSpPr>
+          <p:cNvPr id="3" name="Content Placeholder 2">
+            <a:extLst>
+              <a:ext uri="{FF2B5EF4-FFF2-40B4-BE49-F238E27FC236}">
+                <a16:creationId xmlns:a16="http://schemas.microsoft.com/office/drawing/2014/main" id="{E55968F0-ED86-8C19-7FCC-1B08F890788B}"/>
+              </a:ext>
+            </a:extLst>
+          </p:cNvPr>
+          <p:cNvSpPr>
+            <a:spLocks noGrp="1"/>
+          </p:cNvSpPr>
+          <p:nvPr>
+            <p:ph idx="1"/>
+          </p:nvPr>
+        </p:nvSpPr>
+        <p:spPr/>
+        <p:txBody>
+          <a:bodyPr>
+            <a:normAutofit/>
+          </a:bodyPr>
+          <a:lstStyle/>
+          <a:p>
+            <a:r>
+              <a:rPr lang="en-US" sz="2800" dirty="0"/>
+              <a:t>Prosody</a:t>
+            </a:r>
+          </a:p>
+          <a:p>
+            <a:pPr lvl="1"/>
+            <a:r>
+              <a:rPr lang="en-US" sz="2400" dirty="0"/>
+              <a:t>Differences in prosody can cause people to look at either new or previously mentioned objects</a:t>
+            </a:r>
+          </a:p>
+          <a:p>
+            <a:pPr lvl="1"/>
+            <a:r>
+              <a:rPr lang="en-US" sz="2400" dirty="0"/>
+              <a:t>Prosody influences the interpretation of syntactically ambiguous phrases</a:t>
+            </a:r>
+          </a:p>
+        </p:txBody>
+      </p:sp>
+      <p:sp>
+        <p:nvSpPr>
+          <p:cNvPr id="4" name="Footer Placeholder 3">
+            <a:extLst>
+              <a:ext uri="{FF2B5EF4-FFF2-40B4-BE49-F238E27FC236}">
+                <a16:creationId xmlns:a16="http://schemas.microsoft.com/office/drawing/2014/main" id="{BB4D4796-F70C-DA38-7181-5D8F381EF548}"/>
+              </a:ext>
+            </a:extLst>
+          </p:cNvPr>
+          <p:cNvSpPr>
+            <a:spLocks noGrp="1"/>
+          </p:cNvSpPr>
+          <p:nvPr>
+            <p:ph type="ftr" sz="quarter" idx="11"/>
+          </p:nvPr>
+        </p:nvSpPr>
+        <p:spPr/>
+        <p:txBody>
+          <a:bodyPr/>
+          <a:lstStyle/>
+          <a:p>
+            <a:endParaRPr lang="en-US"/>
+          </a:p>
+        </p:txBody>
+      </p:sp>
+    </p:spTree>
+    <p:extLst>
+      <p:ext uri="{BB962C8B-B14F-4D97-AF65-F5344CB8AC3E}">
+        <p14:creationId xmlns:p14="http://schemas.microsoft.com/office/powerpoint/2010/main" val="2988438041"/>
+      </p:ext>
+    </p:extLst>
+  </p:cSld>
+  <p:clrMapOvr>
+    <a:masterClrMapping/>
+  </p:clrMapOvr>
+</p:sld>
+</file>
+
+<file path=ppt/slides/slide23.xml><?xml version="1.0" encoding="utf-8"?>
+<p:sld xmlns:a="http://schemas.openxmlformats.org/drawingml/2006/main" xmlns:r="http://schemas.openxmlformats.org/officeDocument/2006/relationships" xmlns:p="http://schemas.openxmlformats.org/presentationml/2006/main">
+  <p:cSld>
+    <p:spTree>
+      <p:nvGrpSpPr>
+        <p:cNvPr id="1" name=""/>
+        <p:cNvGrpSpPr/>
+        <p:nvPr/>
+      </p:nvGrpSpPr>
+      <p:grpSpPr>
+        <a:xfrm>
+          <a:off x="0" y="0"/>
+          <a:ext cx="0" cy="0"/>
+          <a:chOff x="0" y="0"/>
+          <a:chExt cx="0" cy="0"/>
+        </a:xfrm>
+      </p:grpSpPr>
+      <p:sp>
+        <p:nvSpPr>
+          <p:cNvPr id="2" name="Title 1">
+            <a:extLst>
+              <a:ext uri="{FF2B5EF4-FFF2-40B4-BE49-F238E27FC236}">
+                <a16:creationId xmlns:a16="http://schemas.microsoft.com/office/drawing/2014/main" id="{CFF851C1-0E48-B832-C319-145E480B3ABA}"/>
+              </a:ext>
+            </a:extLst>
+          </p:cNvPr>
+          <p:cNvSpPr>
+            <a:spLocks noGrp="1"/>
+          </p:cNvSpPr>
+          <p:nvPr>
+            <p:ph type="title"/>
+          </p:nvPr>
+        </p:nvSpPr>
+        <p:spPr/>
+        <p:txBody>
+          <a:bodyPr/>
+          <a:lstStyle/>
+          <a:p>
+            <a:r>
+              <a:rPr lang="en-US" dirty="0"/>
+              <a:t>VWP 101: What can we study using VWP?</a:t>
+            </a:r>
+          </a:p>
+        </p:txBody>
+      </p:sp>
+      <p:sp>
+        <p:nvSpPr>
+          <p:cNvPr id="3" name="Content Placeholder 2">
+            <a:extLst>
+              <a:ext uri="{FF2B5EF4-FFF2-40B4-BE49-F238E27FC236}">
+                <a16:creationId xmlns:a16="http://schemas.microsoft.com/office/drawing/2014/main" id="{F375A0A3-C779-13A4-2F10-B091E7B10A04}"/>
+              </a:ext>
+            </a:extLst>
+          </p:cNvPr>
+          <p:cNvSpPr>
+            <a:spLocks noGrp="1"/>
+          </p:cNvSpPr>
+          <p:nvPr>
+            <p:ph idx="1"/>
+          </p:nvPr>
+        </p:nvSpPr>
+        <p:spPr/>
+        <p:txBody>
+          <a:bodyPr>
+            <a:normAutofit/>
+          </a:bodyPr>
+          <a:lstStyle/>
+          <a:p>
+            <a:r>
+              <a:rPr lang="en-US" sz="2400" dirty="0"/>
+              <a:t>Single word processing</a:t>
+            </a:r>
+          </a:p>
+          <a:p>
+            <a:pPr lvl="1"/>
+            <a:r>
+              <a:rPr lang="en-US" sz="2000" dirty="0"/>
+              <a:t>Phonological processing</a:t>
+            </a:r>
+          </a:p>
+          <a:p>
+            <a:pPr lvl="1"/>
+            <a:r>
+              <a:rPr lang="en-US" sz="2000" dirty="0"/>
+              <a:t>Cohort effects</a:t>
+            </a:r>
+          </a:p>
+          <a:p>
+            <a:pPr lvl="1"/>
+            <a:r>
+              <a:rPr lang="en-US" sz="2000" dirty="0"/>
+              <a:t>Word frequency effects</a:t>
+            </a:r>
+          </a:p>
+          <a:p>
+            <a:r>
+              <a:rPr lang="en-US" sz="2400" dirty="0"/>
+              <a:t>Subtle phonetic cues can modulate lexical activation</a:t>
+            </a:r>
+          </a:p>
+        </p:txBody>
+      </p:sp>
+      <p:sp>
+        <p:nvSpPr>
+          <p:cNvPr id="4" name="Footer Placeholder 3">
+            <a:extLst>
+              <a:ext uri="{FF2B5EF4-FFF2-40B4-BE49-F238E27FC236}">
+                <a16:creationId xmlns:a16="http://schemas.microsoft.com/office/drawing/2014/main" id="{0DB555B4-4CFA-7FA8-B7B0-5FA9CABEFDCC}"/>
+              </a:ext>
+            </a:extLst>
+          </p:cNvPr>
+          <p:cNvSpPr>
+            <a:spLocks noGrp="1"/>
+          </p:cNvSpPr>
+          <p:nvPr>
+            <p:ph type="ftr" sz="quarter" idx="11"/>
+          </p:nvPr>
+        </p:nvSpPr>
+        <p:spPr/>
+        <p:txBody>
+          <a:bodyPr/>
+          <a:lstStyle/>
+          <a:p>
+            <a:endParaRPr lang="en-US"/>
+          </a:p>
+        </p:txBody>
+      </p:sp>
+    </p:spTree>
+    <p:extLst>
+      <p:ext uri="{BB962C8B-B14F-4D97-AF65-F5344CB8AC3E}">
+        <p14:creationId xmlns:p14="http://schemas.microsoft.com/office/powerpoint/2010/main" val="1822716731"/>
+      </p:ext>
+    </p:extLst>
+  </p:cSld>
+  <p:clrMapOvr>
+    <a:masterClrMapping/>
+  </p:clrMapOvr>
+</p:sld>
+</file>
+
+<file path=ppt/slides/slide24.xml><?xml version="1.0" encoding="utf-8"?>
+<p:sld xmlns:a="http://schemas.openxmlformats.org/drawingml/2006/main" xmlns:r="http://schemas.openxmlformats.org/officeDocument/2006/relationships" xmlns:p="http://schemas.openxmlformats.org/presentationml/2006/main">
+  <p:cSld>
+    <p:spTree>
+      <p:nvGrpSpPr>
+        <p:cNvPr id="1" name=""/>
+        <p:cNvGrpSpPr/>
+        <p:nvPr/>
+      </p:nvGrpSpPr>
+      <p:grpSpPr>
+        <a:xfrm>
+          <a:off x="0" y="0"/>
+          <a:ext cx="0" cy="0"/>
+          <a:chOff x="0" y="0"/>
+          <a:chExt cx="0" cy="0"/>
+        </a:xfrm>
+      </p:grpSpPr>
+      <p:sp>
+        <p:nvSpPr>
+          <p:cNvPr id="2" name="Title 1">
+            <a:extLst>
+              <a:ext uri="{FF2B5EF4-FFF2-40B4-BE49-F238E27FC236}">
+                <a16:creationId xmlns:a16="http://schemas.microsoft.com/office/drawing/2014/main" id="{CFF851C1-0E48-B832-C319-145E480B3ABA}"/>
+              </a:ext>
+            </a:extLst>
+          </p:cNvPr>
+          <p:cNvSpPr>
+            <a:spLocks noGrp="1"/>
+          </p:cNvSpPr>
+          <p:nvPr>
+            <p:ph type="title"/>
+          </p:nvPr>
+        </p:nvSpPr>
+        <p:spPr/>
+        <p:txBody>
+          <a:bodyPr/>
+          <a:lstStyle/>
+          <a:p>
+            <a:r>
+              <a:rPr lang="en-US" dirty="0"/>
+              <a:t>VWP 101: What can we study using VWP?</a:t>
+            </a:r>
+          </a:p>
+        </p:txBody>
+      </p:sp>
+      <p:sp>
+        <p:nvSpPr>
+          <p:cNvPr id="3" name="Content Placeholder 2">
+            <a:extLst>
+              <a:ext uri="{FF2B5EF4-FFF2-40B4-BE49-F238E27FC236}">
+                <a16:creationId xmlns:a16="http://schemas.microsoft.com/office/drawing/2014/main" id="{F375A0A3-C779-13A4-2F10-B091E7B10A04}"/>
+              </a:ext>
+            </a:extLst>
+          </p:cNvPr>
+          <p:cNvSpPr>
+            <a:spLocks noGrp="1"/>
+          </p:cNvSpPr>
+          <p:nvPr>
+            <p:ph idx="1"/>
+          </p:nvPr>
+        </p:nvSpPr>
+        <p:spPr/>
+        <p:txBody>
+          <a:bodyPr>
+            <a:normAutofit/>
+          </a:bodyPr>
+          <a:lstStyle/>
+          <a:p>
+            <a:r>
+              <a:rPr lang="en-US" sz="2400" dirty="0"/>
+              <a:t>Bilingual word recognition</a:t>
+            </a:r>
+          </a:p>
+          <a:p>
+            <a:pPr lvl="1"/>
+            <a:r>
+              <a:rPr lang="en-US" sz="2200" dirty="0"/>
+              <a:t>Mainly focused on cross linguistic lexical access</a:t>
+            </a:r>
+          </a:p>
+          <a:p>
+            <a:pPr lvl="1"/>
+            <a:r>
+              <a:rPr lang="en-US" sz="2200" dirty="0"/>
+              <a:t>Is lexical access language-specific or are both languages activated?</a:t>
+            </a:r>
+          </a:p>
+          <a:p>
+            <a:pPr lvl="1"/>
+            <a:endParaRPr lang="en-US" sz="2200" dirty="0"/>
+          </a:p>
+          <a:p>
+            <a:r>
+              <a:rPr lang="en-US" sz="2400" dirty="0"/>
+              <a:t>Age of acquisition, acoustic information, proficiency all seem to interact with cross linguistic activation</a:t>
+            </a:r>
+          </a:p>
+        </p:txBody>
+      </p:sp>
+      <p:sp>
+        <p:nvSpPr>
+          <p:cNvPr id="4" name="Footer Placeholder 3">
+            <a:extLst>
+              <a:ext uri="{FF2B5EF4-FFF2-40B4-BE49-F238E27FC236}">
+                <a16:creationId xmlns:a16="http://schemas.microsoft.com/office/drawing/2014/main" id="{0DB555B4-4CFA-7FA8-B7B0-5FA9CABEFDCC}"/>
+              </a:ext>
+            </a:extLst>
+          </p:cNvPr>
+          <p:cNvSpPr>
+            <a:spLocks noGrp="1"/>
+          </p:cNvSpPr>
+          <p:nvPr>
+            <p:ph type="ftr" sz="quarter" idx="11"/>
+          </p:nvPr>
+        </p:nvSpPr>
+        <p:spPr/>
+        <p:txBody>
+          <a:bodyPr/>
+          <a:lstStyle/>
+          <a:p>
+            <a:endParaRPr lang="en-US"/>
+          </a:p>
+        </p:txBody>
+      </p:sp>
+    </p:spTree>
+    <p:extLst>
+      <p:ext uri="{BB962C8B-B14F-4D97-AF65-F5344CB8AC3E}">
+        <p14:creationId xmlns:p14="http://schemas.microsoft.com/office/powerpoint/2010/main" val="815269653"/>
+      </p:ext>
+    </p:extLst>
+  </p:cSld>
+  <p:clrMapOvr>
+    <a:masterClrMapping/>
+  </p:clrMapOvr>
+</p:sld>
+</file>
+
+<file path=ppt/slides/slide25.xml><?xml version="1.0" encoding="utf-8"?>
+<p:sld xmlns:a="http://schemas.openxmlformats.org/drawingml/2006/main" xmlns:r="http://schemas.openxmlformats.org/officeDocument/2006/relationships" xmlns:p="http://schemas.openxmlformats.org/presentationml/2006/main">
+  <p:cSld>
+    <p:spTree>
+      <p:nvGrpSpPr>
+        <p:cNvPr id="1" name=""/>
+        <p:cNvGrpSpPr/>
+        <p:nvPr/>
+      </p:nvGrpSpPr>
+      <p:grpSpPr>
+        <a:xfrm>
+          <a:off x="0" y="0"/>
+          <a:ext cx="0" cy="0"/>
+          <a:chOff x="0" y="0"/>
+          <a:chExt cx="0" cy="0"/>
+        </a:xfrm>
+      </p:grpSpPr>
+      <p:sp>
+        <p:nvSpPr>
+          <p:cNvPr id="2" name="Title 1">
+            <a:extLst>
+              <a:ext uri="{FF2B5EF4-FFF2-40B4-BE49-F238E27FC236}">
+                <a16:creationId xmlns:a16="http://schemas.microsoft.com/office/drawing/2014/main" id="{39A9CA77-F157-5E75-B622-C143166C626B}"/>
+              </a:ext>
+            </a:extLst>
+          </p:cNvPr>
+          <p:cNvSpPr>
+            <a:spLocks noGrp="1"/>
+          </p:cNvSpPr>
+          <p:nvPr>
+            <p:ph type="title"/>
+          </p:nvPr>
+        </p:nvSpPr>
+        <p:spPr/>
+        <p:txBody>
+          <a:bodyPr/>
+          <a:lstStyle/>
+          <a:p>
+            <a:r>
+              <a:rPr lang="en-US" dirty="0"/>
+              <a:t>VWP 101: What can we study using VWP?</a:t>
+            </a:r>
+          </a:p>
+        </p:txBody>
+      </p:sp>
+      <p:sp>
+        <p:nvSpPr>
+          <p:cNvPr id="3" name="Content Placeholder 2">
+            <a:extLst>
+              <a:ext uri="{FF2B5EF4-FFF2-40B4-BE49-F238E27FC236}">
+                <a16:creationId xmlns:a16="http://schemas.microsoft.com/office/drawing/2014/main" id="{A75CA5EA-56A0-9E84-BC7E-F7479093EE86}"/>
+              </a:ext>
+            </a:extLst>
+          </p:cNvPr>
+          <p:cNvSpPr>
+            <a:spLocks noGrp="1"/>
+          </p:cNvSpPr>
+          <p:nvPr>
+            <p:ph idx="1"/>
+          </p:nvPr>
+        </p:nvSpPr>
+        <p:spPr/>
+        <p:txBody>
+          <a:bodyPr>
+            <a:normAutofit/>
+          </a:bodyPr>
+          <a:lstStyle/>
+          <a:p>
+            <a:r>
+              <a:rPr lang="en-US" sz="2800" dirty="0"/>
+              <a:t>Prediction!</a:t>
+            </a:r>
+          </a:p>
+          <a:p>
+            <a:pPr lvl="1"/>
+            <a:r>
+              <a:rPr lang="en-US" sz="2400" dirty="0"/>
+              <a:t>Listeners use linguistic and visual information to predict upcoming linguistic input</a:t>
+            </a:r>
+          </a:p>
+          <a:p>
+            <a:pPr lvl="1"/>
+            <a:r>
+              <a:rPr lang="en-US" sz="2400" dirty="0"/>
+              <a:t>Language-mediated eye movements reflect continuously updated mental representations based on both linguistic and visual input</a:t>
+            </a:r>
+          </a:p>
+        </p:txBody>
+      </p:sp>
+      <p:sp>
+        <p:nvSpPr>
+          <p:cNvPr id="4" name="Footer Placeholder 3">
+            <a:extLst>
+              <a:ext uri="{FF2B5EF4-FFF2-40B4-BE49-F238E27FC236}">
+                <a16:creationId xmlns:a16="http://schemas.microsoft.com/office/drawing/2014/main" id="{7C8B1984-0029-8FC9-3964-DBD6375EAB8B}"/>
+              </a:ext>
+            </a:extLst>
+          </p:cNvPr>
+          <p:cNvSpPr>
+            <a:spLocks noGrp="1"/>
+          </p:cNvSpPr>
+          <p:nvPr>
+            <p:ph type="ftr" sz="quarter" idx="11"/>
+          </p:nvPr>
+        </p:nvSpPr>
+        <p:spPr/>
+        <p:txBody>
+          <a:bodyPr/>
+          <a:lstStyle/>
+          <a:p>
+            <a:endParaRPr lang="en-US"/>
+          </a:p>
+        </p:txBody>
+      </p:sp>
+    </p:spTree>
+    <p:extLst>
+      <p:ext uri="{BB962C8B-B14F-4D97-AF65-F5344CB8AC3E}">
+        <p14:creationId xmlns:p14="http://schemas.microsoft.com/office/powerpoint/2010/main" val="1224662584"/>
+      </p:ext>
+    </p:extLst>
+  </p:cSld>
+  <p:clrMapOvr>
+    <a:masterClrMapping/>
+  </p:clrMapOvr>
+</p:sld>
+</file>
+
+<file path=ppt/slides/slide26.xml><?xml version="1.0" encoding="utf-8"?>
+<p:sld xmlns:a="http://schemas.openxmlformats.org/drawingml/2006/main" xmlns:r="http://schemas.openxmlformats.org/officeDocument/2006/relationships" xmlns:p="http://schemas.openxmlformats.org/presentationml/2006/main">
+  <p:cSld>
+    <p:spTree>
+      <p:nvGrpSpPr>
+        <p:cNvPr id="1" name=""/>
+        <p:cNvGrpSpPr/>
+        <p:nvPr/>
+      </p:nvGrpSpPr>
+      <p:grpSpPr>
+        <a:xfrm>
+          <a:off x="0" y="0"/>
+          <a:ext cx="0" cy="0"/>
+          <a:chOff x="0" y="0"/>
+          <a:chExt cx="0" cy="0"/>
+        </a:xfrm>
+      </p:grpSpPr>
+      <p:sp>
+        <p:nvSpPr>
+          <p:cNvPr id="2" name="Title 1">
+            <a:extLst>
+              <a:ext uri="{FF2B5EF4-FFF2-40B4-BE49-F238E27FC236}">
+                <a16:creationId xmlns:a16="http://schemas.microsoft.com/office/drawing/2014/main" id="{B5270DE7-5050-1CB1-3D33-D84DBDEF1F82}"/>
+              </a:ext>
+            </a:extLst>
+          </p:cNvPr>
+          <p:cNvSpPr>
+            <a:spLocks noGrp="1"/>
+          </p:cNvSpPr>
+          <p:nvPr>
+            <p:ph type="title"/>
+          </p:nvPr>
+        </p:nvSpPr>
+        <p:spPr/>
+        <p:txBody>
+          <a:bodyPr/>
+          <a:lstStyle/>
+          <a:p>
+            <a:r>
+              <a:rPr lang="en-US" dirty="0"/>
+              <a:t>VWP 101: Prediction</a:t>
+            </a:r>
+          </a:p>
+        </p:txBody>
+      </p:sp>
+      <p:sp>
+        <p:nvSpPr>
+          <p:cNvPr id="3" name="Content Placeholder 2">
+            <a:extLst>
+              <a:ext uri="{FF2B5EF4-FFF2-40B4-BE49-F238E27FC236}">
+                <a16:creationId xmlns:a16="http://schemas.microsoft.com/office/drawing/2014/main" id="{651508F7-95C6-6FE5-3BEE-56B98DFFF32F}"/>
+              </a:ext>
+            </a:extLst>
+          </p:cNvPr>
+          <p:cNvSpPr>
+            <a:spLocks noGrp="1"/>
+          </p:cNvSpPr>
+          <p:nvPr>
+            <p:ph idx="1"/>
+          </p:nvPr>
+        </p:nvSpPr>
+        <p:spPr/>
+        <p:txBody>
+          <a:bodyPr>
+            <a:normAutofit/>
+          </a:bodyPr>
+          <a:lstStyle/>
+          <a:p>
+            <a:pPr marL="0" indent="0" algn="ctr">
+              <a:buNone/>
+            </a:pPr>
+            <a:r>
+              <a:rPr lang="en-US" sz="3200" dirty="0"/>
+              <a:t>What are some ways that language is predictable?</a:t>
+            </a:r>
+          </a:p>
+        </p:txBody>
+      </p:sp>
+      <p:sp>
+        <p:nvSpPr>
+          <p:cNvPr id="4" name="Footer Placeholder 3">
+            <a:extLst>
+              <a:ext uri="{FF2B5EF4-FFF2-40B4-BE49-F238E27FC236}">
+                <a16:creationId xmlns:a16="http://schemas.microsoft.com/office/drawing/2014/main" id="{A7E8253F-C380-E45D-F330-4BF9CF147A5B}"/>
+              </a:ext>
+            </a:extLst>
+          </p:cNvPr>
+          <p:cNvSpPr>
+            <a:spLocks noGrp="1"/>
+          </p:cNvSpPr>
+          <p:nvPr>
+            <p:ph type="ftr" sz="quarter" idx="11"/>
+          </p:nvPr>
+        </p:nvSpPr>
+        <p:spPr/>
+        <p:txBody>
+          <a:bodyPr/>
+          <a:lstStyle/>
+          <a:p>
+            <a:endParaRPr lang="en-US"/>
+          </a:p>
+        </p:txBody>
+      </p:sp>
+    </p:spTree>
+    <p:extLst>
+      <p:ext uri="{BB962C8B-B14F-4D97-AF65-F5344CB8AC3E}">
+        <p14:creationId xmlns:p14="http://schemas.microsoft.com/office/powerpoint/2010/main" val="786120753"/>
+      </p:ext>
+    </p:extLst>
+  </p:cSld>
+  <p:clrMapOvr>
+    <a:masterClrMapping/>
+  </p:clrMapOvr>
+</p:sld>
+</file>
+
+<file path=ppt/slides/slide27.xml><?xml version="1.0" encoding="utf-8"?>
+<p:sld xmlns:a="http://schemas.openxmlformats.org/drawingml/2006/main" xmlns:r="http://schemas.openxmlformats.org/officeDocument/2006/relationships" xmlns:p="http://schemas.openxmlformats.org/presentationml/2006/main">
+  <p:cSld>
+    <p:spTree>
+      <p:nvGrpSpPr>
+        <p:cNvPr id="1" name=""/>
+        <p:cNvGrpSpPr/>
+        <p:nvPr/>
+      </p:nvGrpSpPr>
+      <p:grpSpPr>
+        <a:xfrm>
+          <a:off x="0" y="0"/>
+          <a:ext cx="0" cy="0"/>
+          <a:chOff x="0" y="0"/>
+          <a:chExt cx="0" cy="0"/>
+        </a:xfrm>
+      </p:grpSpPr>
+      <p:sp>
+        <p:nvSpPr>
+          <p:cNvPr id="2" name="Title 1">
+            <a:extLst>
+              <a:ext uri="{FF2B5EF4-FFF2-40B4-BE49-F238E27FC236}">
+                <a16:creationId xmlns:a16="http://schemas.microsoft.com/office/drawing/2014/main" id="{8408C649-2467-27E7-EE5C-814C62A9277A}"/>
+              </a:ext>
+            </a:extLst>
+          </p:cNvPr>
+          <p:cNvSpPr>
+            <a:spLocks noGrp="1"/>
+          </p:cNvSpPr>
+          <p:nvPr>
+            <p:ph type="title"/>
+          </p:nvPr>
+        </p:nvSpPr>
+        <p:spPr/>
+        <p:txBody>
+          <a:bodyPr/>
+          <a:lstStyle/>
+          <a:p>
+            <a:r>
+              <a:rPr lang="en-US" dirty="0"/>
+              <a:t>VWP 101: Prediction</a:t>
+            </a:r>
+          </a:p>
+        </p:txBody>
+      </p:sp>
+      <p:sp>
+        <p:nvSpPr>
+          <p:cNvPr id="3" name="Content Placeholder 2">
+            <a:extLst>
+              <a:ext uri="{FF2B5EF4-FFF2-40B4-BE49-F238E27FC236}">
+                <a16:creationId xmlns:a16="http://schemas.microsoft.com/office/drawing/2014/main" id="{2787CCBB-6556-59F4-DE83-8A9D269742D1}"/>
+              </a:ext>
+            </a:extLst>
+          </p:cNvPr>
+          <p:cNvSpPr>
+            <a:spLocks noGrp="1"/>
+          </p:cNvSpPr>
+          <p:nvPr>
+            <p:ph idx="1"/>
+          </p:nvPr>
+        </p:nvSpPr>
+        <p:spPr/>
+        <p:txBody>
+          <a:bodyPr>
+            <a:noAutofit/>
+          </a:bodyPr>
+          <a:lstStyle/>
+          <a:p>
+            <a:r>
+              <a:rPr lang="en-US" sz="2000" dirty="0"/>
+              <a:t>Syntactic prediction</a:t>
+            </a:r>
+          </a:p>
+          <a:p>
+            <a:pPr lvl="1"/>
+            <a:r>
+              <a:rPr lang="en-US" sz="1800" dirty="0"/>
+              <a:t>Using grammatic cues like gender or inflections to predict upcoming information</a:t>
+            </a:r>
+          </a:p>
+          <a:p>
+            <a:pPr lvl="1"/>
+            <a:r>
+              <a:rPr lang="en-US" sz="1800" dirty="0"/>
+              <a:t>Typically robust in L1 but not in L2 speakers</a:t>
+            </a:r>
+          </a:p>
+          <a:p>
+            <a:pPr lvl="1"/>
+            <a:r>
+              <a:rPr lang="en-US" sz="1800" dirty="0"/>
+              <a:t>Modulating factors?</a:t>
+            </a:r>
+          </a:p>
+          <a:p>
+            <a:endParaRPr lang="en-US" sz="2000" dirty="0"/>
+          </a:p>
+          <a:p>
+            <a:r>
+              <a:rPr lang="en-US" sz="2000" dirty="0"/>
+              <a:t>Semantic prediction</a:t>
+            </a:r>
+          </a:p>
+          <a:p>
+            <a:pPr lvl="1"/>
+            <a:r>
+              <a:rPr lang="en-US" sz="1800" dirty="0"/>
+              <a:t>Using verb or noun meanings to predict upcoming information</a:t>
+            </a:r>
+          </a:p>
+          <a:p>
+            <a:pPr lvl="1"/>
+            <a:r>
+              <a:rPr lang="en-US" sz="1800" dirty="0"/>
+              <a:t>Typically robust in both L1 and in L2 speakers</a:t>
+            </a:r>
+          </a:p>
+          <a:p>
+            <a:pPr lvl="1"/>
+            <a:r>
+              <a:rPr lang="en-US" sz="1800" dirty="0"/>
+              <a:t>Modulating factors?</a:t>
+            </a:r>
+          </a:p>
+        </p:txBody>
+      </p:sp>
+      <p:sp>
+        <p:nvSpPr>
+          <p:cNvPr id="4" name="Footer Placeholder 3">
+            <a:extLst>
+              <a:ext uri="{FF2B5EF4-FFF2-40B4-BE49-F238E27FC236}">
+                <a16:creationId xmlns:a16="http://schemas.microsoft.com/office/drawing/2014/main" id="{0A5EAD66-3F08-F176-47E1-371F52504E21}"/>
+              </a:ext>
+            </a:extLst>
+          </p:cNvPr>
+          <p:cNvSpPr>
+            <a:spLocks noGrp="1"/>
+          </p:cNvSpPr>
+          <p:nvPr>
+            <p:ph type="ftr" sz="quarter" idx="11"/>
+          </p:nvPr>
+        </p:nvSpPr>
+        <p:spPr/>
+        <p:txBody>
+          <a:bodyPr/>
+          <a:lstStyle/>
+          <a:p>
+            <a:endParaRPr lang="en-US"/>
+          </a:p>
+        </p:txBody>
+      </p:sp>
+    </p:spTree>
+    <p:extLst>
+      <p:ext uri="{BB962C8B-B14F-4D97-AF65-F5344CB8AC3E}">
+        <p14:creationId xmlns:p14="http://schemas.microsoft.com/office/powerpoint/2010/main" val="4108451062"/>
+      </p:ext>
+    </p:extLst>
+  </p:cSld>
+  <p:clrMapOvr>
+    <a:masterClrMapping/>
+  </p:clrMapOvr>
+  <p:timing>
+    <p:tnLst>
+      <p:par>
+        <p:cTn id="1" dur="indefinite" restart="never" nodeType="tmRoot">
+          <p:childTnLst>
+            <p:seq concurrent="1" nextAc="seek">
+              <p:cTn id="2" dur="indefinite" nodeType="mainSeq">
+                <p:childTnLst>
+                  <p:par>
+                    <p:cTn id="3" fill="hold">
+                      <p:stCondLst>
+                        <p:cond delay="indefinite"/>
+                      </p:stCondLst>
+                      <p:childTnLst>
+                        <p:par>
+                          <p:cTn id="4" fill="hold">
+                            <p:stCondLst>
+                              <p:cond delay="0"/>
+                            </p:stCondLst>
+                            <p:childTnLst>
+                              <p:par>
+                                <p:cTn id="5" presetID="1" presetClass="entr" presetSubtype="0" fill="hold" nodeType="clickEffect">
+                                  <p:stCondLst>
+                                    <p:cond delay="0"/>
+                                  </p:stCondLst>
+                                  <p:childTnLst>
+                                    <p:set>
+                                      <p:cBhvr>
+                                        <p:cTn id="6" dur="1" fill="hold">
+                                          <p:stCondLst>
+                                            <p:cond delay="0"/>
+                                          </p:stCondLst>
+                                        </p:cTn>
+                                        <p:tgtEl>
+                                          <p:spTgt spid="3">
+                                            <p:txEl>
+                                              <p:pRg st="0" end="0"/>
+                                            </p:txEl>
+                                          </p:spTgt>
+                                        </p:tgtEl>
+                                        <p:attrNameLst>
+                                          <p:attrName>style.visibility</p:attrName>
+                                        </p:attrNameLst>
+                                      </p:cBhvr>
+                                      <p:to>
+                                        <p:strVal val="visible"/>
+                                      </p:to>
+                                    </p:set>
+                                  </p:childTnLst>
+                                </p:cTn>
+                              </p:par>
+                              <p:par>
+                                <p:cTn id="7" presetID="1" presetClass="entr" presetSubtype="0" fill="hold" nodeType="withEffect">
+                                  <p:stCondLst>
+                                    <p:cond delay="0"/>
+                                  </p:stCondLst>
+                                  <p:childTnLst>
+                                    <p:set>
+                                      <p:cBhvr>
+                                        <p:cTn id="8" dur="1" fill="hold">
+                                          <p:stCondLst>
+                                            <p:cond delay="0"/>
+                                          </p:stCondLst>
+                                        </p:cTn>
+                                        <p:tgtEl>
+                                          <p:spTgt spid="3">
+                                            <p:txEl>
+                                              <p:pRg st="1" end="1"/>
+                                            </p:txEl>
+                                          </p:spTgt>
+                                        </p:tgtEl>
+                                        <p:attrNameLst>
+                                          <p:attrName>style.visibility</p:attrName>
+                                        </p:attrNameLst>
+                                      </p:cBhvr>
+                                      <p:to>
+                                        <p:strVal val="visible"/>
+                                      </p:to>
+                                    </p:set>
+                                  </p:childTnLst>
+                                </p:cTn>
+                              </p:par>
+                              <p:par>
+                                <p:cTn id="9" presetID="1" presetClass="entr" presetSubtype="0" fill="hold" nodeType="withEffect">
+                                  <p:stCondLst>
+                                    <p:cond delay="0"/>
+                                  </p:stCondLst>
+                                  <p:childTnLst>
+                                    <p:set>
+                                      <p:cBhvr>
+                                        <p:cTn id="10" dur="1" fill="hold">
+                                          <p:stCondLst>
+                                            <p:cond delay="0"/>
+                                          </p:stCondLst>
+                                        </p:cTn>
+                                        <p:tgtEl>
+                                          <p:spTgt spid="3">
+                                            <p:txEl>
+                                              <p:pRg st="2" end="2"/>
+                                            </p:txEl>
+                                          </p:spTgt>
+                                        </p:tgtEl>
+                                        <p:attrNameLst>
+                                          <p:attrName>style.visibility</p:attrName>
+                                        </p:attrNameLst>
+                                      </p:cBhvr>
+                                      <p:to>
+                                        <p:strVal val="visible"/>
+                                      </p:to>
+                                    </p:set>
+                                  </p:childTnLst>
+                                </p:cTn>
+                              </p:par>
+                            </p:childTnLst>
+                          </p:cTn>
+                        </p:par>
+                      </p:childTnLst>
+                    </p:cTn>
+                  </p:par>
+                  <p:par>
+                    <p:cTn id="11" fill="hold">
+                      <p:stCondLst>
+                        <p:cond delay="indefinite"/>
+                      </p:stCondLst>
+                      <p:childTnLst>
+                        <p:par>
+                          <p:cTn id="12" fill="hold">
+                            <p:stCondLst>
+                              <p:cond delay="0"/>
+                            </p:stCondLst>
+                            <p:childTnLst>
+                              <p:par>
+                                <p:cTn id="13" presetID="1" presetClass="entr" presetSubtype="0" fill="hold" nodeType="clickEffect">
+                                  <p:stCondLst>
+                                    <p:cond delay="0"/>
+                                  </p:stCondLst>
+                                  <p:childTnLst>
+                                    <p:set>
+                                      <p:cBhvr>
+                                        <p:cTn id="14" dur="1" fill="hold">
+                                          <p:stCondLst>
+                                            <p:cond delay="0"/>
+                                          </p:stCondLst>
+                                        </p:cTn>
+                                        <p:tgtEl>
+                                          <p:spTgt spid="3">
+                                            <p:txEl>
+                                              <p:pRg st="3" end="3"/>
+                                            </p:txEl>
+                                          </p:spTgt>
+                                        </p:tgtEl>
+                                        <p:attrNameLst>
+                                          <p:attrName>style.visibility</p:attrName>
+                                        </p:attrNameLst>
+                                      </p:cBhvr>
+                                      <p:to>
+                                        <p:strVal val="visible"/>
+                                      </p:to>
+                                    </p:set>
+                                  </p:childTnLst>
+                                </p:cTn>
+                              </p:par>
+                            </p:childTnLst>
+                          </p:cTn>
+                        </p:par>
+                      </p:childTnLst>
+                    </p:cTn>
+                  </p:par>
+                  <p:par>
+                    <p:cTn id="15" fill="hold">
+                      <p:stCondLst>
+                        <p:cond delay="indefinite"/>
+                      </p:stCondLst>
+                      <p:childTnLst>
+                        <p:par>
+                          <p:cTn id="16" fill="hold">
+                            <p:stCondLst>
+                              <p:cond delay="0"/>
+                            </p:stCondLst>
+                            <p:childTnLst>
+                              <p:par>
+                                <p:cTn id="17" presetID="1" presetClass="entr" presetSubtype="0" fill="hold" nodeType="clickEffect">
+                                  <p:stCondLst>
+                                    <p:cond delay="0"/>
+                                  </p:stCondLst>
+                                  <p:childTnLst>
+                                    <p:set>
+                                      <p:cBhvr>
+                                        <p:cTn id="18" dur="1" fill="hold">
+                                          <p:stCondLst>
+                                            <p:cond delay="0"/>
+                                          </p:stCondLst>
+                                        </p:cTn>
+                                        <p:tgtEl>
+                                          <p:spTgt spid="3">
+                                            <p:txEl>
+                                              <p:pRg st="5" end="5"/>
+                                            </p:txEl>
+                                          </p:spTgt>
+                                        </p:tgtEl>
+                                        <p:attrNameLst>
+                                          <p:attrName>style.visibility</p:attrName>
+                                        </p:attrNameLst>
+                                      </p:cBhvr>
+                                      <p:to>
+                                        <p:strVal val="visible"/>
+                                      </p:to>
+                                    </p:set>
+                                  </p:childTnLst>
+                                </p:cTn>
+                              </p:par>
+                              <p:par>
+                                <p:cTn id="19" presetID="1" presetClass="entr" presetSubtype="0" fill="hold" nodeType="withEffect">
+                                  <p:stCondLst>
+                                    <p:cond delay="0"/>
+                                  </p:stCondLst>
+                                  <p:childTnLst>
+                                    <p:set>
+                                      <p:cBhvr>
+                                        <p:cTn id="20" dur="1" fill="hold">
+                                          <p:stCondLst>
+                                            <p:cond delay="0"/>
+                                          </p:stCondLst>
+                                        </p:cTn>
+                                        <p:tgtEl>
+                                          <p:spTgt spid="3">
+                                            <p:txEl>
+                                              <p:pRg st="6" end="6"/>
+                                            </p:txEl>
+                                          </p:spTgt>
+                                        </p:tgtEl>
+                                        <p:attrNameLst>
+                                          <p:attrName>style.visibility</p:attrName>
+                                        </p:attrNameLst>
+                                      </p:cBhvr>
+                                      <p:to>
+                                        <p:strVal val="visible"/>
+                                      </p:to>
+                                    </p:set>
+                                  </p:childTnLst>
+                                </p:cTn>
+                              </p:par>
+                              <p:par>
+                                <p:cTn id="21" presetID="1" presetClass="entr" presetSubtype="0" fill="hold" nodeType="withEffect">
+                                  <p:stCondLst>
+                                    <p:cond delay="0"/>
+                                  </p:stCondLst>
+                                  <p:childTnLst>
+                                    <p:set>
+                                      <p:cBhvr>
+                                        <p:cTn id="22" dur="1" fill="hold">
+                                          <p:stCondLst>
+                                            <p:cond delay="0"/>
+                                          </p:stCondLst>
+                                        </p:cTn>
+                                        <p:tgtEl>
+                                          <p:spTgt spid="3">
+                                            <p:txEl>
+                                              <p:pRg st="7" end="7"/>
+                                            </p:txEl>
+                                          </p:spTgt>
+                                        </p:tgtEl>
+                                        <p:attrNameLst>
+                                          <p:attrName>style.visibility</p:attrName>
+                                        </p:attrNameLst>
+                                      </p:cBhvr>
+                                      <p:to>
+                                        <p:strVal val="visible"/>
+                                      </p:to>
+                                    </p:set>
+                                  </p:childTnLst>
+                                </p:cTn>
+                              </p:par>
+                            </p:childTnLst>
+                          </p:cTn>
+                        </p:par>
+                      </p:childTnLst>
+                    </p:cTn>
+                  </p:par>
+                  <p:par>
+                    <p:cTn id="23" fill="hold">
+                      <p:stCondLst>
+                        <p:cond delay="indefinite"/>
+                      </p:stCondLst>
+                      <p:childTnLst>
+                        <p:par>
+                          <p:cTn id="24" fill="hold">
+                            <p:stCondLst>
+                              <p:cond delay="0"/>
+                            </p:stCondLst>
+                            <p:childTnLst>
+                              <p:par>
+                                <p:cTn id="25" presetID="1" presetClass="entr" presetSubtype="0" fill="hold" nodeType="clickEffect">
+                                  <p:stCondLst>
+                                    <p:cond delay="0"/>
+                                  </p:stCondLst>
+                                  <p:childTnLst>
+                                    <p:set>
+                                      <p:cBhvr>
+                                        <p:cTn id="26" dur="1" fill="hold">
+                                          <p:stCondLst>
+                                            <p:cond delay="0"/>
+                                          </p:stCondLst>
+                                        </p:cTn>
+                                        <p:tgtEl>
+                                          <p:spTgt spid="3">
+                                            <p:txEl>
+                                              <p:pRg st="8" end="8"/>
+                                            </p:txEl>
+                                          </p:spTgt>
+                                        </p:tgtEl>
+                                        <p:attrNameLst>
+                                          <p:attrName>style.visibility</p:attrName>
+                                        </p:attrNameLst>
+                                      </p:cBhvr>
+                                      <p:to>
+                                        <p:strVal val="visible"/>
+                                      </p:to>
+                                    </p:set>
+                                  </p:childTnLst>
+                                </p:cTn>
+                              </p:par>
+                            </p:childTnLst>
+                          </p:cTn>
+                        </p:par>
+                      </p:childTnLst>
+                    </p:cTn>
+                  </p:par>
+                </p:childTnLst>
+              </p:cTn>
+              <p:prevCondLst>
+                <p:cond evt="onPrev" delay="0">
+                  <p:tgtEl>
+                    <p:sldTgt/>
+                  </p:tgtEl>
+                </p:cond>
+              </p:prevCondLst>
+              <p:nextCondLst>
+                <p:cond evt="onNext" delay="0">
+                  <p:tgtEl>
+                    <p:sldTgt/>
+                  </p:tgtEl>
+                </p:cond>
+              </p:nextCondLst>
+            </p:seq>
+          </p:childTnLst>
+        </p:cTn>
+      </p:par>
+    </p:tnLst>
+  </p:timing>
+</p:sld>
+</file>
+
+<file path=ppt/slides/slide28.xml><?xml version="1.0" encoding="utf-8"?>
+<p:sld xmlns:a="http://schemas.openxmlformats.org/drawingml/2006/main" xmlns:r="http://schemas.openxmlformats.org/officeDocument/2006/relationships" xmlns:p="http://schemas.openxmlformats.org/presentationml/2006/main">
+  <p:cSld>
+    <p:spTree>
+      <p:nvGrpSpPr>
+        <p:cNvPr id="1" name=""/>
+        <p:cNvGrpSpPr/>
+        <p:nvPr/>
+      </p:nvGrpSpPr>
+      <p:grpSpPr>
+        <a:xfrm>
+          <a:off x="0" y="0"/>
+          <a:ext cx="0" cy="0"/>
+          <a:chOff x="0" y="0"/>
+          <a:chExt cx="0" cy="0"/>
+        </a:xfrm>
+      </p:grpSpPr>
+      <p:sp>
+        <p:nvSpPr>
+          <p:cNvPr id="2" name="Title 1">
+            <a:extLst>
+              <a:ext uri="{FF2B5EF4-FFF2-40B4-BE49-F238E27FC236}">
+                <a16:creationId xmlns:a16="http://schemas.microsoft.com/office/drawing/2014/main" id="{159A9F35-E9C9-5E32-ADAE-B2F5C4ACACC5}"/>
+              </a:ext>
+            </a:extLst>
+          </p:cNvPr>
+          <p:cNvSpPr>
+            <a:spLocks noGrp="1"/>
+          </p:cNvSpPr>
+          <p:nvPr>
+            <p:ph type="title"/>
+          </p:nvPr>
+        </p:nvSpPr>
+        <p:spPr/>
+        <p:txBody>
+          <a:bodyPr/>
+          <a:lstStyle/>
+          <a:p>
+            <a:r>
+              <a:rPr lang="en-US" dirty="0"/>
+              <a:t>VWP 101: Prediction</a:t>
+            </a:r>
+          </a:p>
+        </p:txBody>
+      </p:sp>
+      <p:sp>
+        <p:nvSpPr>
+          <p:cNvPr id="3" name="Content Placeholder 2">
+            <a:extLst>
+              <a:ext uri="{FF2B5EF4-FFF2-40B4-BE49-F238E27FC236}">
+                <a16:creationId xmlns:a16="http://schemas.microsoft.com/office/drawing/2014/main" id="{9A876F91-A1B1-40B2-5577-80AF7E3646C5}"/>
+              </a:ext>
+            </a:extLst>
+          </p:cNvPr>
+          <p:cNvSpPr>
+            <a:spLocks noGrp="1"/>
+          </p:cNvSpPr>
+          <p:nvPr>
+            <p:ph idx="1"/>
+          </p:nvPr>
+        </p:nvSpPr>
+        <p:spPr/>
+        <p:txBody>
+          <a:bodyPr/>
+          <a:lstStyle/>
+          <a:p>
+            <a:r>
+              <a:rPr lang="en-US" sz="2400" dirty="0"/>
+              <a:t>Factors that have been shown to modulate prediction</a:t>
+            </a:r>
+          </a:p>
+          <a:p>
+            <a:pPr lvl="1"/>
+            <a:r>
+              <a:rPr lang="en-US" sz="2000" dirty="0"/>
+              <a:t>Working memory</a:t>
+            </a:r>
+          </a:p>
+          <a:p>
+            <a:pPr lvl="1"/>
+            <a:r>
+              <a:rPr lang="en-US" sz="2000" dirty="0"/>
+              <a:t>General processing speed</a:t>
+            </a:r>
+          </a:p>
+          <a:p>
+            <a:pPr lvl="1"/>
+            <a:r>
+              <a:rPr lang="en-US" sz="2000" dirty="0"/>
+              <a:t>Age</a:t>
+            </a:r>
+          </a:p>
+          <a:p>
+            <a:pPr lvl="1"/>
+            <a:r>
+              <a:rPr lang="en-US" sz="2000" dirty="0"/>
+              <a:t>Literacy</a:t>
+            </a:r>
+          </a:p>
+          <a:p>
+            <a:pPr lvl="1"/>
+            <a:r>
+              <a:rPr lang="en-US" sz="2000" dirty="0"/>
+              <a:t>Proficiency (in L2 contexts)</a:t>
+            </a:r>
+          </a:p>
+          <a:p>
+            <a:pPr lvl="1"/>
+            <a:r>
+              <a:rPr lang="en-US" sz="2000" dirty="0"/>
+              <a:t>Crosslinguistic similarities (in L2 contexts)</a:t>
+            </a:r>
+          </a:p>
+          <a:p>
+            <a:pPr lvl="1"/>
+            <a:endParaRPr lang="en-US" dirty="0"/>
+          </a:p>
+        </p:txBody>
+      </p:sp>
+      <p:sp>
+        <p:nvSpPr>
+          <p:cNvPr id="4" name="Footer Placeholder 3">
+            <a:extLst>
+              <a:ext uri="{FF2B5EF4-FFF2-40B4-BE49-F238E27FC236}">
+                <a16:creationId xmlns:a16="http://schemas.microsoft.com/office/drawing/2014/main" id="{D2F09E20-D48B-48AC-12F1-4C1BEDF67824}"/>
+              </a:ext>
+            </a:extLst>
+          </p:cNvPr>
+          <p:cNvSpPr>
+            <a:spLocks noGrp="1"/>
+          </p:cNvSpPr>
+          <p:nvPr>
+            <p:ph type="ftr" sz="quarter" idx="11"/>
+          </p:nvPr>
+        </p:nvSpPr>
+        <p:spPr/>
+        <p:txBody>
+          <a:bodyPr/>
+          <a:lstStyle/>
+          <a:p>
+            <a:endParaRPr lang="en-US"/>
+          </a:p>
+        </p:txBody>
+      </p:sp>
+    </p:spTree>
+    <p:extLst>
+      <p:ext uri="{BB962C8B-B14F-4D97-AF65-F5344CB8AC3E}">
+        <p14:creationId xmlns:p14="http://schemas.microsoft.com/office/powerpoint/2010/main" val="2965668343"/>
+      </p:ext>
+    </p:extLst>
+  </p:cSld>
+  <p:clrMapOvr>
+    <a:masterClrMapping/>
+  </p:clrMapOvr>
+</p:sld>
+</file>
+
+<file path=ppt/slides/slide29.xml><?xml version="1.0" encoding="utf-8"?>
+<p:sld xmlns:a="http://schemas.openxmlformats.org/drawingml/2006/main" xmlns:r="http://schemas.openxmlformats.org/officeDocument/2006/relationships" xmlns:p="http://schemas.openxmlformats.org/presentationml/2006/main">
+  <p:cSld>
+    <p:spTree>
+      <p:nvGrpSpPr>
+        <p:cNvPr id="1" name=""/>
+        <p:cNvGrpSpPr/>
+        <p:nvPr/>
+      </p:nvGrpSpPr>
+      <p:grpSpPr>
+        <a:xfrm>
+          <a:off x="0" y="0"/>
+          <a:ext cx="0" cy="0"/>
+          <a:chOff x="0" y="0"/>
+          <a:chExt cx="0" cy="0"/>
+        </a:xfrm>
+      </p:grpSpPr>
+      <p:sp>
+        <p:nvSpPr>
+          <p:cNvPr id="2" name="Title 1">
+            <a:extLst>
+              <a:ext uri="{FF2B5EF4-FFF2-40B4-BE49-F238E27FC236}">
+                <a16:creationId xmlns:a16="http://schemas.microsoft.com/office/drawing/2014/main" id="{F5178723-6F02-AF9D-02E7-BCD972929910}"/>
+              </a:ext>
+            </a:extLst>
+          </p:cNvPr>
+          <p:cNvSpPr>
+            <a:spLocks noGrp="1"/>
+          </p:cNvSpPr>
+          <p:nvPr>
+            <p:ph type="title"/>
+          </p:nvPr>
+        </p:nvSpPr>
+        <p:spPr/>
+        <p:txBody>
+          <a:bodyPr/>
+          <a:lstStyle/>
+          <a:p>
+            <a:r>
+              <a:rPr lang="en-US" dirty="0"/>
+              <a:t>VWP 101: Prediction</a:t>
+            </a:r>
+          </a:p>
+        </p:txBody>
+      </p:sp>
+      <p:sp>
+        <p:nvSpPr>
+          <p:cNvPr id="3" name="Content Placeholder 2">
+            <a:extLst>
+              <a:ext uri="{FF2B5EF4-FFF2-40B4-BE49-F238E27FC236}">
+                <a16:creationId xmlns:a16="http://schemas.microsoft.com/office/drawing/2014/main" id="{9492EDC9-239B-402E-841D-5D3B806788AD}"/>
+              </a:ext>
+            </a:extLst>
+          </p:cNvPr>
+          <p:cNvSpPr>
+            <a:spLocks noGrp="1"/>
+          </p:cNvSpPr>
+          <p:nvPr>
+            <p:ph idx="1"/>
+          </p:nvPr>
+        </p:nvSpPr>
+        <p:spPr/>
+        <p:txBody>
+          <a:bodyPr>
+            <a:normAutofit/>
+          </a:bodyPr>
+          <a:lstStyle/>
+          <a:p>
+            <a:r>
+              <a:rPr lang="en-US" sz="2400" dirty="0"/>
+              <a:t>The paradox of prediction</a:t>
+            </a:r>
+          </a:p>
+          <a:p>
+            <a:pPr lvl="1"/>
+            <a:r>
+              <a:rPr lang="en-US" sz="2000" dirty="0"/>
+              <a:t>Prediction is supposed to make language processing more efficient</a:t>
+            </a:r>
+          </a:p>
+          <a:p>
+            <a:pPr lvl="1"/>
+            <a:r>
+              <a:rPr lang="en-US" sz="2000" dirty="0"/>
+              <a:t>Prediction is however not effortless</a:t>
+            </a:r>
+          </a:p>
+          <a:p>
+            <a:pPr lvl="1"/>
+            <a:endParaRPr lang="en-US" sz="2000" dirty="0"/>
+          </a:p>
+          <a:p>
+            <a:r>
+              <a:rPr lang="en-US" sz="2400" dirty="0"/>
+              <a:t>Prediction is constrained by cognitive resources</a:t>
+            </a:r>
+          </a:p>
+        </p:txBody>
+      </p:sp>
+      <p:sp>
+        <p:nvSpPr>
+          <p:cNvPr id="4" name="Footer Placeholder 3">
+            <a:extLst>
+              <a:ext uri="{FF2B5EF4-FFF2-40B4-BE49-F238E27FC236}">
+                <a16:creationId xmlns:a16="http://schemas.microsoft.com/office/drawing/2014/main" id="{56E243FF-980A-FC46-ACB9-97F6C8CE9B62}"/>
+              </a:ext>
+            </a:extLst>
+          </p:cNvPr>
+          <p:cNvSpPr>
+            <a:spLocks noGrp="1"/>
+          </p:cNvSpPr>
+          <p:nvPr>
+            <p:ph type="ftr" sz="quarter" idx="11"/>
+          </p:nvPr>
+        </p:nvSpPr>
+        <p:spPr/>
+        <p:txBody>
+          <a:bodyPr/>
+          <a:lstStyle/>
+          <a:p>
+            <a:endParaRPr lang="en-US"/>
+          </a:p>
+        </p:txBody>
+      </p:sp>
+    </p:spTree>
+    <p:extLst>
+      <p:ext uri="{BB962C8B-B14F-4D97-AF65-F5344CB8AC3E}">
+        <p14:creationId xmlns:p14="http://schemas.microsoft.com/office/powerpoint/2010/main" val="4059690512"/>
       </p:ext>
     </p:extLst>
   </p:cSld>
@@ -7222,6 +9677,430 @@
     <p:extLst>
       <p:ext uri="{BB962C8B-B14F-4D97-AF65-F5344CB8AC3E}">
         <p14:creationId xmlns:p14="http://schemas.microsoft.com/office/powerpoint/2010/main" val="1833058368"/>
+      </p:ext>
+    </p:extLst>
+  </p:cSld>
+  <p:clrMapOvr>
+    <a:masterClrMapping/>
+  </p:clrMapOvr>
+</p:sld>
+</file>
+
+<file path=ppt/slides/slide30.xml><?xml version="1.0" encoding="utf-8"?>
+<p:sld xmlns:a="http://schemas.openxmlformats.org/drawingml/2006/main" xmlns:r="http://schemas.openxmlformats.org/officeDocument/2006/relationships" xmlns:p="http://schemas.openxmlformats.org/presentationml/2006/main">
+  <p:cSld>
+    <p:spTree>
+      <p:nvGrpSpPr>
+        <p:cNvPr id="1" name=""/>
+        <p:cNvGrpSpPr/>
+        <p:nvPr/>
+      </p:nvGrpSpPr>
+      <p:grpSpPr>
+        <a:xfrm>
+          <a:off x="0" y="0"/>
+          <a:ext cx="0" cy="0"/>
+          <a:chOff x="0" y="0"/>
+          <a:chExt cx="0" cy="0"/>
+        </a:xfrm>
+      </p:grpSpPr>
+      <p:sp>
+        <p:nvSpPr>
+          <p:cNvPr id="2" name="Title 1">
+            <a:extLst>
+              <a:ext uri="{FF2B5EF4-FFF2-40B4-BE49-F238E27FC236}">
+                <a16:creationId xmlns:a16="http://schemas.microsoft.com/office/drawing/2014/main" id="{2FD3616C-0D10-7B72-0A69-4BE05F4392D2}"/>
+              </a:ext>
+            </a:extLst>
+          </p:cNvPr>
+          <p:cNvSpPr>
+            <a:spLocks noGrp="1"/>
+          </p:cNvSpPr>
+          <p:nvPr>
+            <p:ph type="title"/>
+          </p:nvPr>
+        </p:nvSpPr>
+        <p:spPr/>
+        <p:txBody>
+          <a:bodyPr/>
+          <a:lstStyle/>
+          <a:p>
+            <a:r>
+              <a:rPr lang="en-US" dirty="0"/>
+              <a:t>VWP 101: L2 Prediction</a:t>
+            </a:r>
+          </a:p>
+        </p:txBody>
+      </p:sp>
+      <p:sp>
+        <p:nvSpPr>
+          <p:cNvPr id="3" name="Content Placeholder 2">
+            <a:extLst>
+              <a:ext uri="{FF2B5EF4-FFF2-40B4-BE49-F238E27FC236}">
+                <a16:creationId xmlns:a16="http://schemas.microsoft.com/office/drawing/2014/main" id="{C354DF94-F343-454B-9BE5-305C2E89AA7E}"/>
+              </a:ext>
+            </a:extLst>
+          </p:cNvPr>
+          <p:cNvSpPr>
+            <a:spLocks noGrp="1"/>
+          </p:cNvSpPr>
+          <p:nvPr>
+            <p:ph idx="1"/>
+          </p:nvPr>
+        </p:nvSpPr>
+        <p:spPr/>
+        <p:txBody>
+          <a:bodyPr>
+            <a:normAutofit/>
+          </a:bodyPr>
+          <a:lstStyle/>
+          <a:p>
+            <a:r>
+              <a:rPr lang="en-US" sz="2400" dirty="0"/>
+              <a:t>L2 language processing is typically more cognitively demanding than L1 processing</a:t>
+            </a:r>
+          </a:p>
+          <a:p>
+            <a:r>
+              <a:rPr lang="en-US" sz="2400" dirty="0"/>
+              <a:t>L2 processing is less automatized</a:t>
+            </a:r>
+          </a:p>
+          <a:p>
+            <a:pPr lvl="1"/>
+            <a:r>
+              <a:rPr lang="en-US" sz="2000" dirty="0"/>
+              <a:t>Slower lexical access</a:t>
+            </a:r>
+          </a:p>
+          <a:p>
+            <a:pPr lvl="1"/>
+            <a:r>
+              <a:rPr lang="en-US" sz="2000" dirty="0"/>
+              <a:t>Weaker syntactic representations</a:t>
+            </a:r>
+          </a:p>
+          <a:p>
+            <a:endParaRPr lang="en-US" sz="2400" dirty="0"/>
+          </a:p>
+          <a:p>
+            <a:r>
+              <a:rPr lang="en-US" sz="2400" dirty="0"/>
+              <a:t>Unidirectional interference from L1</a:t>
+            </a:r>
+          </a:p>
+        </p:txBody>
+      </p:sp>
+      <p:sp>
+        <p:nvSpPr>
+          <p:cNvPr id="4" name="Footer Placeholder 3">
+            <a:extLst>
+              <a:ext uri="{FF2B5EF4-FFF2-40B4-BE49-F238E27FC236}">
+                <a16:creationId xmlns:a16="http://schemas.microsoft.com/office/drawing/2014/main" id="{4CABF8FB-D219-AC3C-531D-2E7BA0BE3EE8}"/>
+              </a:ext>
+            </a:extLst>
+          </p:cNvPr>
+          <p:cNvSpPr>
+            <a:spLocks noGrp="1"/>
+          </p:cNvSpPr>
+          <p:nvPr>
+            <p:ph type="ftr" sz="quarter" idx="11"/>
+          </p:nvPr>
+        </p:nvSpPr>
+        <p:spPr/>
+        <p:txBody>
+          <a:bodyPr/>
+          <a:lstStyle/>
+          <a:p>
+            <a:endParaRPr lang="en-US"/>
+          </a:p>
+        </p:txBody>
+      </p:sp>
+    </p:spTree>
+    <p:extLst>
+      <p:ext uri="{BB962C8B-B14F-4D97-AF65-F5344CB8AC3E}">
+        <p14:creationId xmlns:p14="http://schemas.microsoft.com/office/powerpoint/2010/main" val="958401395"/>
+      </p:ext>
+    </p:extLst>
+  </p:cSld>
+  <p:clrMapOvr>
+    <a:masterClrMapping/>
+  </p:clrMapOvr>
+</p:sld>
+</file>
+
+<file path=ppt/slides/slide31.xml><?xml version="1.0" encoding="utf-8"?>
+<p:sld xmlns:a="http://schemas.openxmlformats.org/drawingml/2006/main" xmlns:r="http://schemas.openxmlformats.org/officeDocument/2006/relationships" xmlns:p="http://schemas.openxmlformats.org/presentationml/2006/main">
+  <p:cSld>
+    <p:spTree>
+      <p:nvGrpSpPr>
+        <p:cNvPr id="1" name=""/>
+        <p:cNvGrpSpPr/>
+        <p:nvPr/>
+      </p:nvGrpSpPr>
+      <p:grpSpPr>
+        <a:xfrm>
+          <a:off x="0" y="0"/>
+          <a:ext cx="0" cy="0"/>
+          <a:chOff x="0" y="0"/>
+          <a:chExt cx="0" cy="0"/>
+        </a:xfrm>
+      </p:grpSpPr>
+      <p:sp>
+        <p:nvSpPr>
+          <p:cNvPr id="2" name="Title 1">
+            <a:extLst>
+              <a:ext uri="{FF2B5EF4-FFF2-40B4-BE49-F238E27FC236}">
+                <a16:creationId xmlns:a16="http://schemas.microsoft.com/office/drawing/2014/main" id="{FFA0EAB1-0E1D-528A-B80E-C52665656692}"/>
+              </a:ext>
+            </a:extLst>
+          </p:cNvPr>
+          <p:cNvSpPr>
+            <a:spLocks noGrp="1"/>
+          </p:cNvSpPr>
+          <p:nvPr>
+            <p:ph type="title"/>
+          </p:nvPr>
+        </p:nvSpPr>
+        <p:spPr/>
+        <p:txBody>
+          <a:bodyPr/>
+          <a:lstStyle/>
+          <a:p>
+            <a:r>
+              <a:rPr lang="en-US" dirty="0"/>
+              <a:t>VWP 101: L2 Prediction</a:t>
+            </a:r>
+          </a:p>
+        </p:txBody>
+      </p:sp>
+      <p:sp>
+        <p:nvSpPr>
+          <p:cNvPr id="3" name="Content Placeholder 2">
+            <a:extLst>
+              <a:ext uri="{FF2B5EF4-FFF2-40B4-BE49-F238E27FC236}">
+                <a16:creationId xmlns:a16="http://schemas.microsoft.com/office/drawing/2014/main" id="{EF9BD4E7-0623-4820-6803-FF07668E9321}"/>
+              </a:ext>
+            </a:extLst>
+          </p:cNvPr>
+          <p:cNvSpPr>
+            <a:spLocks noGrp="1"/>
+          </p:cNvSpPr>
+          <p:nvPr>
+            <p:ph idx="1"/>
+          </p:nvPr>
+        </p:nvSpPr>
+        <p:spPr/>
+        <p:txBody>
+          <a:bodyPr>
+            <a:normAutofit/>
+          </a:bodyPr>
+          <a:lstStyle/>
+          <a:p>
+            <a:r>
+              <a:rPr lang="en-US" sz="2400" dirty="0"/>
+              <a:t>Despite differences in predictive abilities in L1 and L2 listening, the current leading hypothesis is that the fundamental mechanisms of predictive processing do not differ between L1 and L2 speakers.</a:t>
+            </a:r>
+          </a:p>
+          <a:p>
+            <a:endParaRPr lang="en-US" sz="2400" dirty="0"/>
+          </a:p>
+          <a:p>
+            <a:r>
+              <a:rPr lang="en-US" sz="2400" dirty="0"/>
+              <a:t>The same factors that influence L1 prediction should influence L2 prediction</a:t>
+            </a:r>
+          </a:p>
+          <a:p>
+            <a:pPr lvl="1"/>
+            <a:r>
+              <a:rPr lang="en-US" sz="2000" dirty="0"/>
+              <a:t>Stored lexical information (e.g., frequency, lexical associations)</a:t>
+            </a:r>
+          </a:p>
+          <a:p>
+            <a:pPr lvl="1"/>
+            <a:r>
+              <a:rPr lang="en-US" sz="2000" dirty="0"/>
+              <a:t>Exposure to target language</a:t>
+            </a:r>
+          </a:p>
+        </p:txBody>
+      </p:sp>
+      <p:sp>
+        <p:nvSpPr>
+          <p:cNvPr id="4" name="Footer Placeholder 3">
+            <a:extLst>
+              <a:ext uri="{FF2B5EF4-FFF2-40B4-BE49-F238E27FC236}">
+                <a16:creationId xmlns:a16="http://schemas.microsoft.com/office/drawing/2014/main" id="{5240743B-E893-1215-2324-021AE46E49A6}"/>
+              </a:ext>
+            </a:extLst>
+          </p:cNvPr>
+          <p:cNvSpPr>
+            <a:spLocks noGrp="1"/>
+          </p:cNvSpPr>
+          <p:nvPr>
+            <p:ph type="ftr" sz="quarter" idx="11"/>
+          </p:nvPr>
+        </p:nvSpPr>
+        <p:spPr/>
+        <p:txBody>
+          <a:bodyPr/>
+          <a:lstStyle/>
+          <a:p>
+            <a:endParaRPr lang="en-US"/>
+          </a:p>
+        </p:txBody>
+      </p:sp>
+    </p:spTree>
+    <p:extLst>
+      <p:ext uri="{BB962C8B-B14F-4D97-AF65-F5344CB8AC3E}">
+        <p14:creationId xmlns:p14="http://schemas.microsoft.com/office/powerpoint/2010/main" val="3954856065"/>
+      </p:ext>
+    </p:extLst>
+  </p:cSld>
+  <p:clrMapOvr>
+    <a:masterClrMapping/>
+  </p:clrMapOvr>
+</p:sld>
+</file>
+
+<file path=ppt/slides/slide32.xml><?xml version="1.0" encoding="utf-8"?>
+<p:sld xmlns:a="http://schemas.openxmlformats.org/drawingml/2006/main" xmlns:r="http://schemas.openxmlformats.org/officeDocument/2006/relationships" xmlns:p="http://schemas.openxmlformats.org/presentationml/2006/main">
+  <p:cSld>
+    <p:spTree>
+      <p:nvGrpSpPr>
+        <p:cNvPr id="1" name=""/>
+        <p:cNvGrpSpPr/>
+        <p:nvPr/>
+      </p:nvGrpSpPr>
+      <p:grpSpPr>
+        <a:xfrm>
+          <a:off x="0" y="0"/>
+          <a:ext cx="0" cy="0"/>
+          <a:chOff x="0" y="0"/>
+          <a:chExt cx="0" cy="0"/>
+        </a:xfrm>
+      </p:grpSpPr>
+      <p:sp>
+        <p:nvSpPr>
+          <p:cNvPr id="2" name="Title 1">
+            <a:extLst>
+              <a:ext uri="{FF2B5EF4-FFF2-40B4-BE49-F238E27FC236}">
+                <a16:creationId xmlns:a16="http://schemas.microsoft.com/office/drawing/2014/main" id="{C2E33C87-A9B2-0BCB-587A-CD1F511C20F5}"/>
+              </a:ext>
+            </a:extLst>
+          </p:cNvPr>
+          <p:cNvSpPr>
+            <a:spLocks noGrp="1"/>
+          </p:cNvSpPr>
+          <p:nvPr>
+            <p:ph type="title"/>
+          </p:nvPr>
+        </p:nvSpPr>
+        <p:spPr/>
+        <p:txBody>
+          <a:bodyPr/>
+          <a:lstStyle/>
+          <a:p>
+            <a:r>
+              <a:rPr lang="en-US" dirty="0"/>
+              <a:t>VWP 101: Limitations</a:t>
+            </a:r>
+          </a:p>
+        </p:txBody>
+      </p:sp>
+      <p:sp>
+        <p:nvSpPr>
+          <p:cNvPr id="3" name="Content Placeholder 2">
+            <a:extLst>
+              <a:ext uri="{FF2B5EF4-FFF2-40B4-BE49-F238E27FC236}">
+                <a16:creationId xmlns:a16="http://schemas.microsoft.com/office/drawing/2014/main" id="{7E4B17D0-1C0F-6399-6212-BCAB260F2089}"/>
+              </a:ext>
+            </a:extLst>
+          </p:cNvPr>
+          <p:cNvSpPr>
+            <a:spLocks noGrp="1"/>
+          </p:cNvSpPr>
+          <p:nvPr>
+            <p:ph idx="1"/>
+          </p:nvPr>
+        </p:nvSpPr>
+        <p:spPr/>
+        <p:txBody>
+          <a:bodyPr>
+            <a:normAutofit lnSpcReduction="10000"/>
+          </a:bodyPr>
+          <a:lstStyle/>
+          <a:p>
+            <a:r>
+              <a:rPr lang="en-US" sz="2400" dirty="0"/>
+              <a:t>VWP always involves the interaction of visual and auditory input</a:t>
+            </a:r>
+          </a:p>
+          <a:p>
+            <a:pPr lvl="1"/>
+            <a:r>
+              <a:rPr lang="en-US" sz="2000" dirty="0"/>
+              <a:t>Arrays may discourage more elaborative processes</a:t>
+            </a:r>
+          </a:p>
+          <a:p>
+            <a:pPr lvl="1"/>
+            <a:r>
+              <a:rPr lang="en-US" sz="2000" dirty="0"/>
+              <a:t>May lead to inferences that would not otherwise be drawn</a:t>
+            </a:r>
+          </a:p>
+          <a:p>
+            <a:pPr lvl="1"/>
+            <a:endParaRPr lang="en-US" sz="2000" dirty="0"/>
+          </a:p>
+          <a:p>
+            <a:r>
+              <a:rPr lang="en-US" sz="2400" dirty="0"/>
+              <a:t>VWP shows what listeners CAN do, not necessarily ALWAYS do</a:t>
+            </a:r>
+          </a:p>
+          <a:p>
+            <a:endParaRPr lang="en-US" sz="2400" dirty="0"/>
+          </a:p>
+          <a:p>
+            <a:r>
+              <a:rPr lang="en-US" sz="2400" dirty="0"/>
+              <a:t>Absence of eye gaze behavior does not necessarily rule out that activation occurred</a:t>
+            </a:r>
+          </a:p>
+        </p:txBody>
+      </p:sp>
+      <p:sp>
+        <p:nvSpPr>
+          <p:cNvPr id="4" name="Footer Placeholder 3">
+            <a:extLst>
+              <a:ext uri="{FF2B5EF4-FFF2-40B4-BE49-F238E27FC236}">
+                <a16:creationId xmlns:a16="http://schemas.microsoft.com/office/drawing/2014/main" id="{E5A01EC2-8590-513B-5ABB-B1B5B2A3DB03}"/>
+              </a:ext>
+            </a:extLst>
+          </p:cNvPr>
+          <p:cNvSpPr>
+            <a:spLocks noGrp="1"/>
+          </p:cNvSpPr>
+          <p:nvPr>
+            <p:ph type="ftr" sz="quarter" idx="11"/>
+          </p:nvPr>
+        </p:nvSpPr>
+        <p:spPr/>
+        <p:txBody>
+          <a:bodyPr/>
+          <a:lstStyle/>
+          <a:p>
+            <a:endParaRPr lang="en-US"/>
+          </a:p>
+        </p:txBody>
+      </p:sp>
+    </p:spTree>
+    <p:extLst>
+      <p:ext uri="{BB962C8B-B14F-4D97-AF65-F5344CB8AC3E}">
+        <p14:creationId xmlns:p14="http://schemas.microsoft.com/office/powerpoint/2010/main" val="416457246"/>
       </p:ext>
     </p:extLst>
   </p:cSld>

--- a/slides/Day3.pptx
+++ b/slides/Day3.pptx
@@ -4,6 +4,9 @@
   <p:sldMasterIdLst>
     <p:sldMasterId id="2147483660" r:id="rId1"/>
   </p:sldMasterIdLst>
+  <p:notesMasterIdLst>
+    <p:notesMasterId r:id="rId38"/>
+  </p:notesMasterIdLst>
   <p:sldIdLst>
     <p:sldId id="260" r:id="rId2"/>
     <p:sldId id="262" r:id="rId3"/>
@@ -15,28 +18,32 @@
     <p:sldId id="268" r:id="rId9"/>
     <p:sldId id="272" r:id="rId10"/>
     <p:sldId id="271" r:id="rId11"/>
-    <p:sldId id="269" r:id="rId12"/>
-    <p:sldId id="270" r:id="rId13"/>
-    <p:sldId id="276" r:id="rId14"/>
-    <p:sldId id="277" r:id="rId15"/>
-    <p:sldId id="274" r:id="rId16"/>
-    <p:sldId id="273" r:id="rId17"/>
-    <p:sldId id="275" r:id="rId18"/>
-    <p:sldId id="278" r:id="rId19"/>
-    <p:sldId id="279" r:id="rId20"/>
-    <p:sldId id="280" r:id="rId21"/>
-    <p:sldId id="282" r:id="rId22"/>
-    <p:sldId id="283" r:id="rId23"/>
-    <p:sldId id="284" r:id="rId24"/>
-    <p:sldId id="285" r:id="rId25"/>
-    <p:sldId id="281" r:id="rId26"/>
-    <p:sldId id="286" r:id="rId27"/>
-    <p:sldId id="287" r:id="rId28"/>
-    <p:sldId id="289" r:id="rId29"/>
-    <p:sldId id="290" r:id="rId30"/>
-    <p:sldId id="291" r:id="rId31"/>
-    <p:sldId id="292" r:id="rId32"/>
-    <p:sldId id="288" r:id="rId33"/>
+    <p:sldId id="293" r:id="rId12"/>
+    <p:sldId id="294" r:id="rId13"/>
+    <p:sldId id="295" r:id="rId14"/>
+    <p:sldId id="269" r:id="rId15"/>
+    <p:sldId id="270" r:id="rId16"/>
+    <p:sldId id="276" r:id="rId17"/>
+    <p:sldId id="277" r:id="rId18"/>
+    <p:sldId id="274" r:id="rId19"/>
+    <p:sldId id="273" r:id="rId20"/>
+    <p:sldId id="275" r:id="rId21"/>
+    <p:sldId id="278" r:id="rId22"/>
+    <p:sldId id="279" r:id="rId23"/>
+    <p:sldId id="280" r:id="rId24"/>
+    <p:sldId id="282" r:id="rId25"/>
+    <p:sldId id="296" r:id="rId26"/>
+    <p:sldId id="283" r:id="rId27"/>
+    <p:sldId id="284" r:id="rId28"/>
+    <p:sldId id="285" r:id="rId29"/>
+    <p:sldId id="281" r:id="rId30"/>
+    <p:sldId id="286" r:id="rId31"/>
+    <p:sldId id="287" r:id="rId32"/>
+    <p:sldId id="289" r:id="rId33"/>
+    <p:sldId id="290" r:id="rId34"/>
+    <p:sldId id="291" r:id="rId35"/>
+    <p:sldId id="292" r:id="rId36"/>
+    <p:sldId id="288" r:id="rId37"/>
   </p:sldIdLst>
   <p:sldSz cx="12192000" cy="6858000"/>
   <p:notesSz cx="6858000" cy="9144000"/>
@@ -143,6 +150,1368 @@
 </p:presentation>
 </file>
 
+<file path=ppt/notesMasters/notesMaster1.xml><?xml version="1.0" encoding="utf-8"?>
+<p:notesMaster xmlns:a="http://schemas.openxmlformats.org/drawingml/2006/main" xmlns:r="http://schemas.openxmlformats.org/officeDocument/2006/relationships" xmlns:p="http://schemas.openxmlformats.org/presentationml/2006/main">
+  <p:cSld>
+    <p:bg>
+      <p:bgRef idx="1001">
+        <a:schemeClr val="bg1"/>
+      </p:bgRef>
+    </p:bg>
+    <p:spTree>
+      <p:nvGrpSpPr>
+        <p:cNvPr id="1" name=""/>
+        <p:cNvGrpSpPr/>
+        <p:nvPr/>
+      </p:nvGrpSpPr>
+      <p:grpSpPr>
+        <a:xfrm>
+          <a:off x="0" y="0"/>
+          <a:ext cx="0" cy="0"/>
+          <a:chOff x="0" y="0"/>
+          <a:chExt cx="0" cy="0"/>
+        </a:xfrm>
+      </p:grpSpPr>
+      <p:sp>
+        <p:nvSpPr>
+          <p:cNvPr id="2" name="Header Placeholder 1"/>
+          <p:cNvSpPr>
+            <a:spLocks noGrp="1"/>
+          </p:cNvSpPr>
+          <p:nvPr>
+            <p:ph type="hdr" sz="quarter"/>
+          </p:nvPr>
+        </p:nvSpPr>
+        <p:spPr>
+          <a:xfrm>
+            <a:off x="0" y="0"/>
+            <a:ext cx="2971800" cy="458788"/>
+          </a:xfrm>
+          <a:prstGeom prst="rect">
+            <a:avLst/>
+          </a:prstGeom>
+        </p:spPr>
+        <p:txBody>
+          <a:bodyPr vert="horz" lIns="91440" tIns="45720" rIns="91440" bIns="45720" rtlCol="0"/>
+          <a:lstStyle>
+            <a:lvl1pPr algn="l">
+              <a:defRPr sz="1200"/>
+            </a:lvl1pPr>
+          </a:lstStyle>
+          <a:p>
+            <a:endParaRPr lang="en-US"/>
+          </a:p>
+        </p:txBody>
+      </p:sp>
+      <p:sp>
+        <p:nvSpPr>
+          <p:cNvPr id="3" name="Date Placeholder 2"/>
+          <p:cNvSpPr>
+            <a:spLocks noGrp="1"/>
+          </p:cNvSpPr>
+          <p:nvPr>
+            <p:ph type="dt" idx="1"/>
+          </p:nvPr>
+        </p:nvSpPr>
+        <p:spPr>
+          <a:xfrm>
+            <a:off x="3884613" y="0"/>
+            <a:ext cx="2971800" cy="458788"/>
+          </a:xfrm>
+          <a:prstGeom prst="rect">
+            <a:avLst/>
+          </a:prstGeom>
+        </p:spPr>
+        <p:txBody>
+          <a:bodyPr vert="horz" lIns="91440" tIns="45720" rIns="91440" bIns="45720" rtlCol="0"/>
+          <a:lstStyle>
+            <a:lvl1pPr algn="r">
+              <a:defRPr sz="1200"/>
+            </a:lvl1pPr>
+          </a:lstStyle>
+          <a:p>
+            <a:fld id="{3C527650-DFDB-4060-9FF8-50BE406FE0D1}" type="datetimeFigureOut">
+              <a:rPr lang="en-US" smtClean="0"/>
+              <a:t>11/15/2023</a:t>
+            </a:fld>
+            <a:endParaRPr lang="en-US"/>
+          </a:p>
+        </p:txBody>
+      </p:sp>
+      <p:sp>
+        <p:nvSpPr>
+          <p:cNvPr id="4" name="Slide Image Placeholder 3"/>
+          <p:cNvSpPr>
+            <a:spLocks noGrp="1" noRot="1" noChangeAspect="1"/>
+          </p:cNvSpPr>
+          <p:nvPr>
+            <p:ph type="sldImg" idx="2"/>
+          </p:nvPr>
+        </p:nvSpPr>
+        <p:spPr>
+          <a:xfrm>
+            <a:off x="685800" y="1143000"/>
+            <a:ext cx="5486400" cy="3086100"/>
+          </a:xfrm>
+          <a:prstGeom prst="rect">
+            <a:avLst/>
+          </a:prstGeom>
+          <a:noFill/>
+          <a:ln w="12700">
+            <a:solidFill>
+              <a:prstClr val="black"/>
+            </a:solidFill>
+          </a:ln>
+        </p:spPr>
+        <p:txBody>
+          <a:bodyPr vert="horz" lIns="91440" tIns="45720" rIns="91440" bIns="45720" rtlCol="0" anchor="ctr"/>
+          <a:lstStyle/>
+          <a:p>
+            <a:endParaRPr lang="en-US"/>
+          </a:p>
+        </p:txBody>
+      </p:sp>
+      <p:sp>
+        <p:nvSpPr>
+          <p:cNvPr id="5" name="Notes Placeholder 4"/>
+          <p:cNvSpPr>
+            <a:spLocks noGrp="1"/>
+          </p:cNvSpPr>
+          <p:nvPr>
+            <p:ph type="body" sz="quarter" idx="3"/>
+          </p:nvPr>
+        </p:nvSpPr>
+        <p:spPr>
+          <a:xfrm>
+            <a:off x="685800" y="4400550"/>
+            <a:ext cx="5486400" cy="3600450"/>
+          </a:xfrm>
+          <a:prstGeom prst="rect">
+            <a:avLst/>
+          </a:prstGeom>
+        </p:spPr>
+        <p:txBody>
+          <a:bodyPr vert="horz" lIns="91440" tIns="45720" rIns="91440" bIns="45720" rtlCol="0"/>
+          <a:lstStyle/>
+          <a:p>
+            <a:pPr lvl="0"/>
+            <a:r>
+              <a:rPr lang="en-US"/>
+              <a:t>Click to edit Master text styles</a:t>
+            </a:r>
+          </a:p>
+          <a:p>
+            <a:pPr lvl="1"/>
+            <a:r>
+              <a:rPr lang="en-US"/>
+              <a:t>Second level</a:t>
+            </a:r>
+          </a:p>
+          <a:p>
+            <a:pPr lvl="2"/>
+            <a:r>
+              <a:rPr lang="en-US"/>
+              <a:t>Third level</a:t>
+            </a:r>
+          </a:p>
+          <a:p>
+            <a:pPr lvl="3"/>
+            <a:r>
+              <a:rPr lang="en-US"/>
+              <a:t>Fourth level</a:t>
+            </a:r>
+          </a:p>
+          <a:p>
+            <a:pPr lvl="4"/>
+            <a:r>
+              <a:rPr lang="en-US"/>
+              <a:t>Fifth level</a:t>
+            </a:r>
+          </a:p>
+        </p:txBody>
+      </p:sp>
+      <p:sp>
+        <p:nvSpPr>
+          <p:cNvPr id="6" name="Footer Placeholder 5"/>
+          <p:cNvSpPr>
+            <a:spLocks noGrp="1"/>
+          </p:cNvSpPr>
+          <p:nvPr>
+            <p:ph type="ftr" sz="quarter" idx="4"/>
+          </p:nvPr>
+        </p:nvSpPr>
+        <p:spPr>
+          <a:xfrm>
+            <a:off x="0" y="8685213"/>
+            <a:ext cx="2971800" cy="458787"/>
+          </a:xfrm>
+          <a:prstGeom prst="rect">
+            <a:avLst/>
+          </a:prstGeom>
+        </p:spPr>
+        <p:txBody>
+          <a:bodyPr vert="horz" lIns="91440" tIns="45720" rIns="91440" bIns="45720" rtlCol="0" anchor="b"/>
+          <a:lstStyle>
+            <a:lvl1pPr algn="l">
+              <a:defRPr sz="1200"/>
+            </a:lvl1pPr>
+          </a:lstStyle>
+          <a:p>
+            <a:endParaRPr lang="en-US"/>
+          </a:p>
+        </p:txBody>
+      </p:sp>
+      <p:sp>
+        <p:nvSpPr>
+          <p:cNvPr id="7" name="Slide Number Placeholder 6"/>
+          <p:cNvSpPr>
+            <a:spLocks noGrp="1"/>
+          </p:cNvSpPr>
+          <p:nvPr>
+            <p:ph type="sldNum" sz="quarter" idx="5"/>
+          </p:nvPr>
+        </p:nvSpPr>
+        <p:spPr>
+          <a:xfrm>
+            <a:off x="3884613" y="8685213"/>
+            <a:ext cx="2971800" cy="458787"/>
+          </a:xfrm>
+          <a:prstGeom prst="rect">
+            <a:avLst/>
+          </a:prstGeom>
+        </p:spPr>
+        <p:txBody>
+          <a:bodyPr vert="horz" lIns="91440" tIns="45720" rIns="91440" bIns="45720" rtlCol="0" anchor="b"/>
+          <a:lstStyle>
+            <a:lvl1pPr algn="r">
+              <a:defRPr sz="1200"/>
+            </a:lvl1pPr>
+          </a:lstStyle>
+          <a:p>
+            <a:fld id="{E60CDC17-DEA6-4280-AF9E-D27E236C1CC6}" type="slidenum">
+              <a:rPr lang="en-US" smtClean="0"/>
+              <a:t>‹#›</a:t>
+            </a:fld>
+            <a:endParaRPr lang="en-US"/>
+          </a:p>
+        </p:txBody>
+      </p:sp>
+    </p:spTree>
+    <p:extLst>
+      <p:ext uri="{BB962C8B-B14F-4D97-AF65-F5344CB8AC3E}">
+        <p14:creationId xmlns:p14="http://schemas.microsoft.com/office/powerpoint/2010/main" val="1493063298"/>
+      </p:ext>
+    </p:extLst>
+  </p:cSld>
+  <p:clrMap bg1="lt1" tx1="dk1" bg2="lt2" tx2="dk2" accent1="accent1" accent2="accent2" accent3="accent3" accent4="accent4" accent5="accent5" accent6="accent6" hlink="hlink" folHlink="folHlink"/>
+  <p:notesStyle>
+    <a:lvl1pPr marL="0" algn="l" defTabSz="914400" rtl="0" eaLnBrk="1" latinLnBrk="0" hangingPunct="1">
+      <a:defRPr sz="1200" kern="1200">
+        <a:solidFill>
+          <a:schemeClr val="tx1"/>
+        </a:solidFill>
+        <a:latin typeface="+mn-lt"/>
+        <a:ea typeface="+mn-ea"/>
+        <a:cs typeface="+mn-cs"/>
+      </a:defRPr>
+    </a:lvl1pPr>
+    <a:lvl2pPr marL="457200" algn="l" defTabSz="914400" rtl="0" eaLnBrk="1" latinLnBrk="0" hangingPunct="1">
+      <a:defRPr sz="1200" kern="1200">
+        <a:solidFill>
+          <a:schemeClr val="tx1"/>
+        </a:solidFill>
+        <a:latin typeface="+mn-lt"/>
+        <a:ea typeface="+mn-ea"/>
+        <a:cs typeface="+mn-cs"/>
+      </a:defRPr>
+    </a:lvl2pPr>
+    <a:lvl3pPr marL="914400" algn="l" defTabSz="914400" rtl="0" eaLnBrk="1" latinLnBrk="0" hangingPunct="1">
+      <a:defRPr sz="1200" kern="1200">
+        <a:solidFill>
+          <a:schemeClr val="tx1"/>
+        </a:solidFill>
+        <a:latin typeface="+mn-lt"/>
+        <a:ea typeface="+mn-ea"/>
+        <a:cs typeface="+mn-cs"/>
+      </a:defRPr>
+    </a:lvl3pPr>
+    <a:lvl4pPr marL="1371600" algn="l" defTabSz="914400" rtl="0" eaLnBrk="1" latinLnBrk="0" hangingPunct="1">
+      <a:defRPr sz="1200" kern="1200">
+        <a:solidFill>
+          <a:schemeClr val="tx1"/>
+        </a:solidFill>
+        <a:latin typeface="+mn-lt"/>
+        <a:ea typeface="+mn-ea"/>
+        <a:cs typeface="+mn-cs"/>
+      </a:defRPr>
+    </a:lvl4pPr>
+    <a:lvl5pPr marL="1828800" algn="l" defTabSz="914400" rtl="0" eaLnBrk="1" latinLnBrk="0" hangingPunct="1">
+      <a:defRPr sz="1200" kern="1200">
+        <a:solidFill>
+          <a:schemeClr val="tx1"/>
+        </a:solidFill>
+        <a:latin typeface="+mn-lt"/>
+        <a:ea typeface="+mn-ea"/>
+        <a:cs typeface="+mn-cs"/>
+      </a:defRPr>
+    </a:lvl5pPr>
+    <a:lvl6pPr marL="2286000" algn="l" defTabSz="914400" rtl="0" eaLnBrk="1" latinLnBrk="0" hangingPunct="1">
+      <a:defRPr sz="1200" kern="1200">
+        <a:solidFill>
+          <a:schemeClr val="tx1"/>
+        </a:solidFill>
+        <a:latin typeface="+mn-lt"/>
+        <a:ea typeface="+mn-ea"/>
+        <a:cs typeface="+mn-cs"/>
+      </a:defRPr>
+    </a:lvl6pPr>
+    <a:lvl7pPr marL="2743200" algn="l" defTabSz="914400" rtl="0" eaLnBrk="1" latinLnBrk="0" hangingPunct="1">
+      <a:defRPr sz="1200" kern="1200">
+        <a:solidFill>
+          <a:schemeClr val="tx1"/>
+        </a:solidFill>
+        <a:latin typeface="+mn-lt"/>
+        <a:ea typeface="+mn-ea"/>
+        <a:cs typeface="+mn-cs"/>
+      </a:defRPr>
+    </a:lvl7pPr>
+    <a:lvl8pPr marL="3200400" algn="l" defTabSz="914400" rtl="0" eaLnBrk="1" latinLnBrk="0" hangingPunct="1">
+      <a:defRPr sz="1200" kern="1200">
+        <a:solidFill>
+          <a:schemeClr val="tx1"/>
+        </a:solidFill>
+        <a:latin typeface="+mn-lt"/>
+        <a:ea typeface="+mn-ea"/>
+        <a:cs typeface="+mn-cs"/>
+      </a:defRPr>
+    </a:lvl8pPr>
+    <a:lvl9pPr marL="3657600" algn="l" defTabSz="914400" rtl="0" eaLnBrk="1" latinLnBrk="0" hangingPunct="1">
+      <a:defRPr sz="1200" kern="1200">
+        <a:solidFill>
+          <a:schemeClr val="tx1"/>
+        </a:solidFill>
+        <a:latin typeface="+mn-lt"/>
+        <a:ea typeface="+mn-ea"/>
+        <a:cs typeface="+mn-cs"/>
+      </a:defRPr>
+    </a:lvl9pPr>
+  </p:notesStyle>
+</p:notesMaster>
+</file>
+
+<file path=ppt/notesSlides/notesSlide1.xml><?xml version="1.0" encoding="utf-8"?>
+<p:notes xmlns:a="http://schemas.openxmlformats.org/drawingml/2006/main" xmlns:r="http://schemas.openxmlformats.org/officeDocument/2006/relationships" xmlns:p="http://schemas.openxmlformats.org/presentationml/2006/main">
+  <p:cSld>
+    <p:spTree>
+      <p:nvGrpSpPr>
+        <p:cNvPr id="1" name=""/>
+        <p:cNvGrpSpPr/>
+        <p:nvPr/>
+      </p:nvGrpSpPr>
+      <p:grpSpPr>
+        <a:xfrm>
+          <a:off x="0" y="0"/>
+          <a:ext cx="0" cy="0"/>
+          <a:chOff x="0" y="0"/>
+          <a:chExt cx="0" cy="0"/>
+        </a:xfrm>
+      </p:grpSpPr>
+      <p:sp>
+        <p:nvSpPr>
+          <p:cNvPr id="2" name="Slide Image Placeholder 1"/>
+          <p:cNvSpPr>
+            <a:spLocks noGrp="1" noRot="1" noChangeAspect="1"/>
+          </p:cNvSpPr>
+          <p:nvPr>
+            <p:ph type="sldImg"/>
+          </p:nvPr>
+        </p:nvSpPr>
+        <p:spPr/>
+      </p:sp>
+      <p:sp>
+        <p:nvSpPr>
+          <p:cNvPr id="3" name="Notes Placeholder 2"/>
+          <p:cNvSpPr>
+            <a:spLocks noGrp="1"/>
+          </p:cNvSpPr>
+          <p:nvPr>
+            <p:ph type="body" idx="1"/>
+          </p:nvPr>
+        </p:nvSpPr>
+        <p:spPr/>
+        <p:txBody>
+          <a:bodyPr/>
+          <a:lstStyle/>
+          <a:p>
+            <a:r>
+              <a:rPr lang="en-US" dirty="0"/>
+              <a:t>Phonological competitor</a:t>
+            </a:r>
+          </a:p>
+        </p:txBody>
+      </p:sp>
+      <p:sp>
+        <p:nvSpPr>
+          <p:cNvPr id="4" name="Slide Number Placeholder 3"/>
+          <p:cNvSpPr>
+            <a:spLocks noGrp="1"/>
+          </p:cNvSpPr>
+          <p:nvPr>
+            <p:ph type="sldNum" sz="quarter" idx="5"/>
+          </p:nvPr>
+        </p:nvSpPr>
+        <p:spPr/>
+        <p:txBody>
+          <a:bodyPr/>
+          <a:lstStyle/>
+          <a:p>
+            <a:fld id="{E60CDC17-DEA6-4280-AF9E-D27E236C1CC6}" type="slidenum">
+              <a:rPr lang="en-US" smtClean="0"/>
+              <a:t>6</a:t>
+            </a:fld>
+            <a:endParaRPr lang="en-US"/>
+          </a:p>
+        </p:txBody>
+      </p:sp>
+    </p:spTree>
+    <p:extLst>
+      <p:ext uri="{BB962C8B-B14F-4D97-AF65-F5344CB8AC3E}">
+        <p14:creationId xmlns:p14="http://schemas.microsoft.com/office/powerpoint/2010/main" val="3984250710"/>
+      </p:ext>
+    </p:extLst>
+  </p:cSld>
+  <p:clrMapOvr>
+    <a:masterClrMapping/>
+  </p:clrMapOvr>
+</p:notes>
+</file>
+
+<file path=ppt/notesSlides/notesSlide10.xml><?xml version="1.0" encoding="utf-8"?>
+<p:notes xmlns:a="http://schemas.openxmlformats.org/drawingml/2006/main" xmlns:r="http://schemas.openxmlformats.org/officeDocument/2006/relationships" xmlns:p="http://schemas.openxmlformats.org/presentationml/2006/main">
+  <p:cSld>
+    <p:spTree>
+      <p:nvGrpSpPr>
+        <p:cNvPr id="1" name=""/>
+        <p:cNvGrpSpPr/>
+        <p:nvPr/>
+      </p:nvGrpSpPr>
+      <p:grpSpPr>
+        <a:xfrm>
+          <a:off x="0" y="0"/>
+          <a:ext cx="0" cy="0"/>
+          <a:chOff x="0" y="0"/>
+          <a:chExt cx="0" cy="0"/>
+        </a:xfrm>
+      </p:grpSpPr>
+      <p:sp>
+        <p:nvSpPr>
+          <p:cNvPr id="2" name="Slide Image Placeholder 1"/>
+          <p:cNvSpPr>
+            <a:spLocks noGrp="1" noRot="1" noChangeAspect="1"/>
+          </p:cNvSpPr>
+          <p:nvPr>
+            <p:ph type="sldImg"/>
+          </p:nvPr>
+        </p:nvSpPr>
+        <p:spPr/>
+      </p:sp>
+      <p:sp>
+        <p:nvSpPr>
+          <p:cNvPr id="3" name="Notes Placeholder 2"/>
+          <p:cNvSpPr>
+            <a:spLocks noGrp="1"/>
+          </p:cNvSpPr>
+          <p:nvPr>
+            <p:ph type="body" idx="1"/>
+          </p:nvPr>
+        </p:nvSpPr>
+        <p:spPr/>
+        <p:txBody>
+          <a:bodyPr/>
+          <a:lstStyle/>
+          <a:p>
+            <a:r>
+              <a:rPr lang="en-US" dirty="0"/>
+              <a:t>in the bowl: modifier when two liquid eggs and</a:t>
+            </a:r>
+          </a:p>
+          <a:p>
+            <a:r>
+              <a:rPr lang="en-US" dirty="0"/>
+              <a:t>In the bowl: location when one liquid one solid</a:t>
+            </a:r>
+          </a:p>
+        </p:txBody>
+      </p:sp>
+      <p:sp>
+        <p:nvSpPr>
+          <p:cNvPr id="4" name="Slide Number Placeholder 3"/>
+          <p:cNvSpPr>
+            <a:spLocks noGrp="1"/>
+          </p:cNvSpPr>
+          <p:nvPr>
+            <p:ph type="sldNum" sz="quarter" idx="5"/>
+          </p:nvPr>
+        </p:nvSpPr>
+        <p:spPr/>
+        <p:txBody>
+          <a:bodyPr/>
+          <a:lstStyle/>
+          <a:p>
+            <a:fld id="{E60CDC17-DEA6-4280-AF9E-D27E236C1CC6}" type="slidenum">
+              <a:rPr lang="en-US" smtClean="0"/>
+              <a:t>25</a:t>
+            </a:fld>
+            <a:endParaRPr lang="en-US"/>
+          </a:p>
+        </p:txBody>
+      </p:sp>
+    </p:spTree>
+    <p:extLst>
+      <p:ext uri="{BB962C8B-B14F-4D97-AF65-F5344CB8AC3E}">
+        <p14:creationId xmlns:p14="http://schemas.microsoft.com/office/powerpoint/2010/main" val="271831957"/>
+      </p:ext>
+    </p:extLst>
+  </p:cSld>
+  <p:clrMapOvr>
+    <a:masterClrMapping/>
+  </p:clrMapOvr>
+</p:notes>
+</file>
+
+<file path=ppt/notesSlides/notesSlide11.xml><?xml version="1.0" encoding="utf-8"?>
+<p:notes xmlns:a="http://schemas.openxmlformats.org/drawingml/2006/main" xmlns:r="http://schemas.openxmlformats.org/officeDocument/2006/relationships" xmlns:p="http://schemas.openxmlformats.org/presentationml/2006/main">
+  <p:cSld>
+    <p:spTree>
+      <p:nvGrpSpPr>
+        <p:cNvPr id="1" name=""/>
+        <p:cNvGrpSpPr/>
+        <p:nvPr/>
+      </p:nvGrpSpPr>
+      <p:grpSpPr>
+        <a:xfrm>
+          <a:off x="0" y="0"/>
+          <a:ext cx="0" cy="0"/>
+          <a:chOff x="0" y="0"/>
+          <a:chExt cx="0" cy="0"/>
+        </a:xfrm>
+      </p:grpSpPr>
+      <p:sp>
+        <p:nvSpPr>
+          <p:cNvPr id="2" name="Slide Image Placeholder 1"/>
+          <p:cNvSpPr>
+            <a:spLocks noGrp="1" noRot="1" noChangeAspect="1"/>
+          </p:cNvSpPr>
+          <p:nvPr>
+            <p:ph type="sldImg"/>
+          </p:nvPr>
+        </p:nvSpPr>
+        <p:spPr/>
+      </p:sp>
+      <p:sp>
+        <p:nvSpPr>
+          <p:cNvPr id="3" name="Notes Placeholder 2"/>
+          <p:cNvSpPr>
+            <a:spLocks noGrp="1"/>
+          </p:cNvSpPr>
+          <p:nvPr>
+            <p:ph type="body" idx="1"/>
+          </p:nvPr>
+        </p:nvSpPr>
+        <p:spPr/>
+        <p:txBody>
+          <a:bodyPr/>
+          <a:lstStyle/>
+          <a:p>
+            <a:r>
+              <a:rPr lang="en-US" dirty="0"/>
+              <a:t>Words that share their first phoneme with many other words are processed more slowly</a:t>
+            </a:r>
+          </a:p>
+        </p:txBody>
+      </p:sp>
+      <p:sp>
+        <p:nvSpPr>
+          <p:cNvPr id="4" name="Slide Number Placeholder 3"/>
+          <p:cNvSpPr>
+            <a:spLocks noGrp="1"/>
+          </p:cNvSpPr>
+          <p:nvPr>
+            <p:ph type="sldNum" sz="quarter" idx="5"/>
+          </p:nvPr>
+        </p:nvSpPr>
+        <p:spPr/>
+        <p:txBody>
+          <a:bodyPr/>
+          <a:lstStyle/>
+          <a:p>
+            <a:fld id="{E60CDC17-DEA6-4280-AF9E-D27E236C1CC6}" type="slidenum">
+              <a:rPr lang="en-US" smtClean="0"/>
+              <a:t>27</a:t>
+            </a:fld>
+            <a:endParaRPr lang="en-US"/>
+          </a:p>
+        </p:txBody>
+      </p:sp>
+    </p:spTree>
+    <p:extLst>
+      <p:ext uri="{BB962C8B-B14F-4D97-AF65-F5344CB8AC3E}">
+        <p14:creationId xmlns:p14="http://schemas.microsoft.com/office/powerpoint/2010/main" val="3449973166"/>
+      </p:ext>
+    </p:extLst>
+  </p:cSld>
+  <p:clrMapOvr>
+    <a:masterClrMapping/>
+  </p:clrMapOvr>
+</p:notes>
+</file>
+
+<file path=ppt/notesSlides/notesSlide2.xml><?xml version="1.0" encoding="utf-8"?>
+<p:notes xmlns:a="http://schemas.openxmlformats.org/drawingml/2006/main" xmlns:r="http://schemas.openxmlformats.org/officeDocument/2006/relationships" xmlns:p="http://schemas.openxmlformats.org/presentationml/2006/main">
+  <p:cSld>
+    <p:spTree>
+      <p:nvGrpSpPr>
+        <p:cNvPr id="1" name=""/>
+        <p:cNvGrpSpPr/>
+        <p:nvPr/>
+      </p:nvGrpSpPr>
+      <p:grpSpPr>
+        <a:xfrm>
+          <a:off x="0" y="0"/>
+          <a:ext cx="0" cy="0"/>
+          <a:chOff x="0" y="0"/>
+          <a:chExt cx="0" cy="0"/>
+        </a:xfrm>
+      </p:grpSpPr>
+      <p:sp>
+        <p:nvSpPr>
+          <p:cNvPr id="2" name="Slide Image Placeholder 1"/>
+          <p:cNvSpPr>
+            <a:spLocks noGrp="1" noRot="1" noChangeAspect="1"/>
+          </p:cNvSpPr>
+          <p:nvPr>
+            <p:ph type="sldImg"/>
+          </p:nvPr>
+        </p:nvSpPr>
+        <p:spPr/>
+      </p:sp>
+      <p:sp>
+        <p:nvSpPr>
+          <p:cNvPr id="3" name="Notes Placeholder 2"/>
+          <p:cNvSpPr>
+            <a:spLocks noGrp="1"/>
+          </p:cNvSpPr>
+          <p:nvPr>
+            <p:ph type="body" idx="1"/>
+          </p:nvPr>
+        </p:nvSpPr>
+        <p:spPr/>
+        <p:txBody>
+          <a:bodyPr/>
+          <a:lstStyle/>
+          <a:p>
+            <a:r>
+              <a:rPr lang="en-US" dirty="0"/>
+              <a:t>Shape competitor</a:t>
+            </a:r>
+          </a:p>
+        </p:txBody>
+      </p:sp>
+      <p:sp>
+        <p:nvSpPr>
+          <p:cNvPr id="4" name="Slide Number Placeholder 3"/>
+          <p:cNvSpPr>
+            <a:spLocks noGrp="1"/>
+          </p:cNvSpPr>
+          <p:nvPr>
+            <p:ph type="sldNum" sz="quarter" idx="5"/>
+          </p:nvPr>
+        </p:nvSpPr>
+        <p:spPr/>
+        <p:txBody>
+          <a:bodyPr/>
+          <a:lstStyle/>
+          <a:p>
+            <a:fld id="{E60CDC17-DEA6-4280-AF9E-D27E236C1CC6}" type="slidenum">
+              <a:rPr lang="en-US" smtClean="0"/>
+              <a:t>7</a:t>
+            </a:fld>
+            <a:endParaRPr lang="en-US"/>
+          </a:p>
+        </p:txBody>
+      </p:sp>
+    </p:spTree>
+    <p:extLst>
+      <p:ext uri="{BB962C8B-B14F-4D97-AF65-F5344CB8AC3E}">
+        <p14:creationId xmlns:p14="http://schemas.microsoft.com/office/powerpoint/2010/main" val="3170054680"/>
+      </p:ext>
+    </p:extLst>
+  </p:cSld>
+  <p:clrMapOvr>
+    <a:masterClrMapping/>
+  </p:clrMapOvr>
+</p:notes>
+</file>
+
+<file path=ppt/notesSlides/notesSlide3.xml><?xml version="1.0" encoding="utf-8"?>
+<p:notes xmlns:a="http://schemas.openxmlformats.org/drawingml/2006/main" xmlns:r="http://schemas.openxmlformats.org/officeDocument/2006/relationships" xmlns:p="http://schemas.openxmlformats.org/presentationml/2006/main">
+  <p:cSld>
+    <p:spTree>
+      <p:nvGrpSpPr>
+        <p:cNvPr id="1" name=""/>
+        <p:cNvGrpSpPr/>
+        <p:nvPr/>
+      </p:nvGrpSpPr>
+      <p:grpSpPr>
+        <a:xfrm>
+          <a:off x="0" y="0"/>
+          <a:ext cx="0" cy="0"/>
+          <a:chOff x="0" y="0"/>
+          <a:chExt cx="0" cy="0"/>
+        </a:xfrm>
+      </p:grpSpPr>
+      <p:sp>
+        <p:nvSpPr>
+          <p:cNvPr id="2" name="Slide Image Placeholder 1"/>
+          <p:cNvSpPr>
+            <a:spLocks noGrp="1" noRot="1" noChangeAspect="1"/>
+          </p:cNvSpPr>
+          <p:nvPr>
+            <p:ph type="sldImg"/>
+          </p:nvPr>
+        </p:nvSpPr>
+        <p:spPr/>
+      </p:sp>
+      <p:sp>
+        <p:nvSpPr>
+          <p:cNvPr id="3" name="Notes Placeholder 2"/>
+          <p:cNvSpPr>
+            <a:spLocks noGrp="1"/>
+          </p:cNvSpPr>
+          <p:nvPr>
+            <p:ph type="body" idx="1"/>
+          </p:nvPr>
+        </p:nvSpPr>
+        <p:spPr/>
+        <p:txBody>
+          <a:bodyPr/>
+          <a:lstStyle/>
+          <a:p>
+            <a:r>
+              <a:rPr lang="en-US" dirty="0"/>
+              <a:t>semantic competitor</a:t>
+            </a:r>
+          </a:p>
+        </p:txBody>
+      </p:sp>
+      <p:sp>
+        <p:nvSpPr>
+          <p:cNvPr id="4" name="Slide Number Placeholder 3"/>
+          <p:cNvSpPr>
+            <a:spLocks noGrp="1"/>
+          </p:cNvSpPr>
+          <p:nvPr>
+            <p:ph type="sldNum" sz="quarter" idx="5"/>
+          </p:nvPr>
+        </p:nvSpPr>
+        <p:spPr/>
+        <p:txBody>
+          <a:bodyPr/>
+          <a:lstStyle/>
+          <a:p>
+            <a:fld id="{E60CDC17-DEA6-4280-AF9E-D27E236C1CC6}" type="slidenum">
+              <a:rPr lang="en-US" smtClean="0"/>
+              <a:t>8</a:t>
+            </a:fld>
+            <a:endParaRPr lang="en-US"/>
+          </a:p>
+        </p:txBody>
+      </p:sp>
+    </p:spTree>
+    <p:extLst>
+      <p:ext uri="{BB962C8B-B14F-4D97-AF65-F5344CB8AC3E}">
+        <p14:creationId xmlns:p14="http://schemas.microsoft.com/office/powerpoint/2010/main" val="402233856"/>
+      </p:ext>
+    </p:extLst>
+  </p:cSld>
+  <p:clrMapOvr>
+    <a:masterClrMapping/>
+  </p:clrMapOvr>
+</p:notes>
+</file>
+
+<file path=ppt/notesSlides/notesSlide4.xml><?xml version="1.0" encoding="utf-8"?>
+<p:notes xmlns:a="http://schemas.openxmlformats.org/drawingml/2006/main" xmlns:r="http://schemas.openxmlformats.org/officeDocument/2006/relationships" xmlns:p="http://schemas.openxmlformats.org/presentationml/2006/main">
+  <p:cSld>
+    <p:spTree>
+      <p:nvGrpSpPr>
+        <p:cNvPr id="1" name=""/>
+        <p:cNvGrpSpPr/>
+        <p:nvPr/>
+      </p:nvGrpSpPr>
+      <p:grpSpPr>
+        <a:xfrm>
+          <a:off x="0" y="0"/>
+          <a:ext cx="0" cy="0"/>
+          <a:chOff x="0" y="0"/>
+          <a:chExt cx="0" cy="0"/>
+        </a:xfrm>
+      </p:grpSpPr>
+      <p:sp>
+        <p:nvSpPr>
+          <p:cNvPr id="2" name="Slide Image Placeholder 1"/>
+          <p:cNvSpPr>
+            <a:spLocks noGrp="1" noRot="1" noChangeAspect="1"/>
+          </p:cNvSpPr>
+          <p:nvPr>
+            <p:ph type="sldImg"/>
+          </p:nvPr>
+        </p:nvSpPr>
+        <p:spPr/>
+      </p:sp>
+      <p:sp>
+        <p:nvSpPr>
+          <p:cNvPr id="3" name="Notes Placeholder 2"/>
+          <p:cNvSpPr>
+            <a:spLocks noGrp="1"/>
+          </p:cNvSpPr>
+          <p:nvPr>
+            <p:ph type="body" idx="1"/>
+          </p:nvPr>
+        </p:nvSpPr>
+        <p:spPr/>
+        <p:txBody>
+          <a:bodyPr/>
+          <a:lstStyle/>
+          <a:p>
+            <a:r>
+              <a:rPr lang="en-US" dirty="0"/>
+              <a:t>Eye movements are a behavioral measure that are theoretically related to processing</a:t>
+            </a:r>
+          </a:p>
+        </p:txBody>
+      </p:sp>
+      <p:sp>
+        <p:nvSpPr>
+          <p:cNvPr id="4" name="Slide Number Placeholder 3"/>
+          <p:cNvSpPr>
+            <a:spLocks noGrp="1"/>
+          </p:cNvSpPr>
+          <p:nvPr>
+            <p:ph type="sldNum" sz="quarter" idx="5"/>
+          </p:nvPr>
+        </p:nvSpPr>
+        <p:spPr/>
+        <p:txBody>
+          <a:bodyPr/>
+          <a:lstStyle/>
+          <a:p>
+            <a:fld id="{E60CDC17-DEA6-4280-AF9E-D27E236C1CC6}" type="slidenum">
+              <a:rPr lang="en-US" smtClean="0"/>
+              <a:t>9</a:t>
+            </a:fld>
+            <a:endParaRPr lang="en-US"/>
+          </a:p>
+        </p:txBody>
+      </p:sp>
+    </p:spTree>
+    <p:extLst>
+      <p:ext uri="{BB962C8B-B14F-4D97-AF65-F5344CB8AC3E}">
+        <p14:creationId xmlns:p14="http://schemas.microsoft.com/office/powerpoint/2010/main" val="249247694"/>
+      </p:ext>
+    </p:extLst>
+  </p:cSld>
+  <p:clrMapOvr>
+    <a:masterClrMapping/>
+  </p:clrMapOvr>
+</p:notes>
+</file>
+
+<file path=ppt/notesSlides/notesSlide5.xml><?xml version="1.0" encoding="utf-8"?>
+<p:notes xmlns:a="http://schemas.openxmlformats.org/drawingml/2006/main" xmlns:r="http://schemas.openxmlformats.org/officeDocument/2006/relationships" xmlns:p="http://schemas.openxmlformats.org/presentationml/2006/main">
+  <p:cSld>
+    <p:spTree>
+      <p:nvGrpSpPr>
+        <p:cNvPr id="1" name=""/>
+        <p:cNvGrpSpPr/>
+        <p:nvPr/>
+      </p:nvGrpSpPr>
+      <p:grpSpPr>
+        <a:xfrm>
+          <a:off x="0" y="0"/>
+          <a:ext cx="0" cy="0"/>
+          <a:chOff x="0" y="0"/>
+          <a:chExt cx="0" cy="0"/>
+        </a:xfrm>
+      </p:grpSpPr>
+      <p:sp>
+        <p:nvSpPr>
+          <p:cNvPr id="2" name="Slide Image Placeholder 1"/>
+          <p:cNvSpPr>
+            <a:spLocks noGrp="1" noRot="1" noChangeAspect="1"/>
+          </p:cNvSpPr>
+          <p:nvPr>
+            <p:ph type="sldImg"/>
+          </p:nvPr>
+        </p:nvSpPr>
+        <p:spPr/>
+      </p:sp>
+      <p:sp>
+        <p:nvSpPr>
+          <p:cNvPr id="3" name="Notes Placeholder 2"/>
+          <p:cNvSpPr>
+            <a:spLocks noGrp="1"/>
+          </p:cNvSpPr>
+          <p:nvPr>
+            <p:ph type="body" idx="1"/>
+          </p:nvPr>
+        </p:nvSpPr>
+        <p:spPr/>
+        <p:txBody>
+          <a:bodyPr/>
+          <a:lstStyle/>
+          <a:p>
+            <a:r>
+              <a:rPr lang="en-US" b="0" i="0" dirty="0">
+                <a:solidFill>
+                  <a:srgbClr val="333333"/>
+                </a:solidFill>
+                <a:effectLst/>
+                <a:latin typeface="Arial" panose="020B0604020202020204" pitchFamily="34" charset="0"/>
+              </a:rPr>
+              <a:t>Altmann and </a:t>
+            </a:r>
+            <a:r>
+              <a:rPr lang="en-US" b="0" i="0" dirty="0" err="1">
+                <a:solidFill>
+                  <a:srgbClr val="333333"/>
+                </a:solidFill>
+                <a:effectLst/>
+                <a:latin typeface="Arial" panose="020B0604020202020204" pitchFamily="34" charset="0"/>
+              </a:rPr>
+              <a:t>Mirkovi</a:t>
+            </a:r>
+            <a:r>
+              <a:rPr lang="en-US" b="0" i="0" dirty="0">
+                <a:solidFill>
+                  <a:srgbClr val="333333"/>
+                </a:solidFill>
+                <a:effectLst/>
+                <a:latin typeface="Arial" panose="020B0604020202020204" pitchFamily="34" charset="0"/>
+              </a:rPr>
+              <a:t> (2009)</a:t>
+            </a:r>
+            <a:endParaRPr lang="en-US" dirty="0"/>
+          </a:p>
+        </p:txBody>
+      </p:sp>
+      <p:sp>
+        <p:nvSpPr>
+          <p:cNvPr id="4" name="Slide Number Placeholder 3"/>
+          <p:cNvSpPr>
+            <a:spLocks noGrp="1"/>
+          </p:cNvSpPr>
+          <p:nvPr>
+            <p:ph type="sldNum" sz="quarter" idx="5"/>
+          </p:nvPr>
+        </p:nvSpPr>
+        <p:spPr/>
+        <p:txBody>
+          <a:bodyPr/>
+          <a:lstStyle/>
+          <a:p>
+            <a:fld id="{E60CDC17-DEA6-4280-AF9E-D27E236C1CC6}" type="slidenum">
+              <a:rPr lang="en-US" smtClean="0"/>
+              <a:t>12</a:t>
+            </a:fld>
+            <a:endParaRPr lang="en-US"/>
+          </a:p>
+        </p:txBody>
+      </p:sp>
+    </p:spTree>
+    <p:extLst>
+      <p:ext uri="{BB962C8B-B14F-4D97-AF65-F5344CB8AC3E}">
+        <p14:creationId xmlns:p14="http://schemas.microsoft.com/office/powerpoint/2010/main" val="3145763007"/>
+      </p:ext>
+    </p:extLst>
+  </p:cSld>
+  <p:clrMapOvr>
+    <a:masterClrMapping/>
+  </p:clrMapOvr>
+</p:notes>
+</file>
+
+<file path=ppt/notesSlides/notesSlide6.xml><?xml version="1.0" encoding="utf-8"?>
+<p:notes xmlns:a="http://schemas.openxmlformats.org/drawingml/2006/main" xmlns:r="http://schemas.openxmlformats.org/officeDocument/2006/relationships" xmlns:p="http://schemas.openxmlformats.org/presentationml/2006/main">
+  <p:cSld>
+    <p:spTree>
+      <p:nvGrpSpPr>
+        <p:cNvPr id="1" name=""/>
+        <p:cNvGrpSpPr/>
+        <p:nvPr/>
+      </p:nvGrpSpPr>
+      <p:grpSpPr>
+        <a:xfrm>
+          <a:off x="0" y="0"/>
+          <a:ext cx="0" cy="0"/>
+          <a:chOff x="0" y="0"/>
+          <a:chExt cx="0" cy="0"/>
+        </a:xfrm>
+      </p:grpSpPr>
+      <p:sp>
+        <p:nvSpPr>
+          <p:cNvPr id="2" name="Slide Image Placeholder 1"/>
+          <p:cNvSpPr>
+            <a:spLocks noGrp="1" noRot="1" noChangeAspect="1"/>
+          </p:cNvSpPr>
+          <p:nvPr>
+            <p:ph type="sldImg"/>
+          </p:nvPr>
+        </p:nvSpPr>
+        <p:spPr/>
+      </p:sp>
+      <p:sp>
+        <p:nvSpPr>
+          <p:cNvPr id="3" name="Notes Placeholder 2"/>
+          <p:cNvSpPr>
+            <a:spLocks noGrp="1"/>
+          </p:cNvSpPr>
+          <p:nvPr>
+            <p:ph type="body" idx="1"/>
+          </p:nvPr>
+        </p:nvSpPr>
+        <p:spPr/>
+        <p:txBody>
+          <a:bodyPr/>
+          <a:lstStyle/>
+          <a:p>
+            <a:r>
+              <a:rPr lang="en-US" b="0" i="0" dirty="0" err="1">
+                <a:solidFill>
+                  <a:srgbClr val="333333"/>
+                </a:solidFill>
+                <a:effectLst/>
+                <a:latin typeface="Arial" panose="020B0604020202020204" pitchFamily="34" charset="0"/>
+              </a:rPr>
+              <a:t>Salverda</a:t>
+            </a:r>
+            <a:r>
+              <a:rPr lang="en-US" b="0" i="0" dirty="0">
+                <a:solidFill>
+                  <a:srgbClr val="333333"/>
+                </a:solidFill>
+                <a:effectLst/>
+                <a:latin typeface="Arial" panose="020B0604020202020204" pitchFamily="34" charset="0"/>
+              </a:rPr>
+              <a:t> et al. (2011)</a:t>
+            </a:r>
+            <a:endParaRPr lang="en-US" dirty="0"/>
+          </a:p>
+        </p:txBody>
+      </p:sp>
+      <p:sp>
+        <p:nvSpPr>
+          <p:cNvPr id="4" name="Slide Number Placeholder 3"/>
+          <p:cNvSpPr>
+            <a:spLocks noGrp="1"/>
+          </p:cNvSpPr>
+          <p:nvPr>
+            <p:ph type="sldNum" sz="quarter" idx="5"/>
+          </p:nvPr>
+        </p:nvSpPr>
+        <p:spPr/>
+        <p:txBody>
+          <a:bodyPr/>
+          <a:lstStyle/>
+          <a:p>
+            <a:fld id="{E60CDC17-DEA6-4280-AF9E-D27E236C1CC6}" type="slidenum">
+              <a:rPr lang="en-US" smtClean="0"/>
+              <a:t>13</a:t>
+            </a:fld>
+            <a:endParaRPr lang="en-US"/>
+          </a:p>
+        </p:txBody>
+      </p:sp>
+    </p:spTree>
+    <p:extLst>
+      <p:ext uri="{BB962C8B-B14F-4D97-AF65-F5344CB8AC3E}">
+        <p14:creationId xmlns:p14="http://schemas.microsoft.com/office/powerpoint/2010/main" val="16498956"/>
+      </p:ext>
+    </p:extLst>
+  </p:cSld>
+  <p:clrMapOvr>
+    <a:masterClrMapping/>
+  </p:clrMapOvr>
+</p:notes>
+</file>
+
+<file path=ppt/notesSlides/notesSlide7.xml><?xml version="1.0" encoding="utf-8"?>
+<p:notes xmlns:a="http://schemas.openxmlformats.org/drawingml/2006/main" xmlns:r="http://schemas.openxmlformats.org/officeDocument/2006/relationships" xmlns:p="http://schemas.openxmlformats.org/presentationml/2006/main">
+  <p:cSld>
+    <p:spTree>
+      <p:nvGrpSpPr>
+        <p:cNvPr id="1" name=""/>
+        <p:cNvGrpSpPr/>
+        <p:nvPr/>
+      </p:nvGrpSpPr>
+      <p:grpSpPr>
+        <a:xfrm>
+          <a:off x="0" y="0"/>
+          <a:ext cx="0" cy="0"/>
+          <a:chOff x="0" y="0"/>
+          <a:chExt cx="0" cy="0"/>
+        </a:xfrm>
+      </p:grpSpPr>
+      <p:sp>
+        <p:nvSpPr>
+          <p:cNvPr id="2" name="Slide Image Placeholder 1"/>
+          <p:cNvSpPr>
+            <a:spLocks noGrp="1" noRot="1" noChangeAspect="1"/>
+          </p:cNvSpPr>
+          <p:nvPr>
+            <p:ph type="sldImg"/>
+          </p:nvPr>
+        </p:nvSpPr>
+        <p:spPr/>
+      </p:sp>
+      <p:sp>
+        <p:nvSpPr>
+          <p:cNvPr id="3" name="Notes Placeholder 2"/>
+          <p:cNvSpPr>
+            <a:spLocks noGrp="1"/>
+          </p:cNvSpPr>
+          <p:nvPr>
+            <p:ph type="body" idx="1"/>
+          </p:nvPr>
+        </p:nvSpPr>
+        <p:spPr/>
+        <p:txBody>
+          <a:bodyPr/>
+          <a:lstStyle/>
+          <a:p>
+            <a:r>
+              <a:rPr lang="en-US" dirty="0"/>
+              <a:t>So you have these two things (array and sentence), when to display each? Implications?</a:t>
+            </a:r>
+          </a:p>
+        </p:txBody>
+      </p:sp>
+      <p:sp>
+        <p:nvSpPr>
+          <p:cNvPr id="4" name="Slide Number Placeholder 3"/>
+          <p:cNvSpPr>
+            <a:spLocks noGrp="1"/>
+          </p:cNvSpPr>
+          <p:nvPr>
+            <p:ph type="sldNum" sz="quarter" idx="5"/>
+          </p:nvPr>
+        </p:nvSpPr>
+        <p:spPr/>
+        <p:txBody>
+          <a:bodyPr/>
+          <a:lstStyle/>
+          <a:p>
+            <a:fld id="{E60CDC17-DEA6-4280-AF9E-D27E236C1CC6}" type="slidenum">
+              <a:rPr lang="en-US" smtClean="0"/>
+              <a:t>18</a:t>
+            </a:fld>
+            <a:endParaRPr lang="en-US"/>
+          </a:p>
+        </p:txBody>
+      </p:sp>
+    </p:spTree>
+    <p:extLst>
+      <p:ext uri="{BB962C8B-B14F-4D97-AF65-F5344CB8AC3E}">
+        <p14:creationId xmlns:p14="http://schemas.microsoft.com/office/powerpoint/2010/main" val="2441844794"/>
+      </p:ext>
+    </p:extLst>
+  </p:cSld>
+  <p:clrMapOvr>
+    <a:masterClrMapping/>
+  </p:clrMapOvr>
+</p:notes>
+</file>
+
+<file path=ppt/notesSlides/notesSlide8.xml><?xml version="1.0" encoding="utf-8"?>
+<p:notes xmlns:a="http://schemas.openxmlformats.org/drawingml/2006/main" xmlns:r="http://schemas.openxmlformats.org/officeDocument/2006/relationships" xmlns:p="http://schemas.openxmlformats.org/presentationml/2006/main">
+  <p:cSld>
+    <p:spTree>
+      <p:nvGrpSpPr>
+        <p:cNvPr id="1" name=""/>
+        <p:cNvGrpSpPr/>
+        <p:nvPr/>
+      </p:nvGrpSpPr>
+      <p:grpSpPr>
+        <a:xfrm>
+          <a:off x="0" y="0"/>
+          <a:ext cx="0" cy="0"/>
+          <a:chOff x="0" y="0"/>
+          <a:chExt cx="0" cy="0"/>
+        </a:xfrm>
+      </p:grpSpPr>
+      <p:sp>
+        <p:nvSpPr>
+          <p:cNvPr id="2" name="Slide Image Placeholder 1"/>
+          <p:cNvSpPr>
+            <a:spLocks noGrp="1" noRot="1" noChangeAspect="1"/>
+          </p:cNvSpPr>
+          <p:nvPr>
+            <p:ph type="sldImg"/>
+          </p:nvPr>
+        </p:nvSpPr>
+        <p:spPr/>
+      </p:sp>
+      <p:sp>
+        <p:nvSpPr>
+          <p:cNvPr id="3" name="Notes Placeholder 2"/>
+          <p:cNvSpPr>
+            <a:spLocks noGrp="1"/>
+          </p:cNvSpPr>
+          <p:nvPr>
+            <p:ph type="body" idx="1"/>
+          </p:nvPr>
+        </p:nvSpPr>
+        <p:spPr/>
+        <p:txBody>
+          <a:bodyPr/>
+          <a:lstStyle/>
+          <a:p>
+            <a:r>
+              <a:rPr lang="en-US" dirty="0"/>
+              <a:t>In what time frames are people more likely to be looking at the target?</a:t>
+            </a:r>
+          </a:p>
+        </p:txBody>
+      </p:sp>
+      <p:sp>
+        <p:nvSpPr>
+          <p:cNvPr id="4" name="Slide Number Placeholder 3"/>
+          <p:cNvSpPr>
+            <a:spLocks noGrp="1"/>
+          </p:cNvSpPr>
+          <p:nvPr>
+            <p:ph type="sldNum" sz="quarter" idx="5"/>
+          </p:nvPr>
+        </p:nvSpPr>
+        <p:spPr/>
+        <p:txBody>
+          <a:bodyPr/>
+          <a:lstStyle/>
+          <a:p>
+            <a:fld id="{E60CDC17-DEA6-4280-AF9E-D27E236C1CC6}" type="slidenum">
+              <a:rPr lang="en-US" smtClean="0"/>
+              <a:t>20</a:t>
+            </a:fld>
+            <a:endParaRPr lang="en-US"/>
+          </a:p>
+        </p:txBody>
+      </p:sp>
+    </p:spTree>
+    <p:extLst>
+      <p:ext uri="{BB962C8B-B14F-4D97-AF65-F5344CB8AC3E}">
+        <p14:creationId xmlns:p14="http://schemas.microsoft.com/office/powerpoint/2010/main" val="82440317"/>
+      </p:ext>
+    </p:extLst>
+  </p:cSld>
+  <p:clrMapOvr>
+    <a:masterClrMapping/>
+  </p:clrMapOvr>
+</p:notes>
+</file>
+
+<file path=ppt/notesSlides/notesSlide9.xml><?xml version="1.0" encoding="utf-8"?>
+<p:notes xmlns:a="http://schemas.openxmlformats.org/drawingml/2006/main" xmlns:r="http://schemas.openxmlformats.org/officeDocument/2006/relationships" xmlns:p="http://schemas.openxmlformats.org/presentationml/2006/main">
+  <p:cSld>
+    <p:spTree>
+      <p:nvGrpSpPr>
+        <p:cNvPr id="1" name=""/>
+        <p:cNvGrpSpPr/>
+        <p:nvPr/>
+      </p:nvGrpSpPr>
+      <p:grpSpPr>
+        <a:xfrm>
+          <a:off x="0" y="0"/>
+          <a:ext cx="0" cy="0"/>
+          <a:chOff x="0" y="0"/>
+          <a:chExt cx="0" cy="0"/>
+        </a:xfrm>
+      </p:grpSpPr>
+      <p:sp>
+        <p:nvSpPr>
+          <p:cNvPr id="2" name="Slide Image Placeholder 1"/>
+          <p:cNvSpPr>
+            <a:spLocks noGrp="1" noRot="1" noChangeAspect="1"/>
+          </p:cNvSpPr>
+          <p:nvPr>
+            <p:ph type="sldImg"/>
+          </p:nvPr>
+        </p:nvSpPr>
+        <p:spPr/>
+      </p:sp>
+      <p:sp>
+        <p:nvSpPr>
+          <p:cNvPr id="3" name="Notes Placeholder 2"/>
+          <p:cNvSpPr>
+            <a:spLocks noGrp="1"/>
+          </p:cNvSpPr>
+          <p:nvPr>
+            <p:ph type="body" idx="1"/>
+          </p:nvPr>
+        </p:nvSpPr>
+        <p:spPr/>
+        <p:txBody>
+          <a:bodyPr/>
+          <a:lstStyle/>
+          <a:p>
+            <a:r>
+              <a:rPr lang="en-US" dirty="0"/>
+              <a:t>in the bowl: modifier when two liquid eggs and</a:t>
+            </a:r>
+          </a:p>
+          <a:p>
+            <a:r>
+              <a:rPr lang="en-US" dirty="0"/>
+              <a:t>In the bowl: location when one liquid one solid</a:t>
+            </a:r>
+          </a:p>
+        </p:txBody>
+      </p:sp>
+      <p:sp>
+        <p:nvSpPr>
+          <p:cNvPr id="4" name="Slide Number Placeholder 3"/>
+          <p:cNvSpPr>
+            <a:spLocks noGrp="1"/>
+          </p:cNvSpPr>
+          <p:nvPr>
+            <p:ph type="sldNum" sz="quarter" idx="5"/>
+          </p:nvPr>
+        </p:nvSpPr>
+        <p:spPr/>
+        <p:txBody>
+          <a:bodyPr/>
+          <a:lstStyle/>
+          <a:p>
+            <a:fld id="{E60CDC17-DEA6-4280-AF9E-D27E236C1CC6}" type="slidenum">
+              <a:rPr lang="en-US" smtClean="0"/>
+              <a:t>24</a:t>
+            </a:fld>
+            <a:endParaRPr lang="en-US"/>
+          </a:p>
+        </p:txBody>
+      </p:sp>
+    </p:spTree>
+    <p:extLst>
+      <p:ext uri="{BB962C8B-B14F-4D97-AF65-F5344CB8AC3E}">
+        <p14:creationId xmlns:p14="http://schemas.microsoft.com/office/powerpoint/2010/main" val="466739900"/>
+      </p:ext>
+    </p:extLst>
+  </p:cSld>
+  <p:clrMapOvr>
+    <a:masterClrMapping/>
+  </p:clrMapOvr>
+</p:notes>
+</file>
+
 <file path=ppt/slideLayouts/slideLayout1.xml><?xml version="1.0" encoding="utf-8"?>
 <p:sldLayout xmlns:a="http://schemas.openxmlformats.org/drawingml/2006/main" xmlns:r="http://schemas.openxmlformats.org/officeDocument/2006/relationships" xmlns:p="http://schemas.openxmlformats.org/presentationml/2006/main" type="title" preserve="1">
   <p:cSld name="Title Slide">
@@ -238,7 +1607,7 @@
           <a:effectLst/>
           <a:extLst>
             <a:ext uri="{91240B29-F687-4f45-9708-019B960494DF}">
-              <a14:hiddenLine xmlns="" xmlns:a14="http://schemas.microsoft.com/office/drawing/2010/main" w="9525">
+              <a14:hiddenLine xmlns:a14="http://schemas.microsoft.com/office/drawing/2010/main" xmlns="" w="9525">
                 <a:solidFill>
                   <a:srgbClr val="000000"/>
                 </a:solidFill>
@@ -430,7 +1799,7 @@
           <a:p>
             <a:fld id="{6D62041A-534C-485A-9850-09A0E2BEF2BD}" type="datetime1">
               <a:rPr lang="en-US" smtClean="0"/>
-              <a:t>10/26/2023</a:t>
+              <a:t>11/15/2023</a:t>
             </a:fld>
             <a:endParaRPr lang="en-US"/>
           </a:p>
@@ -748,7 +2117,7 @@
           <a:p>
             <a:fld id="{6FDD0EC2-F252-4D4B-8078-CCDA5726674C}" type="datetime1">
               <a:rPr lang="en-US" smtClean="0"/>
-              <a:t>10/26/2023</a:t>
+              <a:t>11/15/2023</a:t>
             </a:fld>
             <a:endParaRPr lang="en-US"/>
           </a:p>
@@ -1236,7 +2605,7 @@
           <a:p>
             <a:fld id="{5A9B0CAF-E46C-4B7D-8C22-2C2A4385A930}" type="datetime1">
               <a:rPr lang="en-US" smtClean="0"/>
-              <a:t>10/26/2023</a:t>
+              <a:t>11/15/2023</a:t>
             </a:fld>
             <a:endParaRPr lang="en-US"/>
           </a:p>
@@ -1605,7 +2974,7 @@
           <a:p>
             <a:fld id="{5C0B5EED-4565-4A89-BD52-7A5AEA49D550}" type="datetime1">
               <a:rPr lang="en-US" smtClean="0"/>
-              <a:t>10/26/2023</a:t>
+              <a:t>11/15/2023</a:t>
             </a:fld>
             <a:endParaRPr lang="en-US"/>
           </a:p>
@@ -1760,7 +3129,7 @@
           <a:ln/>
           <a:extLst>
             <a:ext uri="{91240B29-F687-4f45-9708-019B960494DF}">
-              <a14:hiddenLine xmlns="" xmlns:a14="http://schemas.microsoft.com/office/drawing/2010/main" w="9525">
+              <a14:hiddenLine xmlns:a14="http://schemas.microsoft.com/office/drawing/2010/main" xmlns="" w="9525">
                 <a:solidFill>
                   <a:srgbClr val="000000"/>
                 </a:solidFill>
@@ -1878,7 +3247,7 @@
           <a:p>
             <a:fld id="{38F9C167-D8EB-437D-881E-68598FE49B77}" type="datetime1">
               <a:rPr lang="en-US" smtClean="0"/>
-              <a:t>10/26/2023</a:t>
+              <a:t>11/15/2023</a:t>
             </a:fld>
             <a:endParaRPr lang="en-US"/>
           </a:p>
@@ -2035,7 +3404,7 @@
           <a:ln/>
           <a:extLst>
             <a:ext uri="{91240B29-F687-4f45-9708-019B960494DF}">
-              <a14:hiddenLine xmlns="" xmlns:a14="http://schemas.microsoft.com/office/drawing/2010/main" w="9525">
+              <a14:hiddenLine xmlns:a14="http://schemas.microsoft.com/office/drawing/2010/main" xmlns="" w="9525">
                 <a:solidFill>
                   <a:srgbClr val="000000"/>
                 </a:solidFill>
@@ -2163,7 +3532,7 @@
           <a:p>
             <a:fld id="{4A477C06-9741-4689-A8BB-DA7418EBD938}" type="datetime1">
               <a:rPr lang="en-US" smtClean="0"/>
-              <a:t>10/26/2023</a:t>
+              <a:t>11/15/2023</a:t>
             </a:fld>
             <a:endParaRPr lang="en-US"/>
           </a:p>
@@ -2318,7 +3687,7 @@
           <a:ln/>
           <a:extLst>
             <a:ext uri="{91240B29-F687-4f45-9708-019B960494DF}">
-              <a14:hiddenLine xmlns="" xmlns:a14="http://schemas.microsoft.com/office/drawing/2010/main" w="9525">
+              <a14:hiddenLine xmlns:a14="http://schemas.microsoft.com/office/drawing/2010/main" xmlns="" w="9525">
                 <a:solidFill>
                   <a:srgbClr val="000000"/>
                 </a:solidFill>
@@ -2446,7 +3815,7 @@
           <a:p>
             <a:fld id="{0A5FAF4C-7E85-4433-91D4-C9176E376578}" type="datetime1">
               <a:rPr lang="en-US" smtClean="0"/>
-              <a:t>10/26/2023</a:t>
+              <a:t>11/15/2023</a:t>
             </a:fld>
             <a:endParaRPr lang="en-US"/>
           </a:p>
@@ -2789,7 +4158,7 @@
           <a:p>
             <a:fld id="{070ADB9D-0D7F-4B34-868C-8420B42CA120}" type="datetime1">
               <a:rPr lang="en-US" smtClean="0"/>
-              <a:t>10/26/2023</a:t>
+              <a:t>11/15/2023</a:t>
             </a:fld>
             <a:endParaRPr lang="en-US"/>
           </a:p>
@@ -2944,7 +4313,7 @@
           <a:ln/>
           <a:extLst>
             <a:ext uri="{91240B29-F687-4f45-9708-019B960494DF}">
-              <a14:hiddenLine xmlns="" xmlns:a14="http://schemas.microsoft.com/office/drawing/2010/main" w="9525">
+              <a14:hiddenLine xmlns:a14="http://schemas.microsoft.com/office/drawing/2010/main" xmlns="" w="9525">
                 <a:solidFill>
                   <a:srgbClr val="000000"/>
                 </a:solidFill>
@@ -3128,7 +4497,7 @@
           <a:p>
             <a:fld id="{EDC2B1AB-8665-4158-AB9E-16A21F056BC4}" type="datetime1">
               <a:rPr lang="en-US" smtClean="0"/>
-              <a:t>10/26/2023</a:t>
+              <a:t>11/15/2023</a:t>
             </a:fld>
             <a:endParaRPr lang="en-US"/>
           </a:p>
@@ -3283,7 +4652,7 @@
           <a:ln/>
           <a:extLst>
             <a:ext uri="{91240B29-F687-4f45-9708-019B960494DF}">
-              <a14:hiddenLine xmlns="" xmlns:a14="http://schemas.microsoft.com/office/drawing/2010/main" w="9525">
+              <a14:hiddenLine xmlns:a14="http://schemas.microsoft.com/office/drawing/2010/main" xmlns="" w="9525">
                 <a:solidFill>
                   <a:srgbClr val="000000"/>
                 </a:solidFill>
@@ -3605,7 +4974,7 @@
           <a:p>
             <a:fld id="{C2FF5B08-5D4B-4799-89D4-82BA3C0D1CB5}" type="datetime1">
               <a:rPr lang="en-US" smtClean="0"/>
-              <a:t>10/26/2023</a:t>
+              <a:t>11/15/2023</a:t>
             </a:fld>
             <a:endParaRPr lang="en-US"/>
           </a:p>
@@ -3760,7 +5129,7 @@
           <a:ln/>
           <a:extLst>
             <a:ext uri="{91240B29-F687-4f45-9708-019B960494DF}">
-              <a14:hiddenLine xmlns="" xmlns:a14="http://schemas.microsoft.com/office/drawing/2010/main" w="9525">
+              <a14:hiddenLine xmlns:a14="http://schemas.microsoft.com/office/drawing/2010/main" xmlns="" w="9525">
                 <a:solidFill>
                   <a:srgbClr val="000000"/>
                 </a:solidFill>
@@ -3826,7 +5195,7 @@
           <a:p>
             <a:fld id="{043BA31F-640D-4983-B742-87A8B362B37C}" type="datetime1">
               <a:rPr lang="en-US" smtClean="0"/>
-              <a:t>10/26/2023</a:t>
+              <a:t>11/15/2023</a:t>
             </a:fld>
             <a:endParaRPr lang="en-US"/>
           </a:p>
@@ -3921,7 +5290,7 @@
           <a:p>
             <a:fld id="{FD357E0F-6EF8-444F-96C1-43EAAE09AD36}" type="datetime1">
               <a:rPr lang="en-US" smtClean="0"/>
-              <a:t>10/26/2023</a:t>
+              <a:t>11/15/2023</a:t>
             </a:fld>
             <a:endParaRPr lang="en-US"/>
           </a:p>
@@ -4189,7 +5558,7 @@
           <a:ln/>
           <a:extLst>
             <a:ext uri="{91240B29-F687-4f45-9708-019B960494DF}">
-              <a14:hiddenLine xmlns="" xmlns:a14="http://schemas.microsoft.com/office/drawing/2010/main" w="9525">
+              <a14:hiddenLine xmlns:a14="http://schemas.microsoft.com/office/drawing/2010/main" xmlns="" w="9525">
                 <a:solidFill>
                   <a:srgbClr val="000000"/>
                 </a:solidFill>
@@ -4388,7 +5757,7 @@
           <a:p>
             <a:fld id="{AE8EF11D-0AA5-45E9-9641-3385DF52E93D}" type="datetime1">
               <a:rPr lang="en-US" smtClean="0"/>
-              <a:t>10/26/2023</a:t>
+              <a:t>11/15/2023</a:t>
             </a:fld>
             <a:endParaRPr lang="en-US"/>
           </a:p>
@@ -4701,7 +6070,7 @@
           <a:p>
             <a:fld id="{8C7B53B2-5972-44EE-87C6-BEDA34CCA02D}" type="datetime1">
               <a:rPr lang="en-US" smtClean="0"/>
-              <a:t>10/26/2023</a:t>
+              <a:t>11/15/2023</a:t>
             </a:fld>
             <a:endParaRPr lang="en-US"/>
           </a:p>
@@ -4971,7 +6340,7 @@
           <a:p>
             <a:fld id="{5CE8F2EE-BA63-42C0-9BA4-BA622DF20B3E}" type="datetime1">
               <a:rPr lang="en-US" smtClean="0"/>
-              <a:t>10/26/2023</a:t>
+              <a:t>11/15/2023</a:t>
             </a:fld>
             <a:endParaRPr lang="en-US"/>
           </a:p>
@@ -5639,13 +7008,13 @@
         </p:spPr>
         <p:txBody>
           <a:bodyPr>
-            <a:normAutofit lnSpcReduction="10000"/>
+            <a:normAutofit fontScale="92500" lnSpcReduction="10000"/>
           </a:bodyPr>
           <a:lstStyle/>
           <a:p>
             <a:r>
               <a:rPr lang="en-US" sz="2400" dirty="0"/>
-              <a:t>Behavioral measures require a </a:t>
+              <a:t>Behavioral measures (technically) require a </a:t>
             </a:r>
             <a:r>
               <a:rPr lang="en-US" sz="2400" i="1" dirty="0"/>
@@ -5655,14 +7024,14 @@
           <a:p>
             <a:pPr lvl="1"/>
             <a:r>
-              <a:rPr lang="en-US" sz="2000" dirty="0"/>
+              <a:rPr lang="en-US" sz="2400" dirty="0"/>
               <a:t>Linking behavioral measures to what the brain is doing is generally quite difficult</a:t>
             </a:r>
           </a:p>
           <a:p>
             <a:pPr lvl="1"/>
             <a:r>
-              <a:rPr lang="en-US" sz="2000" dirty="0"/>
+              <a:rPr lang="en-US" sz="2400" dirty="0"/>
               <a:t>What is the link between eye movements during VWP and what’s happening in the brain?</a:t>
             </a:r>
           </a:p>
@@ -5928,7 +7297,7 @@
           <p:cNvPr id="2" name="Title 1">
             <a:extLst>
               <a:ext uri="{FF2B5EF4-FFF2-40B4-BE49-F238E27FC236}">
-                <a16:creationId xmlns:a16="http://schemas.microsoft.com/office/drawing/2014/main" id="{8E001DB7-B8BA-DF26-23CE-C45782458AAA}"/>
+                <a16:creationId xmlns:a16="http://schemas.microsoft.com/office/drawing/2014/main" id="{3544EB31-D06C-2C1B-E32F-2D0F36B95CD7}"/>
               </a:ext>
             </a:extLst>
           </p:cNvPr>
@@ -5945,8 +7314,8 @@
           <a:lstStyle/>
           <a:p>
             <a:r>
-              <a:rPr lang="en-US" sz="3600" dirty="0"/>
-              <a:t>VWP 101: Logic</a:t>
+              <a:rPr lang="en-US" dirty="0"/>
+              <a:t>VWP 101: Linking Hypotheses</a:t>
             </a:r>
           </a:p>
         </p:txBody>
@@ -5956,7 +7325,7 @@
           <p:cNvPr id="3" name="Content Placeholder 2">
             <a:extLst>
               <a:ext uri="{FF2B5EF4-FFF2-40B4-BE49-F238E27FC236}">
-                <a16:creationId xmlns:a16="http://schemas.microsoft.com/office/drawing/2014/main" id="{024014B2-C859-C4F4-3993-385F13F7FD37}"/>
+                <a16:creationId xmlns:a16="http://schemas.microsoft.com/office/drawing/2014/main" id="{FBD023C4-6DDB-CEF4-7470-94F074F3F6D8}"/>
               </a:ext>
             </a:extLst>
           </p:cNvPr>
@@ -5976,28 +7345,28 @@
           <a:p>
             <a:r>
               <a:rPr lang="en-US" sz="2800" dirty="0"/>
-              <a:t>All VW experiments use similar logic and design</a:t>
+              <a:t>Coordinated interplay</a:t>
             </a:r>
           </a:p>
           <a:p>
             <a:pPr lvl="1"/>
             <a:r>
               <a:rPr lang="en-US" sz="2400" dirty="0"/>
-              <a:t>A visual workspace (typically pictures on a screen)</a:t>
+              <a:t>Stage 1: Integrate new words</a:t>
             </a:r>
           </a:p>
           <a:p>
             <a:pPr lvl="1"/>
             <a:r>
               <a:rPr lang="en-US" sz="2400" dirty="0"/>
-              <a:t>Speech (typically spoken sentence comprehension)</a:t>
+              <a:t>Stage 2: Search for referents in the visual field</a:t>
             </a:r>
           </a:p>
           <a:p>
             <a:pPr lvl="1"/>
             <a:r>
               <a:rPr lang="en-US" sz="2400" dirty="0"/>
-              <a:t>Eye tracking measurements (typically measures of eye looks at an object at a specified time)</a:t>
+              <a:t>Stage 3: Match linguistic input with objects and actions</a:t>
             </a:r>
           </a:p>
         </p:txBody>
@@ -6007,7 +7376,7 @@
           <p:cNvPr id="4" name="Footer Placeholder 3">
             <a:extLst>
               <a:ext uri="{FF2B5EF4-FFF2-40B4-BE49-F238E27FC236}">
-                <a16:creationId xmlns:a16="http://schemas.microsoft.com/office/drawing/2014/main" id="{11752F25-C13E-8200-2309-DDB73DD3BF85}"/>
+                <a16:creationId xmlns:a16="http://schemas.microsoft.com/office/drawing/2014/main" id="{75A9ADA1-E9A4-C8D7-255A-7DBB733211BA}"/>
               </a:ext>
             </a:extLst>
           </p:cNvPr>
@@ -6023,14 +7392,28 @@
           <a:bodyPr/>
           <a:lstStyle/>
           <a:p>
-            <a:endParaRPr lang="en-US"/>
+            <a:r>
+              <a:rPr lang="en-GB" b="0" i="0" dirty="0" err="1">
+                <a:effectLst/>
+                <a:latin typeface="Arial" panose="020B0604020202020204" pitchFamily="34" charset="0"/>
+              </a:rPr>
+              <a:t>Knoeferle</a:t>
+            </a:r>
+            <a:r>
+              <a:rPr lang="en-GB" b="0" i="0" dirty="0">
+                <a:effectLst/>
+                <a:latin typeface="Arial" panose="020B0604020202020204" pitchFamily="34" charset="0"/>
+              </a:rPr>
+              <a:t> and Crocker (2006, 2007)</a:t>
+            </a:r>
+            <a:endParaRPr lang="en-US" dirty="0"/>
           </a:p>
         </p:txBody>
       </p:sp>
     </p:spTree>
     <p:extLst>
       <p:ext uri="{BB962C8B-B14F-4D97-AF65-F5344CB8AC3E}">
-        <p14:creationId xmlns:p14="http://schemas.microsoft.com/office/powerpoint/2010/main" val="1125073503"/>
+        <p14:creationId xmlns:p14="http://schemas.microsoft.com/office/powerpoint/2010/main" val="3978313358"/>
       </p:ext>
     </p:extLst>
   </p:cSld>
@@ -6062,7 +7445,7 @@
           <p:cNvPr id="2" name="Title 1">
             <a:extLst>
               <a:ext uri="{FF2B5EF4-FFF2-40B4-BE49-F238E27FC236}">
-                <a16:creationId xmlns:a16="http://schemas.microsoft.com/office/drawing/2014/main" id="{4186C6BC-C799-E2FD-68C7-7C3CE9A22CE3}"/>
+                <a16:creationId xmlns:a16="http://schemas.microsoft.com/office/drawing/2014/main" id="{3544EB31-D06C-2C1B-E32F-2D0F36B95CD7}"/>
               </a:ext>
             </a:extLst>
           </p:cNvPr>
@@ -6079,10 +7462,9 @@
           <a:lstStyle/>
           <a:p>
             <a:r>
-              <a:rPr lang="en-US" sz="4000" dirty="0"/>
-              <a:t>VWP 101: Terminology</a:t>
-            </a:r>
-            <a:endParaRPr lang="en-US" dirty="0"/>
+              <a:rPr lang="en-US" dirty="0"/>
+              <a:t>VWP 101: Linking Hypotheses</a:t>
+            </a:r>
           </a:p>
         </p:txBody>
       </p:sp>
@@ -6091,7 +7473,7 @@
           <p:cNvPr id="3" name="Content Placeholder 2">
             <a:extLst>
               <a:ext uri="{FF2B5EF4-FFF2-40B4-BE49-F238E27FC236}">
-                <a16:creationId xmlns:a16="http://schemas.microsoft.com/office/drawing/2014/main" id="{E1A47717-CD48-DE72-0BDE-D5938AD8105F}"/>
+                <a16:creationId xmlns:a16="http://schemas.microsoft.com/office/drawing/2014/main" id="{FBD023C4-6DDB-CEF4-7470-94F074F3F6D8}"/>
               </a:ext>
             </a:extLst>
           </p:cNvPr>
@@ -6105,74 +7487,35 @@
         <p:spPr/>
         <p:txBody>
           <a:bodyPr>
-            <a:normAutofit fontScale="85000" lnSpcReduction="10000"/>
+            <a:normAutofit/>
           </a:bodyPr>
           <a:lstStyle/>
           <a:p>
             <a:r>
               <a:rPr lang="en-US" sz="2800" dirty="0"/>
-              <a:t>Each picture may be referenced one or more time as language is spoken</a:t>
-            </a:r>
-          </a:p>
-          <a:p>
-            <a:r>
-              <a:rPr lang="en-US" sz="2800" dirty="0"/>
-              <a:t>The picture of interest at a given point in time is called the </a:t>
-            </a:r>
-            <a:r>
-              <a:rPr lang="en-US" sz="2800" i="1" dirty="0"/>
-              <a:t>target</a:t>
-            </a:r>
-          </a:p>
-          <a:p>
-            <a:r>
-              <a:rPr lang="en-US" sz="2800" dirty="0"/>
-              <a:t>Some pictures may be manipulated to be somehow similar to the target</a:t>
+              <a:t>Common Representational Substrate</a:t>
             </a:r>
           </a:p>
           <a:p>
             <a:pPr lvl="1"/>
             <a:r>
               <a:rPr lang="en-US" sz="2400" dirty="0"/>
-              <a:t>These are called </a:t>
-            </a:r>
-            <a:r>
-              <a:rPr lang="en-US" sz="2400" i="1" dirty="0"/>
-              <a:t>competitors</a:t>
+              <a:t>The process of interpreting linguistic input and comprehending visual scenes are intertwined</a:t>
+            </a:r>
+          </a:p>
+          <a:p>
+            <a:pPr lvl="1"/>
+            <a:r>
+              <a:rPr lang="en-US" sz="2400" dirty="0"/>
+              <a:t>Linguistic information, visual information and world knowledge </a:t>
+            </a:r>
+            <a:r>
+              <a:rPr lang="en-GB" sz="2400" b="0" i="0" dirty="0">
+                <a:effectLst/>
+              </a:rPr>
+              <a:t>are stored in one unitary system and jointly contribute to the dynamic representation of situations.</a:t>
             </a:r>
             <a:endParaRPr lang="en-US" sz="2400" dirty="0"/>
-          </a:p>
-          <a:p>
-            <a:pPr lvl="1"/>
-            <a:r>
-              <a:rPr lang="en-US" sz="2400" dirty="0"/>
-              <a:t>Semantic, phonologic, shape, color, features, </a:t>
-            </a:r>
-            <a:r>
-              <a:rPr lang="en-US" sz="2400" dirty="0" err="1"/>
-              <a:t>etc</a:t>
-            </a:r>
-            <a:r>
-              <a:rPr lang="en-US" sz="2400" dirty="0"/>
-              <a:t>…</a:t>
-            </a:r>
-          </a:p>
-          <a:p>
-            <a:r>
-              <a:rPr lang="en-US" sz="2800" dirty="0"/>
-              <a:t>Unrelated pictures are called </a:t>
-            </a:r>
-            <a:r>
-              <a:rPr lang="en-US" sz="2800" i="1" dirty="0"/>
-              <a:t>distractors</a:t>
-            </a:r>
-            <a:r>
-              <a:rPr lang="en-US" sz="2800" dirty="0"/>
-              <a:t> </a:t>
-            </a:r>
-          </a:p>
-          <a:p>
-            <a:endParaRPr lang="en-US" dirty="0"/>
           </a:p>
         </p:txBody>
       </p:sp>
@@ -6181,7 +7524,7 @@
           <p:cNvPr id="4" name="Footer Placeholder 3">
             <a:extLst>
               <a:ext uri="{FF2B5EF4-FFF2-40B4-BE49-F238E27FC236}">
-                <a16:creationId xmlns:a16="http://schemas.microsoft.com/office/drawing/2014/main" id="{5FBBCE68-68D0-C170-8A08-DFC59A0A6C9E}"/>
+                <a16:creationId xmlns:a16="http://schemas.microsoft.com/office/drawing/2014/main" id="{75A9ADA1-E9A4-C8D7-255A-7DBB733211BA}"/>
               </a:ext>
             </a:extLst>
           </p:cNvPr>
@@ -6197,14 +7540,14 @@
           <a:bodyPr/>
           <a:lstStyle/>
           <a:p>
-            <a:endParaRPr lang="en-US"/>
+            <a:endParaRPr lang="en-US" dirty="0"/>
           </a:p>
         </p:txBody>
       </p:sp>
     </p:spTree>
     <p:extLst>
       <p:ext uri="{BB962C8B-B14F-4D97-AF65-F5344CB8AC3E}">
-        <p14:creationId xmlns:p14="http://schemas.microsoft.com/office/powerpoint/2010/main" val="1040888864"/>
+        <p14:creationId xmlns:p14="http://schemas.microsoft.com/office/powerpoint/2010/main" val="3468942396"/>
       </p:ext>
     </p:extLst>
   </p:cSld>
@@ -6236,7 +7579,7 @@
           <p:cNvPr id="2" name="Title 1">
             <a:extLst>
               <a:ext uri="{FF2B5EF4-FFF2-40B4-BE49-F238E27FC236}">
-                <a16:creationId xmlns:a16="http://schemas.microsoft.com/office/drawing/2014/main" id="{A6FB6C0E-0645-7ED2-03D5-558AA5316C5A}"/>
+                <a16:creationId xmlns:a16="http://schemas.microsoft.com/office/drawing/2014/main" id="{3544EB31-D06C-2C1B-E32F-2D0F36B95CD7}"/>
               </a:ext>
             </a:extLst>
           </p:cNvPr>
@@ -6254,7 +7597,7 @@
           <a:p>
             <a:r>
               <a:rPr lang="en-US" dirty="0"/>
-              <a:t>VWP 101: What does a trial look like?</a:t>
+              <a:t>VWP 101: Linking Hypotheses</a:t>
             </a:r>
           </a:p>
         </p:txBody>
@@ -6264,7 +7607,7 @@
           <p:cNvPr id="3" name="Content Placeholder 2">
             <a:extLst>
               <a:ext uri="{FF2B5EF4-FFF2-40B4-BE49-F238E27FC236}">
-                <a16:creationId xmlns:a16="http://schemas.microsoft.com/office/drawing/2014/main" id="{CEE67509-99EB-DA65-5F52-84825BE954D3}"/>
+                <a16:creationId xmlns:a16="http://schemas.microsoft.com/office/drawing/2014/main" id="{FBD023C4-6DDB-CEF4-7470-94F074F3F6D8}"/>
               </a:ext>
             </a:extLst>
           </p:cNvPr>
@@ -6282,45 +7625,30 @@
           </a:bodyPr>
           <a:lstStyle/>
           <a:p>
-            <a:pPr marL="0" indent="0" algn="ctr">
-              <a:buNone/>
-            </a:pPr>
+            <a:r>
+              <a:rPr lang="en-US" sz="2800" dirty="0"/>
+              <a:t>Goal Based</a:t>
+            </a:r>
+          </a:p>
+          <a:p>
+            <a:pPr lvl="1"/>
             <a:r>
               <a:rPr lang="en-US" sz="2400" dirty="0"/>
-              <a:t>Display Types</a:t>
-            </a:r>
-          </a:p>
-          <a:p>
-            <a:r>
-              <a:rPr lang="en-US" sz="2200" dirty="0"/>
-              <a:t>Realistic or semirealistic</a:t>
+              <a:t>The goal of the task effects language processing</a:t>
             </a:r>
           </a:p>
           <a:p>
             <a:pPr lvl="1"/>
             <a:r>
-              <a:rPr lang="en-US" sz="2000" dirty="0"/>
-              <a:t>Allows us to assess how world knowledge or contextual information may affect understanding of spoken utterances</a:t>
-            </a:r>
-          </a:p>
-          <a:p>
-            <a:r>
-              <a:rPr lang="en-US" sz="2200" dirty="0"/>
-              <a:t>Arrays</a:t>
+              <a:rPr lang="en-US" sz="2400" dirty="0"/>
+              <a:t>Visual objects directly related to a goal gather more attention</a:t>
             </a:r>
           </a:p>
           <a:p>
             <a:pPr lvl="1"/>
             <a:r>
-              <a:rPr lang="en-US" sz="2000" dirty="0"/>
-              <a:t>Minimizes the impact of real world knowledge or context</a:t>
-            </a:r>
-          </a:p>
-          <a:p>
-            <a:pPr lvl="1"/>
-            <a:r>
-              <a:rPr lang="en-US" sz="2000" dirty="0"/>
-              <a:t>Well suited for studying the activation of conceptual and lexical knowledge</a:t>
+              <a:rPr lang="en-US" sz="2400" dirty="0"/>
+              <a:t>Additional tasks (e.g., clicking) contribute to the goal and influence eye movements</a:t>
             </a:r>
           </a:p>
         </p:txBody>
@@ -6330,7 +7658,7 @@
           <p:cNvPr id="4" name="Footer Placeholder 3">
             <a:extLst>
               <a:ext uri="{FF2B5EF4-FFF2-40B4-BE49-F238E27FC236}">
-                <a16:creationId xmlns:a16="http://schemas.microsoft.com/office/drawing/2014/main" id="{06F94623-ECB9-0B95-F0EF-140D6BF6FE16}"/>
+                <a16:creationId xmlns:a16="http://schemas.microsoft.com/office/drawing/2014/main" id="{75A9ADA1-E9A4-C8D7-255A-7DBB733211BA}"/>
               </a:ext>
             </a:extLst>
           </p:cNvPr>
@@ -6346,14 +7674,14 @@
           <a:bodyPr/>
           <a:lstStyle/>
           <a:p>
-            <a:endParaRPr lang="en-US"/>
+            <a:endParaRPr lang="en-US" dirty="0"/>
           </a:p>
         </p:txBody>
       </p:sp>
     </p:spTree>
     <p:extLst>
       <p:ext uri="{BB962C8B-B14F-4D97-AF65-F5344CB8AC3E}">
-        <p14:creationId xmlns:p14="http://schemas.microsoft.com/office/powerpoint/2010/main" val="862407652"/>
+        <p14:creationId xmlns:p14="http://schemas.microsoft.com/office/powerpoint/2010/main" val="277208693"/>
       </p:ext>
     </p:extLst>
   </p:cSld>
@@ -6385,7 +7713,7 @@
           <p:cNvPr id="2" name="Title 1">
             <a:extLst>
               <a:ext uri="{FF2B5EF4-FFF2-40B4-BE49-F238E27FC236}">
-                <a16:creationId xmlns:a16="http://schemas.microsoft.com/office/drawing/2014/main" id="{5421488D-5069-86AC-0F4B-264683D797C5}"/>
+                <a16:creationId xmlns:a16="http://schemas.microsoft.com/office/drawing/2014/main" id="{8E001DB7-B8BA-DF26-23CE-C45782458AAA}"/>
               </a:ext>
             </a:extLst>
           </p:cNvPr>
@@ -6402,8 +7730,8 @@
           <a:lstStyle/>
           <a:p>
             <a:r>
-              <a:rPr lang="en-US" dirty="0"/>
-              <a:t>VWP 101: What does a trial look like?</a:t>
+              <a:rPr lang="en-US" sz="3600" dirty="0"/>
+              <a:t>VWP 101: Logic</a:t>
             </a:r>
           </a:p>
         </p:txBody>
@@ -6413,7 +7741,7 @@
           <p:cNvPr id="3" name="Content Placeholder 2">
             <a:extLst>
               <a:ext uri="{FF2B5EF4-FFF2-40B4-BE49-F238E27FC236}">
-                <a16:creationId xmlns:a16="http://schemas.microsoft.com/office/drawing/2014/main" id="{1AD0B9A9-6B96-49A7-6FBF-908C7BD706C4}"/>
+                <a16:creationId xmlns:a16="http://schemas.microsoft.com/office/drawing/2014/main" id="{024014B2-C859-C4F4-3993-385F13F7FD37}"/>
               </a:ext>
             </a:extLst>
           </p:cNvPr>
@@ -6426,60 +7754,36 @@
         </p:nvSpPr>
         <p:spPr/>
         <p:txBody>
-          <a:bodyPr/>
-          <a:lstStyle/>
-          <a:p>
-            <a:pPr marL="0" indent="0" algn="ctr">
-              <a:buNone/>
-            </a:pPr>
+          <a:bodyPr>
+            <a:normAutofit/>
+          </a:bodyPr>
+          <a:lstStyle/>
+          <a:p>
             <a:r>
               <a:rPr lang="en-US" sz="2800" dirty="0"/>
-              <a:t>Utterance types</a:t>
-            </a:r>
-          </a:p>
-          <a:p>
-            <a:r>
-              <a:rPr lang="en-US" sz="2200" dirty="0"/>
-              <a:t>Direct action</a:t>
+              <a:t>All VW experiments use similar logic and design</a:t>
             </a:r>
           </a:p>
           <a:p>
             <a:pPr lvl="1"/>
             <a:r>
-              <a:rPr lang="en-US" sz="2000" dirty="0"/>
-              <a:t>“Put the apple that is on the towel in the box”</a:t>
+              <a:rPr lang="en-US" sz="2400" dirty="0"/>
+              <a:t>A visual workspace (typically pictures on a screen)</a:t>
             </a:r>
           </a:p>
           <a:p>
             <a:pPr lvl="1"/>
             <a:r>
-              <a:rPr lang="en-US" sz="2000" dirty="0"/>
-              <a:t>Explicit tasks can change looking behavior</a:t>
-            </a:r>
-          </a:p>
-          <a:p>
-            <a:r>
-              <a:rPr lang="en-US" sz="2200" dirty="0"/>
-              <a:t>Look and listen	</a:t>
+              <a:rPr lang="en-US" sz="2400" dirty="0"/>
+              <a:t>Speech (typically spoken sentence comprehension)</a:t>
             </a:r>
           </a:p>
           <a:p>
             <a:pPr lvl="1"/>
             <a:r>
-              <a:rPr lang="en-US" sz="2000" dirty="0"/>
-              <a:t> “The boy drinks from the cup”</a:t>
-            </a:r>
-            <a:endParaRPr lang="en-US" sz="2200" dirty="0"/>
-          </a:p>
-          <a:p>
-            <a:pPr lvl="1"/>
-            <a:r>
-              <a:rPr lang="en-US" sz="2000" dirty="0"/>
-              <a:t>Examines more general features of language-vision interactions</a:t>
-            </a:r>
-          </a:p>
-          <a:p>
-            <a:endParaRPr lang="en-US" sz="2200" dirty="0"/>
+              <a:rPr lang="en-US" sz="2400" dirty="0"/>
+              <a:t>Eye tracking measurements (typically measures of eye looks at an object at a specified time)</a:t>
+            </a:r>
           </a:p>
         </p:txBody>
       </p:sp>
@@ -6488,7 +7792,7 @@
           <p:cNvPr id="4" name="Footer Placeholder 3">
             <a:extLst>
               <a:ext uri="{FF2B5EF4-FFF2-40B4-BE49-F238E27FC236}">
-                <a16:creationId xmlns:a16="http://schemas.microsoft.com/office/drawing/2014/main" id="{4A4DCF07-DE6B-4A7A-2623-03DE4060AC29}"/>
+                <a16:creationId xmlns:a16="http://schemas.microsoft.com/office/drawing/2014/main" id="{11752F25-C13E-8200-2309-DDB73DD3BF85}"/>
               </a:ext>
             </a:extLst>
           </p:cNvPr>
@@ -6511,13 +7815,190 @@
     </p:spTree>
     <p:extLst>
       <p:ext uri="{BB962C8B-B14F-4D97-AF65-F5344CB8AC3E}">
-        <p14:creationId xmlns:p14="http://schemas.microsoft.com/office/powerpoint/2010/main" val="688936991"/>
+        <p14:creationId xmlns:p14="http://schemas.microsoft.com/office/powerpoint/2010/main" val="1125073503"/>
       </p:ext>
     </p:extLst>
   </p:cSld>
   <p:clrMapOvr>
     <a:masterClrMapping/>
   </p:clrMapOvr>
+  <p:timing>
+    <p:tnLst>
+      <p:par>
+        <p:cTn id="1" dur="indefinite" restart="never" nodeType="tmRoot">
+          <p:childTnLst>
+            <p:seq concurrent="1" nextAc="seek">
+              <p:cTn id="2" dur="indefinite" nodeType="mainSeq">
+                <p:childTnLst>
+                  <p:par>
+                    <p:cTn id="3" fill="hold">
+                      <p:stCondLst>
+                        <p:cond delay="indefinite"/>
+                      </p:stCondLst>
+                      <p:childTnLst>
+                        <p:par>
+                          <p:cTn id="4" fill="hold">
+                            <p:stCondLst>
+                              <p:cond delay="0"/>
+                            </p:stCondLst>
+                            <p:childTnLst>
+                              <p:par>
+                                <p:cTn id="5" presetID="1" presetClass="entr" presetSubtype="0" fill="hold" nodeType="clickEffect">
+                                  <p:stCondLst>
+                                    <p:cond delay="0"/>
+                                  </p:stCondLst>
+                                  <p:childTnLst>
+                                    <p:set>
+                                      <p:cBhvr>
+                                        <p:cTn id="6" dur="1" fill="hold">
+                                          <p:stCondLst>
+                                            <p:cond delay="0"/>
+                                          </p:stCondLst>
+                                        </p:cTn>
+                                        <p:tgtEl>
+                                          <p:spTgt spid="3">
+                                            <p:txEl>
+                                              <p:pRg st="1" end="1"/>
+                                            </p:txEl>
+                                          </p:spTgt>
+                                        </p:tgtEl>
+                                        <p:attrNameLst>
+                                          <p:attrName>style.visibility</p:attrName>
+                                        </p:attrNameLst>
+                                      </p:cBhvr>
+                                      <p:to>
+                                        <p:strVal val="visible"/>
+                                      </p:to>
+                                    </p:set>
+                                  </p:childTnLst>
+                                </p:cTn>
+                              </p:par>
+                            </p:childTnLst>
+                          </p:cTn>
+                        </p:par>
+                      </p:childTnLst>
+                    </p:cTn>
+                  </p:par>
+                  <p:par>
+                    <p:cTn id="7" fill="hold">
+                      <p:stCondLst>
+                        <p:cond delay="indefinite"/>
+                      </p:stCondLst>
+                      <p:childTnLst>
+                        <p:par>
+                          <p:cTn id="8" fill="hold">
+                            <p:stCondLst>
+                              <p:cond delay="0"/>
+                            </p:stCondLst>
+                            <p:childTnLst>
+                              <p:par>
+                                <p:cTn id="9" presetID="1" presetClass="entr" presetSubtype="0" fill="hold" nodeType="clickEffect">
+                                  <p:stCondLst>
+                                    <p:cond delay="0"/>
+                                  </p:stCondLst>
+                                  <p:childTnLst>
+                                    <p:set>
+                                      <p:cBhvr>
+                                        <p:cTn id="10" dur="1" fill="hold">
+                                          <p:stCondLst>
+                                            <p:cond delay="0"/>
+                                          </p:stCondLst>
+                                        </p:cTn>
+                                        <p:tgtEl>
+                                          <p:spTgt spid="3">
+                                            <p:txEl>
+                                              <p:pRg st="2" end="2"/>
+                                            </p:txEl>
+                                          </p:spTgt>
+                                        </p:tgtEl>
+                                        <p:attrNameLst>
+                                          <p:attrName>style.visibility</p:attrName>
+                                        </p:attrNameLst>
+                                      </p:cBhvr>
+                                      <p:to>
+                                        <p:strVal val="visible"/>
+                                      </p:to>
+                                    </p:set>
+                                  </p:childTnLst>
+                                </p:cTn>
+                              </p:par>
+                            </p:childTnLst>
+                          </p:cTn>
+                        </p:par>
+                      </p:childTnLst>
+                    </p:cTn>
+                  </p:par>
+                  <p:par>
+                    <p:cTn id="11" fill="hold">
+                      <p:stCondLst>
+                        <p:cond delay="indefinite"/>
+                      </p:stCondLst>
+                      <p:childTnLst>
+                        <p:par>
+                          <p:cTn id="12" fill="hold">
+                            <p:stCondLst>
+                              <p:cond delay="0"/>
+                            </p:stCondLst>
+                            <p:childTnLst>
+                              <p:par>
+                                <p:cTn id="13" presetID="1" presetClass="entr" presetSubtype="0" fill="hold" nodeType="clickEffect">
+                                  <p:stCondLst>
+                                    <p:cond delay="0"/>
+                                  </p:stCondLst>
+                                  <p:childTnLst>
+                                    <p:set>
+                                      <p:cBhvr>
+                                        <p:cTn id="14" dur="1" fill="hold">
+                                          <p:stCondLst>
+                                            <p:cond delay="0"/>
+                                          </p:stCondLst>
+                                        </p:cTn>
+                                        <p:tgtEl>
+                                          <p:spTgt spid="3">
+                                            <p:txEl>
+                                              <p:pRg st="3" end="3"/>
+                                            </p:txEl>
+                                          </p:spTgt>
+                                        </p:tgtEl>
+                                        <p:attrNameLst>
+                                          <p:attrName>style.visibility</p:attrName>
+                                        </p:attrNameLst>
+                                      </p:cBhvr>
+                                      <p:to>
+                                        <p:strVal val="visible"/>
+                                      </p:to>
+                                    </p:set>
+                                  </p:childTnLst>
+                                </p:cTn>
+                              </p:par>
+                            </p:childTnLst>
+                          </p:cTn>
+                        </p:par>
+                      </p:childTnLst>
+                    </p:cTn>
+                  </p:par>
+                </p:childTnLst>
+              </p:cTn>
+              <p:prevCondLst>
+                <p:cond evt="onPrev" delay="0">
+                  <p:tgtEl>
+                    <p:sldTgt/>
+                  </p:tgtEl>
+                </p:cond>
+              </p:prevCondLst>
+              <p:nextCondLst>
+                <p:cond evt="onNext" delay="0">
+                  <p:tgtEl>
+                    <p:sldTgt/>
+                  </p:tgtEl>
+                </p:cond>
+              </p:nextCondLst>
+            </p:seq>
+          </p:childTnLst>
+        </p:cTn>
+      </p:par>
+    </p:tnLst>
+  </p:timing>
 </p:sld>
 </file>
 
@@ -6543,7 +8024,7 @@
           <p:cNvPr id="2" name="Title 1">
             <a:extLst>
               <a:ext uri="{FF2B5EF4-FFF2-40B4-BE49-F238E27FC236}">
-                <a16:creationId xmlns:a16="http://schemas.microsoft.com/office/drawing/2014/main" id="{AAB34805-B305-4D30-1789-64B8A04A1A23}"/>
+                <a16:creationId xmlns:a16="http://schemas.microsoft.com/office/drawing/2014/main" id="{4186C6BC-C799-E2FD-68C7-7C3CE9A22CE3}"/>
               </a:ext>
             </a:extLst>
           </p:cNvPr>
@@ -6560,9 +8041,100 @@
           <a:lstStyle/>
           <a:p>
             <a:r>
-              <a:rPr lang="en-US" dirty="0"/>
-              <a:t>VWP 101: Stimulus timing</a:t>
-            </a:r>
+              <a:rPr lang="en-US" sz="4000" dirty="0"/>
+              <a:t>VWP 101: Terminology</a:t>
+            </a:r>
+            <a:endParaRPr lang="en-US" dirty="0"/>
+          </a:p>
+        </p:txBody>
+      </p:sp>
+      <p:sp>
+        <p:nvSpPr>
+          <p:cNvPr id="3" name="Content Placeholder 2">
+            <a:extLst>
+              <a:ext uri="{FF2B5EF4-FFF2-40B4-BE49-F238E27FC236}">
+                <a16:creationId xmlns:a16="http://schemas.microsoft.com/office/drawing/2014/main" id="{E1A47717-CD48-DE72-0BDE-D5938AD8105F}"/>
+              </a:ext>
+            </a:extLst>
+          </p:cNvPr>
+          <p:cNvSpPr>
+            <a:spLocks noGrp="1"/>
+          </p:cNvSpPr>
+          <p:nvPr>
+            <p:ph idx="1"/>
+          </p:nvPr>
+        </p:nvSpPr>
+        <p:spPr/>
+        <p:txBody>
+          <a:bodyPr>
+            <a:normAutofit fontScale="85000" lnSpcReduction="10000"/>
+          </a:bodyPr>
+          <a:lstStyle/>
+          <a:p>
+            <a:r>
+              <a:rPr lang="en-US" sz="2800" dirty="0"/>
+              <a:t>Each picture may be referenced one or more time as language is spoken</a:t>
+            </a:r>
+          </a:p>
+          <a:p>
+            <a:r>
+              <a:rPr lang="en-US" sz="2800" dirty="0"/>
+              <a:t>The picture of interest at a given point in time is called the </a:t>
+            </a:r>
+            <a:r>
+              <a:rPr lang="en-US" sz="2800" i="1" dirty="0"/>
+              <a:t>target</a:t>
+            </a:r>
+          </a:p>
+          <a:p>
+            <a:r>
+              <a:rPr lang="en-US" sz="2800" dirty="0"/>
+              <a:t>Some pictures may be manipulated to be somehow similar to the target</a:t>
+            </a:r>
+          </a:p>
+          <a:p>
+            <a:pPr lvl="1"/>
+            <a:r>
+              <a:rPr lang="en-US" sz="2400" dirty="0"/>
+              <a:t>These are called </a:t>
+            </a:r>
+            <a:r>
+              <a:rPr lang="en-US" sz="2400" i="1" dirty="0"/>
+              <a:t>competitors</a:t>
+            </a:r>
+            <a:endParaRPr lang="en-US" sz="2400" dirty="0"/>
+          </a:p>
+          <a:p>
+            <a:pPr lvl="1"/>
+            <a:r>
+              <a:rPr lang="en-US" sz="2400" dirty="0"/>
+              <a:t>Semantic, phonologic, shape, color, features, </a:t>
+            </a:r>
+            <a:r>
+              <a:rPr lang="en-US" sz="2400" dirty="0" err="1"/>
+              <a:t>etc</a:t>
+            </a:r>
+            <a:r>
+              <a:rPr lang="en-US" sz="2400" dirty="0"/>
+              <a:t>…</a:t>
+            </a:r>
+          </a:p>
+          <a:p>
+            <a:r>
+              <a:rPr lang="en-US" sz="2800" dirty="0"/>
+              <a:t>Unrelated pictures are called </a:t>
+            </a:r>
+            <a:r>
+              <a:rPr lang="en-US" sz="2800" i="1" dirty="0"/>
+              <a:t>distractors</a:t>
+            </a:r>
+            <a:r>
+              <a:rPr lang="en-US" sz="2800" dirty="0"/>
+              <a:t> </a:t>
+            </a:r>
+          </a:p>
+          <a:p>
+            <a:endParaRPr lang="en-US" dirty="0"/>
           </a:p>
         </p:txBody>
       </p:sp>
@@ -6571,7 +8143,7 @@
           <p:cNvPr id="4" name="Footer Placeholder 3">
             <a:extLst>
               <a:ext uri="{FF2B5EF4-FFF2-40B4-BE49-F238E27FC236}">
-                <a16:creationId xmlns:a16="http://schemas.microsoft.com/office/drawing/2014/main" id="{6F88BA00-B5D5-5545-A187-BEC6FCFA881C}"/>
+                <a16:creationId xmlns:a16="http://schemas.microsoft.com/office/drawing/2014/main" id="{5FBBCE68-68D0-C170-8A08-DFC59A0A6C9E}"/>
               </a:ext>
             </a:extLst>
           </p:cNvPr>
@@ -6591,121 +8163,255 @@
           </a:p>
         </p:txBody>
       </p:sp>
-      <p:pic>
-        <p:nvPicPr>
-          <p:cNvPr id="6" name="Picture 5">
-            <a:extLst>
-              <a:ext uri="{FF2B5EF4-FFF2-40B4-BE49-F238E27FC236}">
-                <a16:creationId xmlns:a16="http://schemas.microsoft.com/office/drawing/2014/main" id="{E071028E-C0B2-30B7-DB4B-F2952473D830}"/>
-              </a:ext>
-            </a:extLst>
-          </p:cNvPr>
-          <p:cNvPicPr>
-            <a:picLocks noChangeAspect="1"/>
-          </p:cNvPicPr>
-          <p:nvPr/>
-        </p:nvPicPr>
-        <p:blipFill>
-          <a:blip r:embed="rId2"/>
-          <a:stretch>
-            <a:fillRect/>
-          </a:stretch>
-        </p:blipFill>
-        <p:spPr>
-          <a:xfrm>
-            <a:off x="3727158" y="2336378"/>
-            <a:ext cx="4559002" cy="3408328"/>
-          </a:xfrm>
-          <a:prstGeom prst="rect">
-            <a:avLst/>
-          </a:prstGeom>
-        </p:spPr>
-      </p:pic>
-      <p:sp>
-        <p:nvSpPr>
-          <p:cNvPr id="7" name="TextBox 6">
-            <a:extLst>
-              <a:ext uri="{FF2B5EF4-FFF2-40B4-BE49-F238E27FC236}">
-                <a16:creationId xmlns:a16="http://schemas.microsoft.com/office/drawing/2014/main" id="{9EA1F48E-EA99-618F-DE2D-B39B15F8F711}"/>
-              </a:ext>
-            </a:extLst>
-          </p:cNvPr>
-          <p:cNvSpPr txBox="1"/>
-          <p:nvPr/>
-        </p:nvSpPr>
-        <p:spPr>
-          <a:xfrm>
-            <a:off x="778777" y="2573701"/>
-            <a:ext cx="2303420" cy="1846659"/>
-          </a:xfrm>
-          <a:prstGeom prst="rect">
-            <a:avLst/>
-          </a:prstGeom>
-          <a:noFill/>
-        </p:spPr>
-        <p:txBody>
-          <a:bodyPr wrap="square" rtlCol="0">
-            <a:spAutoFit/>
-          </a:bodyPr>
-          <a:lstStyle/>
-          <a:p>
-            <a:pPr algn="ctr"/>
-            <a:r>
-              <a:rPr lang="en-US" sz="3200" dirty="0"/>
-              <a:t>The boy will eat the cake</a:t>
-            </a:r>
-          </a:p>
-          <a:p>
-            <a:endParaRPr lang="en-US" dirty="0"/>
-          </a:p>
-        </p:txBody>
-      </p:sp>
-      <p:sp>
-        <p:nvSpPr>
-          <p:cNvPr id="8" name="TextBox 7">
-            <a:extLst>
-              <a:ext uri="{FF2B5EF4-FFF2-40B4-BE49-F238E27FC236}">
-                <a16:creationId xmlns:a16="http://schemas.microsoft.com/office/drawing/2014/main" id="{252194A9-F76D-BEDA-CEE5-CCC9BDA315DC}"/>
-              </a:ext>
-            </a:extLst>
-          </p:cNvPr>
-          <p:cNvSpPr txBox="1"/>
-          <p:nvPr/>
-        </p:nvSpPr>
-        <p:spPr>
-          <a:xfrm>
-            <a:off x="8791621" y="2573701"/>
-            <a:ext cx="2141035" cy="1569660"/>
-          </a:xfrm>
-          <a:prstGeom prst="rect">
-            <a:avLst/>
-          </a:prstGeom>
-          <a:noFill/>
-        </p:spPr>
-        <p:txBody>
-          <a:bodyPr wrap="square" rtlCol="0">
-            <a:spAutoFit/>
-          </a:bodyPr>
-          <a:lstStyle/>
-          <a:p>
-            <a:pPr algn="ctr"/>
-            <a:r>
-              <a:rPr lang="en-US" sz="3200" dirty="0"/>
-              <a:t>The boy will move the cake</a:t>
-            </a:r>
-          </a:p>
-        </p:txBody>
-      </p:sp>
     </p:spTree>
     <p:extLst>
       <p:ext uri="{BB962C8B-B14F-4D97-AF65-F5344CB8AC3E}">
-        <p14:creationId xmlns:p14="http://schemas.microsoft.com/office/powerpoint/2010/main" val="2672845863"/>
+        <p14:creationId xmlns:p14="http://schemas.microsoft.com/office/powerpoint/2010/main" val="1040888864"/>
       </p:ext>
     </p:extLst>
   </p:cSld>
   <p:clrMapOvr>
     <a:masterClrMapping/>
   </p:clrMapOvr>
+  <p:timing>
+    <p:tnLst>
+      <p:par>
+        <p:cTn id="1" dur="indefinite" restart="never" nodeType="tmRoot">
+          <p:childTnLst>
+            <p:seq concurrent="1" nextAc="seek">
+              <p:cTn id="2" dur="indefinite" nodeType="mainSeq">
+                <p:childTnLst>
+                  <p:par>
+                    <p:cTn id="3" fill="hold">
+                      <p:stCondLst>
+                        <p:cond delay="indefinite"/>
+                      </p:stCondLst>
+                      <p:childTnLst>
+                        <p:par>
+                          <p:cTn id="4" fill="hold">
+                            <p:stCondLst>
+                              <p:cond delay="0"/>
+                            </p:stCondLst>
+                            <p:childTnLst>
+                              <p:par>
+                                <p:cTn id="5" presetID="1" presetClass="entr" presetSubtype="0" fill="hold" nodeType="clickEffect">
+                                  <p:stCondLst>
+                                    <p:cond delay="0"/>
+                                  </p:stCondLst>
+                                  <p:childTnLst>
+                                    <p:set>
+                                      <p:cBhvr>
+                                        <p:cTn id="6" dur="1" fill="hold">
+                                          <p:stCondLst>
+                                            <p:cond delay="0"/>
+                                          </p:stCondLst>
+                                        </p:cTn>
+                                        <p:tgtEl>
+                                          <p:spTgt spid="3">
+                                            <p:txEl>
+                                              <p:pRg st="1" end="1"/>
+                                            </p:txEl>
+                                          </p:spTgt>
+                                        </p:tgtEl>
+                                        <p:attrNameLst>
+                                          <p:attrName>style.visibility</p:attrName>
+                                        </p:attrNameLst>
+                                      </p:cBhvr>
+                                      <p:to>
+                                        <p:strVal val="visible"/>
+                                      </p:to>
+                                    </p:set>
+                                  </p:childTnLst>
+                                </p:cTn>
+                              </p:par>
+                            </p:childTnLst>
+                          </p:cTn>
+                        </p:par>
+                      </p:childTnLst>
+                    </p:cTn>
+                  </p:par>
+                  <p:par>
+                    <p:cTn id="7" fill="hold">
+                      <p:stCondLst>
+                        <p:cond delay="indefinite"/>
+                      </p:stCondLst>
+                      <p:childTnLst>
+                        <p:par>
+                          <p:cTn id="8" fill="hold">
+                            <p:stCondLst>
+                              <p:cond delay="0"/>
+                            </p:stCondLst>
+                            <p:childTnLst>
+                              <p:par>
+                                <p:cTn id="9" presetID="1" presetClass="entr" presetSubtype="0" fill="hold" nodeType="clickEffect">
+                                  <p:stCondLst>
+                                    <p:cond delay="0"/>
+                                  </p:stCondLst>
+                                  <p:childTnLst>
+                                    <p:set>
+                                      <p:cBhvr>
+                                        <p:cTn id="10" dur="1" fill="hold">
+                                          <p:stCondLst>
+                                            <p:cond delay="0"/>
+                                          </p:stCondLst>
+                                        </p:cTn>
+                                        <p:tgtEl>
+                                          <p:spTgt spid="3">
+                                            <p:txEl>
+                                              <p:pRg st="2" end="2"/>
+                                            </p:txEl>
+                                          </p:spTgt>
+                                        </p:tgtEl>
+                                        <p:attrNameLst>
+                                          <p:attrName>style.visibility</p:attrName>
+                                        </p:attrNameLst>
+                                      </p:cBhvr>
+                                      <p:to>
+                                        <p:strVal val="visible"/>
+                                      </p:to>
+                                    </p:set>
+                                  </p:childTnLst>
+                                </p:cTn>
+                              </p:par>
+                              <p:par>
+                                <p:cTn id="11" presetID="1" presetClass="entr" presetSubtype="0" fill="hold" nodeType="withEffect">
+                                  <p:stCondLst>
+                                    <p:cond delay="0"/>
+                                  </p:stCondLst>
+                                  <p:childTnLst>
+                                    <p:set>
+                                      <p:cBhvr>
+                                        <p:cTn id="12" dur="1" fill="hold">
+                                          <p:stCondLst>
+                                            <p:cond delay="0"/>
+                                          </p:stCondLst>
+                                        </p:cTn>
+                                        <p:tgtEl>
+                                          <p:spTgt spid="3">
+                                            <p:txEl>
+                                              <p:pRg st="3" end="3"/>
+                                            </p:txEl>
+                                          </p:spTgt>
+                                        </p:tgtEl>
+                                        <p:attrNameLst>
+                                          <p:attrName>style.visibility</p:attrName>
+                                        </p:attrNameLst>
+                                      </p:cBhvr>
+                                      <p:to>
+                                        <p:strVal val="visible"/>
+                                      </p:to>
+                                    </p:set>
+                                  </p:childTnLst>
+                                </p:cTn>
+                              </p:par>
+                              <p:par>
+                                <p:cTn id="13" presetID="1" presetClass="entr" presetSubtype="0" fill="hold" nodeType="withEffect">
+                                  <p:stCondLst>
+                                    <p:cond delay="0"/>
+                                  </p:stCondLst>
+                                  <p:childTnLst>
+                                    <p:set>
+                                      <p:cBhvr>
+                                        <p:cTn id="14" dur="1" fill="hold">
+                                          <p:stCondLst>
+                                            <p:cond delay="0"/>
+                                          </p:stCondLst>
+                                        </p:cTn>
+                                        <p:tgtEl>
+                                          <p:spTgt spid="3">
+                                            <p:txEl>
+                                              <p:pRg st="4" end="4"/>
+                                            </p:txEl>
+                                          </p:spTgt>
+                                        </p:tgtEl>
+                                        <p:attrNameLst>
+                                          <p:attrName>style.visibility</p:attrName>
+                                        </p:attrNameLst>
+                                      </p:cBhvr>
+                                      <p:to>
+                                        <p:strVal val="visible"/>
+                                      </p:to>
+                                    </p:set>
+                                  </p:childTnLst>
+                                </p:cTn>
+                              </p:par>
+                            </p:childTnLst>
+                          </p:cTn>
+                        </p:par>
+                      </p:childTnLst>
+                    </p:cTn>
+                  </p:par>
+                  <p:par>
+                    <p:cTn id="15" fill="hold">
+                      <p:stCondLst>
+                        <p:cond delay="indefinite"/>
+                      </p:stCondLst>
+                      <p:childTnLst>
+                        <p:par>
+                          <p:cTn id="16" fill="hold">
+                            <p:stCondLst>
+                              <p:cond delay="0"/>
+                            </p:stCondLst>
+                            <p:childTnLst>
+                              <p:par>
+                                <p:cTn id="17" presetID="1" presetClass="entr" presetSubtype="0" fill="hold" nodeType="clickEffect">
+                                  <p:stCondLst>
+                                    <p:cond delay="0"/>
+                                  </p:stCondLst>
+                                  <p:childTnLst>
+                                    <p:set>
+                                      <p:cBhvr>
+                                        <p:cTn id="18" dur="1" fill="hold">
+                                          <p:stCondLst>
+                                            <p:cond delay="0"/>
+                                          </p:stCondLst>
+                                        </p:cTn>
+                                        <p:tgtEl>
+                                          <p:spTgt spid="3">
+                                            <p:txEl>
+                                              <p:pRg st="5" end="5"/>
+                                            </p:txEl>
+                                          </p:spTgt>
+                                        </p:tgtEl>
+                                        <p:attrNameLst>
+                                          <p:attrName>style.visibility</p:attrName>
+                                        </p:attrNameLst>
+                                      </p:cBhvr>
+                                      <p:to>
+                                        <p:strVal val="visible"/>
+                                      </p:to>
+                                    </p:set>
+                                  </p:childTnLst>
+                                </p:cTn>
+                              </p:par>
+                            </p:childTnLst>
+                          </p:cTn>
+                        </p:par>
+                      </p:childTnLst>
+                    </p:cTn>
+                  </p:par>
+                </p:childTnLst>
+              </p:cTn>
+              <p:prevCondLst>
+                <p:cond evt="onPrev" delay="0">
+                  <p:tgtEl>
+                    <p:sldTgt/>
+                  </p:tgtEl>
+                </p:cond>
+              </p:prevCondLst>
+              <p:nextCondLst>
+                <p:cond evt="onNext" delay="0">
+                  <p:tgtEl>
+                    <p:sldTgt/>
+                  </p:tgtEl>
+                </p:cond>
+              </p:nextCondLst>
+            </p:seq>
+          </p:childTnLst>
+        </p:cTn>
+      </p:par>
+    </p:tnLst>
+  </p:timing>
 </p:sld>
 </file>
 
@@ -6731,7 +8437,7 @@
           <p:cNvPr id="2" name="Title 1">
             <a:extLst>
               <a:ext uri="{FF2B5EF4-FFF2-40B4-BE49-F238E27FC236}">
-                <a16:creationId xmlns:a16="http://schemas.microsoft.com/office/drawing/2014/main" id="{56D2C071-87C1-5064-0817-1DF416253F56}"/>
+                <a16:creationId xmlns:a16="http://schemas.microsoft.com/office/drawing/2014/main" id="{A6FB6C0E-0645-7ED2-03D5-558AA5316C5A}"/>
               </a:ext>
             </a:extLst>
           </p:cNvPr>
@@ -6749,7 +8455,7 @@
           <a:p>
             <a:r>
               <a:rPr lang="en-US" dirty="0"/>
-              <a:t>VWP 101: Stimulus timing</a:t>
+              <a:t>VWP 101: What does a trial look like?</a:t>
             </a:r>
           </a:p>
         </p:txBody>
@@ -6759,7 +8465,7 @@
           <p:cNvPr id="3" name="Content Placeholder 2">
             <a:extLst>
               <a:ext uri="{FF2B5EF4-FFF2-40B4-BE49-F238E27FC236}">
-                <a16:creationId xmlns:a16="http://schemas.microsoft.com/office/drawing/2014/main" id="{B43E93AD-FBEB-BFE8-E68F-E1784BE87EA4}"/>
+                <a16:creationId xmlns:a16="http://schemas.microsoft.com/office/drawing/2014/main" id="{CEE67509-99EB-DA65-5F52-84825BE954D3}"/>
               </a:ext>
             </a:extLst>
           </p:cNvPr>
@@ -6770,25 +8476,57 @@
             <p:ph idx="1"/>
           </p:nvPr>
         </p:nvSpPr>
-        <p:spPr/>
+        <p:spPr>
+          <a:xfrm>
+            <a:off x="818712" y="2073897"/>
+            <a:ext cx="10554574" cy="3784901"/>
+          </a:xfrm>
+        </p:spPr>
         <p:txBody>
           <a:bodyPr>
             <a:normAutofit/>
           </a:bodyPr>
           <a:lstStyle/>
           <a:p>
-            <a:r>
-              <a:rPr lang="en-US" sz="2800" dirty="0"/>
-              <a:t>The presentation of the visual display typically begins shortly before the onset of the spoken utterance</a:t>
-            </a:r>
-          </a:p>
-          <a:p>
-            <a:endParaRPr lang="en-US" sz="2800" dirty="0"/>
-          </a:p>
-          <a:p>
-            <a:r>
-              <a:rPr lang="en-US" sz="2800" dirty="0"/>
-              <a:t>Likelihood of fixating objects depends on the preview time of the stimuli</a:t>
+            <a:pPr marL="0" indent="0" algn="ctr">
+              <a:buNone/>
+            </a:pPr>
+            <a:r>
+              <a:rPr lang="en-US" sz="2400" dirty="0"/>
+              <a:t>Display Types</a:t>
+            </a:r>
+          </a:p>
+          <a:p>
+            <a:r>
+              <a:rPr lang="en-US" sz="2200" dirty="0"/>
+              <a:t>Realistic or semirealistic</a:t>
+            </a:r>
+          </a:p>
+          <a:p>
+            <a:pPr lvl="1"/>
+            <a:r>
+              <a:rPr lang="en-US" sz="2000" dirty="0"/>
+              <a:t>Allows us to assess how world knowledge or contextual information may affect understanding of spoken utterances</a:t>
+            </a:r>
+          </a:p>
+          <a:p>
+            <a:r>
+              <a:rPr lang="en-US" sz="2200" dirty="0"/>
+              <a:t>Arrays</a:t>
+            </a:r>
+          </a:p>
+          <a:p>
+            <a:pPr lvl="1"/>
+            <a:r>
+              <a:rPr lang="en-US" sz="2000" dirty="0"/>
+              <a:t>Minimizes the impact of real world knowledge or context</a:t>
+            </a:r>
+          </a:p>
+          <a:p>
+            <a:pPr lvl="1"/>
+            <a:r>
+              <a:rPr lang="en-US" sz="2000" dirty="0"/>
+              <a:t>Well suited for studying the activation of conceptual and lexical knowledge</a:t>
             </a:r>
           </a:p>
         </p:txBody>
@@ -6798,7 +8536,7 @@
           <p:cNvPr id="4" name="Footer Placeholder 3">
             <a:extLst>
               <a:ext uri="{FF2B5EF4-FFF2-40B4-BE49-F238E27FC236}">
-                <a16:creationId xmlns:a16="http://schemas.microsoft.com/office/drawing/2014/main" id="{F098B9AB-CCA3-C613-1D46-B5A002D911DF}"/>
+                <a16:creationId xmlns:a16="http://schemas.microsoft.com/office/drawing/2014/main" id="{06F94623-ECB9-0B95-F0EF-140D6BF6FE16}"/>
               </a:ext>
             </a:extLst>
           </p:cNvPr>
@@ -6821,13 +8559,234 @@
     </p:spTree>
     <p:extLst>
       <p:ext uri="{BB962C8B-B14F-4D97-AF65-F5344CB8AC3E}">
-        <p14:creationId xmlns:p14="http://schemas.microsoft.com/office/powerpoint/2010/main" val="3396872657"/>
+        <p14:creationId xmlns:p14="http://schemas.microsoft.com/office/powerpoint/2010/main" val="862407652"/>
       </p:ext>
     </p:extLst>
   </p:cSld>
   <p:clrMapOvr>
     <a:masterClrMapping/>
   </p:clrMapOvr>
+  <p:timing>
+    <p:tnLst>
+      <p:par>
+        <p:cTn id="1" dur="indefinite" restart="never" nodeType="tmRoot">
+          <p:childTnLst>
+            <p:seq concurrent="1" nextAc="seek">
+              <p:cTn id="2" dur="indefinite" nodeType="mainSeq">
+                <p:childTnLst>
+                  <p:par>
+                    <p:cTn id="3" fill="hold">
+                      <p:stCondLst>
+                        <p:cond delay="indefinite"/>
+                      </p:stCondLst>
+                      <p:childTnLst>
+                        <p:par>
+                          <p:cTn id="4" fill="hold">
+                            <p:stCondLst>
+                              <p:cond delay="0"/>
+                            </p:stCondLst>
+                            <p:childTnLst>
+                              <p:par>
+                                <p:cTn id="5" presetID="1" presetClass="entr" presetSubtype="0" fill="hold" nodeType="clickEffect">
+                                  <p:stCondLst>
+                                    <p:cond delay="0"/>
+                                  </p:stCondLst>
+                                  <p:childTnLst>
+                                    <p:set>
+                                      <p:cBhvr>
+                                        <p:cTn id="6" dur="1" fill="hold">
+                                          <p:stCondLst>
+                                            <p:cond delay="0"/>
+                                          </p:stCondLst>
+                                        </p:cTn>
+                                        <p:tgtEl>
+                                          <p:spTgt spid="3">
+                                            <p:txEl>
+                                              <p:pRg st="1" end="1"/>
+                                            </p:txEl>
+                                          </p:spTgt>
+                                        </p:tgtEl>
+                                        <p:attrNameLst>
+                                          <p:attrName>style.visibility</p:attrName>
+                                        </p:attrNameLst>
+                                      </p:cBhvr>
+                                      <p:to>
+                                        <p:strVal val="visible"/>
+                                      </p:to>
+                                    </p:set>
+                                  </p:childTnLst>
+                                </p:cTn>
+                              </p:par>
+                              <p:par>
+                                <p:cTn id="7" presetID="1" presetClass="entr" presetSubtype="0" fill="hold" nodeType="withEffect">
+                                  <p:stCondLst>
+                                    <p:cond delay="0"/>
+                                  </p:stCondLst>
+                                  <p:childTnLst>
+                                    <p:set>
+                                      <p:cBhvr>
+                                        <p:cTn id="8" dur="1" fill="hold">
+                                          <p:stCondLst>
+                                            <p:cond delay="0"/>
+                                          </p:stCondLst>
+                                        </p:cTn>
+                                        <p:tgtEl>
+                                          <p:spTgt spid="3">
+                                            <p:txEl>
+                                              <p:pRg st="2" end="2"/>
+                                            </p:txEl>
+                                          </p:spTgt>
+                                        </p:tgtEl>
+                                        <p:attrNameLst>
+                                          <p:attrName>style.visibility</p:attrName>
+                                        </p:attrNameLst>
+                                      </p:cBhvr>
+                                      <p:to>
+                                        <p:strVal val="visible"/>
+                                      </p:to>
+                                    </p:set>
+                                  </p:childTnLst>
+                                </p:cTn>
+                              </p:par>
+                            </p:childTnLst>
+                          </p:cTn>
+                        </p:par>
+                      </p:childTnLst>
+                    </p:cTn>
+                  </p:par>
+                  <p:par>
+                    <p:cTn id="9" fill="hold">
+                      <p:stCondLst>
+                        <p:cond delay="indefinite"/>
+                      </p:stCondLst>
+                      <p:childTnLst>
+                        <p:par>
+                          <p:cTn id="10" fill="hold">
+                            <p:stCondLst>
+                              <p:cond delay="0"/>
+                            </p:stCondLst>
+                            <p:childTnLst>
+                              <p:par>
+                                <p:cTn id="11" presetID="1" presetClass="entr" presetSubtype="0" fill="hold" nodeType="clickEffect">
+                                  <p:stCondLst>
+                                    <p:cond delay="0"/>
+                                  </p:stCondLst>
+                                  <p:childTnLst>
+                                    <p:set>
+                                      <p:cBhvr>
+                                        <p:cTn id="12" dur="1" fill="hold">
+                                          <p:stCondLst>
+                                            <p:cond delay="0"/>
+                                          </p:stCondLst>
+                                        </p:cTn>
+                                        <p:tgtEl>
+                                          <p:spTgt spid="3">
+                                            <p:txEl>
+                                              <p:pRg st="3" end="3"/>
+                                            </p:txEl>
+                                          </p:spTgt>
+                                        </p:tgtEl>
+                                        <p:attrNameLst>
+                                          <p:attrName>style.visibility</p:attrName>
+                                        </p:attrNameLst>
+                                      </p:cBhvr>
+                                      <p:to>
+                                        <p:strVal val="visible"/>
+                                      </p:to>
+                                    </p:set>
+                                  </p:childTnLst>
+                                </p:cTn>
+                              </p:par>
+                              <p:par>
+                                <p:cTn id="13" presetID="1" presetClass="entr" presetSubtype="0" fill="hold" nodeType="withEffect">
+                                  <p:stCondLst>
+                                    <p:cond delay="0"/>
+                                  </p:stCondLst>
+                                  <p:childTnLst>
+                                    <p:set>
+                                      <p:cBhvr>
+                                        <p:cTn id="14" dur="1" fill="hold">
+                                          <p:stCondLst>
+                                            <p:cond delay="0"/>
+                                          </p:stCondLst>
+                                        </p:cTn>
+                                        <p:tgtEl>
+                                          <p:spTgt spid="3">
+                                            <p:txEl>
+                                              <p:pRg st="4" end="4"/>
+                                            </p:txEl>
+                                          </p:spTgt>
+                                        </p:tgtEl>
+                                        <p:attrNameLst>
+                                          <p:attrName>style.visibility</p:attrName>
+                                        </p:attrNameLst>
+                                      </p:cBhvr>
+                                      <p:to>
+                                        <p:strVal val="visible"/>
+                                      </p:to>
+                                    </p:set>
+                                  </p:childTnLst>
+                                </p:cTn>
+                              </p:par>
+                              <p:par>
+                                <p:cTn id="15" presetID="1" presetClass="entr" presetSubtype="0" fill="hold" nodeType="withEffect">
+                                  <p:stCondLst>
+                                    <p:cond delay="0"/>
+                                  </p:stCondLst>
+                                  <p:childTnLst>
+                                    <p:set>
+                                      <p:cBhvr>
+                                        <p:cTn id="16" dur="1" fill="hold">
+                                          <p:stCondLst>
+                                            <p:cond delay="0"/>
+                                          </p:stCondLst>
+                                        </p:cTn>
+                                        <p:tgtEl>
+                                          <p:spTgt spid="3">
+                                            <p:txEl>
+                                              <p:pRg st="5" end="5"/>
+                                            </p:txEl>
+                                          </p:spTgt>
+                                        </p:tgtEl>
+                                        <p:attrNameLst>
+                                          <p:attrName>style.visibility</p:attrName>
+                                        </p:attrNameLst>
+                                      </p:cBhvr>
+                                      <p:to>
+                                        <p:strVal val="visible"/>
+                                      </p:to>
+                                    </p:set>
+                                  </p:childTnLst>
+                                </p:cTn>
+                              </p:par>
+                            </p:childTnLst>
+                          </p:cTn>
+                        </p:par>
+                      </p:childTnLst>
+                    </p:cTn>
+                  </p:par>
+                </p:childTnLst>
+              </p:cTn>
+              <p:prevCondLst>
+                <p:cond evt="onPrev" delay="0">
+                  <p:tgtEl>
+                    <p:sldTgt/>
+                  </p:tgtEl>
+                </p:cond>
+              </p:prevCondLst>
+              <p:nextCondLst>
+                <p:cond evt="onNext" delay="0">
+                  <p:tgtEl>
+                    <p:sldTgt/>
+                  </p:tgtEl>
+                </p:cond>
+              </p:nextCondLst>
+            </p:seq>
+          </p:childTnLst>
+        </p:cTn>
+      </p:par>
+    </p:tnLst>
+  </p:timing>
 </p:sld>
 </file>
 
@@ -6853,6 +8812,951 @@
           <p:cNvPr id="2" name="Title 1">
             <a:extLst>
               <a:ext uri="{FF2B5EF4-FFF2-40B4-BE49-F238E27FC236}">
+                <a16:creationId xmlns:a16="http://schemas.microsoft.com/office/drawing/2014/main" id="{5421488D-5069-86AC-0F4B-264683D797C5}"/>
+              </a:ext>
+            </a:extLst>
+          </p:cNvPr>
+          <p:cNvSpPr>
+            <a:spLocks noGrp="1"/>
+          </p:cNvSpPr>
+          <p:nvPr>
+            <p:ph type="title"/>
+          </p:nvPr>
+        </p:nvSpPr>
+        <p:spPr/>
+        <p:txBody>
+          <a:bodyPr/>
+          <a:lstStyle/>
+          <a:p>
+            <a:r>
+              <a:rPr lang="en-US" dirty="0"/>
+              <a:t>VWP 101: What does a trial look like?</a:t>
+            </a:r>
+          </a:p>
+        </p:txBody>
+      </p:sp>
+      <p:sp>
+        <p:nvSpPr>
+          <p:cNvPr id="3" name="Content Placeholder 2">
+            <a:extLst>
+              <a:ext uri="{FF2B5EF4-FFF2-40B4-BE49-F238E27FC236}">
+                <a16:creationId xmlns:a16="http://schemas.microsoft.com/office/drawing/2014/main" id="{1AD0B9A9-6B96-49A7-6FBF-908C7BD706C4}"/>
+              </a:ext>
+            </a:extLst>
+          </p:cNvPr>
+          <p:cNvSpPr>
+            <a:spLocks noGrp="1"/>
+          </p:cNvSpPr>
+          <p:nvPr>
+            <p:ph idx="1"/>
+          </p:nvPr>
+        </p:nvSpPr>
+        <p:spPr/>
+        <p:txBody>
+          <a:bodyPr/>
+          <a:lstStyle/>
+          <a:p>
+            <a:pPr marL="0" indent="0" algn="ctr">
+              <a:buNone/>
+            </a:pPr>
+            <a:r>
+              <a:rPr lang="en-US" sz="2800" dirty="0"/>
+              <a:t>Utterance types</a:t>
+            </a:r>
+          </a:p>
+          <a:p>
+            <a:r>
+              <a:rPr lang="en-US" sz="2200" dirty="0"/>
+              <a:t>Direct action</a:t>
+            </a:r>
+          </a:p>
+          <a:p>
+            <a:pPr lvl="1"/>
+            <a:r>
+              <a:rPr lang="en-US" sz="2000" dirty="0"/>
+              <a:t>“Put the apple that is on the towel in the box”</a:t>
+            </a:r>
+          </a:p>
+          <a:p>
+            <a:pPr lvl="1"/>
+            <a:r>
+              <a:rPr lang="en-US" sz="2000" dirty="0"/>
+              <a:t>Explicit tasks can change looking behavior</a:t>
+            </a:r>
+          </a:p>
+          <a:p>
+            <a:r>
+              <a:rPr lang="en-US" sz="2200" dirty="0"/>
+              <a:t>Look and listen	</a:t>
+            </a:r>
+          </a:p>
+          <a:p>
+            <a:pPr lvl="1"/>
+            <a:r>
+              <a:rPr lang="en-US" sz="2000" dirty="0"/>
+              <a:t> “The boy drinks from the cup”</a:t>
+            </a:r>
+            <a:endParaRPr lang="en-US" sz="2200" dirty="0"/>
+          </a:p>
+          <a:p>
+            <a:pPr lvl="1"/>
+            <a:r>
+              <a:rPr lang="en-US" sz="2000" dirty="0"/>
+              <a:t>Examines more general features of language-vision interactions</a:t>
+            </a:r>
+          </a:p>
+          <a:p>
+            <a:endParaRPr lang="en-US" sz="2200" dirty="0"/>
+          </a:p>
+        </p:txBody>
+      </p:sp>
+      <p:sp>
+        <p:nvSpPr>
+          <p:cNvPr id="4" name="Footer Placeholder 3">
+            <a:extLst>
+              <a:ext uri="{FF2B5EF4-FFF2-40B4-BE49-F238E27FC236}">
+                <a16:creationId xmlns:a16="http://schemas.microsoft.com/office/drawing/2014/main" id="{4A4DCF07-DE6B-4A7A-2623-03DE4060AC29}"/>
+              </a:ext>
+            </a:extLst>
+          </p:cNvPr>
+          <p:cNvSpPr>
+            <a:spLocks noGrp="1"/>
+          </p:cNvSpPr>
+          <p:nvPr>
+            <p:ph type="ftr" sz="quarter" idx="11"/>
+          </p:nvPr>
+        </p:nvSpPr>
+        <p:spPr/>
+        <p:txBody>
+          <a:bodyPr/>
+          <a:lstStyle/>
+          <a:p>
+            <a:endParaRPr lang="en-US"/>
+          </a:p>
+        </p:txBody>
+      </p:sp>
+    </p:spTree>
+    <p:extLst>
+      <p:ext uri="{BB962C8B-B14F-4D97-AF65-F5344CB8AC3E}">
+        <p14:creationId xmlns:p14="http://schemas.microsoft.com/office/powerpoint/2010/main" val="688936991"/>
+      </p:ext>
+    </p:extLst>
+  </p:cSld>
+  <p:clrMapOvr>
+    <a:masterClrMapping/>
+  </p:clrMapOvr>
+  <p:timing>
+    <p:tnLst>
+      <p:par>
+        <p:cTn id="1" dur="indefinite" restart="never" nodeType="tmRoot">
+          <p:childTnLst>
+            <p:seq concurrent="1" nextAc="seek">
+              <p:cTn id="2" dur="indefinite" nodeType="mainSeq">
+                <p:childTnLst>
+                  <p:par>
+                    <p:cTn id="3" fill="hold">
+                      <p:stCondLst>
+                        <p:cond delay="indefinite"/>
+                      </p:stCondLst>
+                      <p:childTnLst>
+                        <p:par>
+                          <p:cTn id="4" fill="hold">
+                            <p:stCondLst>
+                              <p:cond delay="0"/>
+                            </p:stCondLst>
+                            <p:childTnLst>
+                              <p:par>
+                                <p:cTn id="5" presetID="1" presetClass="entr" presetSubtype="0" fill="hold" nodeType="clickEffect">
+                                  <p:stCondLst>
+                                    <p:cond delay="0"/>
+                                  </p:stCondLst>
+                                  <p:childTnLst>
+                                    <p:set>
+                                      <p:cBhvr>
+                                        <p:cTn id="6" dur="1" fill="hold">
+                                          <p:stCondLst>
+                                            <p:cond delay="0"/>
+                                          </p:stCondLst>
+                                        </p:cTn>
+                                        <p:tgtEl>
+                                          <p:spTgt spid="3">
+                                            <p:txEl>
+                                              <p:pRg st="1" end="1"/>
+                                            </p:txEl>
+                                          </p:spTgt>
+                                        </p:tgtEl>
+                                        <p:attrNameLst>
+                                          <p:attrName>style.visibility</p:attrName>
+                                        </p:attrNameLst>
+                                      </p:cBhvr>
+                                      <p:to>
+                                        <p:strVal val="visible"/>
+                                      </p:to>
+                                    </p:set>
+                                  </p:childTnLst>
+                                </p:cTn>
+                              </p:par>
+                              <p:par>
+                                <p:cTn id="7" presetID="1" presetClass="entr" presetSubtype="0" fill="hold" nodeType="withEffect">
+                                  <p:stCondLst>
+                                    <p:cond delay="0"/>
+                                  </p:stCondLst>
+                                  <p:childTnLst>
+                                    <p:set>
+                                      <p:cBhvr>
+                                        <p:cTn id="8" dur="1" fill="hold">
+                                          <p:stCondLst>
+                                            <p:cond delay="0"/>
+                                          </p:stCondLst>
+                                        </p:cTn>
+                                        <p:tgtEl>
+                                          <p:spTgt spid="3">
+                                            <p:txEl>
+                                              <p:pRg st="2" end="2"/>
+                                            </p:txEl>
+                                          </p:spTgt>
+                                        </p:tgtEl>
+                                        <p:attrNameLst>
+                                          <p:attrName>style.visibility</p:attrName>
+                                        </p:attrNameLst>
+                                      </p:cBhvr>
+                                      <p:to>
+                                        <p:strVal val="visible"/>
+                                      </p:to>
+                                    </p:set>
+                                  </p:childTnLst>
+                                </p:cTn>
+                              </p:par>
+                              <p:par>
+                                <p:cTn id="9" presetID="1" presetClass="entr" presetSubtype="0" fill="hold" nodeType="withEffect">
+                                  <p:stCondLst>
+                                    <p:cond delay="0"/>
+                                  </p:stCondLst>
+                                  <p:childTnLst>
+                                    <p:set>
+                                      <p:cBhvr>
+                                        <p:cTn id="10" dur="1" fill="hold">
+                                          <p:stCondLst>
+                                            <p:cond delay="0"/>
+                                          </p:stCondLst>
+                                        </p:cTn>
+                                        <p:tgtEl>
+                                          <p:spTgt spid="3">
+                                            <p:txEl>
+                                              <p:pRg st="3" end="3"/>
+                                            </p:txEl>
+                                          </p:spTgt>
+                                        </p:tgtEl>
+                                        <p:attrNameLst>
+                                          <p:attrName>style.visibility</p:attrName>
+                                        </p:attrNameLst>
+                                      </p:cBhvr>
+                                      <p:to>
+                                        <p:strVal val="visible"/>
+                                      </p:to>
+                                    </p:set>
+                                  </p:childTnLst>
+                                </p:cTn>
+                              </p:par>
+                            </p:childTnLst>
+                          </p:cTn>
+                        </p:par>
+                      </p:childTnLst>
+                    </p:cTn>
+                  </p:par>
+                  <p:par>
+                    <p:cTn id="11" fill="hold">
+                      <p:stCondLst>
+                        <p:cond delay="indefinite"/>
+                      </p:stCondLst>
+                      <p:childTnLst>
+                        <p:par>
+                          <p:cTn id="12" fill="hold">
+                            <p:stCondLst>
+                              <p:cond delay="0"/>
+                            </p:stCondLst>
+                            <p:childTnLst>
+                              <p:par>
+                                <p:cTn id="13" presetID="1" presetClass="entr" presetSubtype="0" fill="hold" nodeType="clickEffect">
+                                  <p:stCondLst>
+                                    <p:cond delay="0"/>
+                                  </p:stCondLst>
+                                  <p:childTnLst>
+                                    <p:set>
+                                      <p:cBhvr>
+                                        <p:cTn id="14" dur="1" fill="hold">
+                                          <p:stCondLst>
+                                            <p:cond delay="0"/>
+                                          </p:stCondLst>
+                                        </p:cTn>
+                                        <p:tgtEl>
+                                          <p:spTgt spid="3">
+                                            <p:txEl>
+                                              <p:pRg st="4" end="4"/>
+                                            </p:txEl>
+                                          </p:spTgt>
+                                        </p:tgtEl>
+                                        <p:attrNameLst>
+                                          <p:attrName>style.visibility</p:attrName>
+                                        </p:attrNameLst>
+                                      </p:cBhvr>
+                                      <p:to>
+                                        <p:strVal val="visible"/>
+                                      </p:to>
+                                    </p:set>
+                                  </p:childTnLst>
+                                </p:cTn>
+                              </p:par>
+                              <p:par>
+                                <p:cTn id="15" presetID="1" presetClass="entr" presetSubtype="0" fill="hold" nodeType="withEffect">
+                                  <p:stCondLst>
+                                    <p:cond delay="0"/>
+                                  </p:stCondLst>
+                                  <p:childTnLst>
+                                    <p:set>
+                                      <p:cBhvr>
+                                        <p:cTn id="16" dur="1" fill="hold">
+                                          <p:stCondLst>
+                                            <p:cond delay="0"/>
+                                          </p:stCondLst>
+                                        </p:cTn>
+                                        <p:tgtEl>
+                                          <p:spTgt spid="3">
+                                            <p:txEl>
+                                              <p:pRg st="5" end="5"/>
+                                            </p:txEl>
+                                          </p:spTgt>
+                                        </p:tgtEl>
+                                        <p:attrNameLst>
+                                          <p:attrName>style.visibility</p:attrName>
+                                        </p:attrNameLst>
+                                      </p:cBhvr>
+                                      <p:to>
+                                        <p:strVal val="visible"/>
+                                      </p:to>
+                                    </p:set>
+                                  </p:childTnLst>
+                                </p:cTn>
+                              </p:par>
+                              <p:par>
+                                <p:cTn id="17" presetID="1" presetClass="entr" presetSubtype="0" fill="hold" nodeType="withEffect">
+                                  <p:stCondLst>
+                                    <p:cond delay="0"/>
+                                  </p:stCondLst>
+                                  <p:childTnLst>
+                                    <p:set>
+                                      <p:cBhvr>
+                                        <p:cTn id="18" dur="1" fill="hold">
+                                          <p:stCondLst>
+                                            <p:cond delay="0"/>
+                                          </p:stCondLst>
+                                        </p:cTn>
+                                        <p:tgtEl>
+                                          <p:spTgt spid="3">
+                                            <p:txEl>
+                                              <p:pRg st="6" end="6"/>
+                                            </p:txEl>
+                                          </p:spTgt>
+                                        </p:tgtEl>
+                                        <p:attrNameLst>
+                                          <p:attrName>style.visibility</p:attrName>
+                                        </p:attrNameLst>
+                                      </p:cBhvr>
+                                      <p:to>
+                                        <p:strVal val="visible"/>
+                                      </p:to>
+                                    </p:set>
+                                  </p:childTnLst>
+                                </p:cTn>
+                              </p:par>
+                            </p:childTnLst>
+                          </p:cTn>
+                        </p:par>
+                      </p:childTnLst>
+                    </p:cTn>
+                  </p:par>
+                </p:childTnLst>
+              </p:cTn>
+              <p:prevCondLst>
+                <p:cond evt="onPrev" delay="0">
+                  <p:tgtEl>
+                    <p:sldTgt/>
+                  </p:tgtEl>
+                </p:cond>
+              </p:prevCondLst>
+              <p:nextCondLst>
+                <p:cond evt="onNext" delay="0">
+                  <p:tgtEl>
+                    <p:sldTgt/>
+                  </p:tgtEl>
+                </p:cond>
+              </p:nextCondLst>
+            </p:seq>
+          </p:childTnLst>
+        </p:cTn>
+      </p:par>
+    </p:tnLst>
+  </p:timing>
+</p:sld>
+</file>
+
+<file path=ppt/slides/slide18.xml><?xml version="1.0" encoding="utf-8"?>
+<p:sld xmlns:a="http://schemas.openxmlformats.org/drawingml/2006/main" xmlns:r="http://schemas.openxmlformats.org/officeDocument/2006/relationships" xmlns:p="http://schemas.openxmlformats.org/presentationml/2006/main">
+  <p:cSld>
+    <p:spTree>
+      <p:nvGrpSpPr>
+        <p:cNvPr id="1" name=""/>
+        <p:cNvGrpSpPr/>
+        <p:nvPr/>
+      </p:nvGrpSpPr>
+      <p:grpSpPr>
+        <a:xfrm>
+          <a:off x="0" y="0"/>
+          <a:ext cx="0" cy="0"/>
+          <a:chOff x="0" y="0"/>
+          <a:chExt cx="0" cy="0"/>
+        </a:xfrm>
+      </p:grpSpPr>
+      <p:sp>
+        <p:nvSpPr>
+          <p:cNvPr id="2" name="Title 1">
+            <a:extLst>
+              <a:ext uri="{FF2B5EF4-FFF2-40B4-BE49-F238E27FC236}">
+                <a16:creationId xmlns:a16="http://schemas.microsoft.com/office/drawing/2014/main" id="{AAB34805-B305-4D30-1789-64B8A04A1A23}"/>
+              </a:ext>
+            </a:extLst>
+          </p:cNvPr>
+          <p:cNvSpPr>
+            <a:spLocks noGrp="1"/>
+          </p:cNvSpPr>
+          <p:nvPr>
+            <p:ph type="title"/>
+          </p:nvPr>
+        </p:nvSpPr>
+        <p:spPr/>
+        <p:txBody>
+          <a:bodyPr/>
+          <a:lstStyle/>
+          <a:p>
+            <a:r>
+              <a:rPr lang="en-US" dirty="0"/>
+              <a:t>VWP 101: Stimulus timing</a:t>
+            </a:r>
+          </a:p>
+        </p:txBody>
+      </p:sp>
+      <p:sp>
+        <p:nvSpPr>
+          <p:cNvPr id="4" name="Footer Placeholder 3">
+            <a:extLst>
+              <a:ext uri="{FF2B5EF4-FFF2-40B4-BE49-F238E27FC236}">
+                <a16:creationId xmlns:a16="http://schemas.microsoft.com/office/drawing/2014/main" id="{6F88BA00-B5D5-5545-A187-BEC6FCFA881C}"/>
+              </a:ext>
+            </a:extLst>
+          </p:cNvPr>
+          <p:cNvSpPr>
+            <a:spLocks noGrp="1"/>
+          </p:cNvSpPr>
+          <p:nvPr>
+            <p:ph type="ftr" sz="quarter" idx="11"/>
+          </p:nvPr>
+        </p:nvSpPr>
+        <p:spPr/>
+        <p:txBody>
+          <a:bodyPr/>
+          <a:lstStyle/>
+          <a:p>
+            <a:endParaRPr lang="en-US"/>
+          </a:p>
+        </p:txBody>
+      </p:sp>
+      <p:pic>
+        <p:nvPicPr>
+          <p:cNvPr id="6" name="Picture 5">
+            <a:extLst>
+              <a:ext uri="{FF2B5EF4-FFF2-40B4-BE49-F238E27FC236}">
+                <a16:creationId xmlns:a16="http://schemas.microsoft.com/office/drawing/2014/main" id="{E071028E-C0B2-30B7-DB4B-F2952473D830}"/>
+              </a:ext>
+            </a:extLst>
+          </p:cNvPr>
+          <p:cNvPicPr>
+            <a:picLocks noChangeAspect="1"/>
+          </p:cNvPicPr>
+          <p:nvPr/>
+        </p:nvPicPr>
+        <p:blipFill>
+          <a:blip r:embed="rId3"/>
+          <a:stretch>
+            <a:fillRect/>
+          </a:stretch>
+        </p:blipFill>
+        <p:spPr>
+          <a:xfrm>
+            <a:off x="3727158" y="2336378"/>
+            <a:ext cx="4559002" cy="3408328"/>
+          </a:xfrm>
+          <a:prstGeom prst="rect">
+            <a:avLst/>
+          </a:prstGeom>
+        </p:spPr>
+      </p:pic>
+      <p:sp>
+        <p:nvSpPr>
+          <p:cNvPr id="7" name="TextBox 6">
+            <a:extLst>
+              <a:ext uri="{FF2B5EF4-FFF2-40B4-BE49-F238E27FC236}">
+                <a16:creationId xmlns:a16="http://schemas.microsoft.com/office/drawing/2014/main" id="{9EA1F48E-EA99-618F-DE2D-B39B15F8F711}"/>
+              </a:ext>
+            </a:extLst>
+          </p:cNvPr>
+          <p:cNvSpPr txBox="1"/>
+          <p:nvPr/>
+        </p:nvSpPr>
+        <p:spPr>
+          <a:xfrm>
+            <a:off x="778777" y="2573701"/>
+            <a:ext cx="2303420" cy="1846659"/>
+          </a:xfrm>
+          <a:prstGeom prst="rect">
+            <a:avLst/>
+          </a:prstGeom>
+          <a:noFill/>
+        </p:spPr>
+        <p:txBody>
+          <a:bodyPr wrap="square" rtlCol="0">
+            <a:spAutoFit/>
+          </a:bodyPr>
+          <a:lstStyle/>
+          <a:p>
+            <a:pPr algn="ctr"/>
+            <a:r>
+              <a:rPr lang="en-US" sz="3200" dirty="0"/>
+              <a:t>The boy will eat the cake</a:t>
+            </a:r>
+          </a:p>
+          <a:p>
+            <a:endParaRPr lang="en-US" dirty="0"/>
+          </a:p>
+        </p:txBody>
+      </p:sp>
+      <p:sp>
+        <p:nvSpPr>
+          <p:cNvPr id="8" name="TextBox 7">
+            <a:extLst>
+              <a:ext uri="{FF2B5EF4-FFF2-40B4-BE49-F238E27FC236}">
+                <a16:creationId xmlns:a16="http://schemas.microsoft.com/office/drawing/2014/main" id="{252194A9-F76D-BEDA-CEE5-CCC9BDA315DC}"/>
+              </a:ext>
+            </a:extLst>
+          </p:cNvPr>
+          <p:cNvSpPr txBox="1"/>
+          <p:nvPr/>
+        </p:nvSpPr>
+        <p:spPr>
+          <a:xfrm>
+            <a:off x="8791621" y="2573701"/>
+            <a:ext cx="2141035" cy="1569660"/>
+          </a:xfrm>
+          <a:prstGeom prst="rect">
+            <a:avLst/>
+          </a:prstGeom>
+          <a:noFill/>
+        </p:spPr>
+        <p:txBody>
+          <a:bodyPr wrap="square" rtlCol="0">
+            <a:spAutoFit/>
+          </a:bodyPr>
+          <a:lstStyle/>
+          <a:p>
+            <a:pPr algn="ctr"/>
+            <a:r>
+              <a:rPr lang="en-US" sz="3200" dirty="0"/>
+              <a:t>The boy will move the cake</a:t>
+            </a:r>
+          </a:p>
+        </p:txBody>
+      </p:sp>
+    </p:spTree>
+    <p:extLst>
+      <p:ext uri="{BB962C8B-B14F-4D97-AF65-F5344CB8AC3E}">
+        <p14:creationId xmlns:p14="http://schemas.microsoft.com/office/powerpoint/2010/main" val="2672845863"/>
+      </p:ext>
+    </p:extLst>
+  </p:cSld>
+  <p:clrMapOvr>
+    <a:masterClrMapping/>
+  </p:clrMapOvr>
+</p:sld>
+</file>
+
+<file path=ppt/slides/slide19.xml><?xml version="1.0" encoding="utf-8"?>
+<p:sld xmlns:a="http://schemas.openxmlformats.org/drawingml/2006/main" xmlns:r="http://schemas.openxmlformats.org/officeDocument/2006/relationships" xmlns:p="http://schemas.openxmlformats.org/presentationml/2006/main">
+  <p:cSld>
+    <p:spTree>
+      <p:nvGrpSpPr>
+        <p:cNvPr id="1" name=""/>
+        <p:cNvGrpSpPr/>
+        <p:nvPr/>
+      </p:nvGrpSpPr>
+      <p:grpSpPr>
+        <a:xfrm>
+          <a:off x="0" y="0"/>
+          <a:ext cx="0" cy="0"/>
+          <a:chOff x="0" y="0"/>
+          <a:chExt cx="0" cy="0"/>
+        </a:xfrm>
+      </p:grpSpPr>
+      <p:sp>
+        <p:nvSpPr>
+          <p:cNvPr id="2" name="Title 1">
+            <a:extLst>
+              <a:ext uri="{FF2B5EF4-FFF2-40B4-BE49-F238E27FC236}">
+                <a16:creationId xmlns:a16="http://schemas.microsoft.com/office/drawing/2014/main" id="{56D2C071-87C1-5064-0817-1DF416253F56}"/>
+              </a:ext>
+            </a:extLst>
+          </p:cNvPr>
+          <p:cNvSpPr>
+            <a:spLocks noGrp="1"/>
+          </p:cNvSpPr>
+          <p:nvPr>
+            <p:ph type="title"/>
+          </p:nvPr>
+        </p:nvSpPr>
+        <p:spPr/>
+        <p:txBody>
+          <a:bodyPr/>
+          <a:lstStyle/>
+          <a:p>
+            <a:r>
+              <a:rPr lang="en-US" dirty="0"/>
+              <a:t>VWP 101: Stimulus timing</a:t>
+            </a:r>
+          </a:p>
+        </p:txBody>
+      </p:sp>
+      <p:sp>
+        <p:nvSpPr>
+          <p:cNvPr id="3" name="Content Placeholder 2">
+            <a:extLst>
+              <a:ext uri="{FF2B5EF4-FFF2-40B4-BE49-F238E27FC236}">
+                <a16:creationId xmlns:a16="http://schemas.microsoft.com/office/drawing/2014/main" id="{B43E93AD-FBEB-BFE8-E68F-E1784BE87EA4}"/>
+              </a:ext>
+            </a:extLst>
+          </p:cNvPr>
+          <p:cNvSpPr>
+            <a:spLocks noGrp="1"/>
+          </p:cNvSpPr>
+          <p:nvPr>
+            <p:ph idx="1"/>
+          </p:nvPr>
+        </p:nvSpPr>
+        <p:spPr/>
+        <p:txBody>
+          <a:bodyPr>
+            <a:normAutofit/>
+          </a:bodyPr>
+          <a:lstStyle/>
+          <a:p>
+            <a:r>
+              <a:rPr lang="en-US" sz="2800" dirty="0"/>
+              <a:t>The presentation of the visual display typically begins shortly before the onset of the spoken utterance</a:t>
+            </a:r>
+          </a:p>
+          <a:p>
+            <a:endParaRPr lang="en-US" sz="2800" dirty="0"/>
+          </a:p>
+          <a:p>
+            <a:r>
+              <a:rPr lang="en-US" sz="2800" dirty="0"/>
+              <a:t>Likelihood of fixating objects depends on the preview time of the stimuli</a:t>
+            </a:r>
+          </a:p>
+        </p:txBody>
+      </p:sp>
+      <p:sp>
+        <p:nvSpPr>
+          <p:cNvPr id="4" name="Footer Placeholder 3">
+            <a:extLst>
+              <a:ext uri="{FF2B5EF4-FFF2-40B4-BE49-F238E27FC236}">
+                <a16:creationId xmlns:a16="http://schemas.microsoft.com/office/drawing/2014/main" id="{F098B9AB-CCA3-C613-1D46-B5A002D911DF}"/>
+              </a:ext>
+            </a:extLst>
+          </p:cNvPr>
+          <p:cNvSpPr>
+            <a:spLocks noGrp="1"/>
+          </p:cNvSpPr>
+          <p:nvPr>
+            <p:ph type="ftr" sz="quarter" idx="11"/>
+          </p:nvPr>
+        </p:nvSpPr>
+        <p:spPr/>
+        <p:txBody>
+          <a:bodyPr/>
+          <a:lstStyle/>
+          <a:p>
+            <a:endParaRPr lang="en-US"/>
+          </a:p>
+        </p:txBody>
+      </p:sp>
+    </p:spTree>
+    <p:extLst>
+      <p:ext uri="{BB962C8B-B14F-4D97-AF65-F5344CB8AC3E}">
+        <p14:creationId xmlns:p14="http://schemas.microsoft.com/office/powerpoint/2010/main" val="3396872657"/>
+      </p:ext>
+    </p:extLst>
+  </p:cSld>
+  <p:clrMapOvr>
+    <a:masterClrMapping/>
+  </p:clrMapOvr>
+</p:sld>
+</file>
+
+<file path=ppt/slides/slide2.xml><?xml version="1.0" encoding="utf-8"?>
+<p:sld xmlns:a="http://schemas.openxmlformats.org/drawingml/2006/main" xmlns:r="http://schemas.openxmlformats.org/officeDocument/2006/relationships" xmlns:p="http://schemas.openxmlformats.org/presentationml/2006/main">
+  <p:cSld>
+    <p:spTree>
+      <p:nvGrpSpPr>
+        <p:cNvPr id="1" name=""/>
+        <p:cNvGrpSpPr/>
+        <p:nvPr/>
+      </p:nvGrpSpPr>
+      <p:grpSpPr>
+        <a:xfrm>
+          <a:off x="0" y="0"/>
+          <a:ext cx="0" cy="0"/>
+          <a:chOff x="0" y="0"/>
+          <a:chExt cx="0" cy="0"/>
+        </a:xfrm>
+      </p:grpSpPr>
+      <p:sp>
+        <p:nvSpPr>
+          <p:cNvPr id="2" name="Title 1">
+            <a:extLst>
+              <a:ext uri="{FF2B5EF4-FFF2-40B4-BE49-F238E27FC236}">
+                <a16:creationId xmlns:a16="http://schemas.microsoft.com/office/drawing/2014/main" id="{4394AD19-C704-3337-E786-E53B65B5EF47}"/>
+              </a:ext>
+            </a:extLst>
+          </p:cNvPr>
+          <p:cNvSpPr>
+            <a:spLocks noGrp="1"/>
+          </p:cNvSpPr>
+          <p:nvPr>
+            <p:ph type="title"/>
+          </p:nvPr>
+        </p:nvSpPr>
+        <p:spPr/>
+        <p:txBody>
+          <a:bodyPr/>
+          <a:lstStyle/>
+          <a:p>
+            <a:r>
+              <a:rPr lang="en-US" dirty="0"/>
+              <a:t>VWP 101: What is it?</a:t>
+            </a:r>
+          </a:p>
+        </p:txBody>
+      </p:sp>
+      <p:sp>
+        <p:nvSpPr>
+          <p:cNvPr id="3" name="Content Placeholder 2">
+            <a:extLst>
+              <a:ext uri="{FF2B5EF4-FFF2-40B4-BE49-F238E27FC236}">
+                <a16:creationId xmlns:a16="http://schemas.microsoft.com/office/drawing/2014/main" id="{F674470D-A0DC-5C6F-9135-692E68A831F0}"/>
+              </a:ext>
+            </a:extLst>
+          </p:cNvPr>
+          <p:cNvSpPr>
+            <a:spLocks noGrp="1"/>
+          </p:cNvSpPr>
+          <p:nvPr>
+            <p:ph idx="1"/>
+          </p:nvPr>
+        </p:nvSpPr>
+        <p:spPr/>
+        <p:txBody>
+          <a:bodyPr>
+            <a:normAutofit lnSpcReduction="10000"/>
+          </a:bodyPr>
+          <a:lstStyle/>
+          <a:p>
+            <a:r>
+              <a:rPr lang="en-US" sz="2800" dirty="0"/>
+              <a:t>A family of closely related experimental methods</a:t>
+            </a:r>
+          </a:p>
+          <a:p>
+            <a:pPr lvl="1"/>
+            <a:r>
+              <a:rPr lang="en-US" sz="2400" dirty="0"/>
+              <a:t>Physical</a:t>
+            </a:r>
+          </a:p>
+          <a:p>
+            <a:pPr lvl="1"/>
+            <a:r>
+              <a:rPr lang="en-US" sz="2400" dirty="0"/>
+              <a:t>On a screen</a:t>
+            </a:r>
+          </a:p>
+          <a:p>
+            <a:pPr lvl="1"/>
+            <a:r>
+              <a:rPr lang="en-US" sz="2400" dirty="0"/>
+              <a:t>In VR</a:t>
+            </a:r>
+          </a:p>
+          <a:p>
+            <a:endParaRPr lang="en-US" sz="2800" dirty="0"/>
+          </a:p>
+          <a:p>
+            <a:r>
+              <a:rPr lang="en-US" sz="2800" dirty="0"/>
+              <a:t>Participant eve movements are tracked while they listen to or produce language</a:t>
+            </a:r>
+          </a:p>
+          <a:p>
+            <a:endParaRPr lang="en-US" dirty="0"/>
+          </a:p>
+        </p:txBody>
+      </p:sp>
+      <p:sp>
+        <p:nvSpPr>
+          <p:cNvPr id="4" name="Footer Placeholder 3">
+            <a:extLst>
+              <a:ext uri="{FF2B5EF4-FFF2-40B4-BE49-F238E27FC236}">
+                <a16:creationId xmlns:a16="http://schemas.microsoft.com/office/drawing/2014/main" id="{3C6F5820-79A6-5B8D-C431-05ABE06819B6}"/>
+              </a:ext>
+            </a:extLst>
+          </p:cNvPr>
+          <p:cNvSpPr>
+            <a:spLocks noGrp="1"/>
+          </p:cNvSpPr>
+          <p:nvPr>
+            <p:ph type="ftr" sz="quarter" idx="11"/>
+          </p:nvPr>
+        </p:nvSpPr>
+        <p:spPr/>
+        <p:txBody>
+          <a:bodyPr/>
+          <a:lstStyle/>
+          <a:p>
+            <a:endParaRPr lang="en-US"/>
+          </a:p>
+        </p:txBody>
+      </p:sp>
+    </p:spTree>
+    <p:extLst>
+      <p:ext uri="{BB962C8B-B14F-4D97-AF65-F5344CB8AC3E}">
+        <p14:creationId xmlns:p14="http://schemas.microsoft.com/office/powerpoint/2010/main" val="2906309778"/>
+      </p:ext>
+    </p:extLst>
+  </p:cSld>
+  <p:clrMapOvr>
+    <a:masterClrMapping/>
+  </p:clrMapOvr>
+  <p:timing>
+    <p:tnLst>
+      <p:par>
+        <p:cTn id="1" dur="indefinite" restart="never" nodeType="tmRoot">
+          <p:childTnLst>
+            <p:seq concurrent="1" nextAc="seek">
+              <p:cTn id="2" dur="indefinite" nodeType="mainSeq">
+                <p:childTnLst>
+                  <p:par>
+                    <p:cTn id="3" fill="hold">
+                      <p:stCondLst>
+                        <p:cond delay="indefinite"/>
+                      </p:stCondLst>
+                      <p:childTnLst>
+                        <p:par>
+                          <p:cTn id="4" fill="hold">
+                            <p:stCondLst>
+                              <p:cond delay="0"/>
+                            </p:stCondLst>
+                            <p:childTnLst>
+                              <p:par>
+                                <p:cTn id="5" presetID="1" presetClass="entr" presetSubtype="0" fill="hold" nodeType="clickEffect">
+                                  <p:stCondLst>
+                                    <p:cond delay="0"/>
+                                  </p:stCondLst>
+                                  <p:childTnLst>
+                                    <p:set>
+                                      <p:cBhvr>
+                                        <p:cTn id="6" dur="1" fill="hold">
+                                          <p:stCondLst>
+                                            <p:cond delay="0"/>
+                                          </p:stCondLst>
+                                        </p:cTn>
+                                        <p:tgtEl>
+                                          <p:spTgt spid="3">
+                                            <p:txEl>
+                                              <p:pRg st="5" end="5"/>
+                                            </p:txEl>
+                                          </p:spTgt>
+                                        </p:tgtEl>
+                                        <p:attrNameLst>
+                                          <p:attrName>style.visibility</p:attrName>
+                                        </p:attrNameLst>
+                                      </p:cBhvr>
+                                      <p:to>
+                                        <p:strVal val="visible"/>
+                                      </p:to>
+                                    </p:set>
+                                  </p:childTnLst>
+                                </p:cTn>
+                              </p:par>
+                            </p:childTnLst>
+                          </p:cTn>
+                        </p:par>
+                      </p:childTnLst>
+                    </p:cTn>
+                  </p:par>
+                </p:childTnLst>
+              </p:cTn>
+              <p:prevCondLst>
+                <p:cond evt="onPrev" delay="0">
+                  <p:tgtEl>
+                    <p:sldTgt/>
+                  </p:tgtEl>
+                </p:cond>
+              </p:prevCondLst>
+              <p:nextCondLst>
+                <p:cond evt="onNext" delay="0">
+                  <p:tgtEl>
+                    <p:sldTgt/>
+                  </p:tgtEl>
+                </p:cond>
+              </p:nextCondLst>
+            </p:seq>
+          </p:childTnLst>
+        </p:cTn>
+      </p:par>
+    </p:tnLst>
+  </p:timing>
+</p:sld>
+</file>
+
+<file path=ppt/slides/slide20.xml><?xml version="1.0" encoding="utf-8"?>
+<p:sld xmlns:a="http://schemas.openxmlformats.org/drawingml/2006/main" xmlns:r="http://schemas.openxmlformats.org/officeDocument/2006/relationships" xmlns:p="http://schemas.openxmlformats.org/presentationml/2006/main">
+  <p:cSld>
+    <p:spTree>
+      <p:nvGrpSpPr>
+        <p:cNvPr id="1" name=""/>
+        <p:cNvGrpSpPr/>
+        <p:nvPr/>
+      </p:nvGrpSpPr>
+      <p:grpSpPr>
+        <a:xfrm>
+          <a:off x="0" y="0"/>
+          <a:ext cx="0" cy="0"/>
+          <a:chOff x="0" y="0"/>
+          <a:chExt cx="0" cy="0"/>
+        </a:xfrm>
+      </p:grpSpPr>
+      <p:sp>
+        <p:nvSpPr>
+          <p:cNvPr id="2" name="Title 1">
+            <a:extLst>
+              <a:ext uri="{FF2B5EF4-FFF2-40B4-BE49-F238E27FC236}">
                 <a16:creationId xmlns:a16="http://schemas.microsoft.com/office/drawing/2014/main" id="{8F8AB73E-E883-6072-0489-EB537C9074F0}"/>
               </a:ext>
             </a:extLst>
@@ -6919,7 +9823,7 @@
             </a:pPr>
             <a:r>
               <a:rPr lang="en-US" sz="2800" dirty="0"/>
-              <a:t>What is the question we are interested in during a VWP trial?</a:t>
+              <a:t>What is the question we are interested in during a VWP trial and how can we look at that with our data?</a:t>
             </a:r>
           </a:p>
         </p:txBody>
@@ -6959,10 +9863,89 @@
   <p:clrMapOvr>
     <a:masterClrMapping/>
   </p:clrMapOvr>
+  <p:timing>
+    <p:tnLst>
+      <p:par>
+        <p:cTn id="1" dur="indefinite" restart="never" nodeType="tmRoot">
+          <p:childTnLst>
+            <p:seq concurrent="1" nextAc="seek">
+              <p:cTn id="2" dur="indefinite" nodeType="mainSeq">
+                <p:childTnLst>
+                  <p:par>
+                    <p:cTn id="3" fill="hold">
+                      <p:stCondLst>
+                        <p:cond delay="indefinite"/>
+                      </p:stCondLst>
+                      <p:childTnLst>
+                        <p:par>
+                          <p:cTn id="4" fill="hold">
+                            <p:stCondLst>
+                              <p:cond delay="0"/>
+                            </p:stCondLst>
+                            <p:childTnLst>
+                              <p:par>
+                                <p:cTn id="5" presetID="1" presetClass="entr" presetSubtype="0" fill="hold" nodeType="clickEffect">
+                                  <p:stCondLst>
+                                    <p:cond delay="0"/>
+                                  </p:stCondLst>
+                                  <p:childTnLst>
+                                    <p:set>
+                                      <p:cBhvr>
+                                        <p:cTn id="6" dur="1" fill="hold">
+                                          <p:stCondLst>
+                                            <p:cond delay="0"/>
+                                          </p:stCondLst>
+                                        </p:cTn>
+                                        <p:tgtEl>
+                                          <p:spTgt spid="3">
+                                            <p:txEl>
+                                              <p:pRg st="2" end="2"/>
+                                            </p:txEl>
+                                          </p:spTgt>
+                                        </p:tgtEl>
+                                        <p:attrNameLst>
+                                          <p:attrName>style.visibility</p:attrName>
+                                        </p:attrNameLst>
+                                      </p:cBhvr>
+                                      <p:to>
+                                        <p:strVal val="visible"/>
+                                      </p:to>
+                                    </p:set>
+                                  </p:childTnLst>
+                                </p:cTn>
+                              </p:par>
+                            </p:childTnLst>
+                          </p:cTn>
+                        </p:par>
+                      </p:childTnLst>
+                    </p:cTn>
+                  </p:par>
+                </p:childTnLst>
+              </p:cTn>
+              <p:prevCondLst>
+                <p:cond evt="onPrev" delay="0">
+                  <p:tgtEl>
+                    <p:sldTgt/>
+                  </p:tgtEl>
+                </p:cond>
+              </p:prevCondLst>
+              <p:nextCondLst>
+                <p:cond evt="onNext" delay="0">
+                  <p:tgtEl>
+                    <p:sldTgt/>
+                  </p:tgtEl>
+                </p:cond>
+              </p:nextCondLst>
+            </p:seq>
+          </p:childTnLst>
+        </p:cTn>
+      </p:par>
+    </p:tnLst>
+  </p:timing>
 </p:sld>
 </file>
 
-<file path=ppt/slides/slide18.xml><?xml version="1.0" encoding="utf-8"?>
+<file path=ppt/slides/slide21.xml><?xml version="1.0" encoding="utf-8"?>
 <p:sld xmlns:a="http://schemas.openxmlformats.org/drawingml/2006/main" xmlns:r="http://schemas.openxmlformats.org/officeDocument/2006/relationships" xmlns:p="http://schemas.openxmlformats.org/presentationml/2006/main">
   <p:cSld>
     <p:spTree>
@@ -7160,7 +10143,7 @@
 </p:sld>
 </file>
 
-<file path=ppt/slides/slide19.xml><?xml version="1.0" encoding="utf-8"?>
+<file path=ppt/slides/slide22.xml><?xml version="1.0" encoding="utf-8"?>
 <p:sld xmlns:a="http://schemas.openxmlformats.org/drawingml/2006/main" xmlns:r="http://schemas.openxmlformats.org/officeDocument/2006/relationships" xmlns:p="http://schemas.openxmlformats.org/presentationml/2006/main">
   <p:cSld>
     <p:spTree>
@@ -7573,577 +10556,6 @@
 </p:sld>
 </file>
 
-<file path=ppt/slides/slide2.xml><?xml version="1.0" encoding="utf-8"?>
-<p:sld xmlns:a="http://schemas.openxmlformats.org/drawingml/2006/main" xmlns:r="http://schemas.openxmlformats.org/officeDocument/2006/relationships" xmlns:p="http://schemas.openxmlformats.org/presentationml/2006/main">
-  <p:cSld>
-    <p:spTree>
-      <p:nvGrpSpPr>
-        <p:cNvPr id="1" name=""/>
-        <p:cNvGrpSpPr/>
-        <p:nvPr/>
-      </p:nvGrpSpPr>
-      <p:grpSpPr>
-        <a:xfrm>
-          <a:off x="0" y="0"/>
-          <a:ext cx="0" cy="0"/>
-          <a:chOff x="0" y="0"/>
-          <a:chExt cx="0" cy="0"/>
-        </a:xfrm>
-      </p:grpSpPr>
-      <p:sp>
-        <p:nvSpPr>
-          <p:cNvPr id="2" name="Title 1">
-            <a:extLst>
-              <a:ext uri="{FF2B5EF4-FFF2-40B4-BE49-F238E27FC236}">
-                <a16:creationId xmlns:a16="http://schemas.microsoft.com/office/drawing/2014/main" id="{4394AD19-C704-3337-E786-E53B65B5EF47}"/>
-              </a:ext>
-            </a:extLst>
-          </p:cNvPr>
-          <p:cNvSpPr>
-            <a:spLocks noGrp="1"/>
-          </p:cNvSpPr>
-          <p:nvPr>
-            <p:ph type="title"/>
-          </p:nvPr>
-        </p:nvSpPr>
-        <p:spPr/>
-        <p:txBody>
-          <a:bodyPr/>
-          <a:lstStyle/>
-          <a:p>
-            <a:r>
-              <a:rPr lang="en-US" dirty="0"/>
-              <a:t>VWP 101: What is it?</a:t>
-            </a:r>
-          </a:p>
-        </p:txBody>
-      </p:sp>
-      <p:sp>
-        <p:nvSpPr>
-          <p:cNvPr id="3" name="Content Placeholder 2">
-            <a:extLst>
-              <a:ext uri="{FF2B5EF4-FFF2-40B4-BE49-F238E27FC236}">
-                <a16:creationId xmlns:a16="http://schemas.microsoft.com/office/drawing/2014/main" id="{F674470D-A0DC-5C6F-9135-692E68A831F0}"/>
-              </a:ext>
-            </a:extLst>
-          </p:cNvPr>
-          <p:cNvSpPr>
-            <a:spLocks noGrp="1"/>
-          </p:cNvSpPr>
-          <p:nvPr>
-            <p:ph idx="1"/>
-          </p:nvPr>
-        </p:nvSpPr>
-        <p:spPr/>
-        <p:txBody>
-          <a:bodyPr/>
-          <a:lstStyle/>
-          <a:p>
-            <a:r>
-              <a:rPr lang="en-US" sz="2400" dirty="0"/>
-              <a:t>A family of closely related experimental methods</a:t>
-            </a:r>
-          </a:p>
-          <a:p>
-            <a:pPr lvl="1"/>
-            <a:r>
-              <a:rPr lang="en-US" sz="2000" dirty="0"/>
-              <a:t>Physical</a:t>
-            </a:r>
-          </a:p>
-          <a:p>
-            <a:pPr lvl="1"/>
-            <a:r>
-              <a:rPr lang="en-US" sz="2000" dirty="0"/>
-              <a:t>On a screen</a:t>
-            </a:r>
-          </a:p>
-          <a:p>
-            <a:pPr lvl="1"/>
-            <a:r>
-              <a:rPr lang="en-US" sz="2000" dirty="0"/>
-              <a:t>In VR</a:t>
-            </a:r>
-          </a:p>
-          <a:p>
-            <a:endParaRPr lang="en-US" sz="2400" dirty="0"/>
-          </a:p>
-          <a:p>
-            <a:r>
-              <a:rPr lang="en-US" sz="2400" dirty="0"/>
-              <a:t>Participant eve movements are tracked while they listen to or produce language</a:t>
-            </a:r>
-          </a:p>
-          <a:p>
-            <a:endParaRPr lang="en-US" dirty="0"/>
-          </a:p>
-        </p:txBody>
-      </p:sp>
-      <p:sp>
-        <p:nvSpPr>
-          <p:cNvPr id="4" name="Footer Placeholder 3">
-            <a:extLst>
-              <a:ext uri="{FF2B5EF4-FFF2-40B4-BE49-F238E27FC236}">
-                <a16:creationId xmlns:a16="http://schemas.microsoft.com/office/drawing/2014/main" id="{3C6F5820-79A6-5B8D-C431-05ABE06819B6}"/>
-              </a:ext>
-            </a:extLst>
-          </p:cNvPr>
-          <p:cNvSpPr>
-            <a:spLocks noGrp="1"/>
-          </p:cNvSpPr>
-          <p:nvPr>
-            <p:ph type="ftr" sz="quarter" idx="11"/>
-          </p:nvPr>
-        </p:nvSpPr>
-        <p:spPr/>
-        <p:txBody>
-          <a:bodyPr/>
-          <a:lstStyle/>
-          <a:p>
-            <a:endParaRPr lang="en-US"/>
-          </a:p>
-        </p:txBody>
-      </p:sp>
-    </p:spTree>
-    <p:extLst>
-      <p:ext uri="{BB962C8B-B14F-4D97-AF65-F5344CB8AC3E}">
-        <p14:creationId xmlns:p14="http://schemas.microsoft.com/office/powerpoint/2010/main" val="2906309778"/>
-      </p:ext>
-    </p:extLst>
-  </p:cSld>
-  <p:clrMapOvr>
-    <a:masterClrMapping/>
-  </p:clrMapOvr>
-</p:sld>
-</file>
-
-<file path=ppt/slides/slide20.xml><?xml version="1.0" encoding="utf-8"?>
-<p:sld xmlns:a="http://schemas.openxmlformats.org/drawingml/2006/main" xmlns:r="http://schemas.openxmlformats.org/officeDocument/2006/relationships" xmlns:p="http://schemas.openxmlformats.org/presentationml/2006/main">
-  <p:cSld>
-    <p:spTree>
-      <p:nvGrpSpPr>
-        <p:cNvPr id="1" name=""/>
-        <p:cNvGrpSpPr/>
-        <p:nvPr/>
-      </p:nvGrpSpPr>
-      <p:grpSpPr>
-        <a:xfrm>
-          <a:off x="0" y="0"/>
-          <a:ext cx="0" cy="0"/>
-          <a:chOff x="0" y="0"/>
-          <a:chExt cx="0" cy="0"/>
-        </a:xfrm>
-      </p:grpSpPr>
-      <p:sp>
-        <p:nvSpPr>
-          <p:cNvPr id="2" name="Title 1">
-            <a:extLst>
-              <a:ext uri="{FF2B5EF4-FFF2-40B4-BE49-F238E27FC236}">
-                <a16:creationId xmlns:a16="http://schemas.microsoft.com/office/drawing/2014/main" id="{2B283BBA-9A5E-6CA0-7904-5F5D959AC640}"/>
-              </a:ext>
-            </a:extLst>
-          </p:cNvPr>
-          <p:cNvSpPr>
-            <a:spLocks noGrp="1"/>
-          </p:cNvSpPr>
-          <p:nvPr>
-            <p:ph type="title"/>
-          </p:nvPr>
-        </p:nvSpPr>
-        <p:spPr/>
-        <p:txBody>
-          <a:bodyPr/>
-          <a:lstStyle/>
-          <a:p>
-            <a:r>
-              <a:rPr lang="en-US" dirty="0"/>
-              <a:t>VWP 101: What can we study using VWP?</a:t>
-            </a:r>
-          </a:p>
-        </p:txBody>
-      </p:sp>
-      <p:sp>
-        <p:nvSpPr>
-          <p:cNvPr id="3" name="Content Placeholder 2">
-            <a:extLst>
-              <a:ext uri="{FF2B5EF4-FFF2-40B4-BE49-F238E27FC236}">
-                <a16:creationId xmlns:a16="http://schemas.microsoft.com/office/drawing/2014/main" id="{B246AEED-F825-F0B6-FDC6-878BD30003CF}"/>
-              </a:ext>
-            </a:extLst>
-          </p:cNvPr>
-          <p:cNvSpPr>
-            <a:spLocks noGrp="1"/>
-          </p:cNvSpPr>
-          <p:nvPr>
-            <p:ph idx="1"/>
-          </p:nvPr>
-        </p:nvSpPr>
-        <p:spPr/>
-        <p:txBody>
-          <a:bodyPr/>
-          <a:lstStyle/>
-          <a:p>
-            <a:r>
-              <a:rPr lang="en-US" sz="2800" dirty="0"/>
-              <a:t>Sentence processing</a:t>
-            </a:r>
-          </a:p>
-          <a:p>
-            <a:pPr lvl="1"/>
-            <a:r>
-              <a:rPr lang="en-US" sz="2400" dirty="0"/>
-              <a:t>How and when language users integrate different types of information</a:t>
-            </a:r>
-          </a:p>
-          <a:p>
-            <a:pPr lvl="1"/>
-            <a:r>
-              <a:rPr lang="en-US" sz="2400" dirty="0"/>
-              <a:t>How context modulates sentence processing</a:t>
-            </a:r>
-          </a:p>
-          <a:p>
-            <a:pPr lvl="1"/>
-            <a:endParaRPr lang="en-US" sz="2000" dirty="0"/>
-          </a:p>
-        </p:txBody>
-      </p:sp>
-      <p:sp>
-        <p:nvSpPr>
-          <p:cNvPr id="4" name="Footer Placeholder 3">
-            <a:extLst>
-              <a:ext uri="{FF2B5EF4-FFF2-40B4-BE49-F238E27FC236}">
-                <a16:creationId xmlns:a16="http://schemas.microsoft.com/office/drawing/2014/main" id="{0FD263E1-E692-2D4E-4A61-6443EDFBF90E}"/>
-              </a:ext>
-            </a:extLst>
-          </p:cNvPr>
-          <p:cNvSpPr>
-            <a:spLocks noGrp="1"/>
-          </p:cNvSpPr>
-          <p:nvPr>
-            <p:ph type="ftr" sz="quarter" idx="11"/>
-          </p:nvPr>
-        </p:nvSpPr>
-        <p:spPr/>
-        <p:txBody>
-          <a:bodyPr/>
-          <a:lstStyle/>
-          <a:p>
-            <a:endParaRPr lang="en-US"/>
-          </a:p>
-        </p:txBody>
-      </p:sp>
-    </p:spTree>
-    <p:extLst>
-      <p:ext uri="{BB962C8B-B14F-4D97-AF65-F5344CB8AC3E}">
-        <p14:creationId xmlns:p14="http://schemas.microsoft.com/office/powerpoint/2010/main" val="868547125"/>
-      </p:ext>
-    </p:extLst>
-  </p:cSld>
-  <p:clrMapOvr>
-    <a:masterClrMapping/>
-  </p:clrMapOvr>
-</p:sld>
-</file>
-
-<file path=ppt/slides/slide21.xml><?xml version="1.0" encoding="utf-8"?>
-<p:sld xmlns:a="http://schemas.openxmlformats.org/drawingml/2006/main" xmlns:r="http://schemas.openxmlformats.org/officeDocument/2006/relationships" xmlns:p="http://schemas.openxmlformats.org/presentationml/2006/main">
-  <p:cSld>
-    <p:spTree>
-      <p:nvGrpSpPr>
-        <p:cNvPr id="1" name=""/>
-        <p:cNvGrpSpPr/>
-        <p:nvPr/>
-      </p:nvGrpSpPr>
-      <p:grpSpPr>
-        <a:xfrm>
-          <a:off x="0" y="0"/>
-          <a:ext cx="0" cy="0"/>
-          <a:chOff x="0" y="0"/>
-          <a:chExt cx="0" cy="0"/>
-        </a:xfrm>
-      </p:grpSpPr>
-      <p:sp>
-        <p:nvSpPr>
-          <p:cNvPr id="2" name="Title 1">
-            <a:extLst>
-              <a:ext uri="{FF2B5EF4-FFF2-40B4-BE49-F238E27FC236}">
-                <a16:creationId xmlns:a16="http://schemas.microsoft.com/office/drawing/2014/main" id="{2B283BBA-9A5E-6CA0-7904-5F5D959AC640}"/>
-              </a:ext>
-            </a:extLst>
-          </p:cNvPr>
-          <p:cNvSpPr>
-            <a:spLocks noGrp="1"/>
-          </p:cNvSpPr>
-          <p:nvPr>
-            <p:ph type="title"/>
-          </p:nvPr>
-        </p:nvSpPr>
-        <p:spPr/>
-        <p:txBody>
-          <a:bodyPr/>
-          <a:lstStyle/>
-          <a:p>
-            <a:r>
-              <a:rPr lang="en-US" dirty="0"/>
-              <a:t>VWP 101: What can we study using VWP?</a:t>
-            </a:r>
-          </a:p>
-        </p:txBody>
-      </p:sp>
-      <p:sp>
-        <p:nvSpPr>
-          <p:cNvPr id="3" name="Content Placeholder 2">
-            <a:extLst>
-              <a:ext uri="{FF2B5EF4-FFF2-40B4-BE49-F238E27FC236}">
-                <a16:creationId xmlns:a16="http://schemas.microsoft.com/office/drawing/2014/main" id="{B246AEED-F825-F0B6-FDC6-878BD30003CF}"/>
-              </a:ext>
-            </a:extLst>
-          </p:cNvPr>
-          <p:cNvSpPr>
-            <a:spLocks noGrp="1"/>
-          </p:cNvSpPr>
-          <p:nvPr>
-            <p:ph idx="1"/>
-          </p:nvPr>
-        </p:nvSpPr>
-        <p:spPr/>
-        <p:txBody>
-          <a:bodyPr/>
-          <a:lstStyle/>
-          <a:p>
-            <a:pPr marL="0" indent="0" algn="ctr">
-              <a:buNone/>
-            </a:pPr>
-            <a:r>
-              <a:rPr lang="en-US" sz="2400" dirty="0"/>
-              <a:t>“Pour the egg in the bowl over the flour”</a:t>
-            </a:r>
-          </a:p>
-          <a:p>
-            <a:pPr marL="0" indent="0" algn="ctr">
-              <a:buNone/>
-            </a:pPr>
-            <a:endParaRPr lang="en-US" sz="2400" dirty="0"/>
-          </a:p>
-          <a:p>
-            <a:pPr marL="0" indent="0" algn="ctr">
-              <a:buNone/>
-            </a:pPr>
-            <a:endParaRPr lang="en-US" sz="2400" dirty="0"/>
-          </a:p>
-          <a:p>
-            <a:pPr marL="0" indent="0" algn="ctr">
-              <a:buNone/>
-            </a:pPr>
-            <a:endParaRPr lang="en-US" sz="2400" dirty="0"/>
-          </a:p>
-          <a:p>
-            <a:pPr marL="0" indent="0" algn="ctr">
-              <a:buNone/>
-            </a:pPr>
-            <a:endParaRPr lang="en-US" sz="2400" dirty="0"/>
-          </a:p>
-          <a:p>
-            <a:endParaRPr lang="en-US" dirty="0"/>
-          </a:p>
-        </p:txBody>
-      </p:sp>
-      <p:sp>
-        <p:nvSpPr>
-          <p:cNvPr id="4" name="Footer Placeholder 3">
-            <a:extLst>
-              <a:ext uri="{FF2B5EF4-FFF2-40B4-BE49-F238E27FC236}">
-                <a16:creationId xmlns:a16="http://schemas.microsoft.com/office/drawing/2014/main" id="{0FD263E1-E692-2D4E-4A61-6443EDFBF90E}"/>
-              </a:ext>
-            </a:extLst>
-          </p:cNvPr>
-          <p:cNvSpPr>
-            <a:spLocks noGrp="1"/>
-          </p:cNvSpPr>
-          <p:nvPr>
-            <p:ph type="ftr" sz="quarter" idx="11"/>
-          </p:nvPr>
-        </p:nvSpPr>
-        <p:spPr/>
-        <p:txBody>
-          <a:bodyPr/>
-          <a:lstStyle/>
-          <a:p>
-            <a:endParaRPr lang="en-US"/>
-          </a:p>
-        </p:txBody>
-      </p:sp>
-      <p:pic>
-        <p:nvPicPr>
-          <p:cNvPr id="6" name="Picture 5">
-            <a:extLst>
-              <a:ext uri="{FF2B5EF4-FFF2-40B4-BE49-F238E27FC236}">
-                <a16:creationId xmlns:a16="http://schemas.microsoft.com/office/drawing/2014/main" id="{72C2D8CA-8FC5-CA22-9889-87277D799CC1}"/>
-              </a:ext>
-            </a:extLst>
-          </p:cNvPr>
-          <p:cNvPicPr>
-            <a:picLocks noChangeAspect="1"/>
-          </p:cNvPicPr>
-          <p:nvPr/>
-        </p:nvPicPr>
-        <p:blipFill>
-          <a:blip r:embed="rId2"/>
-          <a:stretch>
-            <a:fillRect/>
-          </a:stretch>
-        </p:blipFill>
-        <p:spPr>
-          <a:xfrm>
-            <a:off x="3095580" y="3379935"/>
-            <a:ext cx="6000254" cy="2138637"/>
-          </a:xfrm>
-          <a:prstGeom prst="rect">
-            <a:avLst/>
-          </a:prstGeom>
-        </p:spPr>
-      </p:pic>
-    </p:spTree>
-    <p:extLst>
-      <p:ext uri="{BB962C8B-B14F-4D97-AF65-F5344CB8AC3E}">
-        <p14:creationId xmlns:p14="http://schemas.microsoft.com/office/powerpoint/2010/main" val="1010914432"/>
-      </p:ext>
-    </p:extLst>
-  </p:cSld>
-  <p:clrMapOvr>
-    <a:masterClrMapping/>
-  </p:clrMapOvr>
-</p:sld>
-</file>
-
-<file path=ppt/slides/slide22.xml><?xml version="1.0" encoding="utf-8"?>
-<p:sld xmlns:a="http://schemas.openxmlformats.org/drawingml/2006/main" xmlns:r="http://schemas.openxmlformats.org/officeDocument/2006/relationships" xmlns:p="http://schemas.openxmlformats.org/presentationml/2006/main">
-  <p:cSld>
-    <p:spTree>
-      <p:nvGrpSpPr>
-        <p:cNvPr id="1" name=""/>
-        <p:cNvGrpSpPr/>
-        <p:nvPr/>
-      </p:nvGrpSpPr>
-      <p:grpSpPr>
-        <a:xfrm>
-          <a:off x="0" y="0"/>
-          <a:ext cx="0" cy="0"/>
-          <a:chOff x="0" y="0"/>
-          <a:chExt cx="0" cy="0"/>
-        </a:xfrm>
-      </p:grpSpPr>
-      <p:sp>
-        <p:nvSpPr>
-          <p:cNvPr id="2" name="Title 1">
-            <a:extLst>
-              <a:ext uri="{FF2B5EF4-FFF2-40B4-BE49-F238E27FC236}">
-                <a16:creationId xmlns:a16="http://schemas.microsoft.com/office/drawing/2014/main" id="{6D11DF09-90A6-F50B-1FD9-65141DBA7B43}"/>
-              </a:ext>
-            </a:extLst>
-          </p:cNvPr>
-          <p:cNvSpPr>
-            <a:spLocks noGrp="1"/>
-          </p:cNvSpPr>
-          <p:nvPr>
-            <p:ph type="title"/>
-          </p:nvPr>
-        </p:nvSpPr>
-        <p:spPr/>
-        <p:txBody>
-          <a:bodyPr/>
-          <a:lstStyle/>
-          <a:p>
-            <a:r>
-              <a:rPr lang="en-US" dirty="0"/>
-              <a:t>VWP 101: What can we study using VWP?</a:t>
-            </a:r>
-          </a:p>
-        </p:txBody>
-      </p:sp>
-      <p:sp>
-        <p:nvSpPr>
-          <p:cNvPr id="3" name="Content Placeholder 2">
-            <a:extLst>
-              <a:ext uri="{FF2B5EF4-FFF2-40B4-BE49-F238E27FC236}">
-                <a16:creationId xmlns:a16="http://schemas.microsoft.com/office/drawing/2014/main" id="{E55968F0-ED86-8C19-7FCC-1B08F890788B}"/>
-              </a:ext>
-            </a:extLst>
-          </p:cNvPr>
-          <p:cNvSpPr>
-            <a:spLocks noGrp="1"/>
-          </p:cNvSpPr>
-          <p:nvPr>
-            <p:ph idx="1"/>
-          </p:nvPr>
-        </p:nvSpPr>
-        <p:spPr/>
-        <p:txBody>
-          <a:bodyPr>
-            <a:normAutofit/>
-          </a:bodyPr>
-          <a:lstStyle/>
-          <a:p>
-            <a:r>
-              <a:rPr lang="en-US" sz="2800" dirty="0"/>
-              <a:t>Prosody</a:t>
-            </a:r>
-          </a:p>
-          <a:p>
-            <a:pPr lvl="1"/>
-            <a:r>
-              <a:rPr lang="en-US" sz="2400" dirty="0"/>
-              <a:t>Differences in prosody can cause people to look at either new or previously mentioned objects</a:t>
-            </a:r>
-          </a:p>
-          <a:p>
-            <a:pPr lvl="1"/>
-            <a:r>
-              <a:rPr lang="en-US" sz="2400" dirty="0"/>
-              <a:t>Prosody influences the interpretation of syntactically ambiguous phrases</a:t>
-            </a:r>
-          </a:p>
-        </p:txBody>
-      </p:sp>
-      <p:sp>
-        <p:nvSpPr>
-          <p:cNvPr id="4" name="Footer Placeholder 3">
-            <a:extLst>
-              <a:ext uri="{FF2B5EF4-FFF2-40B4-BE49-F238E27FC236}">
-                <a16:creationId xmlns:a16="http://schemas.microsoft.com/office/drawing/2014/main" id="{BB4D4796-F70C-DA38-7181-5D8F381EF548}"/>
-              </a:ext>
-            </a:extLst>
-          </p:cNvPr>
-          <p:cNvSpPr>
-            <a:spLocks noGrp="1"/>
-          </p:cNvSpPr>
-          <p:nvPr>
-            <p:ph type="ftr" sz="quarter" idx="11"/>
-          </p:nvPr>
-        </p:nvSpPr>
-        <p:spPr/>
-        <p:txBody>
-          <a:bodyPr/>
-          <a:lstStyle/>
-          <a:p>
-            <a:endParaRPr lang="en-US"/>
-          </a:p>
-        </p:txBody>
-      </p:sp>
-    </p:spTree>
-    <p:extLst>
-      <p:ext uri="{BB962C8B-B14F-4D97-AF65-F5344CB8AC3E}">
-        <p14:creationId xmlns:p14="http://schemas.microsoft.com/office/powerpoint/2010/main" val="2988438041"/>
-      </p:ext>
-    </p:extLst>
-  </p:cSld>
-  <p:clrMapOvr>
-    <a:masterClrMapping/>
-  </p:clrMapOvr>
-</p:sld>
-</file>
-
 <file path=ppt/slides/slide23.xml><?xml version="1.0" encoding="utf-8"?>
 <p:sld xmlns:a="http://schemas.openxmlformats.org/drawingml/2006/main" xmlns:r="http://schemas.openxmlformats.org/officeDocument/2006/relationships" xmlns:p="http://schemas.openxmlformats.org/presentationml/2006/main">
   <p:cSld>
@@ -8166,7 +10578,7 @@
           <p:cNvPr id="2" name="Title 1">
             <a:extLst>
               <a:ext uri="{FF2B5EF4-FFF2-40B4-BE49-F238E27FC236}">
-                <a16:creationId xmlns:a16="http://schemas.microsoft.com/office/drawing/2014/main" id="{CFF851C1-0E48-B832-C319-145E480B3ABA}"/>
+                <a16:creationId xmlns:a16="http://schemas.microsoft.com/office/drawing/2014/main" id="{2B283BBA-9A5E-6CA0-7904-5F5D959AC640}"/>
               </a:ext>
             </a:extLst>
           </p:cNvPr>
@@ -8194,7 +10606,7 @@
           <p:cNvPr id="3" name="Content Placeholder 2">
             <a:extLst>
               <a:ext uri="{FF2B5EF4-FFF2-40B4-BE49-F238E27FC236}">
-                <a16:creationId xmlns:a16="http://schemas.microsoft.com/office/drawing/2014/main" id="{F375A0A3-C779-13A4-2F10-B091E7B10A04}"/>
+                <a16:creationId xmlns:a16="http://schemas.microsoft.com/office/drawing/2014/main" id="{B246AEED-F825-F0B6-FDC6-878BD30003CF}"/>
               </a:ext>
             </a:extLst>
           </p:cNvPr>
@@ -8207,42 +10619,31 @@
         </p:nvSpPr>
         <p:spPr/>
         <p:txBody>
-          <a:bodyPr>
-            <a:normAutofit/>
-          </a:bodyPr>
-          <a:lstStyle/>
-          <a:p>
+          <a:bodyPr/>
+          <a:lstStyle/>
+          <a:p>
+            <a:r>
+              <a:rPr lang="en-US" sz="2800" dirty="0"/>
+              <a:t>Sentence processing</a:t>
+            </a:r>
+          </a:p>
+          <a:p>
+            <a:pPr lvl="1"/>
             <a:r>
               <a:rPr lang="en-US" sz="2400" dirty="0"/>
-              <a:t>Single word processing</a:t>
+              <a:t>How and when language users integrate different types of information</a:t>
             </a:r>
           </a:p>
           <a:p>
             <a:pPr lvl="1"/>
             <a:r>
-              <a:rPr lang="en-US" sz="2000" dirty="0"/>
-              <a:t>Phonological processing</a:t>
+              <a:rPr lang="en-US" sz="2400" dirty="0"/>
+              <a:t>How context modulates sentence processing</a:t>
             </a:r>
           </a:p>
           <a:p>
             <a:pPr lvl="1"/>
-            <a:r>
-              <a:rPr lang="en-US" sz="2000" dirty="0"/>
-              <a:t>Cohort effects</a:t>
-            </a:r>
-          </a:p>
-          <a:p>
-            <a:pPr lvl="1"/>
-            <a:r>
-              <a:rPr lang="en-US" sz="2000" dirty="0"/>
-              <a:t>Word frequency effects</a:t>
-            </a:r>
-          </a:p>
-          <a:p>
-            <a:r>
-              <a:rPr lang="en-US" sz="2400" dirty="0"/>
-              <a:t>Subtle phonetic cues can modulate lexical activation</a:t>
-            </a:r>
+            <a:endParaRPr lang="en-US" sz="2000" dirty="0"/>
           </a:p>
         </p:txBody>
       </p:sp>
@@ -8251,7 +10652,7 @@
           <p:cNvPr id="4" name="Footer Placeholder 3">
             <a:extLst>
               <a:ext uri="{FF2B5EF4-FFF2-40B4-BE49-F238E27FC236}">
-                <a16:creationId xmlns:a16="http://schemas.microsoft.com/office/drawing/2014/main" id="{0DB555B4-4CFA-7FA8-B7B0-5FA9CABEFDCC}"/>
+                <a16:creationId xmlns:a16="http://schemas.microsoft.com/office/drawing/2014/main" id="{0FD263E1-E692-2D4E-4A61-6443EDFBF90E}"/>
               </a:ext>
             </a:extLst>
           </p:cNvPr>
@@ -8274,7 +10675,7 @@
     </p:spTree>
     <p:extLst>
       <p:ext uri="{BB962C8B-B14F-4D97-AF65-F5344CB8AC3E}">
-        <p14:creationId xmlns:p14="http://schemas.microsoft.com/office/powerpoint/2010/main" val="1822716731"/>
+        <p14:creationId xmlns:p14="http://schemas.microsoft.com/office/powerpoint/2010/main" val="868547125"/>
       </p:ext>
     </p:extLst>
   </p:cSld>
@@ -8306,7 +10707,7 @@
           <p:cNvPr id="2" name="Title 1">
             <a:extLst>
               <a:ext uri="{FF2B5EF4-FFF2-40B4-BE49-F238E27FC236}">
-                <a16:creationId xmlns:a16="http://schemas.microsoft.com/office/drawing/2014/main" id="{CFF851C1-0E48-B832-C319-145E480B3ABA}"/>
+                <a16:creationId xmlns:a16="http://schemas.microsoft.com/office/drawing/2014/main" id="{2B283BBA-9A5E-6CA0-7904-5F5D959AC640}"/>
               </a:ext>
             </a:extLst>
           </p:cNvPr>
@@ -8334,7 +10735,7 @@
           <p:cNvPr id="3" name="Content Placeholder 2">
             <a:extLst>
               <a:ext uri="{FF2B5EF4-FFF2-40B4-BE49-F238E27FC236}">
-                <a16:creationId xmlns:a16="http://schemas.microsoft.com/office/drawing/2014/main" id="{F375A0A3-C779-13A4-2F10-B091E7B10A04}"/>
+                <a16:creationId xmlns:a16="http://schemas.microsoft.com/office/drawing/2014/main" id="{B246AEED-F825-F0B6-FDC6-878BD30003CF}"/>
               </a:ext>
             </a:extLst>
           </p:cNvPr>
@@ -8347,39 +10748,43 @@
         </p:nvSpPr>
         <p:spPr/>
         <p:txBody>
-          <a:bodyPr>
-            <a:normAutofit/>
-          </a:bodyPr>
-          <a:lstStyle/>
-          <a:p>
+          <a:bodyPr/>
+          <a:lstStyle/>
+          <a:p>
+            <a:pPr marL="0" indent="0" algn="ctr">
+              <a:buNone/>
+            </a:pPr>
             <a:r>
               <a:rPr lang="en-US" sz="2400" dirty="0"/>
-              <a:t>Bilingual word recognition</a:t>
-            </a:r>
-          </a:p>
-          <a:p>
-            <a:pPr lvl="1"/>
-            <a:r>
-              <a:rPr lang="en-US" sz="2200" dirty="0"/>
-              <a:t>Mainly focused on cross linguistic lexical access</a:t>
-            </a:r>
-          </a:p>
-          <a:p>
-            <a:pPr lvl="1"/>
-            <a:r>
-              <a:rPr lang="en-US" sz="2200" dirty="0"/>
-              <a:t>Is lexical access language-specific or are both languages activated?</a:t>
-            </a:r>
-          </a:p>
-          <a:p>
-            <a:pPr lvl="1"/>
-            <a:endParaRPr lang="en-US" sz="2200" dirty="0"/>
-          </a:p>
-          <a:p>
-            <a:r>
-              <a:rPr lang="en-US" sz="2400" dirty="0"/>
-              <a:t>Age of acquisition, acoustic information, proficiency all seem to interact with cross linguistic activation</a:t>
-            </a:r>
+              <a:t>“Pour the egg in the bowl over the flour”</a:t>
+            </a:r>
+          </a:p>
+          <a:p>
+            <a:pPr marL="0" indent="0" algn="ctr">
+              <a:buNone/>
+            </a:pPr>
+            <a:endParaRPr lang="en-US" sz="2400" dirty="0"/>
+          </a:p>
+          <a:p>
+            <a:pPr marL="0" indent="0" algn="ctr">
+              <a:buNone/>
+            </a:pPr>
+            <a:endParaRPr lang="en-US" sz="2400" dirty="0"/>
+          </a:p>
+          <a:p>
+            <a:pPr marL="0" indent="0" algn="ctr">
+              <a:buNone/>
+            </a:pPr>
+            <a:endParaRPr lang="en-US" sz="2400" dirty="0"/>
+          </a:p>
+          <a:p>
+            <a:pPr marL="0" indent="0" algn="ctr">
+              <a:buNone/>
+            </a:pPr>
+            <a:endParaRPr lang="en-US" sz="2400" dirty="0"/>
+          </a:p>
+          <a:p>
+            <a:endParaRPr lang="en-US" dirty="0"/>
           </a:p>
         </p:txBody>
       </p:sp>
@@ -8388,7 +10793,7 @@
           <p:cNvPr id="4" name="Footer Placeholder 3">
             <a:extLst>
               <a:ext uri="{FF2B5EF4-FFF2-40B4-BE49-F238E27FC236}">
-                <a16:creationId xmlns:a16="http://schemas.microsoft.com/office/drawing/2014/main" id="{0DB555B4-4CFA-7FA8-B7B0-5FA9CABEFDCC}"/>
+                <a16:creationId xmlns:a16="http://schemas.microsoft.com/office/drawing/2014/main" id="{0FD263E1-E692-2D4E-4A61-6443EDFBF90E}"/>
               </a:ext>
             </a:extLst>
           </p:cNvPr>
@@ -8408,10 +10813,94 @@
           </a:p>
         </p:txBody>
       </p:sp>
+      <p:pic>
+        <p:nvPicPr>
+          <p:cNvPr id="6" name="Picture 5">
+            <a:extLst>
+              <a:ext uri="{FF2B5EF4-FFF2-40B4-BE49-F238E27FC236}">
+                <a16:creationId xmlns:a16="http://schemas.microsoft.com/office/drawing/2014/main" id="{72C2D8CA-8FC5-CA22-9889-87277D799CC1}"/>
+              </a:ext>
+            </a:extLst>
+          </p:cNvPr>
+          <p:cNvPicPr>
+            <a:picLocks noChangeAspect="1"/>
+          </p:cNvPicPr>
+          <p:nvPr/>
+        </p:nvPicPr>
+        <p:blipFill>
+          <a:blip r:embed="rId3"/>
+          <a:stretch>
+            <a:fillRect/>
+          </a:stretch>
+        </p:blipFill>
+        <p:spPr>
+          <a:xfrm>
+            <a:off x="3095580" y="3379935"/>
+            <a:ext cx="6000254" cy="2138637"/>
+          </a:xfrm>
+          <a:prstGeom prst="rect">
+            <a:avLst/>
+          </a:prstGeom>
+        </p:spPr>
+      </p:pic>
+      <p:sp>
+        <p:nvSpPr>
+          <p:cNvPr id="5" name="Rectangle 4">
+            <a:extLst>
+              <a:ext uri="{FF2B5EF4-FFF2-40B4-BE49-F238E27FC236}">
+                <a16:creationId xmlns:a16="http://schemas.microsoft.com/office/drawing/2014/main" id="{4765AE43-32FA-1C26-4221-0D9C04978A66}"/>
+              </a:ext>
+            </a:extLst>
+          </p:cNvPr>
+          <p:cNvSpPr/>
+          <p:nvPr/>
+        </p:nvSpPr>
+        <p:spPr>
+          <a:xfrm>
+            <a:off x="6096000" y="3429000"/>
+            <a:ext cx="2963159" cy="2019693"/>
+          </a:xfrm>
+          <a:prstGeom prst="rect">
+            <a:avLst/>
+          </a:prstGeom>
+          <a:solidFill>
+            <a:schemeClr val="tx1"/>
+          </a:solidFill>
+          <a:ln>
+            <a:solidFill>
+              <a:schemeClr val="tx1"/>
+            </a:solidFill>
+          </a:ln>
+        </p:spPr>
+        <p:style>
+          <a:lnRef idx="2">
+            <a:schemeClr val="accent1">
+              <a:shade val="15000"/>
+            </a:schemeClr>
+          </a:lnRef>
+          <a:fillRef idx="1">
+            <a:schemeClr val="accent1"/>
+          </a:fillRef>
+          <a:effectRef idx="0">
+            <a:schemeClr val="accent1"/>
+          </a:effectRef>
+          <a:fontRef idx="minor">
+            <a:schemeClr val="lt1"/>
+          </a:fontRef>
+        </p:style>
+        <p:txBody>
+          <a:bodyPr rtlCol="0" anchor="ctr"/>
+          <a:lstStyle/>
+          <a:p>
+            <a:pPr algn="ctr"/>
+            <a:endParaRPr lang="en-US"/>
+          </a:p>
+        </p:txBody>
+      </p:sp>
     </p:spTree>
     <p:extLst>
       <p:ext uri="{BB962C8B-B14F-4D97-AF65-F5344CB8AC3E}">
-        <p14:creationId xmlns:p14="http://schemas.microsoft.com/office/powerpoint/2010/main" val="815269653"/>
+        <p14:creationId xmlns:p14="http://schemas.microsoft.com/office/powerpoint/2010/main" val="1010914432"/>
       </p:ext>
     </p:extLst>
   </p:cSld>
@@ -8443,7 +10932,7 @@
           <p:cNvPr id="2" name="Title 1">
             <a:extLst>
               <a:ext uri="{FF2B5EF4-FFF2-40B4-BE49-F238E27FC236}">
-                <a16:creationId xmlns:a16="http://schemas.microsoft.com/office/drawing/2014/main" id="{39A9CA77-F157-5E75-B622-C143166C626B}"/>
+                <a16:creationId xmlns:a16="http://schemas.microsoft.com/office/drawing/2014/main" id="{2B283BBA-9A5E-6CA0-7904-5F5D959AC640}"/>
               </a:ext>
             </a:extLst>
           </p:cNvPr>
@@ -8471,7 +10960,7 @@
           <p:cNvPr id="3" name="Content Placeholder 2">
             <a:extLst>
               <a:ext uri="{FF2B5EF4-FFF2-40B4-BE49-F238E27FC236}">
-                <a16:creationId xmlns:a16="http://schemas.microsoft.com/office/drawing/2014/main" id="{A75CA5EA-56A0-9E84-BC7E-F7479093EE86}"/>
+                <a16:creationId xmlns:a16="http://schemas.microsoft.com/office/drawing/2014/main" id="{B246AEED-F825-F0B6-FDC6-878BD30003CF}"/>
               </a:ext>
             </a:extLst>
           </p:cNvPr>
@@ -8484,29 +10973,43 @@
         </p:nvSpPr>
         <p:spPr/>
         <p:txBody>
-          <a:bodyPr>
-            <a:normAutofit/>
-          </a:bodyPr>
-          <a:lstStyle/>
-          <a:p>
-            <a:r>
-              <a:rPr lang="en-US" sz="2800" dirty="0"/>
-              <a:t>Prediction!</a:t>
-            </a:r>
-          </a:p>
-          <a:p>
-            <a:pPr lvl="1"/>
+          <a:bodyPr/>
+          <a:lstStyle/>
+          <a:p>
+            <a:pPr marL="0" indent="0" algn="ctr">
+              <a:buNone/>
+            </a:pPr>
             <a:r>
               <a:rPr lang="en-US" sz="2400" dirty="0"/>
-              <a:t>Listeners use linguistic and visual information to predict upcoming linguistic input</a:t>
-            </a:r>
-          </a:p>
-          <a:p>
-            <a:pPr lvl="1"/>
-            <a:r>
-              <a:rPr lang="en-US" sz="2400" dirty="0"/>
-              <a:t>Language-mediated eye movements reflect continuously updated mental representations based on both linguistic and visual input</a:t>
-            </a:r>
+              <a:t>“Pour the egg in the bowl over the flour”</a:t>
+            </a:r>
+          </a:p>
+          <a:p>
+            <a:pPr marL="0" indent="0" algn="ctr">
+              <a:buNone/>
+            </a:pPr>
+            <a:endParaRPr lang="en-US" sz="2400" dirty="0"/>
+          </a:p>
+          <a:p>
+            <a:pPr marL="0" indent="0" algn="ctr">
+              <a:buNone/>
+            </a:pPr>
+            <a:endParaRPr lang="en-US" sz="2400" dirty="0"/>
+          </a:p>
+          <a:p>
+            <a:pPr marL="0" indent="0" algn="ctr">
+              <a:buNone/>
+            </a:pPr>
+            <a:endParaRPr lang="en-US" sz="2400" dirty="0"/>
+          </a:p>
+          <a:p>
+            <a:pPr marL="0" indent="0" algn="ctr">
+              <a:buNone/>
+            </a:pPr>
+            <a:endParaRPr lang="en-US" sz="2400" dirty="0"/>
+          </a:p>
+          <a:p>
+            <a:endParaRPr lang="en-US" dirty="0"/>
           </a:p>
         </p:txBody>
       </p:sp>
@@ -8515,7 +11018,7 @@
           <p:cNvPr id="4" name="Footer Placeholder 3">
             <a:extLst>
               <a:ext uri="{FF2B5EF4-FFF2-40B4-BE49-F238E27FC236}">
-                <a16:creationId xmlns:a16="http://schemas.microsoft.com/office/drawing/2014/main" id="{7C8B1984-0029-8FC9-3964-DBD6375EAB8B}"/>
+                <a16:creationId xmlns:a16="http://schemas.microsoft.com/office/drawing/2014/main" id="{0FD263E1-E692-2D4E-4A61-6443EDFBF90E}"/>
               </a:ext>
             </a:extLst>
           </p:cNvPr>
@@ -8535,10 +11038,143 @@
           </a:p>
         </p:txBody>
       </p:sp>
+      <p:pic>
+        <p:nvPicPr>
+          <p:cNvPr id="6" name="Picture 5">
+            <a:extLst>
+              <a:ext uri="{FF2B5EF4-FFF2-40B4-BE49-F238E27FC236}">
+                <a16:creationId xmlns:a16="http://schemas.microsoft.com/office/drawing/2014/main" id="{72C2D8CA-8FC5-CA22-9889-87277D799CC1}"/>
+              </a:ext>
+            </a:extLst>
+          </p:cNvPr>
+          <p:cNvPicPr>
+            <a:picLocks noChangeAspect="1"/>
+          </p:cNvPicPr>
+          <p:nvPr/>
+        </p:nvPicPr>
+        <p:blipFill>
+          <a:blip r:embed="rId3"/>
+          <a:stretch>
+            <a:fillRect/>
+          </a:stretch>
+        </p:blipFill>
+        <p:spPr>
+          <a:xfrm>
+            <a:off x="3095580" y="3379935"/>
+            <a:ext cx="6000254" cy="2138637"/>
+          </a:xfrm>
+          <a:prstGeom prst="rect">
+            <a:avLst/>
+          </a:prstGeom>
+        </p:spPr>
+      </p:pic>
+      <p:sp>
+        <p:nvSpPr>
+          <p:cNvPr id="5" name="Rectangle 4">
+            <a:extLst>
+              <a:ext uri="{FF2B5EF4-FFF2-40B4-BE49-F238E27FC236}">
+                <a16:creationId xmlns:a16="http://schemas.microsoft.com/office/drawing/2014/main" id="{52CA5F12-FDBB-BD76-7A18-4FD973FB732D}"/>
+              </a:ext>
+            </a:extLst>
+          </p:cNvPr>
+          <p:cNvSpPr/>
+          <p:nvPr/>
+        </p:nvSpPr>
+        <p:spPr>
+          <a:xfrm>
+            <a:off x="3131267" y="3470601"/>
+            <a:ext cx="2963159" cy="2019693"/>
+          </a:xfrm>
+          <a:prstGeom prst="rect">
+            <a:avLst/>
+          </a:prstGeom>
+          <a:solidFill>
+            <a:schemeClr val="tx1"/>
+          </a:solidFill>
+          <a:ln>
+            <a:solidFill>
+              <a:schemeClr val="tx1"/>
+            </a:solidFill>
+          </a:ln>
+        </p:spPr>
+        <p:style>
+          <a:lnRef idx="2">
+            <a:schemeClr val="accent1">
+              <a:shade val="15000"/>
+            </a:schemeClr>
+          </a:lnRef>
+          <a:fillRef idx="1">
+            <a:schemeClr val="accent1"/>
+          </a:fillRef>
+          <a:effectRef idx="0">
+            <a:schemeClr val="accent1"/>
+          </a:effectRef>
+          <a:fontRef idx="minor">
+            <a:schemeClr val="lt1"/>
+          </a:fontRef>
+        </p:style>
+        <p:txBody>
+          <a:bodyPr rtlCol="0" anchor="ctr"/>
+          <a:lstStyle/>
+          <a:p>
+            <a:pPr algn="ctr"/>
+            <a:endParaRPr lang="en-US"/>
+          </a:p>
+        </p:txBody>
+      </p:sp>
+      <p:sp>
+        <p:nvSpPr>
+          <p:cNvPr id="7" name="Oval 6">
+            <a:extLst>
+              <a:ext uri="{FF2B5EF4-FFF2-40B4-BE49-F238E27FC236}">
+                <a16:creationId xmlns:a16="http://schemas.microsoft.com/office/drawing/2014/main" id="{11088435-ABD5-A3DD-7876-4D1AA0291306}"/>
+              </a:ext>
+            </a:extLst>
+          </p:cNvPr>
+          <p:cNvSpPr/>
+          <p:nvPr/>
+        </p:nvSpPr>
+        <p:spPr>
+          <a:xfrm>
+            <a:off x="6556341" y="4303336"/>
+            <a:ext cx="744718" cy="688157"/>
+          </a:xfrm>
+          <a:prstGeom prst="ellipse">
+            <a:avLst/>
+          </a:prstGeom>
+          <a:noFill/>
+        </p:spPr>
+        <p:style>
+          <a:lnRef idx="2">
+            <a:schemeClr val="accent1">
+              <a:shade val="15000"/>
+            </a:schemeClr>
+          </a:lnRef>
+          <a:fillRef idx="1">
+            <a:schemeClr val="accent1"/>
+          </a:fillRef>
+          <a:effectRef idx="0">
+            <a:schemeClr val="accent1"/>
+          </a:effectRef>
+          <a:fontRef idx="minor">
+            <a:schemeClr val="lt1"/>
+          </a:fontRef>
+        </p:style>
+        <p:txBody>
+          <a:bodyPr rtlCol="0" anchor="ctr"/>
+          <a:lstStyle/>
+          <a:p>
+            <a:pPr algn="ctr"/>
+            <a:endParaRPr lang="en-US">
+              <a:noFill/>
+            </a:endParaRPr>
+          </a:p>
+        </p:txBody>
+      </p:sp>
     </p:spTree>
     <p:extLst>
       <p:ext uri="{BB962C8B-B14F-4D97-AF65-F5344CB8AC3E}">
-        <p14:creationId xmlns:p14="http://schemas.microsoft.com/office/powerpoint/2010/main" val="1224662584"/>
+        <p14:creationId xmlns:p14="http://schemas.microsoft.com/office/powerpoint/2010/main" val="3247052764"/>
       </p:ext>
     </p:extLst>
   </p:cSld>
@@ -8570,6 +11206,875 @@
           <p:cNvPr id="2" name="Title 1">
             <a:extLst>
               <a:ext uri="{FF2B5EF4-FFF2-40B4-BE49-F238E27FC236}">
+                <a16:creationId xmlns:a16="http://schemas.microsoft.com/office/drawing/2014/main" id="{6D11DF09-90A6-F50B-1FD9-65141DBA7B43}"/>
+              </a:ext>
+            </a:extLst>
+          </p:cNvPr>
+          <p:cNvSpPr>
+            <a:spLocks noGrp="1"/>
+          </p:cNvSpPr>
+          <p:nvPr>
+            <p:ph type="title"/>
+          </p:nvPr>
+        </p:nvSpPr>
+        <p:spPr/>
+        <p:txBody>
+          <a:bodyPr/>
+          <a:lstStyle/>
+          <a:p>
+            <a:r>
+              <a:rPr lang="en-US" dirty="0"/>
+              <a:t>VWP 101: What can we study using VWP?</a:t>
+            </a:r>
+          </a:p>
+        </p:txBody>
+      </p:sp>
+      <p:sp>
+        <p:nvSpPr>
+          <p:cNvPr id="3" name="Content Placeholder 2">
+            <a:extLst>
+              <a:ext uri="{FF2B5EF4-FFF2-40B4-BE49-F238E27FC236}">
+                <a16:creationId xmlns:a16="http://schemas.microsoft.com/office/drawing/2014/main" id="{E55968F0-ED86-8C19-7FCC-1B08F890788B}"/>
+              </a:ext>
+            </a:extLst>
+          </p:cNvPr>
+          <p:cNvSpPr>
+            <a:spLocks noGrp="1"/>
+          </p:cNvSpPr>
+          <p:nvPr>
+            <p:ph idx="1"/>
+          </p:nvPr>
+        </p:nvSpPr>
+        <p:spPr/>
+        <p:txBody>
+          <a:bodyPr>
+            <a:normAutofit/>
+          </a:bodyPr>
+          <a:lstStyle/>
+          <a:p>
+            <a:r>
+              <a:rPr lang="en-US" sz="2800" dirty="0"/>
+              <a:t>Prosody</a:t>
+            </a:r>
+          </a:p>
+          <a:p>
+            <a:pPr lvl="1"/>
+            <a:r>
+              <a:rPr lang="en-US" sz="2400" dirty="0"/>
+              <a:t>Differences in prosody can cause people to look at either new or previously mentioned objects</a:t>
+            </a:r>
+          </a:p>
+          <a:p>
+            <a:pPr lvl="1"/>
+            <a:r>
+              <a:rPr lang="en-US" sz="2400" dirty="0"/>
+              <a:t>Prosody influences the interpretation of syntactically ambiguous phrases</a:t>
+            </a:r>
+          </a:p>
+        </p:txBody>
+      </p:sp>
+      <p:sp>
+        <p:nvSpPr>
+          <p:cNvPr id="4" name="Footer Placeholder 3">
+            <a:extLst>
+              <a:ext uri="{FF2B5EF4-FFF2-40B4-BE49-F238E27FC236}">
+                <a16:creationId xmlns:a16="http://schemas.microsoft.com/office/drawing/2014/main" id="{BB4D4796-F70C-DA38-7181-5D8F381EF548}"/>
+              </a:ext>
+            </a:extLst>
+          </p:cNvPr>
+          <p:cNvSpPr>
+            <a:spLocks noGrp="1"/>
+          </p:cNvSpPr>
+          <p:nvPr>
+            <p:ph type="ftr" sz="quarter" idx="11"/>
+          </p:nvPr>
+        </p:nvSpPr>
+        <p:spPr/>
+        <p:txBody>
+          <a:bodyPr/>
+          <a:lstStyle/>
+          <a:p>
+            <a:endParaRPr lang="en-US"/>
+          </a:p>
+        </p:txBody>
+      </p:sp>
+    </p:spTree>
+    <p:extLst>
+      <p:ext uri="{BB962C8B-B14F-4D97-AF65-F5344CB8AC3E}">
+        <p14:creationId xmlns:p14="http://schemas.microsoft.com/office/powerpoint/2010/main" val="2988438041"/>
+      </p:ext>
+    </p:extLst>
+  </p:cSld>
+  <p:clrMapOvr>
+    <a:masterClrMapping/>
+  </p:clrMapOvr>
+</p:sld>
+</file>
+
+<file path=ppt/slides/slide27.xml><?xml version="1.0" encoding="utf-8"?>
+<p:sld xmlns:a="http://schemas.openxmlformats.org/drawingml/2006/main" xmlns:r="http://schemas.openxmlformats.org/officeDocument/2006/relationships" xmlns:p="http://schemas.openxmlformats.org/presentationml/2006/main">
+  <p:cSld>
+    <p:spTree>
+      <p:nvGrpSpPr>
+        <p:cNvPr id="1" name=""/>
+        <p:cNvGrpSpPr/>
+        <p:nvPr/>
+      </p:nvGrpSpPr>
+      <p:grpSpPr>
+        <a:xfrm>
+          <a:off x="0" y="0"/>
+          <a:ext cx="0" cy="0"/>
+          <a:chOff x="0" y="0"/>
+          <a:chExt cx="0" cy="0"/>
+        </a:xfrm>
+      </p:grpSpPr>
+      <p:sp>
+        <p:nvSpPr>
+          <p:cNvPr id="2" name="Title 1">
+            <a:extLst>
+              <a:ext uri="{FF2B5EF4-FFF2-40B4-BE49-F238E27FC236}">
+                <a16:creationId xmlns:a16="http://schemas.microsoft.com/office/drawing/2014/main" id="{CFF851C1-0E48-B832-C319-145E480B3ABA}"/>
+              </a:ext>
+            </a:extLst>
+          </p:cNvPr>
+          <p:cNvSpPr>
+            <a:spLocks noGrp="1"/>
+          </p:cNvSpPr>
+          <p:nvPr>
+            <p:ph type="title"/>
+          </p:nvPr>
+        </p:nvSpPr>
+        <p:spPr/>
+        <p:txBody>
+          <a:bodyPr/>
+          <a:lstStyle/>
+          <a:p>
+            <a:r>
+              <a:rPr lang="en-US" dirty="0"/>
+              <a:t>VWP 101: What can we study using VWP?</a:t>
+            </a:r>
+          </a:p>
+        </p:txBody>
+      </p:sp>
+      <p:sp>
+        <p:nvSpPr>
+          <p:cNvPr id="3" name="Content Placeholder 2">
+            <a:extLst>
+              <a:ext uri="{FF2B5EF4-FFF2-40B4-BE49-F238E27FC236}">
+                <a16:creationId xmlns:a16="http://schemas.microsoft.com/office/drawing/2014/main" id="{F375A0A3-C779-13A4-2F10-B091E7B10A04}"/>
+              </a:ext>
+            </a:extLst>
+          </p:cNvPr>
+          <p:cNvSpPr>
+            <a:spLocks noGrp="1"/>
+          </p:cNvSpPr>
+          <p:nvPr>
+            <p:ph idx="1"/>
+          </p:nvPr>
+        </p:nvSpPr>
+        <p:spPr/>
+        <p:txBody>
+          <a:bodyPr>
+            <a:normAutofit/>
+          </a:bodyPr>
+          <a:lstStyle/>
+          <a:p>
+            <a:r>
+              <a:rPr lang="en-US" sz="2800" dirty="0"/>
+              <a:t>Single word processing</a:t>
+            </a:r>
+          </a:p>
+          <a:p>
+            <a:pPr lvl="1"/>
+            <a:r>
+              <a:rPr lang="en-US" sz="2400" dirty="0"/>
+              <a:t>Phonological processing</a:t>
+            </a:r>
+          </a:p>
+          <a:p>
+            <a:pPr lvl="1"/>
+            <a:r>
+              <a:rPr lang="en-US" sz="2400" dirty="0"/>
+              <a:t>Cohort effects</a:t>
+            </a:r>
+          </a:p>
+          <a:p>
+            <a:pPr lvl="1"/>
+            <a:r>
+              <a:rPr lang="en-US" sz="2400" dirty="0"/>
+              <a:t>Word frequency effects</a:t>
+            </a:r>
+          </a:p>
+          <a:p>
+            <a:r>
+              <a:rPr lang="en-US" sz="2800" dirty="0"/>
+              <a:t>Subtle phonetic cues can modulate lexical activation</a:t>
+            </a:r>
+          </a:p>
+        </p:txBody>
+      </p:sp>
+      <p:sp>
+        <p:nvSpPr>
+          <p:cNvPr id="4" name="Footer Placeholder 3">
+            <a:extLst>
+              <a:ext uri="{FF2B5EF4-FFF2-40B4-BE49-F238E27FC236}">
+                <a16:creationId xmlns:a16="http://schemas.microsoft.com/office/drawing/2014/main" id="{0DB555B4-4CFA-7FA8-B7B0-5FA9CABEFDCC}"/>
+              </a:ext>
+            </a:extLst>
+          </p:cNvPr>
+          <p:cNvSpPr>
+            <a:spLocks noGrp="1"/>
+          </p:cNvSpPr>
+          <p:nvPr>
+            <p:ph type="ftr" sz="quarter" idx="11"/>
+          </p:nvPr>
+        </p:nvSpPr>
+        <p:spPr/>
+        <p:txBody>
+          <a:bodyPr/>
+          <a:lstStyle/>
+          <a:p>
+            <a:endParaRPr lang="en-US"/>
+          </a:p>
+        </p:txBody>
+      </p:sp>
+    </p:spTree>
+    <p:extLst>
+      <p:ext uri="{BB962C8B-B14F-4D97-AF65-F5344CB8AC3E}">
+        <p14:creationId xmlns:p14="http://schemas.microsoft.com/office/powerpoint/2010/main" val="1822716731"/>
+      </p:ext>
+    </p:extLst>
+  </p:cSld>
+  <p:clrMapOvr>
+    <a:masterClrMapping/>
+  </p:clrMapOvr>
+</p:sld>
+</file>
+
+<file path=ppt/slides/slide28.xml><?xml version="1.0" encoding="utf-8"?>
+<p:sld xmlns:a="http://schemas.openxmlformats.org/drawingml/2006/main" xmlns:r="http://schemas.openxmlformats.org/officeDocument/2006/relationships" xmlns:p="http://schemas.openxmlformats.org/presentationml/2006/main">
+  <p:cSld>
+    <p:spTree>
+      <p:nvGrpSpPr>
+        <p:cNvPr id="1" name=""/>
+        <p:cNvGrpSpPr/>
+        <p:nvPr/>
+      </p:nvGrpSpPr>
+      <p:grpSpPr>
+        <a:xfrm>
+          <a:off x="0" y="0"/>
+          <a:ext cx="0" cy="0"/>
+          <a:chOff x="0" y="0"/>
+          <a:chExt cx="0" cy="0"/>
+        </a:xfrm>
+      </p:grpSpPr>
+      <p:sp>
+        <p:nvSpPr>
+          <p:cNvPr id="2" name="Title 1">
+            <a:extLst>
+              <a:ext uri="{FF2B5EF4-FFF2-40B4-BE49-F238E27FC236}">
+                <a16:creationId xmlns:a16="http://schemas.microsoft.com/office/drawing/2014/main" id="{CFF851C1-0E48-B832-C319-145E480B3ABA}"/>
+              </a:ext>
+            </a:extLst>
+          </p:cNvPr>
+          <p:cNvSpPr>
+            <a:spLocks noGrp="1"/>
+          </p:cNvSpPr>
+          <p:nvPr>
+            <p:ph type="title"/>
+          </p:nvPr>
+        </p:nvSpPr>
+        <p:spPr/>
+        <p:txBody>
+          <a:bodyPr/>
+          <a:lstStyle/>
+          <a:p>
+            <a:r>
+              <a:rPr lang="en-US" dirty="0"/>
+              <a:t>VWP 101: What can we study using VWP?</a:t>
+            </a:r>
+          </a:p>
+        </p:txBody>
+      </p:sp>
+      <p:sp>
+        <p:nvSpPr>
+          <p:cNvPr id="3" name="Content Placeholder 2">
+            <a:extLst>
+              <a:ext uri="{FF2B5EF4-FFF2-40B4-BE49-F238E27FC236}">
+                <a16:creationId xmlns:a16="http://schemas.microsoft.com/office/drawing/2014/main" id="{F375A0A3-C779-13A4-2F10-B091E7B10A04}"/>
+              </a:ext>
+            </a:extLst>
+          </p:cNvPr>
+          <p:cNvSpPr>
+            <a:spLocks noGrp="1"/>
+          </p:cNvSpPr>
+          <p:nvPr>
+            <p:ph idx="1"/>
+          </p:nvPr>
+        </p:nvSpPr>
+        <p:spPr/>
+        <p:txBody>
+          <a:bodyPr>
+            <a:normAutofit/>
+          </a:bodyPr>
+          <a:lstStyle/>
+          <a:p>
+            <a:r>
+              <a:rPr lang="en-US" sz="2400" dirty="0"/>
+              <a:t>Bilingual word recognition</a:t>
+            </a:r>
+          </a:p>
+          <a:p>
+            <a:pPr lvl="1"/>
+            <a:r>
+              <a:rPr lang="en-US" sz="2200" dirty="0"/>
+              <a:t>Mainly focused on cross linguistic lexical access</a:t>
+            </a:r>
+          </a:p>
+          <a:p>
+            <a:pPr lvl="1"/>
+            <a:r>
+              <a:rPr lang="en-US" sz="2200" dirty="0"/>
+              <a:t>Is lexical access language-specific or are both languages activated?</a:t>
+            </a:r>
+          </a:p>
+          <a:p>
+            <a:pPr lvl="1"/>
+            <a:endParaRPr lang="en-US" sz="2200" dirty="0"/>
+          </a:p>
+          <a:p>
+            <a:r>
+              <a:rPr lang="en-US" sz="2400" dirty="0"/>
+              <a:t>Age of acquisition, acoustic information, proficiency all seem to interact with cross linguistic activation</a:t>
+            </a:r>
+          </a:p>
+        </p:txBody>
+      </p:sp>
+      <p:sp>
+        <p:nvSpPr>
+          <p:cNvPr id="4" name="Footer Placeholder 3">
+            <a:extLst>
+              <a:ext uri="{FF2B5EF4-FFF2-40B4-BE49-F238E27FC236}">
+                <a16:creationId xmlns:a16="http://schemas.microsoft.com/office/drawing/2014/main" id="{0DB555B4-4CFA-7FA8-B7B0-5FA9CABEFDCC}"/>
+              </a:ext>
+            </a:extLst>
+          </p:cNvPr>
+          <p:cNvSpPr>
+            <a:spLocks noGrp="1"/>
+          </p:cNvSpPr>
+          <p:nvPr>
+            <p:ph type="ftr" sz="quarter" idx="11"/>
+          </p:nvPr>
+        </p:nvSpPr>
+        <p:spPr/>
+        <p:txBody>
+          <a:bodyPr/>
+          <a:lstStyle/>
+          <a:p>
+            <a:endParaRPr lang="en-US"/>
+          </a:p>
+        </p:txBody>
+      </p:sp>
+    </p:spTree>
+    <p:extLst>
+      <p:ext uri="{BB962C8B-B14F-4D97-AF65-F5344CB8AC3E}">
+        <p14:creationId xmlns:p14="http://schemas.microsoft.com/office/powerpoint/2010/main" val="815269653"/>
+      </p:ext>
+    </p:extLst>
+  </p:cSld>
+  <p:clrMapOvr>
+    <a:masterClrMapping/>
+  </p:clrMapOvr>
+</p:sld>
+</file>
+
+<file path=ppt/slides/slide29.xml><?xml version="1.0" encoding="utf-8"?>
+<p:sld xmlns:a="http://schemas.openxmlformats.org/drawingml/2006/main" xmlns:r="http://schemas.openxmlformats.org/officeDocument/2006/relationships" xmlns:p="http://schemas.openxmlformats.org/presentationml/2006/main">
+  <p:cSld>
+    <p:spTree>
+      <p:nvGrpSpPr>
+        <p:cNvPr id="1" name=""/>
+        <p:cNvGrpSpPr/>
+        <p:nvPr/>
+      </p:nvGrpSpPr>
+      <p:grpSpPr>
+        <a:xfrm>
+          <a:off x="0" y="0"/>
+          <a:ext cx="0" cy="0"/>
+          <a:chOff x="0" y="0"/>
+          <a:chExt cx="0" cy="0"/>
+        </a:xfrm>
+      </p:grpSpPr>
+      <p:sp>
+        <p:nvSpPr>
+          <p:cNvPr id="2" name="Title 1">
+            <a:extLst>
+              <a:ext uri="{FF2B5EF4-FFF2-40B4-BE49-F238E27FC236}">
+                <a16:creationId xmlns:a16="http://schemas.microsoft.com/office/drawing/2014/main" id="{39A9CA77-F157-5E75-B622-C143166C626B}"/>
+              </a:ext>
+            </a:extLst>
+          </p:cNvPr>
+          <p:cNvSpPr>
+            <a:spLocks noGrp="1"/>
+          </p:cNvSpPr>
+          <p:nvPr>
+            <p:ph type="title"/>
+          </p:nvPr>
+        </p:nvSpPr>
+        <p:spPr/>
+        <p:txBody>
+          <a:bodyPr/>
+          <a:lstStyle/>
+          <a:p>
+            <a:r>
+              <a:rPr lang="en-US" dirty="0"/>
+              <a:t>VWP 101: What can we study using VWP?</a:t>
+            </a:r>
+          </a:p>
+        </p:txBody>
+      </p:sp>
+      <p:sp>
+        <p:nvSpPr>
+          <p:cNvPr id="3" name="Content Placeholder 2">
+            <a:extLst>
+              <a:ext uri="{FF2B5EF4-FFF2-40B4-BE49-F238E27FC236}">
+                <a16:creationId xmlns:a16="http://schemas.microsoft.com/office/drawing/2014/main" id="{A75CA5EA-56A0-9E84-BC7E-F7479093EE86}"/>
+              </a:ext>
+            </a:extLst>
+          </p:cNvPr>
+          <p:cNvSpPr>
+            <a:spLocks noGrp="1"/>
+          </p:cNvSpPr>
+          <p:nvPr>
+            <p:ph idx="1"/>
+          </p:nvPr>
+        </p:nvSpPr>
+        <p:spPr/>
+        <p:txBody>
+          <a:bodyPr>
+            <a:normAutofit/>
+          </a:bodyPr>
+          <a:lstStyle/>
+          <a:p>
+            <a:r>
+              <a:rPr lang="en-US" sz="2800" dirty="0"/>
+              <a:t>Prediction!</a:t>
+            </a:r>
+          </a:p>
+          <a:p>
+            <a:pPr lvl="1"/>
+            <a:r>
+              <a:rPr lang="en-US" sz="2400" dirty="0"/>
+              <a:t>Listeners use linguistic and visual information to predict upcoming linguistic input</a:t>
+            </a:r>
+          </a:p>
+          <a:p>
+            <a:pPr lvl="1"/>
+            <a:r>
+              <a:rPr lang="en-US" sz="2400" dirty="0"/>
+              <a:t>Language-mediated eye movements reflect continuously updated mental representations based on both linguistic and visual input</a:t>
+            </a:r>
+          </a:p>
+        </p:txBody>
+      </p:sp>
+      <p:sp>
+        <p:nvSpPr>
+          <p:cNvPr id="4" name="Footer Placeholder 3">
+            <a:extLst>
+              <a:ext uri="{FF2B5EF4-FFF2-40B4-BE49-F238E27FC236}">
+                <a16:creationId xmlns:a16="http://schemas.microsoft.com/office/drawing/2014/main" id="{7C8B1984-0029-8FC9-3964-DBD6375EAB8B}"/>
+              </a:ext>
+            </a:extLst>
+          </p:cNvPr>
+          <p:cNvSpPr>
+            <a:spLocks noGrp="1"/>
+          </p:cNvSpPr>
+          <p:nvPr>
+            <p:ph type="ftr" sz="quarter" idx="11"/>
+          </p:nvPr>
+        </p:nvSpPr>
+        <p:spPr/>
+        <p:txBody>
+          <a:bodyPr/>
+          <a:lstStyle/>
+          <a:p>
+            <a:endParaRPr lang="en-US"/>
+          </a:p>
+        </p:txBody>
+      </p:sp>
+    </p:spTree>
+    <p:extLst>
+      <p:ext uri="{BB962C8B-B14F-4D97-AF65-F5344CB8AC3E}">
+        <p14:creationId xmlns:p14="http://schemas.microsoft.com/office/powerpoint/2010/main" val="1224662584"/>
+      </p:ext>
+    </p:extLst>
+  </p:cSld>
+  <p:clrMapOvr>
+    <a:masterClrMapping/>
+  </p:clrMapOvr>
+</p:sld>
+</file>
+
+<file path=ppt/slides/slide3.xml><?xml version="1.0" encoding="utf-8"?>
+<p:sld xmlns:a="http://schemas.openxmlformats.org/drawingml/2006/main" xmlns:r="http://schemas.openxmlformats.org/officeDocument/2006/relationships" xmlns:p="http://schemas.openxmlformats.org/presentationml/2006/main">
+  <p:cSld>
+    <p:spTree>
+      <p:nvGrpSpPr>
+        <p:cNvPr id="1" name=""/>
+        <p:cNvGrpSpPr/>
+        <p:nvPr/>
+      </p:nvGrpSpPr>
+      <p:grpSpPr>
+        <a:xfrm>
+          <a:off x="0" y="0"/>
+          <a:ext cx="0" cy="0"/>
+          <a:chOff x="0" y="0"/>
+          <a:chExt cx="0" cy="0"/>
+        </a:xfrm>
+      </p:grpSpPr>
+      <p:sp>
+        <p:nvSpPr>
+          <p:cNvPr id="2" name="Title 1">
+            <a:extLst>
+              <a:ext uri="{FF2B5EF4-FFF2-40B4-BE49-F238E27FC236}">
+                <a16:creationId xmlns:a16="http://schemas.microsoft.com/office/drawing/2014/main" id="{403EBD64-268B-E6CF-38C5-3C31CDBB4AC4}"/>
+              </a:ext>
+            </a:extLst>
+          </p:cNvPr>
+          <p:cNvSpPr>
+            <a:spLocks noGrp="1"/>
+          </p:cNvSpPr>
+          <p:nvPr>
+            <p:ph type="title"/>
+          </p:nvPr>
+        </p:nvSpPr>
+        <p:spPr/>
+        <p:txBody>
+          <a:bodyPr/>
+          <a:lstStyle/>
+          <a:p>
+            <a:r>
+              <a:rPr lang="en-US" dirty="0"/>
+              <a:t>VWP 101: What is it?</a:t>
+            </a:r>
+          </a:p>
+        </p:txBody>
+      </p:sp>
+      <p:sp>
+        <p:nvSpPr>
+          <p:cNvPr id="4" name="Footer Placeholder 3">
+            <a:extLst>
+              <a:ext uri="{FF2B5EF4-FFF2-40B4-BE49-F238E27FC236}">
+                <a16:creationId xmlns:a16="http://schemas.microsoft.com/office/drawing/2014/main" id="{A04F4DB8-8CEA-1940-F8B5-9FCF712704DF}"/>
+              </a:ext>
+            </a:extLst>
+          </p:cNvPr>
+          <p:cNvSpPr>
+            <a:spLocks noGrp="1"/>
+          </p:cNvSpPr>
+          <p:nvPr>
+            <p:ph type="ftr" sz="quarter" idx="11"/>
+          </p:nvPr>
+        </p:nvSpPr>
+        <p:spPr/>
+        <p:txBody>
+          <a:bodyPr/>
+          <a:lstStyle/>
+          <a:p>
+            <a:r>
+              <a:rPr lang="en-US" dirty="0"/>
+              <a:t>Altmann 1999</a:t>
+            </a:r>
+          </a:p>
+        </p:txBody>
+      </p:sp>
+      <p:pic>
+        <p:nvPicPr>
+          <p:cNvPr id="5" name="Picture 4">
+            <a:extLst>
+              <a:ext uri="{FF2B5EF4-FFF2-40B4-BE49-F238E27FC236}">
+                <a16:creationId xmlns:a16="http://schemas.microsoft.com/office/drawing/2014/main" id="{AAE2456D-D081-9593-6DAA-B22AAF3EE118}"/>
+              </a:ext>
+            </a:extLst>
+          </p:cNvPr>
+          <p:cNvPicPr>
+            <a:picLocks noChangeAspect="1"/>
+          </p:cNvPicPr>
+          <p:nvPr/>
+        </p:nvPicPr>
+        <p:blipFill>
+          <a:blip r:embed="rId2"/>
+          <a:stretch>
+            <a:fillRect/>
+          </a:stretch>
+        </p:blipFill>
+        <p:spPr>
+          <a:xfrm>
+            <a:off x="3372258" y="2165318"/>
+            <a:ext cx="5447482" cy="4058606"/>
+          </a:xfrm>
+          <a:prstGeom prst="rect">
+            <a:avLst/>
+          </a:prstGeom>
+        </p:spPr>
+      </p:pic>
+      <p:sp>
+        <p:nvSpPr>
+          <p:cNvPr id="8" name="Speech Bubble: Oval 7">
+            <a:extLst>
+              <a:ext uri="{FF2B5EF4-FFF2-40B4-BE49-F238E27FC236}">
+                <a16:creationId xmlns:a16="http://schemas.microsoft.com/office/drawing/2014/main" id="{980B199C-B3E7-D489-EFB3-863743BD1854}"/>
+              </a:ext>
+            </a:extLst>
+          </p:cNvPr>
+          <p:cNvSpPr/>
+          <p:nvPr/>
+        </p:nvSpPr>
+        <p:spPr>
+          <a:xfrm>
+            <a:off x="451514" y="2062299"/>
+            <a:ext cx="2698595" cy="3100039"/>
+          </a:xfrm>
+          <a:prstGeom prst="wedgeEllipseCallout">
+            <a:avLst/>
+          </a:prstGeom>
+        </p:spPr>
+        <p:style>
+          <a:lnRef idx="2">
+            <a:schemeClr val="accent1">
+              <a:shade val="15000"/>
+            </a:schemeClr>
+          </a:lnRef>
+          <a:fillRef idx="1">
+            <a:schemeClr val="accent1"/>
+          </a:fillRef>
+          <a:effectRef idx="0">
+            <a:schemeClr val="accent1"/>
+          </a:effectRef>
+          <a:fontRef idx="minor">
+            <a:schemeClr val="lt1"/>
+          </a:fontRef>
+        </p:style>
+        <p:txBody>
+          <a:bodyPr rtlCol="0" anchor="ctr"/>
+          <a:lstStyle/>
+          <a:p>
+            <a:pPr algn="ctr"/>
+            <a:r>
+              <a:rPr lang="en-US" sz="2800" dirty="0"/>
+              <a:t>The boy will move the cake</a:t>
+            </a:r>
+          </a:p>
+        </p:txBody>
+      </p:sp>
+      <p:sp>
+        <p:nvSpPr>
+          <p:cNvPr id="9" name="Speech Bubble: Oval 8">
+            <a:extLst>
+              <a:ext uri="{FF2B5EF4-FFF2-40B4-BE49-F238E27FC236}">
+                <a16:creationId xmlns:a16="http://schemas.microsoft.com/office/drawing/2014/main" id="{A6C7CBBC-FF9E-B5A9-8BF7-F49EE081E48C}"/>
+              </a:ext>
+            </a:extLst>
+          </p:cNvPr>
+          <p:cNvSpPr/>
+          <p:nvPr/>
+        </p:nvSpPr>
+        <p:spPr>
+          <a:xfrm>
+            <a:off x="9240229" y="2062299"/>
+            <a:ext cx="2698595" cy="3100039"/>
+          </a:xfrm>
+          <a:prstGeom prst="wedgeEllipseCallout">
+            <a:avLst/>
+          </a:prstGeom>
+        </p:spPr>
+        <p:style>
+          <a:lnRef idx="2">
+            <a:schemeClr val="accent1">
+              <a:shade val="15000"/>
+            </a:schemeClr>
+          </a:lnRef>
+          <a:fillRef idx="1">
+            <a:schemeClr val="accent1"/>
+          </a:fillRef>
+          <a:effectRef idx="0">
+            <a:schemeClr val="accent1"/>
+          </a:effectRef>
+          <a:fontRef idx="minor">
+            <a:schemeClr val="lt1"/>
+          </a:fontRef>
+        </p:style>
+        <p:txBody>
+          <a:bodyPr rtlCol="0" anchor="ctr"/>
+          <a:lstStyle/>
+          <a:p>
+            <a:pPr algn="ctr"/>
+            <a:r>
+              <a:rPr lang="en-US" sz="2800" dirty="0"/>
+              <a:t>The boy will eat the cake</a:t>
+            </a:r>
+          </a:p>
+        </p:txBody>
+      </p:sp>
+    </p:spTree>
+    <p:extLst>
+      <p:ext uri="{BB962C8B-B14F-4D97-AF65-F5344CB8AC3E}">
+        <p14:creationId xmlns:p14="http://schemas.microsoft.com/office/powerpoint/2010/main" val="1833058368"/>
+      </p:ext>
+    </p:extLst>
+  </p:cSld>
+  <p:clrMapOvr>
+    <a:masterClrMapping/>
+  </p:clrMapOvr>
+  <p:timing>
+    <p:tnLst>
+      <p:par>
+        <p:cTn id="1" dur="indefinite" restart="never" nodeType="tmRoot">
+          <p:childTnLst>
+            <p:seq concurrent="1" nextAc="seek">
+              <p:cTn id="2" dur="indefinite" nodeType="mainSeq">
+                <p:childTnLst>
+                  <p:par>
+                    <p:cTn id="3" fill="hold">
+                      <p:stCondLst>
+                        <p:cond delay="indefinite"/>
+                      </p:stCondLst>
+                      <p:childTnLst>
+                        <p:par>
+                          <p:cTn id="4" fill="hold">
+                            <p:stCondLst>
+                              <p:cond delay="0"/>
+                            </p:stCondLst>
+                            <p:childTnLst>
+                              <p:par>
+                                <p:cTn id="5" presetID="1" presetClass="entr" presetSubtype="0" fill="hold" grpId="0" nodeType="clickEffect">
+                                  <p:stCondLst>
+                                    <p:cond delay="0"/>
+                                  </p:stCondLst>
+                                  <p:childTnLst>
+                                    <p:set>
+                                      <p:cBhvr>
+                                        <p:cTn id="6" dur="1" fill="hold">
+                                          <p:stCondLst>
+                                            <p:cond delay="0"/>
+                                          </p:stCondLst>
+                                        </p:cTn>
+                                        <p:tgtEl>
+                                          <p:spTgt spid="8"/>
+                                        </p:tgtEl>
+                                        <p:attrNameLst>
+                                          <p:attrName>style.visibility</p:attrName>
+                                        </p:attrNameLst>
+                                      </p:cBhvr>
+                                      <p:to>
+                                        <p:strVal val="visible"/>
+                                      </p:to>
+                                    </p:set>
+                                  </p:childTnLst>
+                                </p:cTn>
+                              </p:par>
+                            </p:childTnLst>
+                          </p:cTn>
+                        </p:par>
+                      </p:childTnLst>
+                    </p:cTn>
+                  </p:par>
+                  <p:par>
+                    <p:cTn id="7" fill="hold">
+                      <p:stCondLst>
+                        <p:cond delay="indefinite"/>
+                      </p:stCondLst>
+                      <p:childTnLst>
+                        <p:par>
+                          <p:cTn id="8" fill="hold">
+                            <p:stCondLst>
+                              <p:cond delay="0"/>
+                            </p:stCondLst>
+                            <p:childTnLst>
+                              <p:par>
+                                <p:cTn id="9" presetID="1" presetClass="entr" presetSubtype="0" fill="hold" grpId="0" nodeType="clickEffect">
+                                  <p:stCondLst>
+                                    <p:cond delay="0"/>
+                                  </p:stCondLst>
+                                  <p:childTnLst>
+                                    <p:set>
+                                      <p:cBhvr>
+                                        <p:cTn id="10" dur="1" fill="hold">
+                                          <p:stCondLst>
+                                            <p:cond delay="0"/>
+                                          </p:stCondLst>
+                                        </p:cTn>
+                                        <p:tgtEl>
+                                          <p:spTgt spid="9"/>
+                                        </p:tgtEl>
+                                        <p:attrNameLst>
+                                          <p:attrName>style.visibility</p:attrName>
+                                        </p:attrNameLst>
+                                      </p:cBhvr>
+                                      <p:to>
+                                        <p:strVal val="visible"/>
+                                      </p:to>
+                                    </p:set>
+                                  </p:childTnLst>
+                                </p:cTn>
+                              </p:par>
+                            </p:childTnLst>
+                          </p:cTn>
+                        </p:par>
+                      </p:childTnLst>
+                    </p:cTn>
+                  </p:par>
+                </p:childTnLst>
+              </p:cTn>
+              <p:prevCondLst>
+                <p:cond evt="onPrev" delay="0">
+                  <p:tgtEl>
+                    <p:sldTgt/>
+                  </p:tgtEl>
+                </p:cond>
+              </p:prevCondLst>
+              <p:nextCondLst>
+                <p:cond evt="onNext" delay="0">
+                  <p:tgtEl>
+                    <p:sldTgt/>
+                  </p:tgtEl>
+                </p:cond>
+              </p:nextCondLst>
+            </p:seq>
+          </p:childTnLst>
+        </p:cTn>
+      </p:par>
+    </p:tnLst>
+    <p:bldLst>
+      <p:bldP spid="8" grpId="0" animBg="1"/>
+      <p:bldP spid="9" grpId="0" animBg="1"/>
+    </p:bldLst>
+  </p:timing>
+</p:sld>
+</file>
+
+<file path=ppt/slides/slide30.xml><?xml version="1.0" encoding="utf-8"?>
+<p:sld xmlns:a="http://schemas.openxmlformats.org/drawingml/2006/main" xmlns:r="http://schemas.openxmlformats.org/officeDocument/2006/relationships" xmlns:p="http://schemas.openxmlformats.org/presentationml/2006/main">
+  <p:cSld>
+    <p:spTree>
+      <p:nvGrpSpPr>
+        <p:cNvPr id="1" name=""/>
+        <p:cNvGrpSpPr/>
+        <p:nvPr/>
+      </p:nvGrpSpPr>
+      <p:grpSpPr>
+        <a:xfrm>
+          <a:off x="0" y="0"/>
+          <a:ext cx="0" cy="0"/>
+          <a:chOff x="0" y="0"/>
+          <a:chExt cx="0" cy="0"/>
+        </a:xfrm>
+      </p:grpSpPr>
+      <p:sp>
+        <p:nvSpPr>
+          <p:cNvPr id="2" name="Title 1">
+            <a:extLst>
+              <a:ext uri="{FF2B5EF4-FFF2-40B4-BE49-F238E27FC236}">
                 <a16:creationId xmlns:a16="http://schemas.microsoft.com/office/drawing/2014/main" id="{B5270DE7-5050-1CB1-3D33-D84DBDEF1F82}"/>
               </a:ext>
             </a:extLst>
@@ -8664,7 +12169,7 @@
 </p:sld>
 </file>
 
-<file path=ppt/slides/slide27.xml><?xml version="1.0" encoding="utf-8"?>
+<file path=ppt/slides/slide31.xml><?xml version="1.0" encoding="utf-8"?>
 <p:sld xmlns:a="http://schemas.openxmlformats.org/drawingml/2006/main" xmlns:r="http://schemas.openxmlformats.org/officeDocument/2006/relationships" xmlns:p="http://schemas.openxmlformats.org/presentationml/2006/main">
   <p:cSld>
     <p:spTree>
@@ -8861,69 +12366,7 @@
                                         <p:tgtEl>
                                           <p:spTgt spid="3">
                                             <p:txEl>
-                                              <p:pRg st="0" end="0"/>
-                                            </p:txEl>
-                                          </p:spTgt>
-                                        </p:tgtEl>
-                                        <p:attrNameLst>
-                                          <p:attrName>style.visibility</p:attrName>
-                                        </p:attrNameLst>
-                                      </p:cBhvr>
-                                      <p:to>
-                                        <p:strVal val="visible"/>
-                                      </p:to>
-                                    </p:set>
-                                  </p:childTnLst>
-                                </p:cTn>
-                              </p:par>
-                              <p:par>
-                                <p:cTn id="7" presetID="1" presetClass="entr" presetSubtype="0" fill="hold" nodeType="withEffect">
-                                  <p:stCondLst>
-                                    <p:cond delay="0"/>
-                                  </p:stCondLst>
-                                  <p:childTnLst>
-                                    <p:set>
-                                      <p:cBhvr>
-                                        <p:cTn id="8" dur="1" fill="hold">
-                                          <p:stCondLst>
-                                            <p:cond delay="0"/>
-                                          </p:stCondLst>
-                                        </p:cTn>
-                                        <p:tgtEl>
-                                          <p:spTgt spid="3">
-                                            <p:txEl>
-                                              <p:pRg st="1" end="1"/>
-                                            </p:txEl>
-                                          </p:spTgt>
-                                        </p:tgtEl>
-                                        <p:attrNameLst>
-                                          <p:attrName>style.visibility</p:attrName>
-                                        </p:attrNameLst>
-                                      </p:cBhvr>
-                                      <p:to>
-                                        <p:strVal val="visible"/>
-                                      </p:to>
-                                    </p:set>
-                                  </p:childTnLst>
-                                </p:cTn>
-                              </p:par>
-                              <p:par>
-                                <p:cTn id="9" presetID="1" presetClass="entr" presetSubtype="0" fill="hold" nodeType="withEffect">
-                                  <p:stCondLst>
-                                    <p:cond delay="0"/>
-                                  </p:stCondLst>
-                                  <p:childTnLst>
-                                    <p:set>
-                                      <p:cBhvr>
-                                        <p:cTn id="10" dur="1" fill="hold">
-                                          <p:stCondLst>
-                                            <p:cond delay="0"/>
-                                          </p:stCondLst>
-                                        </p:cTn>
-                                        <p:tgtEl>
-                                          <p:spTgt spid="3">
-                                            <p:txEl>
-                                              <p:pRg st="2" end="2"/>
+                                              <p:pRg st="3" end="3"/>
                                             </p:txEl>
                                           </p:spTgt>
                                         </p:tgtEl>
@@ -8945,19 +12388,81 @@
                     </p:cTn>
                   </p:par>
                   <p:par>
-                    <p:cTn id="11" fill="hold">
+                    <p:cTn id="7" fill="hold">
                       <p:stCondLst>
                         <p:cond delay="indefinite"/>
                       </p:stCondLst>
                       <p:childTnLst>
                         <p:par>
-                          <p:cTn id="12" fill="hold">
+                          <p:cTn id="8" fill="hold">
                             <p:stCondLst>
                               <p:cond delay="0"/>
                             </p:stCondLst>
                             <p:childTnLst>
                               <p:par>
-                                <p:cTn id="13" presetID="1" presetClass="entr" presetSubtype="0" fill="hold" nodeType="clickEffect">
+                                <p:cTn id="9" presetID="1" presetClass="entr" presetSubtype="0" fill="hold" nodeType="clickEffect">
+                                  <p:stCondLst>
+                                    <p:cond delay="0"/>
+                                  </p:stCondLst>
+                                  <p:childTnLst>
+                                    <p:set>
+                                      <p:cBhvr>
+                                        <p:cTn id="10" dur="1" fill="hold">
+                                          <p:stCondLst>
+                                            <p:cond delay="0"/>
+                                          </p:stCondLst>
+                                        </p:cTn>
+                                        <p:tgtEl>
+                                          <p:spTgt spid="3">
+                                            <p:txEl>
+                                              <p:pRg st="5" end="5"/>
+                                            </p:txEl>
+                                          </p:spTgt>
+                                        </p:tgtEl>
+                                        <p:attrNameLst>
+                                          <p:attrName>style.visibility</p:attrName>
+                                        </p:attrNameLst>
+                                      </p:cBhvr>
+                                      <p:to>
+                                        <p:strVal val="visible"/>
+                                      </p:to>
+                                    </p:set>
+                                  </p:childTnLst>
+                                </p:cTn>
+                              </p:par>
+                              <p:par>
+                                <p:cTn id="11" presetID="1" presetClass="entr" presetSubtype="0" fill="hold" nodeType="withEffect">
+                                  <p:stCondLst>
+                                    <p:cond delay="0"/>
+                                  </p:stCondLst>
+                                  <p:childTnLst>
+                                    <p:set>
+                                      <p:cBhvr>
+                                        <p:cTn id="12" dur="1" fill="hold">
+                                          <p:stCondLst>
+                                            <p:cond delay="0"/>
+                                          </p:stCondLst>
+                                        </p:cTn>
+                                        <p:tgtEl>
+                                          <p:spTgt spid="3">
+                                            <p:txEl>
+                                              <p:pRg st="6" end="6"/>
+                                            </p:txEl>
+                                          </p:spTgt>
+                                        </p:tgtEl>
+                                        <p:attrNameLst>
+                                          <p:attrName>style.visibility</p:attrName>
+                                        </p:attrNameLst>
+                                      </p:cBhvr>
+                                      <p:to>
+                                        <p:strVal val="visible"/>
+                                      </p:to>
+                                    </p:set>
+                                  </p:childTnLst>
+                                </p:cTn>
+                              </p:par>
+                              <p:par>
+                                <p:cTn id="13" presetID="1" presetClass="entr" presetSubtype="0" fill="hold" nodeType="withEffect">
                                   <p:stCondLst>
                                     <p:cond delay="0"/>
                                   </p:stCondLst>
@@ -8972,7 +12477,7 @@
                                         <p:tgtEl>
                                           <p:spTgt spid="3">
                                             <p:txEl>
-                                              <p:pRg st="3" end="3"/>
+                                              <p:pRg st="7" end="7"/>
                                             </p:txEl>
                                           </p:spTgt>
                                         </p:tgtEl>
@@ -9014,117 +12519,6 @@
                                     <p:set>
                                       <p:cBhvr>
                                         <p:cTn id="18" dur="1" fill="hold">
-                                          <p:stCondLst>
-                                            <p:cond delay="0"/>
-                                          </p:stCondLst>
-                                        </p:cTn>
-                                        <p:tgtEl>
-                                          <p:spTgt spid="3">
-                                            <p:txEl>
-                                              <p:pRg st="5" end="5"/>
-                                            </p:txEl>
-                                          </p:spTgt>
-                                        </p:tgtEl>
-                                        <p:attrNameLst>
-                                          <p:attrName>style.visibility</p:attrName>
-                                        </p:attrNameLst>
-                                      </p:cBhvr>
-                                      <p:to>
-                                        <p:strVal val="visible"/>
-                                      </p:to>
-                                    </p:set>
-                                  </p:childTnLst>
-                                </p:cTn>
-                              </p:par>
-                              <p:par>
-                                <p:cTn id="19" presetID="1" presetClass="entr" presetSubtype="0" fill="hold" nodeType="withEffect">
-                                  <p:stCondLst>
-                                    <p:cond delay="0"/>
-                                  </p:stCondLst>
-                                  <p:childTnLst>
-                                    <p:set>
-                                      <p:cBhvr>
-                                        <p:cTn id="20" dur="1" fill="hold">
-                                          <p:stCondLst>
-                                            <p:cond delay="0"/>
-                                          </p:stCondLst>
-                                        </p:cTn>
-                                        <p:tgtEl>
-                                          <p:spTgt spid="3">
-                                            <p:txEl>
-                                              <p:pRg st="6" end="6"/>
-                                            </p:txEl>
-                                          </p:spTgt>
-                                        </p:tgtEl>
-                                        <p:attrNameLst>
-                                          <p:attrName>style.visibility</p:attrName>
-                                        </p:attrNameLst>
-                                      </p:cBhvr>
-                                      <p:to>
-                                        <p:strVal val="visible"/>
-                                      </p:to>
-                                    </p:set>
-                                  </p:childTnLst>
-                                </p:cTn>
-                              </p:par>
-                              <p:par>
-                                <p:cTn id="21" presetID="1" presetClass="entr" presetSubtype="0" fill="hold" nodeType="withEffect">
-                                  <p:stCondLst>
-                                    <p:cond delay="0"/>
-                                  </p:stCondLst>
-                                  <p:childTnLst>
-                                    <p:set>
-                                      <p:cBhvr>
-                                        <p:cTn id="22" dur="1" fill="hold">
-                                          <p:stCondLst>
-                                            <p:cond delay="0"/>
-                                          </p:stCondLst>
-                                        </p:cTn>
-                                        <p:tgtEl>
-                                          <p:spTgt spid="3">
-                                            <p:txEl>
-                                              <p:pRg st="7" end="7"/>
-                                            </p:txEl>
-                                          </p:spTgt>
-                                        </p:tgtEl>
-                                        <p:attrNameLst>
-                                          <p:attrName>style.visibility</p:attrName>
-                                        </p:attrNameLst>
-                                      </p:cBhvr>
-                                      <p:to>
-                                        <p:strVal val="visible"/>
-                                      </p:to>
-                                    </p:set>
-                                  </p:childTnLst>
-                                </p:cTn>
-                              </p:par>
-                            </p:childTnLst>
-                          </p:cTn>
-                        </p:par>
-                      </p:childTnLst>
-                    </p:cTn>
-                  </p:par>
-                  <p:par>
-                    <p:cTn id="23" fill="hold">
-                      <p:stCondLst>
-                        <p:cond delay="indefinite"/>
-                      </p:stCondLst>
-                      <p:childTnLst>
-                        <p:par>
-                          <p:cTn id="24" fill="hold">
-                            <p:stCondLst>
-                              <p:cond delay="0"/>
-                            </p:stCondLst>
-                            <p:childTnLst>
-                              <p:par>
-                                <p:cTn id="25" presetID="1" presetClass="entr" presetSubtype="0" fill="hold" nodeType="clickEffect">
-                                  <p:stCondLst>
-                                    <p:cond delay="0"/>
-                                  </p:stCondLst>
-                                  <p:childTnLst>
-                                    <p:set>
-                                      <p:cBhvr>
-                                        <p:cTn id="26" dur="1" fill="hold">
                                           <p:stCondLst>
                                             <p:cond delay="0"/>
                                           </p:stCondLst>
@@ -9178,7 +12572,7 @@
 </p:sld>
 </file>
 
-<file path=ppt/slides/slide28.xml><?xml version="1.0" encoding="utf-8"?>
+<file path=ppt/slides/slide32.xml><?xml version="1.0" encoding="utf-8"?>
 <p:sld xmlns:a="http://schemas.openxmlformats.org/drawingml/2006/main" xmlns:r="http://schemas.openxmlformats.org/officeDocument/2006/relationships" xmlns:p="http://schemas.openxmlformats.org/presentationml/2006/main">
   <p:cSld>
     <p:spTree>
@@ -9335,7 +12729,7 @@
 </p:sld>
 </file>
 
-<file path=ppt/slides/slide29.xml><?xml version="1.0" encoding="utf-8"?>
+<file path=ppt/slides/slide33.xml><?xml version="1.0" encoding="utf-8"?>
 <p:sld xmlns:a="http://schemas.openxmlformats.org/drawingml/2006/main" xmlns:r="http://schemas.openxmlformats.org/officeDocument/2006/relationships" xmlns:p="http://schemas.openxmlformats.org/presentationml/2006/main">
   <p:cSld>
     <p:spTree>
@@ -9472,7 +12866,7 @@
 </p:sld>
 </file>
 
-<file path=ppt/slides/slide3.xml><?xml version="1.0" encoding="utf-8"?>
+<file path=ppt/slides/slide34.xml><?xml version="1.0" encoding="utf-8"?>
 <p:sld xmlns:a="http://schemas.openxmlformats.org/drawingml/2006/main" xmlns:r="http://schemas.openxmlformats.org/officeDocument/2006/relationships" xmlns:p="http://schemas.openxmlformats.org/presentationml/2006/main">
   <p:cSld>
     <p:spTree>
@@ -9494,7 +12888,7 @@
           <p:cNvPr id="2" name="Title 1">
             <a:extLst>
               <a:ext uri="{FF2B5EF4-FFF2-40B4-BE49-F238E27FC236}">
-                <a16:creationId xmlns:a16="http://schemas.microsoft.com/office/drawing/2014/main" id="{403EBD64-268B-E6CF-38C5-3C31CDBB4AC4}"/>
+                <a16:creationId xmlns:a16="http://schemas.microsoft.com/office/drawing/2014/main" id="{2FD3616C-0D10-7B72-0A69-4BE05F4392D2}"/>
               </a:ext>
             </a:extLst>
           </p:cNvPr>
@@ -9512,7 +12906,66 @@
           <a:p>
             <a:r>
               <a:rPr lang="en-US" dirty="0"/>
-              <a:t>VWP 101: What is it?</a:t>
+              <a:t>VWP 101: L2 Prediction</a:t>
+            </a:r>
+          </a:p>
+        </p:txBody>
+      </p:sp>
+      <p:sp>
+        <p:nvSpPr>
+          <p:cNvPr id="3" name="Content Placeholder 2">
+            <a:extLst>
+              <a:ext uri="{FF2B5EF4-FFF2-40B4-BE49-F238E27FC236}">
+                <a16:creationId xmlns:a16="http://schemas.microsoft.com/office/drawing/2014/main" id="{C354DF94-F343-454B-9BE5-305C2E89AA7E}"/>
+              </a:ext>
+            </a:extLst>
+          </p:cNvPr>
+          <p:cNvSpPr>
+            <a:spLocks noGrp="1"/>
+          </p:cNvSpPr>
+          <p:nvPr>
+            <p:ph idx="1"/>
+          </p:nvPr>
+        </p:nvSpPr>
+        <p:spPr/>
+        <p:txBody>
+          <a:bodyPr>
+            <a:normAutofit/>
+          </a:bodyPr>
+          <a:lstStyle/>
+          <a:p>
+            <a:r>
+              <a:rPr lang="en-US" sz="2400" dirty="0"/>
+              <a:t>L2 language processing is typically more cognitively demanding than L1 processing</a:t>
+            </a:r>
+          </a:p>
+          <a:p>
+            <a:r>
+              <a:rPr lang="en-US" sz="2400" dirty="0"/>
+              <a:t>L2 processing is less automatized</a:t>
+            </a:r>
+          </a:p>
+          <a:p>
+            <a:pPr lvl="1"/>
+            <a:r>
+              <a:rPr lang="en-US" sz="2000" dirty="0"/>
+              <a:t>Slower lexical access</a:t>
+            </a:r>
+          </a:p>
+          <a:p>
+            <a:pPr lvl="1"/>
+            <a:r>
+              <a:rPr lang="en-US" sz="2000" dirty="0"/>
+              <a:t>Weaker syntactic representations</a:t>
+            </a:r>
+          </a:p>
+          <a:p>
+            <a:endParaRPr lang="en-US" sz="2400" dirty="0"/>
+          </a:p>
+          <a:p>
+            <a:r>
+              <a:rPr lang="en-US" sz="2400" dirty="0"/>
+              <a:t>Unidirectional interference from L1</a:t>
             </a:r>
           </a:p>
         </p:txBody>
@@ -9522,7 +12975,7 @@
           <p:cNvPr id="4" name="Footer Placeholder 3">
             <a:extLst>
               <a:ext uri="{FF2B5EF4-FFF2-40B4-BE49-F238E27FC236}">
-                <a16:creationId xmlns:a16="http://schemas.microsoft.com/office/drawing/2014/main" id="{A04F4DB8-8CEA-1940-F8B5-9FCF712704DF}"/>
+                <a16:creationId xmlns:a16="http://schemas.microsoft.com/office/drawing/2014/main" id="{4CABF8FB-D219-AC3C-531D-2E7BA0BE3EE8}"/>
               </a:ext>
             </a:extLst>
           </p:cNvPr>
@@ -9538,145 +12991,14 @@
           <a:bodyPr/>
           <a:lstStyle/>
           <a:p>
-            <a:r>
-              <a:rPr lang="en-US" dirty="0"/>
-              <a:t>Altmann 1999</a:t>
-            </a:r>
-          </a:p>
-        </p:txBody>
-      </p:sp>
-      <p:pic>
-        <p:nvPicPr>
-          <p:cNvPr id="5" name="Picture 4">
-            <a:extLst>
-              <a:ext uri="{FF2B5EF4-FFF2-40B4-BE49-F238E27FC236}">
-                <a16:creationId xmlns:a16="http://schemas.microsoft.com/office/drawing/2014/main" id="{AAE2456D-D081-9593-6DAA-B22AAF3EE118}"/>
-              </a:ext>
-            </a:extLst>
-          </p:cNvPr>
-          <p:cNvPicPr>
-            <a:picLocks noChangeAspect="1"/>
-          </p:cNvPicPr>
-          <p:nvPr/>
-        </p:nvPicPr>
-        <p:blipFill>
-          <a:blip r:embed="rId2"/>
-          <a:stretch>
-            <a:fillRect/>
-          </a:stretch>
-        </p:blipFill>
-        <p:spPr>
-          <a:xfrm>
-            <a:off x="3372258" y="2165318"/>
-            <a:ext cx="5447482" cy="4058606"/>
-          </a:xfrm>
-          <a:prstGeom prst="rect">
-            <a:avLst/>
-          </a:prstGeom>
-        </p:spPr>
-      </p:pic>
-      <p:sp>
-        <p:nvSpPr>
-          <p:cNvPr id="8" name="Speech Bubble: Oval 7">
-            <a:extLst>
-              <a:ext uri="{FF2B5EF4-FFF2-40B4-BE49-F238E27FC236}">
-                <a16:creationId xmlns:a16="http://schemas.microsoft.com/office/drawing/2014/main" id="{980B199C-B3E7-D489-EFB3-863743BD1854}"/>
-              </a:ext>
-            </a:extLst>
-          </p:cNvPr>
-          <p:cNvSpPr/>
-          <p:nvPr/>
-        </p:nvSpPr>
-        <p:spPr>
-          <a:xfrm>
-            <a:off x="451514" y="2062299"/>
-            <a:ext cx="2698595" cy="3100039"/>
-          </a:xfrm>
-          <a:prstGeom prst="wedgeEllipseCallout">
-            <a:avLst/>
-          </a:prstGeom>
-        </p:spPr>
-        <p:style>
-          <a:lnRef idx="2">
-            <a:schemeClr val="accent1">
-              <a:shade val="15000"/>
-            </a:schemeClr>
-          </a:lnRef>
-          <a:fillRef idx="1">
-            <a:schemeClr val="accent1"/>
-          </a:fillRef>
-          <a:effectRef idx="0">
-            <a:schemeClr val="accent1"/>
-          </a:effectRef>
-          <a:fontRef idx="minor">
-            <a:schemeClr val="lt1"/>
-          </a:fontRef>
-        </p:style>
-        <p:txBody>
-          <a:bodyPr rtlCol="0" anchor="ctr"/>
-          <a:lstStyle/>
-          <a:p>
-            <a:pPr algn="ctr"/>
-            <a:r>
-              <a:rPr lang="en-US" sz="2800" dirty="0"/>
-              <a:t>The boy will move the cake</a:t>
-            </a:r>
-          </a:p>
-        </p:txBody>
-      </p:sp>
-      <p:sp>
-        <p:nvSpPr>
-          <p:cNvPr id="9" name="Speech Bubble: Oval 8">
-            <a:extLst>
-              <a:ext uri="{FF2B5EF4-FFF2-40B4-BE49-F238E27FC236}">
-                <a16:creationId xmlns:a16="http://schemas.microsoft.com/office/drawing/2014/main" id="{A6C7CBBC-FF9E-B5A9-8BF7-F49EE081E48C}"/>
-              </a:ext>
-            </a:extLst>
-          </p:cNvPr>
-          <p:cNvSpPr/>
-          <p:nvPr/>
-        </p:nvSpPr>
-        <p:spPr>
-          <a:xfrm>
-            <a:off x="9249150" y="2062298"/>
-            <a:ext cx="2698595" cy="3100039"/>
-          </a:xfrm>
-          <a:prstGeom prst="wedgeEllipseCallout">
-            <a:avLst/>
-          </a:prstGeom>
-        </p:spPr>
-        <p:style>
-          <a:lnRef idx="2">
-            <a:schemeClr val="accent1">
-              <a:shade val="15000"/>
-            </a:schemeClr>
-          </a:lnRef>
-          <a:fillRef idx="1">
-            <a:schemeClr val="accent1"/>
-          </a:fillRef>
-          <a:effectRef idx="0">
-            <a:schemeClr val="accent1"/>
-          </a:effectRef>
-          <a:fontRef idx="minor">
-            <a:schemeClr val="lt1"/>
-          </a:fontRef>
-        </p:style>
-        <p:txBody>
-          <a:bodyPr rtlCol="0" anchor="ctr"/>
-          <a:lstStyle/>
-          <a:p>
-            <a:pPr algn="ctr"/>
-            <a:r>
-              <a:rPr lang="en-US" sz="2800" dirty="0"/>
-              <a:t>The boy will eat the cake</a:t>
-            </a:r>
+            <a:endParaRPr lang="en-US"/>
           </a:p>
         </p:txBody>
       </p:sp>
     </p:spTree>
     <p:extLst>
       <p:ext uri="{BB962C8B-B14F-4D97-AF65-F5344CB8AC3E}">
-        <p14:creationId xmlns:p14="http://schemas.microsoft.com/office/powerpoint/2010/main" val="1833058368"/>
+        <p14:creationId xmlns:p14="http://schemas.microsoft.com/office/powerpoint/2010/main" val="958401395"/>
       </p:ext>
     </p:extLst>
   </p:cSld>
@@ -9686,7 +13008,7 @@
 </p:sld>
 </file>
 
-<file path=ppt/slides/slide30.xml><?xml version="1.0" encoding="utf-8"?>
+<file path=ppt/slides/slide35.xml><?xml version="1.0" encoding="utf-8"?>
 <p:sld xmlns:a="http://schemas.openxmlformats.org/drawingml/2006/main" xmlns:r="http://schemas.openxmlformats.org/officeDocument/2006/relationships" xmlns:p="http://schemas.openxmlformats.org/presentationml/2006/main">
   <p:cSld>
     <p:spTree>
@@ -9708,148 +13030,6 @@
           <p:cNvPr id="2" name="Title 1">
             <a:extLst>
               <a:ext uri="{FF2B5EF4-FFF2-40B4-BE49-F238E27FC236}">
-                <a16:creationId xmlns:a16="http://schemas.microsoft.com/office/drawing/2014/main" id="{2FD3616C-0D10-7B72-0A69-4BE05F4392D2}"/>
-              </a:ext>
-            </a:extLst>
-          </p:cNvPr>
-          <p:cNvSpPr>
-            <a:spLocks noGrp="1"/>
-          </p:cNvSpPr>
-          <p:nvPr>
-            <p:ph type="title"/>
-          </p:nvPr>
-        </p:nvSpPr>
-        <p:spPr/>
-        <p:txBody>
-          <a:bodyPr/>
-          <a:lstStyle/>
-          <a:p>
-            <a:r>
-              <a:rPr lang="en-US" dirty="0"/>
-              <a:t>VWP 101: L2 Prediction</a:t>
-            </a:r>
-          </a:p>
-        </p:txBody>
-      </p:sp>
-      <p:sp>
-        <p:nvSpPr>
-          <p:cNvPr id="3" name="Content Placeholder 2">
-            <a:extLst>
-              <a:ext uri="{FF2B5EF4-FFF2-40B4-BE49-F238E27FC236}">
-                <a16:creationId xmlns:a16="http://schemas.microsoft.com/office/drawing/2014/main" id="{C354DF94-F343-454B-9BE5-305C2E89AA7E}"/>
-              </a:ext>
-            </a:extLst>
-          </p:cNvPr>
-          <p:cNvSpPr>
-            <a:spLocks noGrp="1"/>
-          </p:cNvSpPr>
-          <p:nvPr>
-            <p:ph idx="1"/>
-          </p:nvPr>
-        </p:nvSpPr>
-        <p:spPr/>
-        <p:txBody>
-          <a:bodyPr>
-            <a:normAutofit/>
-          </a:bodyPr>
-          <a:lstStyle/>
-          <a:p>
-            <a:r>
-              <a:rPr lang="en-US" sz="2400" dirty="0"/>
-              <a:t>L2 language processing is typically more cognitively demanding than L1 processing</a:t>
-            </a:r>
-          </a:p>
-          <a:p>
-            <a:r>
-              <a:rPr lang="en-US" sz="2400" dirty="0"/>
-              <a:t>L2 processing is less automatized</a:t>
-            </a:r>
-          </a:p>
-          <a:p>
-            <a:pPr lvl="1"/>
-            <a:r>
-              <a:rPr lang="en-US" sz="2000" dirty="0"/>
-              <a:t>Slower lexical access</a:t>
-            </a:r>
-          </a:p>
-          <a:p>
-            <a:pPr lvl="1"/>
-            <a:r>
-              <a:rPr lang="en-US" sz="2000" dirty="0"/>
-              <a:t>Weaker syntactic representations</a:t>
-            </a:r>
-          </a:p>
-          <a:p>
-            <a:endParaRPr lang="en-US" sz="2400" dirty="0"/>
-          </a:p>
-          <a:p>
-            <a:r>
-              <a:rPr lang="en-US" sz="2400" dirty="0"/>
-              <a:t>Unidirectional interference from L1</a:t>
-            </a:r>
-          </a:p>
-        </p:txBody>
-      </p:sp>
-      <p:sp>
-        <p:nvSpPr>
-          <p:cNvPr id="4" name="Footer Placeholder 3">
-            <a:extLst>
-              <a:ext uri="{FF2B5EF4-FFF2-40B4-BE49-F238E27FC236}">
-                <a16:creationId xmlns:a16="http://schemas.microsoft.com/office/drawing/2014/main" id="{4CABF8FB-D219-AC3C-531D-2E7BA0BE3EE8}"/>
-              </a:ext>
-            </a:extLst>
-          </p:cNvPr>
-          <p:cNvSpPr>
-            <a:spLocks noGrp="1"/>
-          </p:cNvSpPr>
-          <p:nvPr>
-            <p:ph type="ftr" sz="quarter" idx="11"/>
-          </p:nvPr>
-        </p:nvSpPr>
-        <p:spPr/>
-        <p:txBody>
-          <a:bodyPr/>
-          <a:lstStyle/>
-          <a:p>
-            <a:endParaRPr lang="en-US"/>
-          </a:p>
-        </p:txBody>
-      </p:sp>
-    </p:spTree>
-    <p:extLst>
-      <p:ext uri="{BB962C8B-B14F-4D97-AF65-F5344CB8AC3E}">
-        <p14:creationId xmlns:p14="http://schemas.microsoft.com/office/powerpoint/2010/main" val="958401395"/>
-      </p:ext>
-    </p:extLst>
-  </p:cSld>
-  <p:clrMapOvr>
-    <a:masterClrMapping/>
-  </p:clrMapOvr>
-</p:sld>
-</file>
-
-<file path=ppt/slides/slide31.xml><?xml version="1.0" encoding="utf-8"?>
-<p:sld xmlns:a="http://schemas.openxmlformats.org/drawingml/2006/main" xmlns:r="http://schemas.openxmlformats.org/officeDocument/2006/relationships" xmlns:p="http://schemas.openxmlformats.org/presentationml/2006/main">
-  <p:cSld>
-    <p:spTree>
-      <p:nvGrpSpPr>
-        <p:cNvPr id="1" name=""/>
-        <p:cNvGrpSpPr/>
-        <p:nvPr/>
-      </p:nvGrpSpPr>
-      <p:grpSpPr>
-        <a:xfrm>
-          <a:off x="0" y="0"/>
-          <a:ext cx="0" cy="0"/>
-          <a:chOff x="0" y="0"/>
-          <a:chExt cx="0" cy="0"/>
-        </a:xfrm>
-      </p:grpSpPr>
-      <p:sp>
-        <p:nvSpPr>
-          <p:cNvPr id="2" name="Title 1">
-            <a:extLst>
-              <a:ext uri="{FF2B5EF4-FFF2-40B4-BE49-F238E27FC236}">
                 <a16:creationId xmlns:a16="http://schemas.microsoft.com/office/drawing/2014/main" id="{FFA0EAB1-0E1D-528A-B80E-C52665656692}"/>
               </a:ext>
             </a:extLst>
@@ -9964,7 +13144,7 @@
 </p:sld>
 </file>
 
-<file path=ppt/slides/slide32.xml><?xml version="1.0" encoding="utf-8"?>
+<file path=ppt/slides/slide36.xml><?xml version="1.0" encoding="utf-8"?>
 <p:sld xmlns:a="http://schemas.openxmlformats.org/drawingml/2006/main" xmlns:r="http://schemas.openxmlformats.org/officeDocument/2006/relationships" xmlns:p="http://schemas.openxmlformats.org/presentationml/2006/main">
   <p:cSld>
     <p:spTree>
@@ -10298,7 +13478,7 @@
           <a:bodyPr/>
           <a:lstStyle/>
           <a:p>
-            <a:endParaRPr lang="en-US"/>
+            <a:endParaRPr lang="en-US" dirty="0"/>
           </a:p>
         </p:txBody>
       </p:sp>
@@ -10527,7 +13707,7 @@
           <p:nvPr/>
         </p:nvPicPr>
         <p:blipFill>
-          <a:blip r:embed="rId2"/>
+          <a:blip r:embed="rId3"/>
           <a:stretch>
             <a:fillRect/>
           </a:stretch>
@@ -10759,7 +13939,7 @@
           <p:nvPr/>
         </p:nvPicPr>
         <p:blipFill>
-          <a:blip r:embed="rId2"/>
+          <a:blip r:embed="rId3"/>
           <a:stretch>
             <a:fillRect/>
           </a:stretch>
@@ -10991,7 +14171,7 @@
           <p:nvPr/>
         </p:nvPicPr>
         <p:blipFill>
-          <a:blip r:embed="rId2"/>
+          <a:blip r:embed="rId3"/>
           <a:stretch>
             <a:fillRect/>
           </a:stretch>
@@ -11228,7 +14408,7 @@
           <p:nvPr/>
         </p:nvPicPr>
         <p:blipFill>
-          <a:blip r:embed="rId2"/>
+          <a:blip r:embed="rId3"/>
           <a:stretch>
             <a:fillRect/>
           </a:stretch>
@@ -11491,4 +14671,299 @@
     </a:ext>
   </a:extLst>
 </a:theme>
+</file>
+
+<file path=ppt/theme/theme2.xml><?xml version="1.0" encoding="utf-8"?>
+<a:theme xmlns:a="http://schemas.openxmlformats.org/drawingml/2006/main" name="Office Theme">
+  <a:themeElements>
+    <a:clrScheme name="Office">
+      <a:dk1>
+        <a:sysClr val="windowText" lastClr="000000"/>
+      </a:dk1>
+      <a:lt1>
+        <a:sysClr val="window" lastClr="FFFFFF"/>
+      </a:lt1>
+      <a:dk2>
+        <a:srgbClr val="44546A"/>
+      </a:dk2>
+      <a:lt2>
+        <a:srgbClr val="E7E6E6"/>
+      </a:lt2>
+      <a:accent1>
+        <a:srgbClr val="4472C4"/>
+      </a:accent1>
+      <a:accent2>
+        <a:srgbClr val="ED7D31"/>
+      </a:accent2>
+      <a:accent3>
+        <a:srgbClr val="A5A5A5"/>
+      </a:accent3>
+      <a:accent4>
+        <a:srgbClr val="FFC000"/>
+      </a:accent4>
+      <a:accent5>
+        <a:srgbClr val="5B9BD5"/>
+      </a:accent5>
+      <a:accent6>
+        <a:srgbClr val="70AD47"/>
+      </a:accent6>
+      <a:hlink>
+        <a:srgbClr val="0563C1"/>
+      </a:hlink>
+      <a:folHlink>
+        <a:srgbClr val="954F72"/>
+      </a:folHlink>
+    </a:clrScheme>
+    <a:fontScheme name="Office">
+      <a:majorFont>
+        <a:latin typeface="Calibri Light" panose="020F0302020204030204"/>
+        <a:ea typeface=""/>
+        <a:cs typeface=""/>
+        <a:font script="Jpan" typeface="游ゴシック Light"/>
+        <a:font script="Hang" typeface="맑은 고딕"/>
+        <a:font script="Hans" typeface="等线 Light"/>
+        <a:font script="Hant" typeface="新細明體"/>
+        <a:font script="Arab" typeface="Times New Roman"/>
+        <a:font script="Hebr" typeface="Times New Roman"/>
+        <a:font script="Thai" typeface="Angsana New"/>
+        <a:font script="Ethi" typeface="Nyala"/>
+        <a:font script="Beng" typeface="Vrinda"/>
+        <a:font script="Gujr" typeface="Shruti"/>
+        <a:font script="Khmr" typeface="MoolBoran"/>
+        <a:font script="Knda" typeface="Tunga"/>
+        <a:font script="Guru" typeface="Raavi"/>
+        <a:font script="Cans" typeface="Euphemia"/>
+        <a:font script="Cher" typeface="Plantagenet Cherokee"/>
+        <a:font script="Yiii" typeface="Microsoft Yi Baiti"/>
+        <a:font script="Tibt" typeface="Microsoft Himalaya"/>
+        <a:font script="Thaa" typeface="MV Boli"/>
+        <a:font script="Deva" typeface="Mangal"/>
+        <a:font script="Telu" typeface="Gautami"/>
+        <a:font script="Taml" typeface="Latha"/>
+        <a:font script="Syrc" typeface="Estrangelo Edessa"/>
+        <a:font script="Orya" typeface="Kalinga"/>
+        <a:font script="Mlym" typeface="Kartika"/>
+        <a:font script="Laoo" typeface="DokChampa"/>
+        <a:font script="Sinh" typeface="Iskoola Pota"/>
+        <a:font script="Mong" typeface="Mongolian Baiti"/>
+        <a:font script="Viet" typeface="Times New Roman"/>
+        <a:font script="Uigh" typeface="Microsoft Uighur"/>
+        <a:font script="Geor" typeface="Sylfaen"/>
+        <a:font script="Armn" typeface="Arial"/>
+        <a:font script="Bugi" typeface="Leelawadee UI"/>
+        <a:font script="Bopo" typeface="Microsoft JhengHei"/>
+        <a:font script="Java" typeface="Javanese Text"/>
+        <a:font script="Lisu" typeface="Segoe UI"/>
+        <a:font script="Mymr" typeface="Myanmar Text"/>
+        <a:font script="Nkoo" typeface="Ebrima"/>
+        <a:font script="Olck" typeface="Nirmala UI"/>
+        <a:font script="Osma" typeface="Ebrima"/>
+        <a:font script="Phag" typeface="Phagspa"/>
+        <a:font script="Syrn" typeface="Estrangelo Edessa"/>
+        <a:font script="Syrj" typeface="Estrangelo Edessa"/>
+        <a:font script="Syre" typeface="Estrangelo Edessa"/>
+        <a:font script="Sora" typeface="Nirmala UI"/>
+        <a:font script="Tale" typeface="Microsoft Tai Le"/>
+        <a:font script="Talu" typeface="Microsoft New Tai Lue"/>
+        <a:font script="Tfng" typeface="Ebrima"/>
+      </a:majorFont>
+      <a:minorFont>
+        <a:latin typeface="Calibri" panose="020F0502020204030204"/>
+        <a:ea typeface=""/>
+        <a:cs typeface=""/>
+        <a:font script="Jpan" typeface="游ゴシック"/>
+        <a:font script="Hang" typeface="맑은 고딕"/>
+        <a:font script="Hans" typeface="等线"/>
+        <a:font script="Hant" typeface="新細明體"/>
+        <a:font script="Arab" typeface="Arial"/>
+        <a:font script="Hebr" typeface="Arial"/>
+        <a:font script="Thai" typeface="Cordia New"/>
+        <a:font script="Ethi" typeface="Nyala"/>
+        <a:font script="Beng" typeface="Vrinda"/>
+        <a:font script="Gujr" typeface="Shruti"/>
+        <a:font script="Khmr" typeface="DaunPenh"/>
+        <a:font script="Knda" typeface="Tunga"/>
+        <a:font script="Guru" typeface="Raavi"/>
+        <a:font script="Cans" typeface="Euphemia"/>
+        <a:font script="Cher" typeface="Plantagenet Cherokee"/>
+        <a:font script="Yiii" typeface="Microsoft Yi Baiti"/>
+        <a:font script="Tibt" typeface="Microsoft Himalaya"/>
+        <a:font script="Thaa" typeface="MV Boli"/>
+        <a:font script="Deva" typeface="Mangal"/>
+        <a:font script="Telu" typeface="Gautami"/>
+        <a:font script="Taml" typeface="Latha"/>
+        <a:font script="Syrc" typeface="Estrangelo Edessa"/>
+        <a:font script="Orya" typeface="Kalinga"/>
+        <a:font script="Mlym" typeface="Kartika"/>
+        <a:font script="Laoo" typeface="DokChampa"/>
+        <a:font script="Sinh" typeface="Iskoola Pota"/>
+        <a:font script="Mong" typeface="Mongolian Baiti"/>
+        <a:font script="Viet" typeface="Arial"/>
+        <a:font script="Uigh" typeface="Microsoft Uighur"/>
+        <a:font script="Geor" typeface="Sylfaen"/>
+        <a:font script="Armn" typeface="Arial"/>
+        <a:font script="Bugi" typeface="Leelawadee UI"/>
+        <a:font script="Bopo" typeface="Microsoft JhengHei"/>
+        <a:font script="Java" typeface="Javanese Text"/>
+        <a:font script="Lisu" typeface="Segoe UI"/>
+        <a:font script="Mymr" typeface="Myanmar Text"/>
+        <a:font script="Nkoo" typeface="Ebrima"/>
+        <a:font script="Olck" typeface="Nirmala UI"/>
+        <a:font script="Osma" typeface="Ebrima"/>
+        <a:font script="Phag" typeface="Phagspa"/>
+        <a:font script="Syrn" typeface="Estrangelo Edessa"/>
+        <a:font script="Syrj" typeface="Estrangelo Edessa"/>
+        <a:font script="Syre" typeface="Estrangelo Edessa"/>
+        <a:font script="Sora" typeface="Nirmala UI"/>
+        <a:font script="Tale" typeface="Microsoft Tai Le"/>
+        <a:font script="Talu" typeface="Microsoft New Tai Lue"/>
+        <a:font script="Tfng" typeface="Ebrima"/>
+      </a:minorFont>
+    </a:fontScheme>
+    <a:fmtScheme name="Office">
+      <a:fillStyleLst>
+        <a:solidFill>
+          <a:schemeClr val="phClr"/>
+        </a:solidFill>
+        <a:gradFill rotWithShape="1">
+          <a:gsLst>
+            <a:gs pos="0">
+              <a:schemeClr val="phClr">
+                <a:lumMod val="110000"/>
+                <a:satMod val="105000"/>
+                <a:tint val="67000"/>
+              </a:schemeClr>
+            </a:gs>
+            <a:gs pos="50000">
+              <a:schemeClr val="phClr">
+                <a:lumMod val="105000"/>
+                <a:satMod val="103000"/>
+                <a:tint val="73000"/>
+              </a:schemeClr>
+            </a:gs>
+            <a:gs pos="100000">
+              <a:schemeClr val="phClr">
+                <a:lumMod val="105000"/>
+                <a:satMod val="109000"/>
+                <a:tint val="81000"/>
+              </a:schemeClr>
+            </a:gs>
+          </a:gsLst>
+          <a:lin ang="5400000" scaled="0"/>
+        </a:gradFill>
+        <a:gradFill rotWithShape="1">
+          <a:gsLst>
+            <a:gs pos="0">
+              <a:schemeClr val="phClr">
+                <a:satMod val="103000"/>
+                <a:lumMod val="102000"/>
+                <a:tint val="94000"/>
+              </a:schemeClr>
+            </a:gs>
+            <a:gs pos="50000">
+              <a:schemeClr val="phClr">
+                <a:satMod val="110000"/>
+                <a:lumMod val="100000"/>
+                <a:shade val="100000"/>
+              </a:schemeClr>
+            </a:gs>
+            <a:gs pos="100000">
+              <a:schemeClr val="phClr">
+                <a:lumMod val="99000"/>
+                <a:satMod val="120000"/>
+                <a:shade val="78000"/>
+              </a:schemeClr>
+            </a:gs>
+          </a:gsLst>
+          <a:lin ang="5400000" scaled="0"/>
+        </a:gradFill>
+      </a:fillStyleLst>
+      <a:lnStyleLst>
+        <a:ln w="6350" cap="flat" cmpd="sng" algn="ctr">
+          <a:solidFill>
+            <a:schemeClr val="phClr"/>
+          </a:solidFill>
+          <a:prstDash val="solid"/>
+          <a:miter lim="800000"/>
+        </a:ln>
+        <a:ln w="12700" cap="flat" cmpd="sng" algn="ctr">
+          <a:solidFill>
+            <a:schemeClr val="phClr"/>
+          </a:solidFill>
+          <a:prstDash val="solid"/>
+          <a:miter lim="800000"/>
+        </a:ln>
+        <a:ln w="19050" cap="flat" cmpd="sng" algn="ctr">
+          <a:solidFill>
+            <a:schemeClr val="phClr"/>
+          </a:solidFill>
+          <a:prstDash val="solid"/>
+          <a:miter lim="800000"/>
+        </a:ln>
+      </a:lnStyleLst>
+      <a:effectStyleLst>
+        <a:effectStyle>
+          <a:effectLst/>
+        </a:effectStyle>
+        <a:effectStyle>
+          <a:effectLst/>
+        </a:effectStyle>
+        <a:effectStyle>
+          <a:effectLst>
+            <a:outerShdw blurRad="57150" dist="19050" dir="5400000" algn="ctr" rotWithShape="0">
+              <a:srgbClr val="000000">
+                <a:alpha val="63000"/>
+              </a:srgbClr>
+            </a:outerShdw>
+          </a:effectLst>
+        </a:effectStyle>
+      </a:effectStyleLst>
+      <a:bgFillStyleLst>
+        <a:solidFill>
+          <a:schemeClr val="phClr"/>
+        </a:solidFill>
+        <a:solidFill>
+          <a:schemeClr val="phClr">
+            <a:tint val="95000"/>
+            <a:satMod val="170000"/>
+          </a:schemeClr>
+        </a:solidFill>
+        <a:gradFill rotWithShape="1">
+          <a:gsLst>
+            <a:gs pos="0">
+              <a:schemeClr val="phClr">
+                <a:tint val="93000"/>
+                <a:satMod val="150000"/>
+                <a:shade val="98000"/>
+                <a:lumMod val="102000"/>
+              </a:schemeClr>
+            </a:gs>
+            <a:gs pos="50000">
+              <a:schemeClr val="phClr">
+                <a:tint val="98000"/>
+                <a:satMod val="130000"/>
+                <a:shade val="90000"/>
+                <a:lumMod val="103000"/>
+              </a:schemeClr>
+            </a:gs>
+            <a:gs pos="100000">
+              <a:schemeClr val="phClr">
+                <a:shade val="63000"/>
+                <a:satMod val="120000"/>
+              </a:schemeClr>
+            </a:gs>
+          </a:gsLst>
+          <a:lin ang="5400000" scaled="0"/>
+        </a:gradFill>
+      </a:bgFillStyleLst>
+    </a:fmtScheme>
+  </a:themeElements>
+  <a:objectDefaults/>
+  <a:extraClrSchemeLst/>
+  <a:extLst>
+    <a:ext uri="{05A4C25C-085E-4340-85A3-A5531E510DB2}">
+      <thm15:themeFamily xmlns:thm15="http://schemas.microsoft.com/office/thememl/2012/main" name="Office Theme" id="{62F939B6-93AF-4DB8-9C6B-D6C7DFDC589F}" vid="{4A3C46E8-61CC-4603-A589-7422A47A8E4A}"/>
+    </a:ext>
+  </a:extLst>
+</a:theme>
 </file>